--- a/01 Classes/Aula 09 - Algoritmos e Complexidade - Programação Dinâmica.pptx
+++ b/01 Classes/Aula 09 - Algoritmos e Complexidade - Programação Dinâmica.pptx
@@ -3935,7 +3935,7 @@
               </a:rPr>
             </a:br>
             <a:r>
-              <a:rPr lang="pt-BR" b="1">
+              <a:rPr lang="pt-BR" b="1" dirty="0">
                 <a:solidFill>
                   <a:schemeClr val="bg1"/>
                 </a:solidFill>
@@ -3963,7 +3963,7 @@
                   <a:schemeClr val="bg1"/>
                 </a:solidFill>
               </a:rPr>
-              <a:t>Contextualização</a:t>
+              <a:t>Programação Dinâmica</a:t>
             </a:r>
           </a:p>
         </p:txBody>
@@ -4360,7 +4360,23 @@
                   <a:srgbClr val="0070C0"/>
                 </a:solidFill>
               </a:rPr>
-              <a:t>Contextualização</a:t>
+              <a:t>Programação</a:t>
+            </a:r>
+            <a:r>
+              <a:rPr lang="en-US" b="1" dirty="0">
+                <a:solidFill>
+                  <a:srgbClr val="0070C0"/>
+                </a:solidFill>
+              </a:rPr>
+              <a:t> </a:t>
+            </a:r>
+            <a:r>
+              <a:rPr lang="en-US" b="1">
+                <a:solidFill>
+                  <a:srgbClr val="0070C0"/>
+                </a:solidFill>
+              </a:rPr>
+              <a:t>Dinâmica</a:t>
             </a:r>
             <a:endParaRPr lang="en-US" b="1" dirty="0">
               <a:solidFill>

--- a/01 Classes/Aula 09 - Algoritmos e Complexidade - Programação Dinâmica.pptx
+++ b/01 Classes/Aula 09 - Algoritmos e Complexidade - Programação Dinâmica.pptx
@@ -5,17 +5,28 @@
     <p:sldMasterId id="2147483648" r:id="rId1"/>
   </p:sldMasterIdLst>
   <p:notesMasterIdLst>
-    <p:notesMasterId r:id="rId10"/>
+    <p:notesMasterId r:id="rId21"/>
   </p:notesMasterIdLst>
   <p:sldIdLst>
     <p:sldId id="256" r:id="rId2"/>
     <p:sldId id="291" r:id="rId3"/>
-    <p:sldId id="331" r:id="rId4"/>
-    <p:sldId id="333" r:id="rId5"/>
-    <p:sldId id="323" r:id="rId6"/>
-    <p:sldId id="334" r:id="rId7"/>
-    <p:sldId id="337" r:id="rId8"/>
-    <p:sldId id="309" r:id="rId9"/>
+    <p:sldId id="346" r:id="rId4"/>
+    <p:sldId id="331" r:id="rId5"/>
+    <p:sldId id="343" r:id="rId6"/>
+    <p:sldId id="338" r:id="rId7"/>
+    <p:sldId id="339" r:id="rId8"/>
+    <p:sldId id="340" r:id="rId9"/>
+    <p:sldId id="341" r:id="rId10"/>
+    <p:sldId id="342" r:id="rId11"/>
+    <p:sldId id="347" r:id="rId12"/>
+    <p:sldId id="348" r:id="rId13"/>
+    <p:sldId id="333" r:id="rId14"/>
+    <p:sldId id="323" r:id="rId15"/>
+    <p:sldId id="334" r:id="rId16"/>
+    <p:sldId id="344" r:id="rId17"/>
+    <p:sldId id="345" r:id="rId18"/>
+    <p:sldId id="337" r:id="rId19"/>
+    <p:sldId id="309" r:id="rId20"/>
   </p:sldIdLst>
   <p:sldSz cx="9144000" cy="5143500" type="screen16x9"/>
   <p:notesSz cx="6858000" cy="9144000"/>
@@ -562,7 +573,175 @@
 </p:notes>
 </file>
 
-<file path=ppt/notesSlides/notesSlide2.xml><?xml version="1.0" encoding="utf-8"?>
+<file path=ppt/notesSlides/notesSlide10.xml><?xml version="1.0" encoding="utf-8"?>
+<p:notes xmlns:a="http://schemas.openxmlformats.org/drawingml/2006/main" xmlns:r="http://schemas.openxmlformats.org/officeDocument/2006/relationships" xmlns:p="http://schemas.openxmlformats.org/presentationml/2006/main">
+  <p:cSld>
+    <p:spTree>
+      <p:nvGrpSpPr>
+        <p:cNvPr id="1" name="">
+          <a:extLst>
+            <a:ext uri="{FF2B5EF4-FFF2-40B4-BE49-F238E27FC236}">
+              <a16:creationId xmlns:a16="http://schemas.microsoft.com/office/drawing/2014/main" id="{1924BF94-470E-A189-410A-303EF481B5FA}"/>
+            </a:ext>
+          </a:extLst>
+        </p:cNvPr>
+        <p:cNvGrpSpPr/>
+        <p:nvPr/>
+      </p:nvGrpSpPr>
+      <p:grpSpPr>
+        <a:xfrm>
+          <a:off x="0" y="0"/>
+          <a:ext cx="0" cy="0"/>
+          <a:chOff x="0" y="0"/>
+          <a:chExt cx="0" cy="0"/>
+        </a:xfrm>
+      </p:grpSpPr>
+      <p:sp>
+        <p:nvSpPr>
+          <p:cNvPr id="2" name="Espaço Reservado para Imagem de Slide 1">
+            <a:extLst>
+              <a:ext uri="{FF2B5EF4-FFF2-40B4-BE49-F238E27FC236}">
+                <a16:creationId xmlns:a16="http://schemas.microsoft.com/office/drawing/2014/main" id="{B948456F-C50E-B3FD-BC8A-24B2BAEE7E3A}"/>
+              </a:ext>
+            </a:extLst>
+          </p:cNvPr>
+          <p:cNvSpPr>
+            <a:spLocks noGrp="1" noRot="1" noChangeAspect="1"/>
+          </p:cNvSpPr>
+          <p:nvPr>
+            <p:ph type="sldImg"/>
+          </p:nvPr>
+        </p:nvSpPr>
+        <p:spPr>
+          <a:xfrm>
+            <a:off x="381000" y="685800"/>
+            <a:ext cx="6096000" cy="3429000"/>
+          </a:xfrm>
+        </p:spPr>
+      </p:sp>
+      <p:sp>
+        <p:nvSpPr>
+          <p:cNvPr id="3" name="Espaço Reservado para Anotações 2">
+            <a:extLst>
+              <a:ext uri="{FF2B5EF4-FFF2-40B4-BE49-F238E27FC236}">
+                <a16:creationId xmlns:a16="http://schemas.microsoft.com/office/drawing/2014/main" id="{34474CB4-F615-6AC8-840C-1F89049A1000}"/>
+              </a:ext>
+            </a:extLst>
+          </p:cNvPr>
+          <p:cNvSpPr>
+            <a:spLocks noGrp="1"/>
+          </p:cNvSpPr>
+          <p:nvPr>
+            <p:ph type="body" idx="1"/>
+          </p:nvPr>
+        </p:nvSpPr>
+        <p:spPr/>
+        <p:txBody>
+          <a:bodyPr/>
+          <a:lstStyle/>
+          <a:p>
+            <a:endParaRPr lang="pt-BR" dirty="0"/>
+          </a:p>
+        </p:txBody>
+      </p:sp>
+    </p:spTree>
+    <p:extLst>
+      <p:ext uri="{BB962C8B-B14F-4D97-AF65-F5344CB8AC3E}">
+        <p14:creationId xmlns:p14="http://schemas.microsoft.com/office/powerpoint/2010/main" val="3582683681"/>
+      </p:ext>
+    </p:extLst>
+  </p:cSld>
+  <p:clrMapOvr>
+    <a:masterClrMapping/>
+  </p:clrMapOvr>
+</p:notes>
+</file>
+
+<file path=ppt/notesSlides/notesSlide11.xml><?xml version="1.0" encoding="utf-8"?>
+<p:notes xmlns:a="http://schemas.openxmlformats.org/drawingml/2006/main" xmlns:r="http://schemas.openxmlformats.org/officeDocument/2006/relationships" xmlns:p="http://schemas.openxmlformats.org/presentationml/2006/main">
+  <p:cSld>
+    <p:spTree>
+      <p:nvGrpSpPr>
+        <p:cNvPr id="1" name="">
+          <a:extLst>
+            <a:ext uri="{FF2B5EF4-FFF2-40B4-BE49-F238E27FC236}">
+              <a16:creationId xmlns:a16="http://schemas.microsoft.com/office/drawing/2014/main" id="{55BA9EE5-3ABF-BB79-913A-07F7A11CDB36}"/>
+            </a:ext>
+          </a:extLst>
+        </p:cNvPr>
+        <p:cNvGrpSpPr/>
+        <p:nvPr/>
+      </p:nvGrpSpPr>
+      <p:grpSpPr>
+        <a:xfrm>
+          <a:off x="0" y="0"/>
+          <a:ext cx="0" cy="0"/>
+          <a:chOff x="0" y="0"/>
+          <a:chExt cx="0" cy="0"/>
+        </a:xfrm>
+      </p:grpSpPr>
+      <p:sp>
+        <p:nvSpPr>
+          <p:cNvPr id="2" name="Espaço Reservado para Imagem de Slide 1">
+            <a:extLst>
+              <a:ext uri="{FF2B5EF4-FFF2-40B4-BE49-F238E27FC236}">
+                <a16:creationId xmlns:a16="http://schemas.microsoft.com/office/drawing/2014/main" id="{383D5AAF-6683-694C-94B1-D9DB4EC31768}"/>
+              </a:ext>
+            </a:extLst>
+          </p:cNvPr>
+          <p:cNvSpPr>
+            <a:spLocks noGrp="1" noRot="1" noChangeAspect="1"/>
+          </p:cNvSpPr>
+          <p:nvPr>
+            <p:ph type="sldImg"/>
+          </p:nvPr>
+        </p:nvSpPr>
+        <p:spPr>
+          <a:xfrm>
+            <a:off x="381000" y="685800"/>
+            <a:ext cx="6096000" cy="3429000"/>
+          </a:xfrm>
+        </p:spPr>
+      </p:sp>
+      <p:sp>
+        <p:nvSpPr>
+          <p:cNvPr id="3" name="Espaço Reservado para Anotações 2">
+            <a:extLst>
+              <a:ext uri="{FF2B5EF4-FFF2-40B4-BE49-F238E27FC236}">
+                <a16:creationId xmlns:a16="http://schemas.microsoft.com/office/drawing/2014/main" id="{6D01D97F-A203-9BBC-D4CE-9FDDEF4762B1}"/>
+              </a:ext>
+            </a:extLst>
+          </p:cNvPr>
+          <p:cNvSpPr>
+            <a:spLocks noGrp="1"/>
+          </p:cNvSpPr>
+          <p:nvPr>
+            <p:ph type="body" idx="1"/>
+          </p:nvPr>
+        </p:nvSpPr>
+        <p:spPr/>
+        <p:txBody>
+          <a:bodyPr/>
+          <a:lstStyle/>
+          <a:p>
+            <a:endParaRPr lang="pt-BR" dirty="0"/>
+          </a:p>
+        </p:txBody>
+      </p:sp>
+    </p:spTree>
+    <p:extLst>
+      <p:ext uri="{BB962C8B-B14F-4D97-AF65-F5344CB8AC3E}">
+        <p14:creationId xmlns:p14="http://schemas.microsoft.com/office/powerpoint/2010/main" val="3551353239"/>
+      </p:ext>
+    </p:extLst>
+  </p:cSld>
+  <p:clrMapOvr>
+    <a:masterClrMapping/>
+  </p:clrMapOvr>
+</p:notes>
+</file>
+
+<file path=ppt/notesSlides/notesSlide12.xml><?xml version="1.0" encoding="utf-8"?>
 <p:notes xmlns:a="http://schemas.openxmlformats.org/drawingml/2006/main" xmlns:r="http://schemas.openxmlformats.org/officeDocument/2006/relationships" xmlns:p="http://schemas.openxmlformats.org/presentationml/2006/main">
   <p:cSld>
     <p:spTree>
@@ -618,7 +797,457 @@
     </p:spTree>
     <p:extLst>
       <p:ext uri="{BB962C8B-B14F-4D97-AF65-F5344CB8AC3E}">
-        <p14:creationId xmlns:p14="http://schemas.microsoft.com/office/powerpoint/2010/main" val="3035753547"/>
+        <p14:creationId xmlns:p14="http://schemas.microsoft.com/office/powerpoint/2010/main" val="585304384"/>
+      </p:ext>
+    </p:extLst>
+  </p:cSld>
+  <p:clrMapOvr>
+    <a:masterClrMapping/>
+  </p:clrMapOvr>
+</p:notes>
+</file>
+
+<file path=ppt/notesSlides/notesSlide13.xml><?xml version="1.0" encoding="utf-8"?>
+<p:notes xmlns:a="http://schemas.openxmlformats.org/drawingml/2006/main" xmlns:r="http://schemas.openxmlformats.org/officeDocument/2006/relationships" xmlns:p="http://schemas.openxmlformats.org/presentationml/2006/main">
+  <p:cSld>
+    <p:spTree>
+      <p:nvGrpSpPr>
+        <p:cNvPr id="1" name=""/>
+        <p:cNvGrpSpPr/>
+        <p:nvPr/>
+      </p:nvGrpSpPr>
+      <p:grpSpPr>
+        <a:xfrm>
+          <a:off x="0" y="0"/>
+          <a:ext cx="0" cy="0"/>
+          <a:chOff x="0" y="0"/>
+          <a:chExt cx="0" cy="0"/>
+        </a:xfrm>
+      </p:grpSpPr>
+      <p:sp>
+        <p:nvSpPr>
+          <p:cNvPr id="2" name="Espaço Reservado para Imagem de Slide 1"/>
+          <p:cNvSpPr>
+            <a:spLocks noGrp="1" noRot="1" noChangeAspect="1"/>
+          </p:cNvSpPr>
+          <p:nvPr>
+            <p:ph type="sldImg"/>
+          </p:nvPr>
+        </p:nvSpPr>
+        <p:spPr>
+          <a:xfrm>
+            <a:off x="381000" y="685800"/>
+            <a:ext cx="6096000" cy="3429000"/>
+          </a:xfrm>
+        </p:spPr>
+      </p:sp>
+      <p:sp>
+        <p:nvSpPr>
+          <p:cNvPr id="3" name="Espaço Reservado para Anotações 2"/>
+          <p:cNvSpPr>
+            <a:spLocks noGrp="1"/>
+          </p:cNvSpPr>
+          <p:nvPr>
+            <p:ph type="body" idx="1"/>
+          </p:nvPr>
+        </p:nvSpPr>
+        <p:spPr/>
+        <p:txBody>
+          <a:bodyPr/>
+          <a:lstStyle/>
+          <a:p>
+            <a:endParaRPr lang="pt-BR" dirty="0"/>
+          </a:p>
+        </p:txBody>
+      </p:sp>
+    </p:spTree>
+    <p:extLst>
+      <p:ext uri="{BB962C8B-B14F-4D97-AF65-F5344CB8AC3E}">
+        <p14:creationId xmlns:p14="http://schemas.microsoft.com/office/powerpoint/2010/main" val="2709569597"/>
+      </p:ext>
+    </p:extLst>
+  </p:cSld>
+  <p:clrMapOvr>
+    <a:masterClrMapping/>
+  </p:clrMapOvr>
+</p:notes>
+</file>
+
+<file path=ppt/notesSlides/notesSlide14.xml><?xml version="1.0" encoding="utf-8"?>
+<p:notes xmlns:a="http://schemas.openxmlformats.org/drawingml/2006/main" xmlns:r="http://schemas.openxmlformats.org/officeDocument/2006/relationships" xmlns:p="http://schemas.openxmlformats.org/presentationml/2006/main">
+  <p:cSld>
+    <p:spTree>
+      <p:nvGrpSpPr>
+        <p:cNvPr id="1" name=""/>
+        <p:cNvGrpSpPr/>
+        <p:nvPr/>
+      </p:nvGrpSpPr>
+      <p:grpSpPr>
+        <a:xfrm>
+          <a:off x="0" y="0"/>
+          <a:ext cx="0" cy="0"/>
+          <a:chOff x="0" y="0"/>
+          <a:chExt cx="0" cy="0"/>
+        </a:xfrm>
+      </p:grpSpPr>
+      <p:sp>
+        <p:nvSpPr>
+          <p:cNvPr id="2" name="Espaço Reservado para Imagem de Slide 1"/>
+          <p:cNvSpPr>
+            <a:spLocks noGrp="1" noRot="1" noChangeAspect="1"/>
+          </p:cNvSpPr>
+          <p:nvPr>
+            <p:ph type="sldImg"/>
+          </p:nvPr>
+        </p:nvSpPr>
+        <p:spPr>
+          <a:xfrm>
+            <a:off x="381000" y="685800"/>
+            <a:ext cx="6096000" cy="3429000"/>
+          </a:xfrm>
+        </p:spPr>
+      </p:sp>
+      <p:sp>
+        <p:nvSpPr>
+          <p:cNvPr id="3" name="Espaço Reservado para Anotações 2"/>
+          <p:cNvSpPr>
+            <a:spLocks noGrp="1"/>
+          </p:cNvSpPr>
+          <p:nvPr>
+            <p:ph type="body" idx="1"/>
+          </p:nvPr>
+        </p:nvSpPr>
+        <p:spPr/>
+        <p:txBody>
+          <a:bodyPr/>
+          <a:lstStyle/>
+          <a:p>
+            <a:endParaRPr lang="pt-BR" dirty="0"/>
+          </a:p>
+        </p:txBody>
+      </p:sp>
+    </p:spTree>
+    <p:extLst>
+      <p:ext uri="{BB962C8B-B14F-4D97-AF65-F5344CB8AC3E}">
+        <p14:creationId xmlns:p14="http://schemas.microsoft.com/office/powerpoint/2010/main" val="2296249050"/>
+      </p:ext>
+    </p:extLst>
+  </p:cSld>
+  <p:clrMapOvr>
+    <a:masterClrMapping/>
+  </p:clrMapOvr>
+</p:notes>
+</file>
+
+<file path=ppt/notesSlides/notesSlide15.xml><?xml version="1.0" encoding="utf-8"?>
+<p:notes xmlns:a="http://schemas.openxmlformats.org/drawingml/2006/main" xmlns:r="http://schemas.openxmlformats.org/officeDocument/2006/relationships" xmlns:p="http://schemas.openxmlformats.org/presentationml/2006/main">
+  <p:cSld>
+    <p:spTree>
+      <p:nvGrpSpPr>
+        <p:cNvPr id="1" name="">
+          <a:extLst>
+            <a:ext uri="{FF2B5EF4-FFF2-40B4-BE49-F238E27FC236}">
+              <a16:creationId xmlns:a16="http://schemas.microsoft.com/office/drawing/2014/main" id="{CD2DB69D-BB58-CB6C-1E91-F37C23313F1C}"/>
+            </a:ext>
+          </a:extLst>
+        </p:cNvPr>
+        <p:cNvGrpSpPr/>
+        <p:nvPr/>
+      </p:nvGrpSpPr>
+      <p:grpSpPr>
+        <a:xfrm>
+          <a:off x="0" y="0"/>
+          <a:ext cx="0" cy="0"/>
+          <a:chOff x="0" y="0"/>
+          <a:chExt cx="0" cy="0"/>
+        </a:xfrm>
+      </p:grpSpPr>
+      <p:sp>
+        <p:nvSpPr>
+          <p:cNvPr id="2" name="Espaço Reservado para Imagem de Slide 1">
+            <a:extLst>
+              <a:ext uri="{FF2B5EF4-FFF2-40B4-BE49-F238E27FC236}">
+                <a16:creationId xmlns:a16="http://schemas.microsoft.com/office/drawing/2014/main" id="{146F9784-864D-5190-D208-55C3C3D98B23}"/>
+              </a:ext>
+            </a:extLst>
+          </p:cNvPr>
+          <p:cNvSpPr>
+            <a:spLocks noGrp="1" noRot="1" noChangeAspect="1"/>
+          </p:cNvSpPr>
+          <p:nvPr>
+            <p:ph type="sldImg"/>
+          </p:nvPr>
+        </p:nvSpPr>
+        <p:spPr>
+          <a:xfrm>
+            <a:off x="381000" y="685800"/>
+            <a:ext cx="6096000" cy="3429000"/>
+          </a:xfrm>
+        </p:spPr>
+      </p:sp>
+      <p:sp>
+        <p:nvSpPr>
+          <p:cNvPr id="3" name="Espaço Reservado para Anotações 2">
+            <a:extLst>
+              <a:ext uri="{FF2B5EF4-FFF2-40B4-BE49-F238E27FC236}">
+                <a16:creationId xmlns:a16="http://schemas.microsoft.com/office/drawing/2014/main" id="{01D41896-190F-666C-A08C-2D8AFE7217F7}"/>
+              </a:ext>
+            </a:extLst>
+          </p:cNvPr>
+          <p:cNvSpPr>
+            <a:spLocks noGrp="1"/>
+          </p:cNvSpPr>
+          <p:nvPr>
+            <p:ph type="body" idx="1"/>
+          </p:nvPr>
+        </p:nvSpPr>
+        <p:spPr/>
+        <p:txBody>
+          <a:bodyPr/>
+          <a:lstStyle/>
+          <a:p>
+            <a:endParaRPr lang="pt-BR" dirty="0"/>
+          </a:p>
+        </p:txBody>
+      </p:sp>
+    </p:spTree>
+    <p:extLst>
+      <p:ext uri="{BB962C8B-B14F-4D97-AF65-F5344CB8AC3E}">
+        <p14:creationId xmlns:p14="http://schemas.microsoft.com/office/powerpoint/2010/main" val="2660585966"/>
+      </p:ext>
+    </p:extLst>
+  </p:cSld>
+  <p:clrMapOvr>
+    <a:masterClrMapping/>
+  </p:clrMapOvr>
+</p:notes>
+</file>
+
+<file path=ppt/notesSlides/notesSlide16.xml><?xml version="1.0" encoding="utf-8"?>
+<p:notes xmlns:a="http://schemas.openxmlformats.org/drawingml/2006/main" xmlns:r="http://schemas.openxmlformats.org/officeDocument/2006/relationships" xmlns:p="http://schemas.openxmlformats.org/presentationml/2006/main">
+  <p:cSld>
+    <p:spTree>
+      <p:nvGrpSpPr>
+        <p:cNvPr id="1" name="">
+          <a:extLst>
+            <a:ext uri="{FF2B5EF4-FFF2-40B4-BE49-F238E27FC236}">
+              <a16:creationId xmlns:a16="http://schemas.microsoft.com/office/drawing/2014/main" id="{017845C7-D69C-4281-4F6F-B249D792ED64}"/>
+            </a:ext>
+          </a:extLst>
+        </p:cNvPr>
+        <p:cNvGrpSpPr/>
+        <p:nvPr/>
+      </p:nvGrpSpPr>
+      <p:grpSpPr>
+        <a:xfrm>
+          <a:off x="0" y="0"/>
+          <a:ext cx="0" cy="0"/>
+          <a:chOff x="0" y="0"/>
+          <a:chExt cx="0" cy="0"/>
+        </a:xfrm>
+      </p:grpSpPr>
+      <p:sp>
+        <p:nvSpPr>
+          <p:cNvPr id="2" name="Espaço Reservado para Imagem de Slide 1">
+            <a:extLst>
+              <a:ext uri="{FF2B5EF4-FFF2-40B4-BE49-F238E27FC236}">
+                <a16:creationId xmlns:a16="http://schemas.microsoft.com/office/drawing/2014/main" id="{0987DD87-CC21-51C9-868A-D79530BAA515}"/>
+              </a:ext>
+            </a:extLst>
+          </p:cNvPr>
+          <p:cNvSpPr>
+            <a:spLocks noGrp="1" noRot="1" noChangeAspect="1"/>
+          </p:cNvSpPr>
+          <p:nvPr>
+            <p:ph type="sldImg"/>
+          </p:nvPr>
+        </p:nvSpPr>
+        <p:spPr>
+          <a:xfrm>
+            <a:off x="381000" y="685800"/>
+            <a:ext cx="6096000" cy="3429000"/>
+          </a:xfrm>
+        </p:spPr>
+      </p:sp>
+      <p:sp>
+        <p:nvSpPr>
+          <p:cNvPr id="3" name="Espaço Reservado para Anotações 2">
+            <a:extLst>
+              <a:ext uri="{FF2B5EF4-FFF2-40B4-BE49-F238E27FC236}">
+                <a16:creationId xmlns:a16="http://schemas.microsoft.com/office/drawing/2014/main" id="{2E34964A-3E91-06BE-22F8-19B6954BD9CF}"/>
+              </a:ext>
+            </a:extLst>
+          </p:cNvPr>
+          <p:cNvSpPr>
+            <a:spLocks noGrp="1"/>
+          </p:cNvSpPr>
+          <p:nvPr>
+            <p:ph type="body" idx="1"/>
+          </p:nvPr>
+        </p:nvSpPr>
+        <p:spPr/>
+        <p:txBody>
+          <a:bodyPr/>
+          <a:lstStyle/>
+          <a:p>
+            <a:endParaRPr lang="pt-BR" dirty="0"/>
+          </a:p>
+        </p:txBody>
+      </p:sp>
+    </p:spTree>
+    <p:extLst>
+      <p:ext uri="{BB962C8B-B14F-4D97-AF65-F5344CB8AC3E}">
+        <p14:creationId xmlns:p14="http://schemas.microsoft.com/office/powerpoint/2010/main" val="1638369910"/>
+      </p:ext>
+    </p:extLst>
+  </p:cSld>
+  <p:clrMapOvr>
+    <a:masterClrMapping/>
+  </p:clrMapOvr>
+</p:notes>
+</file>
+
+<file path=ppt/notesSlides/notesSlide17.xml><?xml version="1.0" encoding="utf-8"?>
+<p:notes xmlns:a="http://schemas.openxmlformats.org/drawingml/2006/main" xmlns:r="http://schemas.openxmlformats.org/officeDocument/2006/relationships" xmlns:p="http://schemas.openxmlformats.org/presentationml/2006/main">
+  <p:cSld>
+    <p:spTree>
+      <p:nvGrpSpPr>
+        <p:cNvPr id="1" name=""/>
+        <p:cNvGrpSpPr/>
+        <p:nvPr/>
+      </p:nvGrpSpPr>
+      <p:grpSpPr>
+        <a:xfrm>
+          <a:off x="0" y="0"/>
+          <a:ext cx="0" cy="0"/>
+          <a:chOff x="0" y="0"/>
+          <a:chExt cx="0" cy="0"/>
+        </a:xfrm>
+      </p:grpSpPr>
+      <p:sp>
+        <p:nvSpPr>
+          <p:cNvPr id="2" name="Espaço Reservado para Imagem de Slide 1"/>
+          <p:cNvSpPr>
+            <a:spLocks noGrp="1" noRot="1" noChangeAspect="1"/>
+          </p:cNvSpPr>
+          <p:nvPr>
+            <p:ph type="sldImg"/>
+          </p:nvPr>
+        </p:nvSpPr>
+        <p:spPr>
+          <a:xfrm>
+            <a:off x="381000" y="685800"/>
+            <a:ext cx="6096000" cy="3429000"/>
+          </a:xfrm>
+        </p:spPr>
+      </p:sp>
+      <p:sp>
+        <p:nvSpPr>
+          <p:cNvPr id="3" name="Espaço Reservado para Anotações 2"/>
+          <p:cNvSpPr>
+            <a:spLocks noGrp="1"/>
+          </p:cNvSpPr>
+          <p:nvPr>
+            <p:ph type="body" idx="1"/>
+          </p:nvPr>
+        </p:nvSpPr>
+        <p:spPr/>
+        <p:txBody>
+          <a:bodyPr/>
+          <a:lstStyle/>
+          <a:p>
+            <a:endParaRPr lang="pt-BR" dirty="0"/>
+          </a:p>
+        </p:txBody>
+      </p:sp>
+    </p:spTree>
+    <p:extLst>
+      <p:ext uri="{BB962C8B-B14F-4D97-AF65-F5344CB8AC3E}">
+        <p14:creationId xmlns:p14="http://schemas.microsoft.com/office/powerpoint/2010/main" val="4290351292"/>
+      </p:ext>
+    </p:extLst>
+  </p:cSld>
+  <p:clrMapOvr>
+    <a:masterClrMapping/>
+  </p:clrMapOvr>
+</p:notes>
+</file>
+
+<file path=ppt/notesSlides/notesSlide2.xml><?xml version="1.0" encoding="utf-8"?>
+<p:notes xmlns:a="http://schemas.openxmlformats.org/drawingml/2006/main" xmlns:r="http://schemas.openxmlformats.org/officeDocument/2006/relationships" xmlns:p="http://schemas.openxmlformats.org/presentationml/2006/main">
+  <p:cSld>
+    <p:spTree>
+      <p:nvGrpSpPr>
+        <p:cNvPr id="1" name="">
+          <a:extLst>
+            <a:ext uri="{FF2B5EF4-FFF2-40B4-BE49-F238E27FC236}">
+              <a16:creationId xmlns:a16="http://schemas.microsoft.com/office/drawing/2014/main" id="{1CAB7E1D-A605-F232-DF2B-1A05E407E1B0}"/>
+            </a:ext>
+          </a:extLst>
+        </p:cNvPr>
+        <p:cNvGrpSpPr/>
+        <p:nvPr/>
+      </p:nvGrpSpPr>
+      <p:grpSpPr>
+        <a:xfrm>
+          <a:off x="0" y="0"/>
+          <a:ext cx="0" cy="0"/>
+          <a:chOff x="0" y="0"/>
+          <a:chExt cx="0" cy="0"/>
+        </a:xfrm>
+      </p:grpSpPr>
+      <p:sp>
+        <p:nvSpPr>
+          <p:cNvPr id="2" name="Espaço Reservado para Imagem de Slide 1">
+            <a:extLst>
+              <a:ext uri="{FF2B5EF4-FFF2-40B4-BE49-F238E27FC236}">
+                <a16:creationId xmlns:a16="http://schemas.microsoft.com/office/drawing/2014/main" id="{5ED7B2F1-9231-9CC4-BAC4-F84DC9E763B2}"/>
+              </a:ext>
+            </a:extLst>
+          </p:cNvPr>
+          <p:cNvSpPr>
+            <a:spLocks noGrp="1" noRot="1" noChangeAspect="1"/>
+          </p:cNvSpPr>
+          <p:nvPr>
+            <p:ph type="sldImg"/>
+          </p:nvPr>
+        </p:nvSpPr>
+        <p:spPr>
+          <a:xfrm>
+            <a:off x="381000" y="685800"/>
+            <a:ext cx="6096000" cy="3429000"/>
+          </a:xfrm>
+        </p:spPr>
+      </p:sp>
+      <p:sp>
+        <p:nvSpPr>
+          <p:cNvPr id="3" name="Espaço Reservado para Anotações 2">
+            <a:extLst>
+              <a:ext uri="{FF2B5EF4-FFF2-40B4-BE49-F238E27FC236}">
+                <a16:creationId xmlns:a16="http://schemas.microsoft.com/office/drawing/2014/main" id="{912C6B69-F2DA-108D-C16F-ED15AD1A336C}"/>
+              </a:ext>
+            </a:extLst>
+          </p:cNvPr>
+          <p:cNvSpPr>
+            <a:spLocks noGrp="1"/>
+          </p:cNvSpPr>
+          <p:nvPr>
+            <p:ph type="body" idx="1"/>
+          </p:nvPr>
+        </p:nvSpPr>
+        <p:spPr/>
+        <p:txBody>
+          <a:bodyPr/>
+          <a:lstStyle/>
+          <a:p>
+            <a:endParaRPr lang="pt-BR" dirty="0"/>
+          </a:p>
+        </p:txBody>
+      </p:sp>
+    </p:spTree>
+    <p:extLst>
+      <p:ext uri="{BB962C8B-B14F-4D97-AF65-F5344CB8AC3E}">
+        <p14:creationId xmlns:p14="http://schemas.microsoft.com/office/powerpoint/2010/main" val="1380173049"/>
       </p:ext>
     </p:extLst>
   </p:cSld>
@@ -684,7 +1313,7 @@
     </p:spTree>
     <p:extLst>
       <p:ext uri="{BB962C8B-B14F-4D97-AF65-F5344CB8AC3E}">
-        <p14:creationId xmlns:p14="http://schemas.microsoft.com/office/powerpoint/2010/main" val="585304384"/>
+        <p14:creationId xmlns:p14="http://schemas.microsoft.com/office/powerpoint/2010/main" val="3035753547"/>
       </p:ext>
     </p:extLst>
   </p:cSld>
@@ -699,7 +1328,13 @@
   <p:cSld>
     <p:spTree>
       <p:nvGrpSpPr>
-        <p:cNvPr id="1" name=""/>
+        <p:cNvPr id="1" name="">
+          <a:extLst>
+            <a:ext uri="{FF2B5EF4-FFF2-40B4-BE49-F238E27FC236}">
+              <a16:creationId xmlns:a16="http://schemas.microsoft.com/office/drawing/2014/main" id="{6EFC906E-4946-184E-638C-059B1FD9B80F}"/>
+            </a:ext>
+          </a:extLst>
+        </p:cNvPr>
         <p:cNvGrpSpPr/>
         <p:nvPr/>
       </p:nvGrpSpPr>
@@ -713,7 +1348,13 @@
       </p:grpSpPr>
       <p:sp>
         <p:nvSpPr>
-          <p:cNvPr id="2" name="Espaço Reservado para Imagem de Slide 1"/>
+          <p:cNvPr id="2" name="Espaço Reservado para Imagem de Slide 1">
+            <a:extLst>
+              <a:ext uri="{FF2B5EF4-FFF2-40B4-BE49-F238E27FC236}">
+                <a16:creationId xmlns:a16="http://schemas.microsoft.com/office/drawing/2014/main" id="{025E9B6A-6E3A-DCBC-36FA-40B6686C0847}"/>
+              </a:ext>
+            </a:extLst>
+          </p:cNvPr>
           <p:cNvSpPr>
             <a:spLocks noGrp="1" noRot="1" noChangeAspect="1"/>
           </p:cNvSpPr>
@@ -730,7 +1371,13 @@
       </p:sp>
       <p:sp>
         <p:nvSpPr>
-          <p:cNvPr id="3" name="Espaço Reservado para Anotações 2"/>
+          <p:cNvPr id="3" name="Espaço Reservado para Anotações 2">
+            <a:extLst>
+              <a:ext uri="{FF2B5EF4-FFF2-40B4-BE49-F238E27FC236}">
+                <a16:creationId xmlns:a16="http://schemas.microsoft.com/office/drawing/2014/main" id="{1176AC1B-0DF9-A657-95A2-0AD2912F786E}"/>
+              </a:ext>
+            </a:extLst>
+          </p:cNvPr>
           <p:cNvSpPr>
             <a:spLocks noGrp="1"/>
           </p:cNvSpPr>
@@ -750,7 +1397,7 @@
     </p:spTree>
     <p:extLst>
       <p:ext uri="{BB962C8B-B14F-4D97-AF65-F5344CB8AC3E}">
-        <p14:creationId xmlns:p14="http://schemas.microsoft.com/office/powerpoint/2010/main" val="2709569597"/>
+        <p14:creationId xmlns:p14="http://schemas.microsoft.com/office/powerpoint/2010/main" val="1432987891"/>
       </p:ext>
     </p:extLst>
   </p:cSld>
@@ -765,7 +1412,13 @@
   <p:cSld>
     <p:spTree>
       <p:nvGrpSpPr>
-        <p:cNvPr id="1" name=""/>
+        <p:cNvPr id="1" name="">
+          <a:extLst>
+            <a:ext uri="{FF2B5EF4-FFF2-40B4-BE49-F238E27FC236}">
+              <a16:creationId xmlns:a16="http://schemas.microsoft.com/office/drawing/2014/main" id="{B46D40F2-813B-8847-56D7-FB3EF768E007}"/>
+            </a:ext>
+          </a:extLst>
+        </p:cNvPr>
         <p:cNvGrpSpPr/>
         <p:nvPr/>
       </p:nvGrpSpPr>
@@ -779,7 +1432,13 @@
       </p:grpSpPr>
       <p:sp>
         <p:nvSpPr>
-          <p:cNvPr id="2" name="Espaço Reservado para Imagem de Slide 1"/>
+          <p:cNvPr id="2" name="Espaço Reservado para Imagem de Slide 1">
+            <a:extLst>
+              <a:ext uri="{FF2B5EF4-FFF2-40B4-BE49-F238E27FC236}">
+                <a16:creationId xmlns:a16="http://schemas.microsoft.com/office/drawing/2014/main" id="{17624284-0A20-0376-359B-1ADA772AD976}"/>
+              </a:ext>
+            </a:extLst>
+          </p:cNvPr>
           <p:cNvSpPr>
             <a:spLocks noGrp="1" noRot="1" noChangeAspect="1"/>
           </p:cNvSpPr>
@@ -796,7 +1455,13 @@
       </p:sp>
       <p:sp>
         <p:nvSpPr>
-          <p:cNvPr id="3" name="Espaço Reservado para Anotações 2"/>
+          <p:cNvPr id="3" name="Espaço Reservado para Anotações 2">
+            <a:extLst>
+              <a:ext uri="{FF2B5EF4-FFF2-40B4-BE49-F238E27FC236}">
+                <a16:creationId xmlns:a16="http://schemas.microsoft.com/office/drawing/2014/main" id="{0E363C1B-3D95-1CC4-D6E6-CA96333BB446}"/>
+              </a:ext>
+            </a:extLst>
+          </p:cNvPr>
           <p:cNvSpPr>
             <a:spLocks noGrp="1"/>
           </p:cNvSpPr>
@@ -816,7 +1481,7 @@
     </p:spTree>
     <p:extLst>
       <p:ext uri="{BB962C8B-B14F-4D97-AF65-F5344CB8AC3E}">
-        <p14:creationId xmlns:p14="http://schemas.microsoft.com/office/powerpoint/2010/main" val="2296249050"/>
+        <p14:creationId xmlns:p14="http://schemas.microsoft.com/office/powerpoint/2010/main" val="2672404806"/>
       </p:ext>
     </p:extLst>
   </p:cSld>
@@ -831,7 +1496,13 @@
   <p:cSld>
     <p:spTree>
       <p:nvGrpSpPr>
-        <p:cNvPr id="1" name=""/>
+        <p:cNvPr id="1" name="">
+          <a:extLst>
+            <a:ext uri="{FF2B5EF4-FFF2-40B4-BE49-F238E27FC236}">
+              <a16:creationId xmlns:a16="http://schemas.microsoft.com/office/drawing/2014/main" id="{790ADC27-F55C-9DEC-6B6D-87FC2B26C5B9}"/>
+            </a:ext>
+          </a:extLst>
+        </p:cNvPr>
         <p:cNvGrpSpPr/>
         <p:nvPr/>
       </p:nvGrpSpPr>
@@ -845,7 +1516,13 @@
       </p:grpSpPr>
       <p:sp>
         <p:nvSpPr>
-          <p:cNvPr id="2" name="Espaço Reservado para Imagem de Slide 1"/>
+          <p:cNvPr id="2" name="Espaço Reservado para Imagem de Slide 1">
+            <a:extLst>
+              <a:ext uri="{FF2B5EF4-FFF2-40B4-BE49-F238E27FC236}">
+                <a16:creationId xmlns:a16="http://schemas.microsoft.com/office/drawing/2014/main" id="{5304FCA0-46EF-E5AE-9E18-33C1B4A7B3E7}"/>
+              </a:ext>
+            </a:extLst>
+          </p:cNvPr>
           <p:cNvSpPr>
             <a:spLocks noGrp="1" noRot="1" noChangeAspect="1"/>
           </p:cNvSpPr>
@@ -862,7 +1539,13 @@
       </p:sp>
       <p:sp>
         <p:nvSpPr>
-          <p:cNvPr id="3" name="Espaço Reservado para Anotações 2"/>
+          <p:cNvPr id="3" name="Espaço Reservado para Anotações 2">
+            <a:extLst>
+              <a:ext uri="{FF2B5EF4-FFF2-40B4-BE49-F238E27FC236}">
+                <a16:creationId xmlns:a16="http://schemas.microsoft.com/office/drawing/2014/main" id="{D8C452D4-552A-57A7-39CB-1E4FF8153D9B}"/>
+              </a:ext>
+            </a:extLst>
+          </p:cNvPr>
           <p:cNvSpPr>
             <a:spLocks noGrp="1"/>
           </p:cNvSpPr>
@@ -882,7 +1565,259 @@
     </p:spTree>
     <p:extLst>
       <p:ext uri="{BB962C8B-B14F-4D97-AF65-F5344CB8AC3E}">
-        <p14:creationId xmlns:p14="http://schemas.microsoft.com/office/powerpoint/2010/main" val="4290351292"/>
+        <p14:creationId xmlns:p14="http://schemas.microsoft.com/office/powerpoint/2010/main" val="3293431422"/>
+      </p:ext>
+    </p:extLst>
+  </p:cSld>
+  <p:clrMapOvr>
+    <a:masterClrMapping/>
+  </p:clrMapOvr>
+</p:notes>
+</file>
+
+<file path=ppt/notesSlides/notesSlide7.xml><?xml version="1.0" encoding="utf-8"?>
+<p:notes xmlns:a="http://schemas.openxmlformats.org/drawingml/2006/main" xmlns:r="http://schemas.openxmlformats.org/officeDocument/2006/relationships" xmlns:p="http://schemas.openxmlformats.org/presentationml/2006/main">
+  <p:cSld>
+    <p:spTree>
+      <p:nvGrpSpPr>
+        <p:cNvPr id="1" name="">
+          <a:extLst>
+            <a:ext uri="{FF2B5EF4-FFF2-40B4-BE49-F238E27FC236}">
+              <a16:creationId xmlns:a16="http://schemas.microsoft.com/office/drawing/2014/main" id="{C7BFC815-B472-19AE-8EC3-F68F13064EB0}"/>
+            </a:ext>
+          </a:extLst>
+        </p:cNvPr>
+        <p:cNvGrpSpPr/>
+        <p:nvPr/>
+      </p:nvGrpSpPr>
+      <p:grpSpPr>
+        <a:xfrm>
+          <a:off x="0" y="0"/>
+          <a:ext cx="0" cy="0"/>
+          <a:chOff x="0" y="0"/>
+          <a:chExt cx="0" cy="0"/>
+        </a:xfrm>
+      </p:grpSpPr>
+      <p:sp>
+        <p:nvSpPr>
+          <p:cNvPr id="2" name="Espaço Reservado para Imagem de Slide 1">
+            <a:extLst>
+              <a:ext uri="{FF2B5EF4-FFF2-40B4-BE49-F238E27FC236}">
+                <a16:creationId xmlns:a16="http://schemas.microsoft.com/office/drawing/2014/main" id="{8340E3FE-253E-4BE6-07CC-C1E079825707}"/>
+              </a:ext>
+            </a:extLst>
+          </p:cNvPr>
+          <p:cNvSpPr>
+            <a:spLocks noGrp="1" noRot="1" noChangeAspect="1"/>
+          </p:cNvSpPr>
+          <p:nvPr>
+            <p:ph type="sldImg"/>
+          </p:nvPr>
+        </p:nvSpPr>
+        <p:spPr>
+          <a:xfrm>
+            <a:off x="381000" y="685800"/>
+            <a:ext cx="6096000" cy="3429000"/>
+          </a:xfrm>
+        </p:spPr>
+      </p:sp>
+      <p:sp>
+        <p:nvSpPr>
+          <p:cNvPr id="3" name="Espaço Reservado para Anotações 2">
+            <a:extLst>
+              <a:ext uri="{FF2B5EF4-FFF2-40B4-BE49-F238E27FC236}">
+                <a16:creationId xmlns:a16="http://schemas.microsoft.com/office/drawing/2014/main" id="{E84236A6-BA29-D075-C048-35AC9425C97B}"/>
+              </a:ext>
+            </a:extLst>
+          </p:cNvPr>
+          <p:cNvSpPr>
+            <a:spLocks noGrp="1"/>
+          </p:cNvSpPr>
+          <p:nvPr>
+            <p:ph type="body" idx="1"/>
+          </p:nvPr>
+        </p:nvSpPr>
+        <p:spPr/>
+        <p:txBody>
+          <a:bodyPr/>
+          <a:lstStyle/>
+          <a:p>
+            <a:endParaRPr lang="pt-BR" dirty="0"/>
+          </a:p>
+        </p:txBody>
+      </p:sp>
+    </p:spTree>
+    <p:extLst>
+      <p:ext uri="{BB962C8B-B14F-4D97-AF65-F5344CB8AC3E}">
+        <p14:creationId xmlns:p14="http://schemas.microsoft.com/office/powerpoint/2010/main" val="1261375963"/>
+      </p:ext>
+    </p:extLst>
+  </p:cSld>
+  <p:clrMapOvr>
+    <a:masterClrMapping/>
+  </p:clrMapOvr>
+</p:notes>
+</file>
+
+<file path=ppt/notesSlides/notesSlide8.xml><?xml version="1.0" encoding="utf-8"?>
+<p:notes xmlns:a="http://schemas.openxmlformats.org/drawingml/2006/main" xmlns:r="http://schemas.openxmlformats.org/officeDocument/2006/relationships" xmlns:p="http://schemas.openxmlformats.org/presentationml/2006/main">
+  <p:cSld>
+    <p:spTree>
+      <p:nvGrpSpPr>
+        <p:cNvPr id="1" name="">
+          <a:extLst>
+            <a:ext uri="{FF2B5EF4-FFF2-40B4-BE49-F238E27FC236}">
+              <a16:creationId xmlns:a16="http://schemas.microsoft.com/office/drawing/2014/main" id="{3E28C6E3-E411-8F9C-A827-9A50F13C42C0}"/>
+            </a:ext>
+          </a:extLst>
+        </p:cNvPr>
+        <p:cNvGrpSpPr/>
+        <p:nvPr/>
+      </p:nvGrpSpPr>
+      <p:grpSpPr>
+        <a:xfrm>
+          <a:off x="0" y="0"/>
+          <a:ext cx="0" cy="0"/>
+          <a:chOff x="0" y="0"/>
+          <a:chExt cx="0" cy="0"/>
+        </a:xfrm>
+      </p:grpSpPr>
+      <p:sp>
+        <p:nvSpPr>
+          <p:cNvPr id="2" name="Espaço Reservado para Imagem de Slide 1">
+            <a:extLst>
+              <a:ext uri="{FF2B5EF4-FFF2-40B4-BE49-F238E27FC236}">
+                <a16:creationId xmlns:a16="http://schemas.microsoft.com/office/drawing/2014/main" id="{9741674F-4543-864B-FF8D-395A67D32460}"/>
+              </a:ext>
+            </a:extLst>
+          </p:cNvPr>
+          <p:cNvSpPr>
+            <a:spLocks noGrp="1" noRot="1" noChangeAspect="1"/>
+          </p:cNvSpPr>
+          <p:nvPr>
+            <p:ph type="sldImg"/>
+          </p:nvPr>
+        </p:nvSpPr>
+        <p:spPr>
+          <a:xfrm>
+            <a:off x="381000" y="685800"/>
+            <a:ext cx="6096000" cy="3429000"/>
+          </a:xfrm>
+        </p:spPr>
+      </p:sp>
+      <p:sp>
+        <p:nvSpPr>
+          <p:cNvPr id="3" name="Espaço Reservado para Anotações 2">
+            <a:extLst>
+              <a:ext uri="{FF2B5EF4-FFF2-40B4-BE49-F238E27FC236}">
+                <a16:creationId xmlns:a16="http://schemas.microsoft.com/office/drawing/2014/main" id="{0BB055F0-B3C2-9182-AB0B-06E03A004D92}"/>
+              </a:ext>
+            </a:extLst>
+          </p:cNvPr>
+          <p:cNvSpPr>
+            <a:spLocks noGrp="1"/>
+          </p:cNvSpPr>
+          <p:nvPr>
+            <p:ph type="body" idx="1"/>
+          </p:nvPr>
+        </p:nvSpPr>
+        <p:spPr/>
+        <p:txBody>
+          <a:bodyPr/>
+          <a:lstStyle/>
+          <a:p>
+            <a:endParaRPr lang="pt-BR" dirty="0"/>
+          </a:p>
+        </p:txBody>
+      </p:sp>
+    </p:spTree>
+    <p:extLst>
+      <p:ext uri="{BB962C8B-B14F-4D97-AF65-F5344CB8AC3E}">
+        <p14:creationId xmlns:p14="http://schemas.microsoft.com/office/powerpoint/2010/main" val="1840191541"/>
+      </p:ext>
+    </p:extLst>
+  </p:cSld>
+  <p:clrMapOvr>
+    <a:masterClrMapping/>
+  </p:clrMapOvr>
+</p:notes>
+</file>
+
+<file path=ppt/notesSlides/notesSlide9.xml><?xml version="1.0" encoding="utf-8"?>
+<p:notes xmlns:a="http://schemas.openxmlformats.org/drawingml/2006/main" xmlns:r="http://schemas.openxmlformats.org/officeDocument/2006/relationships" xmlns:p="http://schemas.openxmlformats.org/presentationml/2006/main">
+  <p:cSld>
+    <p:spTree>
+      <p:nvGrpSpPr>
+        <p:cNvPr id="1" name="">
+          <a:extLst>
+            <a:ext uri="{FF2B5EF4-FFF2-40B4-BE49-F238E27FC236}">
+              <a16:creationId xmlns:a16="http://schemas.microsoft.com/office/drawing/2014/main" id="{28DAB121-B60C-C877-400E-79418A5EE1CF}"/>
+            </a:ext>
+          </a:extLst>
+        </p:cNvPr>
+        <p:cNvGrpSpPr/>
+        <p:nvPr/>
+      </p:nvGrpSpPr>
+      <p:grpSpPr>
+        <a:xfrm>
+          <a:off x="0" y="0"/>
+          <a:ext cx="0" cy="0"/>
+          <a:chOff x="0" y="0"/>
+          <a:chExt cx="0" cy="0"/>
+        </a:xfrm>
+      </p:grpSpPr>
+      <p:sp>
+        <p:nvSpPr>
+          <p:cNvPr id="2" name="Espaço Reservado para Imagem de Slide 1">
+            <a:extLst>
+              <a:ext uri="{FF2B5EF4-FFF2-40B4-BE49-F238E27FC236}">
+                <a16:creationId xmlns:a16="http://schemas.microsoft.com/office/drawing/2014/main" id="{0B957847-A8F8-20B2-3B94-71C15FAA6679}"/>
+              </a:ext>
+            </a:extLst>
+          </p:cNvPr>
+          <p:cNvSpPr>
+            <a:spLocks noGrp="1" noRot="1" noChangeAspect="1"/>
+          </p:cNvSpPr>
+          <p:nvPr>
+            <p:ph type="sldImg"/>
+          </p:nvPr>
+        </p:nvSpPr>
+        <p:spPr>
+          <a:xfrm>
+            <a:off x="381000" y="685800"/>
+            <a:ext cx="6096000" cy="3429000"/>
+          </a:xfrm>
+        </p:spPr>
+      </p:sp>
+      <p:sp>
+        <p:nvSpPr>
+          <p:cNvPr id="3" name="Espaço Reservado para Anotações 2">
+            <a:extLst>
+              <a:ext uri="{FF2B5EF4-FFF2-40B4-BE49-F238E27FC236}">
+                <a16:creationId xmlns:a16="http://schemas.microsoft.com/office/drawing/2014/main" id="{ACAFA2AE-363E-E2C7-A396-185833E74069}"/>
+              </a:ext>
+            </a:extLst>
+          </p:cNvPr>
+          <p:cNvSpPr>
+            <a:spLocks noGrp="1"/>
+          </p:cNvSpPr>
+          <p:nvPr>
+            <p:ph type="body" idx="1"/>
+          </p:nvPr>
+        </p:nvSpPr>
+        <p:spPr/>
+        <p:txBody>
+          <a:bodyPr/>
+          <a:lstStyle/>
+          <a:p>
+            <a:endParaRPr lang="pt-BR" dirty="0"/>
+          </a:p>
+        </p:txBody>
+      </p:sp>
+    </p:spTree>
+    <p:extLst>
+      <p:ext uri="{BB962C8B-B14F-4D97-AF65-F5344CB8AC3E}">
+        <p14:creationId xmlns:p14="http://schemas.microsoft.com/office/powerpoint/2010/main" val="1500001153"/>
       </p:ext>
     </p:extLst>
   </p:cSld>
@@ -3829,6 +4764,4019 @@
 </p:sld>
 </file>
 
+<file path=ppt/slides/slide10.xml><?xml version="1.0" encoding="utf-8"?>
+<p:sld xmlns:a="http://schemas.openxmlformats.org/drawingml/2006/main" xmlns:r="http://schemas.openxmlformats.org/officeDocument/2006/relationships" xmlns:p="http://schemas.openxmlformats.org/presentationml/2006/main">
+  <p:cSld>
+    <p:spTree>
+      <p:nvGrpSpPr>
+        <p:cNvPr id="1" name="">
+          <a:extLst>
+            <a:ext uri="{FF2B5EF4-FFF2-40B4-BE49-F238E27FC236}">
+              <a16:creationId xmlns:a16="http://schemas.microsoft.com/office/drawing/2014/main" id="{E0BF3438-7958-1459-F912-2367B11E04B0}"/>
+            </a:ext>
+          </a:extLst>
+        </p:cNvPr>
+        <p:cNvGrpSpPr/>
+        <p:nvPr/>
+      </p:nvGrpSpPr>
+      <p:grpSpPr>
+        <a:xfrm>
+          <a:off x="0" y="0"/>
+          <a:ext cx="0" cy="0"/>
+          <a:chOff x="0" y="0"/>
+          <a:chExt cx="0" cy="0"/>
+        </a:xfrm>
+      </p:grpSpPr>
+      <p:sp>
+        <p:nvSpPr>
+          <p:cNvPr id="6" name="Title 1">
+            <a:extLst>
+              <a:ext uri="{FF2B5EF4-FFF2-40B4-BE49-F238E27FC236}">
+                <a16:creationId xmlns:a16="http://schemas.microsoft.com/office/drawing/2014/main" id="{B9530F72-D6B0-A1D9-0323-7C02B53C9D57}"/>
+              </a:ext>
+            </a:extLst>
+          </p:cNvPr>
+          <p:cNvSpPr>
+            <a:spLocks noGrp="1"/>
+          </p:cNvSpPr>
+          <p:nvPr>
+            <p:ph type="title"/>
+          </p:nvPr>
+        </p:nvSpPr>
+        <p:spPr>
+          <a:xfrm>
+            <a:off x="457200" y="205980"/>
+            <a:ext cx="8229600" cy="857251"/>
+          </a:xfrm>
+        </p:spPr>
+        <p:txBody>
+          <a:bodyPr>
+            <a:normAutofit/>
+          </a:bodyPr>
+          <a:lstStyle/>
+          <a:p>
+            <a:r>
+              <a:rPr lang="en-US" b="1" dirty="0" err="1">
+                <a:solidFill>
+                  <a:srgbClr val="0070C0"/>
+                </a:solidFill>
+              </a:rPr>
+              <a:t>Programação</a:t>
+            </a:r>
+            <a:r>
+              <a:rPr lang="en-US" b="1" dirty="0">
+                <a:solidFill>
+                  <a:srgbClr val="0070C0"/>
+                </a:solidFill>
+              </a:rPr>
+              <a:t> </a:t>
+            </a:r>
+            <a:r>
+              <a:rPr lang="en-US" b="1" dirty="0" err="1">
+                <a:solidFill>
+                  <a:srgbClr val="0070C0"/>
+                </a:solidFill>
+              </a:rPr>
+              <a:t>Dinâmica</a:t>
+            </a:r>
+            <a:r>
+              <a:rPr lang="en-US" b="1" dirty="0">
+                <a:solidFill>
+                  <a:srgbClr val="0070C0"/>
+                </a:solidFill>
+              </a:rPr>
+              <a:t> - </a:t>
+            </a:r>
+            <a:r>
+              <a:rPr lang="en-US" b="1" dirty="0" err="1">
+                <a:solidFill>
+                  <a:srgbClr val="0070C0"/>
+                </a:solidFill>
+              </a:rPr>
+              <a:t>Exemplo</a:t>
+            </a:r>
+            <a:endParaRPr lang="en-US" b="1" dirty="0">
+              <a:solidFill>
+                <a:srgbClr val="0070C0"/>
+              </a:solidFill>
+            </a:endParaRPr>
+          </a:p>
+        </p:txBody>
+      </p:sp>
+      <p:sp>
+        <p:nvSpPr>
+          <p:cNvPr id="8" name="Text Placeholder 2">
+            <a:extLst>
+              <a:ext uri="{FF2B5EF4-FFF2-40B4-BE49-F238E27FC236}">
+                <a16:creationId xmlns:a16="http://schemas.microsoft.com/office/drawing/2014/main" id="{2637EE68-783A-64B5-08DD-AB3B1CCF9D9F}"/>
+              </a:ext>
+            </a:extLst>
+          </p:cNvPr>
+          <p:cNvSpPr>
+            <a:spLocks noGrp="1"/>
+          </p:cNvSpPr>
+          <p:nvPr>
+            <p:ph type="body" sz="half" idx="1"/>
+          </p:nvPr>
+        </p:nvSpPr>
+        <p:spPr>
+          <a:xfrm>
+            <a:off x="142865" y="1200150"/>
+            <a:ext cx="8865056" cy="3737370"/>
+          </a:xfrm>
+        </p:spPr>
+        <p:txBody>
+          <a:bodyPr>
+            <a:noAutofit/>
+          </a:bodyPr>
+          <a:lstStyle/>
+          <a:p>
+            <a:pPr marL="0" indent="0" algn="just">
+              <a:buNone/>
+            </a:pPr>
+            <a:endParaRPr lang="pt-BR" sz="2000" dirty="0">
+              <a:solidFill>
+                <a:schemeClr val="tx1"/>
+              </a:solidFill>
+              <a:latin typeface="Times New Roman" panose="02020603050405020304" pitchFamily="18" charset="0"/>
+              <a:cs typeface="Times New Roman" panose="02020603050405020304" pitchFamily="18" charset="0"/>
+            </a:endParaRPr>
+          </a:p>
+        </p:txBody>
+      </p:sp>
+      <p:pic>
+        <p:nvPicPr>
+          <p:cNvPr id="4" name="Imagem 3">
+            <a:extLst>
+              <a:ext uri="{FF2B5EF4-FFF2-40B4-BE49-F238E27FC236}">
+                <a16:creationId xmlns:a16="http://schemas.microsoft.com/office/drawing/2014/main" id="{8D751BCB-2BAC-5F49-67EC-73111577125C}"/>
+              </a:ext>
+            </a:extLst>
+          </p:cNvPr>
+          <p:cNvPicPr>
+            <a:picLocks noChangeAspect="1"/>
+          </p:cNvPicPr>
+          <p:nvPr/>
+        </p:nvPicPr>
+        <p:blipFill>
+          <a:blip r:embed="rId3"/>
+          <a:stretch>
+            <a:fillRect/>
+          </a:stretch>
+        </p:blipFill>
+        <p:spPr>
+          <a:xfrm>
+            <a:off x="1126675" y="1227044"/>
+            <a:ext cx="5005184" cy="3690973"/>
+          </a:xfrm>
+          <a:prstGeom prst="rect">
+            <a:avLst/>
+          </a:prstGeom>
+        </p:spPr>
+      </p:pic>
+      <p:sp>
+        <p:nvSpPr>
+          <p:cNvPr id="5" name="CaixaDeTexto 4">
+            <a:extLst>
+              <a:ext uri="{FF2B5EF4-FFF2-40B4-BE49-F238E27FC236}">
+                <a16:creationId xmlns:a16="http://schemas.microsoft.com/office/drawing/2014/main" id="{D1F4DC67-4B58-7169-78F6-CD37705EA8DD}"/>
+              </a:ext>
+            </a:extLst>
+          </p:cNvPr>
+          <p:cNvSpPr txBox="1"/>
+          <p:nvPr/>
+        </p:nvSpPr>
+        <p:spPr>
+          <a:xfrm>
+            <a:off x="6239435" y="2003612"/>
+            <a:ext cx="2622177" cy="1200325"/>
+          </a:xfrm>
+          <a:prstGeom prst="rect">
+            <a:avLst/>
+          </a:prstGeom>
+          <a:noFill/>
+          <a:ln w="12700" cap="flat">
+            <a:noFill/>
+            <a:miter lim="400000"/>
+          </a:ln>
+        </p:spPr>
+        <p:style>
+          <a:lnRef idx="0">
+            <a:scrgbClr r="0" g="0" b="0"/>
+          </a:lnRef>
+          <a:fillRef idx="0">
+            <a:scrgbClr r="0" g="0" b="0"/>
+          </a:fillRef>
+          <a:effectRef idx="0">
+            <a:scrgbClr r="0" g="0" b="0"/>
+          </a:effectRef>
+          <a:fontRef idx="none"/>
+        </p:style>
+        <p:txBody>
+          <a:bodyPr rot="0" spcFirstLastPara="1" vertOverflow="overflow" horzOverflow="overflow" vert="horz" wrap="square" lIns="45718" tIns="45718" rIns="45718" bIns="45718" numCol="1" spcCol="38100" rtlCol="0" anchor="t">
+            <a:spAutoFit/>
+          </a:bodyPr>
+          <a:lstStyle/>
+          <a:p>
+            <a:pPr marL="0" marR="0" indent="0" algn="l" defTabSz="457200" rtl="0" fontAlgn="auto" latinLnBrk="0" hangingPunct="0">
+              <a:lnSpc>
+                <a:spcPct val="100000"/>
+              </a:lnSpc>
+              <a:spcBef>
+                <a:spcPts val="0"/>
+              </a:spcBef>
+              <a:spcAft>
+                <a:spcPts val="0"/>
+              </a:spcAft>
+              <a:buClrTx/>
+              <a:buSzTx/>
+              <a:buFontTx/>
+              <a:buNone/>
+            </a:pPr>
+            <a:r>
+              <a:rPr kumimoji="0" lang="pt-BR" sz="1800" b="0" i="0" u="none" strike="noStrike" cap="none" spc="0" normalizeH="0" baseline="0" dirty="0">
+                <a:ln>
+                  <a:noFill/>
+                </a:ln>
+                <a:solidFill>
+                  <a:srgbClr val="000000"/>
+                </a:solidFill>
+                <a:effectLst/>
+                <a:uFillTx/>
+                <a:latin typeface="Times New Roman" panose="02020603050405020304" pitchFamily="18" charset="0"/>
+                <a:cs typeface="Times New Roman" panose="02020603050405020304" pitchFamily="18" charset="0"/>
+                <a:sym typeface="Calibri"/>
+              </a:rPr>
+              <a:t>Ex. </a:t>
+            </a:r>
+            <a:r>
+              <a:rPr kumimoji="0" lang="pt-BR" sz="1800" b="1" i="0" u="none" strike="noStrike" cap="none" spc="0" normalizeH="0" baseline="0" dirty="0">
+                <a:ln>
+                  <a:noFill/>
+                </a:ln>
+                <a:solidFill>
+                  <a:srgbClr val="000000"/>
+                </a:solidFill>
+                <a:effectLst/>
+                <a:uFillTx/>
+                <a:latin typeface="Times New Roman" panose="02020603050405020304" pitchFamily="18" charset="0"/>
+                <a:cs typeface="Times New Roman" panose="02020603050405020304" pitchFamily="18" charset="0"/>
+                <a:sym typeface="Calibri"/>
+              </a:rPr>
+              <a:t>n = 10</a:t>
+            </a:r>
+          </a:p>
+          <a:p>
+            <a:pPr marL="0" marR="0" indent="0" algn="l" defTabSz="457200" rtl="0" fontAlgn="auto" latinLnBrk="0" hangingPunct="0">
+              <a:lnSpc>
+                <a:spcPct val="100000"/>
+              </a:lnSpc>
+              <a:spcBef>
+                <a:spcPts val="0"/>
+              </a:spcBef>
+              <a:spcAft>
+                <a:spcPts val="0"/>
+              </a:spcAft>
+              <a:buClrTx/>
+              <a:buSzTx/>
+              <a:buFontTx/>
+              <a:buNone/>
+            </a:pPr>
+            <a:r>
+              <a:rPr lang="pt-BR" b="1" dirty="0">
+                <a:solidFill>
+                  <a:srgbClr val="FF0000"/>
+                </a:solidFill>
+                <a:latin typeface="Times New Roman" panose="02020603050405020304" pitchFamily="18" charset="0"/>
+                <a:cs typeface="Times New Roman" panose="02020603050405020304" pitchFamily="18" charset="0"/>
+              </a:rPr>
+              <a:t>Recursivo</a:t>
+            </a:r>
+            <a:r>
+              <a:rPr lang="pt-BR" dirty="0">
+                <a:latin typeface="Times New Roman" panose="02020603050405020304" pitchFamily="18" charset="0"/>
+                <a:cs typeface="Times New Roman" panose="02020603050405020304" pitchFamily="18" charset="0"/>
+              </a:rPr>
+              <a:t> </a:t>
+            </a:r>
+            <a:r>
+              <a:rPr lang="pt-BR" dirty="0" err="1">
+                <a:latin typeface="Times New Roman" panose="02020603050405020304" pitchFamily="18" charset="0"/>
+                <a:cs typeface="Times New Roman" panose="02020603050405020304" pitchFamily="18" charset="0"/>
+              </a:rPr>
+              <a:t>apx</a:t>
+            </a:r>
+            <a:r>
+              <a:rPr lang="pt-BR" dirty="0">
+                <a:latin typeface="Times New Roman" panose="02020603050405020304" pitchFamily="18" charset="0"/>
+                <a:cs typeface="Times New Roman" panose="02020603050405020304" pitchFamily="18" charset="0"/>
+              </a:rPr>
+              <a:t> &gt; 500 operações</a:t>
+            </a:r>
+          </a:p>
+          <a:p>
+            <a:pPr marL="0" marR="0" indent="0" algn="l" defTabSz="457200" rtl="0" fontAlgn="auto" latinLnBrk="0" hangingPunct="0">
+              <a:lnSpc>
+                <a:spcPct val="100000"/>
+              </a:lnSpc>
+              <a:spcBef>
+                <a:spcPts val="0"/>
+              </a:spcBef>
+              <a:spcAft>
+                <a:spcPts val="0"/>
+              </a:spcAft>
+              <a:buClrTx/>
+              <a:buSzTx/>
+              <a:buFontTx/>
+              <a:buNone/>
+            </a:pPr>
+            <a:r>
+              <a:rPr kumimoji="0" lang="pt-BR" sz="1800" b="1" i="0" u="none" strike="noStrike" cap="none" spc="0" normalizeH="0" baseline="0" dirty="0">
+                <a:ln>
+                  <a:noFill/>
+                </a:ln>
+                <a:solidFill>
+                  <a:srgbClr val="000000"/>
+                </a:solidFill>
+                <a:effectLst/>
+                <a:uFillTx/>
+                <a:latin typeface="Times New Roman" panose="02020603050405020304" pitchFamily="18" charset="0"/>
+                <a:cs typeface="Times New Roman" panose="02020603050405020304" pitchFamily="18" charset="0"/>
+                <a:sym typeface="Calibri"/>
+              </a:rPr>
+              <a:t>Iterativo</a:t>
+            </a:r>
+            <a:r>
+              <a:rPr kumimoji="0" lang="pt-BR" sz="1800" b="0" i="0" u="none" strike="noStrike" cap="none" spc="0" normalizeH="0" baseline="0" dirty="0">
+                <a:ln>
+                  <a:noFill/>
+                </a:ln>
+                <a:solidFill>
+                  <a:srgbClr val="000000"/>
+                </a:solidFill>
+                <a:effectLst/>
+                <a:uFillTx/>
+                <a:latin typeface="Times New Roman" panose="02020603050405020304" pitchFamily="18" charset="0"/>
+                <a:cs typeface="Times New Roman" panose="02020603050405020304" pitchFamily="18" charset="0"/>
+                <a:sym typeface="Calibri"/>
+              </a:rPr>
+              <a:t> = 9 operações</a:t>
+            </a:r>
+          </a:p>
+        </p:txBody>
+      </p:sp>
+    </p:spTree>
+    <p:extLst>
+      <p:ext uri="{BB962C8B-B14F-4D97-AF65-F5344CB8AC3E}">
+        <p14:creationId xmlns:p14="http://schemas.microsoft.com/office/powerpoint/2010/main" val="1345887839"/>
+      </p:ext>
+    </p:extLst>
+  </p:cSld>
+  <p:clrMapOvr>
+    <a:masterClrMapping/>
+  </p:clrMapOvr>
+  <p:transition spd="med"/>
+</p:sld>
+</file>
+
+<file path=ppt/slides/slide11.xml><?xml version="1.0" encoding="utf-8"?>
+<p:sld xmlns:a="http://schemas.openxmlformats.org/drawingml/2006/main" xmlns:r="http://schemas.openxmlformats.org/officeDocument/2006/relationships" xmlns:p="http://schemas.openxmlformats.org/presentationml/2006/main">
+  <p:cSld>
+    <p:spTree>
+      <p:nvGrpSpPr>
+        <p:cNvPr id="1" name="">
+          <a:extLst>
+            <a:ext uri="{FF2B5EF4-FFF2-40B4-BE49-F238E27FC236}">
+              <a16:creationId xmlns:a16="http://schemas.microsoft.com/office/drawing/2014/main" id="{6FC1429E-675C-4A52-5FBF-136BA8933BE8}"/>
+            </a:ext>
+          </a:extLst>
+        </p:cNvPr>
+        <p:cNvGrpSpPr/>
+        <p:nvPr/>
+      </p:nvGrpSpPr>
+      <p:grpSpPr>
+        <a:xfrm>
+          <a:off x="0" y="0"/>
+          <a:ext cx="0" cy="0"/>
+          <a:chOff x="0" y="0"/>
+          <a:chExt cx="0" cy="0"/>
+        </a:xfrm>
+      </p:grpSpPr>
+      <p:sp>
+        <p:nvSpPr>
+          <p:cNvPr id="6" name="Title 1">
+            <a:extLst>
+              <a:ext uri="{FF2B5EF4-FFF2-40B4-BE49-F238E27FC236}">
+                <a16:creationId xmlns:a16="http://schemas.microsoft.com/office/drawing/2014/main" id="{9F083296-9BE7-7F10-3AC6-B2B7C0D902C6}"/>
+              </a:ext>
+            </a:extLst>
+          </p:cNvPr>
+          <p:cNvSpPr>
+            <a:spLocks noGrp="1"/>
+          </p:cNvSpPr>
+          <p:nvPr>
+            <p:ph type="title"/>
+          </p:nvPr>
+        </p:nvSpPr>
+        <p:spPr>
+          <a:xfrm>
+            <a:off x="457200" y="205980"/>
+            <a:ext cx="8229600" cy="857251"/>
+          </a:xfrm>
+        </p:spPr>
+        <p:txBody>
+          <a:bodyPr>
+            <a:normAutofit/>
+          </a:bodyPr>
+          <a:lstStyle/>
+          <a:p>
+            <a:r>
+              <a:rPr lang="en-US" b="1" dirty="0" err="1">
+                <a:solidFill>
+                  <a:srgbClr val="0070C0"/>
+                </a:solidFill>
+              </a:rPr>
+              <a:t>Programação</a:t>
+            </a:r>
+            <a:r>
+              <a:rPr lang="en-US" b="1" dirty="0">
+                <a:solidFill>
+                  <a:srgbClr val="0070C0"/>
+                </a:solidFill>
+              </a:rPr>
+              <a:t> </a:t>
+            </a:r>
+            <a:r>
+              <a:rPr lang="en-US" b="1" dirty="0" err="1">
+                <a:solidFill>
+                  <a:srgbClr val="0070C0"/>
+                </a:solidFill>
+              </a:rPr>
+              <a:t>Dinâmica</a:t>
+            </a:r>
+            <a:r>
+              <a:rPr lang="en-US" b="1" dirty="0">
+                <a:solidFill>
+                  <a:srgbClr val="0070C0"/>
+                </a:solidFill>
+              </a:rPr>
+              <a:t> - </a:t>
+            </a:r>
+            <a:r>
+              <a:rPr lang="en-US" b="1" dirty="0" err="1">
+                <a:solidFill>
+                  <a:srgbClr val="0070C0"/>
+                </a:solidFill>
+              </a:rPr>
+              <a:t>Exemplo</a:t>
+            </a:r>
+            <a:endParaRPr lang="en-US" b="1" dirty="0">
+              <a:solidFill>
+                <a:srgbClr val="0070C0"/>
+              </a:solidFill>
+            </a:endParaRPr>
+          </a:p>
+        </p:txBody>
+      </p:sp>
+      <p:sp>
+        <p:nvSpPr>
+          <p:cNvPr id="8" name="Text Placeholder 2">
+            <a:extLst>
+              <a:ext uri="{FF2B5EF4-FFF2-40B4-BE49-F238E27FC236}">
+                <a16:creationId xmlns:a16="http://schemas.microsoft.com/office/drawing/2014/main" id="{CA662215-8C5D-F204-AD94-CE94106B30D1}"/>
+              </a:ext>
+            </a:extLst>
+          </p:cNvPr>
+          <p:cNvSpPr>
+            <a:spLocks noGrp="1"/>
+          </p:cNvSpPr>
+          <p:nvPr>
+            <p:ph type="body" sz="half" idx="1"/>
+          </p:nvPr>
+        </p:nvSpPr>
+        <p:spPr>
+          <a:xfrm>
+            <a:off x="142865" y="1011891"/>
+            <a:ext cx="8865056" cy="4057649"/>
+          </a:xfrm>
+        </p:spPr>
+        <p:txBody>
+          <a:bodyPr>
+            <a:noAutofit/>
+          </a:bodyPr>
+          <a:lstStyle/>
+          <a:p>
+            <a:pPr marL="0" indent="0" algn="just">
+              <a:buNone/>
+            </a:pPr>
+            <a:r>
+              <a:rPr lang="pt-BR" sz="2000" dirty="0" err="1">
+                <a:solidFill>
+                  <a:schemeClr val="tx1"/>
+                </a:solidFill>
+                <a:latin typeface="Times New Roman" panose="02020603050405020304" pitchFamily="18" charset="0"/>
+                <a:cs typeface="Times New Roman" panose="02020603050405020304" pitchFamily="18" charset="0"/>
+              </a:rPr>
+              <a:t>public</a:t>
+            </a:r>
+            <a:r>
+              <a:rPr lang="pt-BR" sz="2000" dirty="0">
+                <a:solidFill>
+                  <a:schemeClr val="tx1"/>
+                </a:solidFill>
+                <a:latin typeface="Times New Roman" panose="02020603050405020304" pitchFamily="18" charset="0"/>
+                <a:cs typeface="Times New Roman" panose="02020603050405020304" pitchFamily="18" charset="0"/>
+              </a:rPr>
+              <a:t> </a:t>
+            </a:r>
+            <a:r>
+              <a:rPr lang="pt-BR" sz="2000" dirty="0" err="1">
+                <a:solidFill>
+                  <a:schemeClr val="tx1"/>
+                </a:solidFill>
+                <a:latin typeface="Times New Roman" panose="02020603050405020304" pitchFamily="18" charset="0"/>
+                <a:cs typeface="Times New Roman" panose="02020603050405020304" pitchFamily="18" charset="0"/>
+              </a:rPr>
+              <a:t>class</a:t>
+            </a:r>
+            <a:r>
+              <a:rPr lang="pt-BR" sz="2000" dirty="0">
+                <a:solidFill>
+                  <a:schemeClr val="tx1"/>
+                </a:solidFill>
+                <a:latin typeface="Times New Roman" panose="02020603050405020304" pitchFamily="18" charset="0"/>
+                <a:cs typeface="Times New Roman" panose="02020603050405020304" pitchFamily="18" charset="0"/>
+              </a:rPr>
+              <a:t> </a:t>
+            </a:r>
+            <a:r>
+              <a:rPr lang="pt-BR" sz="2000" dirty="0" err="1">
+                <a:solidFill>
+                  <a:schemeClr val="tx1"/>
+                </a:solidFill>
+                <a:latin typeface="Times New Roman" panose="02020603050405020304" pitchFamily="18" charset="0"/>
+                <a:cs typeface="Times New Roman" panose="02020603050405020304" pitchFamily="18" charset="0"/>
+              </a:rPr>
+              <a:t>FibonacciPD</a:t>
+            </a:r>
+            <a:r>
+              <a:rPr lang="pt-BR" sz="2000" dirty="0">
+                <a:solidFill>
+                  <a:schemeClr val="tx1"/>
+                </a:solidFill>
+                <a:latin typeface="Times New Roman" panose="02020603050405020304" pitchFamily="18" charset="0"/>
+                <a:cs typeface="Times New Roman" panose="02020603050405020304" pitchFamily="18" charset="0"/>
+              </a:rPr>
+              <a:t> {</a:t>
+            </a:r>
+          </a:p>
+          <a:p>
+            <a:pPr marL="0" indent="0" algn="just">
+              <a:buNone/>
+            </a:pPr>
+            <a:r>
+              <a:rPr lang="pt-BR" sz="2000" dirty="0">
+                <a:solidFill>
+                  <a:schemeClr val="tx1"/>
+                </a:solidFill>
+                <a:latin typeface="Times New Roman" panose="02020603050405020304" pitchFamily="18" charset="0"/>
+                <a:cs typeface="Times New Roman" panose="02020603050405020304" pitchFamily="18" charset="0"/>
+              </a:rPr>
+              <a:t>    </a:t>
+            </a:r>
+            <a:r>
+              <a:rPr lang="pt-BR" sz="2000" dirty="0" err="1">
+                <a:solidFill>
+                  <a:schemeClr val="tx1"/>
+                </a:solidFill>
+                <a:latin typeface="Times New Roman" panose="02020603050405020304" pitchFamily="18" charset="0"/>
+                <a:cs typeface="Times New Roman" panose="02020603050405020304" pitchFamily="18" charset="0"/>
+              </a:rPr>
+              <a:t>public</a:t>
+            </a:r>
+            <a:r>
+              <a:rPr lang="pt-BR" sz="2000" dirty="0">
+                <a:solidFill>
+                  <a:schemeClr val="tx1"/>
+                </a:solidFill>
+                <a:latin typeface="Times New Roman" panose="02020603050405020304" pitchFamily="18" charset="0"/>
+                <a:cs typeface="Times New Roman" panose="02020603050405020304" pitchFamily="18" charset="0"/>
+              </a:rPr>
+              <a:t> </a:t>
+            </a:r>
+            <a:r>
+              <a:rPr lang="pt-BR" sz="2000" dirty="0" err="1">
+                <a:solidFill>
+                  <a:schemeClr val="tx1"/>
+                </a:solidFill>
+                <a:latin typeface="Times New Roman" panose="02020603050405020304" pitchFamily="18" charset="0"/>
+                <a:cs typeface="Times New Roman" panose="02020603050405020304" pitchFamily="18" charset="0"/>
+              </a:rPr>
+              <a:t>static</a:t>
+            </a:r>
+            <a:r>
+              <a:rPr lang="pt-BR" sz="2000" dirty="0">
+                <a:solidFill>
+                  <a:schemeClr val="tx1"/>
+                </a:solidFill>
+                <a:latin typeface="Times New Roman" panose="02020603050405020304" pitchFamily="18" charset="0"/>
+                <a:cs typeface="Times New Roman" panose="02020603050405020304" pitchFamily="18" charset="0"/>
+              </a:rPr>
+              <a:t> </a:t>
+            </a:r>
+            <a:r>
+              <a:rPr lang="pt-BR" sz="2000" dirty="0" err="1">
+                <a:solidFill>
+                  <a:schemeClr val="tx1"/>
+                </a:solidFill>
+                <a:latin typeface="Times New Roman" panose="02020603050405020304" pitchFamily="18" charset="0"/>
+                <a:cs typeface="Times New Roman" panose="02020603050405020304" pitchFamily="18" charset="0"/>
+              </a:rPr>
+              <a:t>long</a:t>
+            </a:r>
+            <a:r>
+              <a:rPr lang="pt-BR" sz="2000" dirty="0">
+                <a:solidFill>
+                  <a:schemeClr val="tx1"/>
+                </a:solidFill>
+                <a:latin typeface="Times New Roman" panose="02020603050405020304" pitchFamily="18" charset="0"/>
+                <a:cs typeface="Times New Roman" panose="02020603050405020304" pitchFamily="18" charset="0"/>
+              </a:rPr>
+              <a:t> </a:t>
+            </a:r>
+            <a:r>
+              <a:rPr lang="pt-BR" sz="2000" dirty="0" err="1">
+                <a:solidFill>
+                  <a:schemeClr val="tx1"/>
+                </a:solidFill>
+                <a:latin typeface="Times New Roman" panose="02020603050405020304" pitchFamily="18" charset="0"/>
+                <a:cs typeface="Times New Roman" panose="02020603050405020304" pitchFamily="18" charset="0"/>
+              </a:rPr>
+              <a:t>fibonacci</a:t>
+            </a:r>
+            <a:r>
+              <a:rPr lang="pt-BR" sz="2000" dirty="0">
+                <a:solidFill>
+                  <a:schemeClr val="tx1"/>
+                </a:solidFill>
+                <a:latin typeface="Times New Roman" panose="02020603050405020304" pitchFamily="18" charset="0"/>
+                <a:cs typeface="Times New Roman" panose="02020603050405020304" pitchFamily="18" charset="0"/>
+              </a:rPr>
+              <a:t>(</a:t>
+            </a:r>
+            <a:r>
+              <a:rPr lang="pt-BR" sz="2000" dirty="0" err="1">
+                <a:solidFill>
+                  <a:schemeClr val="tx1"/>
+                </a:solidFill>
+                <a:latin typeface="Times New Roman" panose="02020603050405020304" pitchFamily="18" charset="0"/>
+                <a:cs typeface="Times New Roman" panose="02020603050405020304" pitchFamily="18" charset="0"/>
+              </a:rPr>
+              <a:t>int</a:t>
+            </a:r>
+            <a:r>
+              <a:rPr lang="pt-BR" sz="2000" dirty="0">
+                <a:solidFill>
+                  <a:schemeClr val="tx1"/>
+                </a:solidFill>
+                <a:latin typeface="Times New Roman" panose="02020603050405020304" pitchFamily="18" charset="0"/>
+                <a:cs typeface="Times New Roman" panose="02020603050405020304" pitchFamily="18" charset="0"/>
+              </a:rPr>
+              <a:t> n) {</a:t>
+            </a:r>
+          </a:p>
+          <a:p>
+            <a:pPr marL="0" indent="0" algn="just">
+              <a:buNone/>
+            </a:pPr>
+            <a:r>
+              <a:rPr lang="pt-BR" sz="2000" dirty="0">
+                <a:solidFill>
+                  <a:schemeClr val="tx1"/>
+                </a:solidFill>
+                <a:latin typeface="Times New Roman" panose="02020603050405020304" pitchFamily="18" charset="0"/>
+                <a:cs typeface="Times New Roman" panose="02020603050405020304" pitchFamily="18" charset="0"/>
+              </a:rPr>
+              <a:t>        </a:t>
+            </a:r>
+            <a:r>
+              <a:rPr lang="pt-BR" sz="2000" dirty="0" err="1">
+                <a:solidFill>
+                  <a:schemeClr val="tx1"/>
+                </a:solidFill>
+                <a:latin typeface="Times New Roman" panose="02020603050405020304" pitchFamily="18" charset="0"/>
+                <a:cs typeface="Times New Roman" panose="02020603050405020304" pitchFamily="18" charset="0"/>
+              </a:rPr>
+              <a:t>long</a:t>
+            </a:r>
+            <a:r>
+              <a:rPr lang="pt-BR" sz="2000" dirty="0">
+                <a:solidFill>
+                  <a:schemeClr val="tx1"/>
+                </a:solidFill>
+                <a:latin typeface="Times New Roman" panose="02020603050405020304" pitchFamily="18" charset="0"/>
+                <a:cs typeface="Times New Roman" panose="02020603050405020304" pitchFamily="18" charset="0"/>
+              </a:rPr>
+              <a:t>[] f = new </a:t>
+            </a:r>
+            <a:r>
+              <a:rPr lang="pt-BR" sz="2000" dirty="0" err="1">
+                <a:solidFill>
+                  <a:schemeClr val="tx1"/>
+                </a:solidFill>
+                <a:latin typeface="Times New Roman" panose="02020603050405020304" pitchFamily="18" charset="0"/>
+                <a:cs typeface="Times New Roman" panose="02020603050405020304" pitchFamily="18" charset="0"/>
+              </a:rPr>
+              <a:t>long</a:t>
+            </a:r>
+            <a:r>
+              <a:rPr lang="pt-BR" sz="2000" dirty="0">
+                <a:solidFill>
+                  <a:schemeClr val="tx1"/>
+                </a:solidFill>
+                <a:latin typeface="Times New Roman" panose="02020603050405020304" pitchFamily="18" charset="0"/>
+                <a:cs typeface="Times New Roman" panose="02020603050405020304" pitchFamily="18" charset="0"/>
+              </a:rPr>
+              <a:t>[n + 1]; f[0] = 0;    f[1] = 1;</a:t>
+            </a:r>
+          </a:p>
+          <a:p>
+            <a:pPr marL="0" indent="0" algn="just">
+              <a:buNone/>
+            </a:pPr>
+            <a:r>
+              <a:rPr lang="pt-BR" sz="2000" dirty="0">
+                <a:solidFill>
+                  <a:schemeClr val="tx1"/>
+                </a:solidFill>
+                <a:latin typeface="Times New Roman" panose="02020603050405020304" pitchFamily="18" charset="0"/>
+                <a:cs typeface="Times New Roman" panose="02020603050405020304" pitchFamily="18" charset="0"/>
+              </a:rPr>
+              <a:t>        for (</a:t>
+            </a:r>
+            <a:r>
+              <a:rPr lang="pt-BR" sz="2000" dirty="0" err="1">
+                <a:solidFill>
+                  <a:schemeClr val="tx1"/>
+                </a:solidFill>
+                <a:latin typeface="Times New Roman" panose="02020603050405020304" pitchFamily="18" charset="0"/>
+                <a:cs typeface="Times New Roman" panose="02020603050405020304" pitchFamily="18" charset="0"/>
+              </a:rPr>
+              <a:t>int</a:t>
+            </a:r>
+            <a:r>
+              <a:rPr lang="pt-BR" sz="2000" dirty="0">
+                <a:solidFill>
+                  <a:schemeClr val="tx1"/>
+                </a:solidFill>
+                <a:latin typeface="Times New Roman" panose="02020603050405020304" pitchFamily="18" charset="0"/>
+                <a:cs typeface="Times New Roman" panose="02020603050405020304" pitchFamily="18" charset="0"/>
+              </a:rPr>
+              <a:t> i = 2; i &lt;= n; i++) {</a:t>
+            </a:r>
+          </a:p>
+          <a:p>
+            <a:pPr marL="0" indent="0" algn="just">
+              <a:buNone/>
+            </a:pPr>
+            <a:r>
+              <a:rPr lang="pt-BR" sz="2000" dirty="0">
+                <a:solidFill>
+                  <a:schemeClr val="tx1"/>
+                </a:solidFill>
+                <a:latin typeface="Times New Roman" panose="02020603050405020304" pitchFamily="18" charset="0"/>
+                <a:cs typeface="Times New Roman" panose="02020603050405020304" pitchFamily="18" charset="0"/>
+              </a:rPr>
+              <a:t>            f[i] = f[i - 1] + f[i - 2];</a:t>
+            </a:r>
+          </a:p>
+          <a:p>
+            <a:pPr marL="0" indent="0" algn="just">
+              <a:buNone/>
+            </a:pPr>
+            <a:r>
+              <a:rPr lang="pt-BR" sz="2000" dirty="0">
+                <a:solidFill>
+                  <a:schemeClr val="tx1"/>
+                </a:solidFill>
+                <a:latin typeface="Times New Roman" panose="02020603050405020304" pitchFamily="18" charset="0"/>
+                <a:cs typeface="Times New Roman" panose="02020603050405020304" pitchFamily="18" charset="0"/>
+              </a:rPr>
+              <a:t>        }</a:t>
+            </a:r>
+          </a:p>
+          <a:p>
+            <a:pPr marL="0" indent="0" algn="just">
+              <a:buNone/>
+            </a:pPr>
+            <a:r>
+              <a:rPr lang="pt-BR" sz="2000" dirty="0">
+                <a:solidFill>
+                  <a:schemeClr val="tx1"/>
+                </a:solidFill>
+                <a:latin typeface="Times New Roman" panose="02020603050405020304" pitchFamily="18" charset="0"/>
+                <a:cs typeface="Times New Roman" panose="02020603050405020304" pitchFamily="18" charset="0"/>
+              </a:rPr>
+              <a:t>        </a:t>
+            </a:r>
+            <a:r>
+              <a:rPr lang="pt-BR" sz="2000" dirty="0" err="1">
+                <a:solidFill>
+                  <a:schemeClr val="tx1"/>
+                </a:solidFill>
+                <a:latin typeface="Times New Roman" panose="02020603050405020304" pitchFamily="18" charset="0"/>
+                <a:cs typeface="Times New Roman" panose="02020603050405020304" pitchFamily="18" charset="0"/>
+              </a:rPr>
+              <a:t>return</a:t>
+            </a:r>
+            <a:r>
+              <a:rPr lang="pt-BR" sz="2000" dirty="0">
+                <a:solidFill>
+                  <a:schemeClr val="tx1"/>
+                </a:solidFill>
+                <a:latin typeface="Times New Roman" panose="02020603050405020304" pitchFamily="18" charset="0"/>
+                <a:cs typeface="Times New Roman" panose="02020603050405020304" pitchFamily="18" charset="0"/>
+              </a:rPr>
+              <a:t> f[n];</a:t>
+            </a:r>
+          </a:p>
+          <a:p>
+            <a:pPr marL="0" indent="0" algn="just">
+              <a:buNone/>
+            </a:pPr>
+            <a:r>
+              <a:rPr lang="pt-BR" sz="2000" dirty="0">
+                <a:solidFill>
+                  <a:schemeClr val="tx1"/>
+                </a:solidFill>
+                <a:latin typeface="Times New Roman" panose="02020603050405020304" pitchFamily="18" charset="0"/>
+                <a:cs typeface="Times New Roman" panose="02020603050405020304" pitchFamily="18" charset="0"/>
+              </a:rPr>
+              <a:t>    }</a:t>
+            </a:r>
+          </a:p>
+          <a:p>
+            <a:pPr marL="0" indent="0" algn="just">
+              <a:buNone/>
+            </a:pPr>
+            <a:r>
+              <a:rPr lang="pt-BR" sz="2000" dirty="0">
+                <a:solidFill>
+                  <a:schemeClr val="tx1"/>
+                </a:solidFill>
+                <a:latin typeface="Times New Roman" panose="02020603050405020304" pitchFamily="18" charset="0"/>
+                <a:cs typeface="Times New Roman" panose="02020603050405020304" pitchFamily="18" charset="0"/>
+              </a:rPr>
+              <a:t>    </a:t>
+            </a:r>
+            <a:r>
+              <a:rPr lang="pt-BR" sz="2000" dirty="0" err="1">
+                <a:solidFill>
+                  <a:schemeClr val="tx1"/>
+                </a:solidFill>
+                <a:latin typeface="Times New Roman" panose="02020603050405020304" pitchFamily="18" charset="0"/>
+                <a:cs typeface="Times New Roman" panose="02020603050405020304" pitchFamily="18" charset="0"/>
+              </a:rPr>
+              <a:t>public</a:t>
+            </a:r>
+            <a:r>
+              <a:rPr lang="pt-BR" sz="2000" dirty="0">
+                <a:solidFill>
+                  <a:schemeClr val="tx1"/>
+                </a:solidFill>
+                <a:latin typeface="Times New Roman" panose="02020603050405020304" pitchFamily="18" charset="0"/>
+                <a:cs typeface="Times New Roman" panose="02020603050405020304" pitchFamily="18" charset="0"/>
+              </a:rPr>
+              <a:t> </a:t>
+            </a:r>
+            <a:r>
+              <a:rPr lang="pt-BR" sz="2000" dirty="0" err="1">
+                <a:solidFill>
+                  <a:schemeClr val="tx1"/>
+                </a:solidFill>
+                <a:latin typeface="Times New Roman" panose="02020603050405020304" pitchFamily="18" charset="0"/>
+                <a:cs typeface="Times New Roman" panose="02020603050405020304" pitchFamily="18" charset="0"/>
+              </a:rPr>
+              <a:t>static</a:t>
+            </a:r>
+            <a:r>
+              <a:rPr lang="pt-BR" sz="2000" dirty="0">
+                <a:solidFill>
+                  <a:schemeClr val="tx1"/>
+                </a:solidFill>
+                <a:latin typeface="Times New Roman" panose="02020603050405020304" pitchFamily="18" charset="0"/>
+                <a:cs typeface="Times New Roman" panose="02020603050405020304" pitchFamily="18" charset="0"/>
+              </a:rPr>
+              <a:t> </a:t>
+            </a:r>
+            <a:r>
+              <a:rPr lang="pt-BR" sz="2000" dirty="0" err="1">
+                <a:solidFill>
+                  <a:schemeClr val="tx1"/>
+                </a:solidFill>
+                <a:latin typeface="Times New Roman" panose="02020603050405020304" pitchFamily="18" charset="0"/>
+                <a:cs typeface="Times New Roman" panose="02020603050405020304" pitchFamily="18" charset="0"/>
+              </a:rPr>
+              <a:t>void</a:t>
+            </a:r>
+            <a:r>
+              <a:rPr lang="pt-BR" sz="2000" dirty="0">
+                <a:solidFill>
+                  <a:schemeClr val="tx1"/>
+                </a:solidFill>
+                <a:latin typeface="Times New Roman" panose="02020603050405020304" pitchFamily="18" charset="0"/>
+                <a:cs typeface="Times New Roman" panose="02020603050405020304" pitchFamily="18" charset="0"/>
+              </a:rPr>
+              <a:t> </a:t>
+            </a:r>
+            <a:r>
+              <a:rPr lang="pt-BR" sz="2000" dirty="0" err="1">
+                <a:solidFill>
+                  <a:schemeClr val="tx1"/>
+                </a:solidFill>
+                <a:latin typeface="Times New Roman" panose="02020603050405020304" pitchFamily="18" charset="0"/>
+                <a:cs typeface="Times New Roman" panose="02020603050405020304" pitchFamily="18" charset="0"/>
+              </a:rPr>
+              <a:t>main</a:t>
+            </a:r>
+            <a:r>
+              <a:rPr lang="pt-BR" sz="2000" dirty="0">
+                <a:solidFill>
+                  <a:schemeClr val="tx1"/>
+                </a:solidFill>
+                <a:latin typeface="Times New Roman" panose="02020603050405020304" pitchFamily="18" charset="0"/>
+                <a:cs typeface="Times New Roman" panose="02020603050405020304" pitchFamily="18" charset="0"/>
+              </a:rPr>
+              <a:t>(</a:t>
+            </a:r>
+            <a:r>
+              <a:rPr lang="pt-BR" sz="2000" dirty="0" err="1">
+                <a:solidFill>
+                  <a:schemeClr val="tx1"/>
+                </a:solidFill>
+                <a:latin typeface="Times New Roman" panose="02020603050405020304" pitchFamily="18" charset="0"/>
+                <a:cs typeface="Times New Roman" panose="02020603050405020304" pitchFamily="18" charset="0"/>
+              </a:rPr>
+              <a:t>String</a:t>
+            </a:r>
+            <a:r>
+              <a:rPr lang="pt-BR" sz="2000" dirty="0">
+                <a:solidFill>
+                  <a:schemeClr val="tx1"/>
+                </a:solidFill>
+                <a:latin typeface="Times New Roman" panose="02020603050405020304" pitchFamily="18" charset="0"/>
+                <a:cs typeface="Times New Roman" panose="02020603050405020304" pitchFamily="18" charset="0"/>
+              </a:rPr>
+              <a:t>[] </a:t>
+            </a:r>
+            <a:r>
+              <a:rPr lang="pt-BR" sz="2000" dirty="0" err="1">
+                <a:solidFill>
+                  <a:schemeClr val="tx1"/>
+                </a:solidFill>
+                <a:latin typeface="Times New Roman" panose="02020603050405020304" pitchFamily="18" charset="0"/>
+                <a:cs typeface="Times New Roman" panose="02020603050405020304" pitchFamily="18" charset="0"/>
+              </a:rPr>
+              <a:t>args</a:t>
+            </a:r>
+            <a:r>
+              <a:rPr lang="pt-BR" sz="2000" dirty="0">
+                <a:solidFill>
+                  <a:schemeClr val="tx1"/>
+                </a:solidFill>
+                <a:latin typeface="Times New Roman" panose="02020603050405020304" pitchFamily="18" charset="0"/>
+                <a:cs typeface="Times New Roman" panose="02020603050405020304" pitchFamily="18" charset="0"/>
+              </a:rPr>
+              <a:t>) {</a:t>
+            </a:r>
+          </a:p>
+          <a:p>
+            <a:pPr marL="0" indent="0" algn="just">
+              <a:buNone/>
+            </a:pPr>
+            <a:r>
+              <a:rPr lang="pt-BR" sz="2000" dirty="0">
+                <a:solidFill>
+                  <a:schemeClr val="tx1"/>
+                </a:solidFill>
+                <a:latin typeface="Times New Roman" panose="02020603050405020304" pitchFamily="18" charset="0"/>
+                <a:cs typeface="Times New Roman" panose="02020603050405020304" pitchFamily="18" charset="0"/>
+              </a:rPr>
+              <a:t>        </a:t>
+            </a:r>
+            <a:r>
+              <a:rPr lang="pt-BR" sz="2000" dirty="0" err="1">
+                <a:solidFill>
+                  <a:schemeClr val="tx1"/>
+                </a:solidFill>
+                <a:latin typeface="Times New Roman" panose="02020603050405020304" pitchFamily="18" charset="0"/>
+                <a:cs typeface="Times New Roman" panose="02020603050405020304" pitchFamily="18" charset="0"/>
+              </a:rPr>
+              <a:t>System.out.println</a:t>
+            </a:r>
+            <a:r>
+              <a:rPr lang="pt-BR" sz="2000" dirty="0">
+                <a:solidFill>
+                  <a:schemeClr val="tx1"/>
+                </a:solidFill>
+                <a:latin typeface="Times New Roman" panose="02020603050405020304" pitchFamily="18" charset="0"/>
+                <a:cs typeface="Times New Roman" panose="02020603050405020304" pitchFamily="18" charset="0"/>
+              </a:rPr>
+              <a:t>(</a:t>
+            </a:r>
+            <a:r>
+              <a:rPr lang="pt-BR" sz="2000" dirty="0" err="1">
+                <a:solidFill>
+                  <a:schemeClr val="tx1"/>
+                </a:solidFill>
+                <a:latin typeface="Times New Roman" panose="02020603050405020304" pitchFamily="18" charset="0"/>
+                <a:cs typeface="Times New Roman" panose="02020603050405020304" pitchFamily="18" charset="0"/>
+              </a:rPr>
+              <a:t>fibonacci</a:t>
+            </a:r>
+            <a:r>
+              <a:rPr lang="pt-BR" sz="2000" dirty="0">
+                <a:solidFill>
+                  <a:schemeClr val="tx1"/>
+                </a:solidFill>
+                <a:latin typeface="Times New Roman" panose="02020603050405020304" pitchFamily="18" charset="0"/>
+                <a:cs typeface="Times New Roman" panose="02020603050405020304" pitchFamily="18" charset="0"/>
+              </a:rPr>
+              <a:t>(40));</a:t>
+            </a:r>
+          </a:p>
+          <a:p>
+            <a:pPr marL="0" indent="0" algn="just">
+              <a:buNone/>
+            </a:pPr>
+            <a:r>
+              <a:rPr lang="pt-BR" sz="2000" dirty="0">
+                <a:solidFill>
+                  <a:schemeClr val="tx1"/>
+                </a:solidFill>
+                <a:latin typeface="Times New Roman" panose="02020603050405020304" pitchFamily="18" charset="0"/>
+                <a:cs typeface="Times New Roman" panose="02020603050405020304" pitchFamily="18" charset="0"/>
+              </a:rPr>
+              <a:t>    }}</a:t>
+            </a:r>
+          </a:p>
+        </p:txBody>
+      </p:sp>
+      <mc:AlternateContent xmlns:mc="http://schemas.openxmlformats.org/markup-compatibility/2006">
+        <mc:Choice xmlns:a14="http://schemas.microsoft.com/office/drawing/2010/main" Requires="a14">
+          <p:sp>
+            <p:nvSpPr>
+              <p:cNvPr id="2" name="CaixaDeTexto 1">
+                <a:extLst>
+                  <a:ext uri="{FF2B5EF4-FFF2-40B4-BE49-F238E27FC236}">
+                    <a16:creationId xmlns:a16="http://schemas.microsoft.com/office/drawing/2014/main" id="{F579728A-6501-5057-F655-53D698DA44CA}"/>
+                  </a:ext>
+                </a:extLst>
+              </p:cNvPr>
+              <p:cNvSpPr txBox="1"/>
+              <p:nvPr/>
+            </p:nvSpPr>
+            <p:spPr>
+              <a:xfrm>
+                <a:off x="5943601" y="2286000"/>
+                <a:ext cx="2608728" cy="923326"/>
+              </a:xfrm>
+              <a:prstGeom prst="rect">
+                <a:avLst/>
+              </a:prstGeom>
+              <a:noFill/>
+              <a:ln w="12700" cap="flat">
+                <a:noFill/>
+                <a:miter lim="400000"/>
+              </a:ln>
+            </p:spPr>
+            <p:style>
+              <a:lnRef idx="0">
+                <a:scrgbClr r="0" g="0" b="0"/>
+              </a:lnRef>
+              <a:fillRef idx="0">
+                <a:scrgbClr r="0" g="0" b="0"/>
+              </a:fillRef>
+              <a:effectRef idx="0">
+                <a:scrgbClr r="0" g="0" b="0"/>
+              </a:effectRef>
+              <a:fontRef idx="none"/>
+            </p:style>
+            <p:txBody>
+              <a:bodyPr rot="0" spcFirstLastPara="1" vertOverflow="overflow" horzOverflow="overflow" vert="horz" wrap="square" lIns="45718" tIns="45718" rIns="45718" bIns="45718" numCol="1" spcCol="38100" rtlCol="0" anchor="t">
+                <a:spAutoFit/>
+              </a:bodyPr>
+              <a:lstStyle/>
+              <a:p>
+                <a:r>
+                  <a:rPr lang="pt-BR" b="1" dirty="0">
+                    <a:solidFill>
+                      <a:srgbClr val="FF0000"/>
+                    </a:solidFill>
+                    <a:latin typeface="Times New Roman" panose="02020603050405020304" pitchFamily="18" charset="0"/>
+                    <a:cs typeface="Times New Roman" panose="02020603050405020304" pitchFamily="18" charset="0"/>
+                  </a:rPr>
+                  <a:t>Complexidade</a:t>
+                </a:r>
+                <a:r>
+                  <a:rPr lang="pt-BR" b="1" dirty="0">
+                    <a:latin typeface="Times New Roman" panose="02020603050405020304" pitchFamily="18" charset="0"/>
+                    <a:cs typeface="Times New Roman" panose="02020603050405020304" pitchFamily="18" charset="0"/>
+                  </a:rPr>
+                  <a:t>:</a:t>
+                </a:r>
+                <a:endParaRPr lang="pt-BR" dirty="0">
+                  <a:latin typeface="Times New Roman" panose="02020603050405020304" pitchFamily="18" charset="0"/>
+                  <a:cs typeface="Times New Roman" panose="02020603050405020304" pitchFamily="18" charset="0"/>
+                </a:endParaRPr>
+              </a:p>
+              <a:p>
+                <a:r>
+                  <a:rPr lang="pt-BR" dirty="0">
+                    <a:latin typeface="Times New Roman" panose="02020603050405020304" pitchFamily="18" charset="0"/>
+                    <a:cs typeface="Times New Roman" panose="02020603050405020304" pitchFamily="18" charset="0"/>
+                  </a:rPr>
+                  <a:t>Recursivo simples: </a:t>
+                </a:r>
+                <a14:m>
+                  <m:oMath xmlns:m="http://schemas.openxmlformats.org/officeDocument/2006/math">
+                    <m:r>
+                      <a:rPr lang="pt-BR" i="1"/>
+                      <m:t>𝑂</m:t>
+                    </m:r>
+                    <m:d>
+                      <m:dPr>
+                        <m:ctrlPr>
+                          <a:rPr lang="ar-AE" i="1"/>
+                        </m:ctrlPr>
+                      </m:dPr>
+                      <m:e>
+                        <m:sSup>
+                          <m:sSupPr>
+                            <m:ctrlPr>
+                              <a:rPr lang="ar-AE" i="1"/>
+                            </m:ctrlPr>
+                          </m:sSupPr>
+                          <m:e>
+                            <m:r>
+                              <a:rPr lang="ar-AE"/>
+                              <m:t>2</m:t>
+                            </m:r>
+                          </m:e>
+                          <m:sup>
+                            <m:r>
+                              <a:rPr lang="ar-AE" i="1"/>
+                              <m:t>𝑛</m:t>
+                            </m:r>
+                          </m:sup>
+                        </m:sSup>
+                      </m:e>
+                    </m:d>
+                  </m:oMath>
+                </a14:m>
+                <a:endParaRPr lang="ar-AE" dirty="0">
+                  <a:latin typeface="Times New Roman" panose="02020603050405020304" pitchFamily="18" charset="0"/>
+                  <a:cs typeface="Times New Roman" panose="02020603050405020304" pitchFamily="18" charset="0"/>
+                </a:endParaRPr>
+              </a:p>
+              <a:p>
+                <a:r>
+                  <a:rPr lang="pt-BR" dirty="0">
+                    <a:latin typeface="Times New Roman" panose="02020603050405020304" pitchFamily="18" charset="0"/>
+                    <a:cs typeface="Times New Roman" panose="02020603050405020304" pitchFamily="18" charset="0"/>
+                  </a:rPr>
+                  <a:t>PD: </a:t>
+                </a:r>
+                <a14:m>
+                  <m:oMath xmlns:m="http://schemas.openxmlformats.org/officeDocument/2006/math">
+                    <m:r>
+                      <a:rPr lang="pt-BR" i="1"/>
+                      <m:t>𝑂</m:t>
+                    </m:r>
+                    <m:d>
+                      <m:dPr>
+                        <m:ctrlPr>
+                          <a:rPr lang="ar-AE" i="1"/>
+                        </m:ctrlPr>
+                      </m:dPr>
+                      <m:e>
+                        <m:r>
+                          <a:rPr lang="ar-AE" i="1"/>
+                          <m:t>𝑛</m:t>
+                        </m:r>
+                      </m:e>
+                    </m:d>
+                  </m:oMath>
+                </a14:m>
+                <a:endParaRPr lang="ar-AE" dirty="0">
+                  <a:latin typeface="Times New Roman" panose="02020603050405020304" pitchFamily="18" charset="0"/>
+                  <a:cs typeface="Times New Roman" panose="02020603050405020304" pitchFamily="18" charset="0"/>
+                </a:endParaRPr>
+              </a:p>
+            </p:txBody>
+          </p:sp>
+        </mc:Choice>
+        <mc:Fallback>
+          <p:sp>
+            <p:nvSpPr>
+              <p:cNvPr id="2" name="CaixaDeTexto 1">
+                <a:extLst>
+                  <a:ext uri="{FF2B5EF4-FFF2-40B4-BE49-F238E27FC236}">
+                    <a16:creationId xmlns:a16="http://schemas.microsoft.com/office/drawing/2014/main" id="{F579728A-6501-5057-F655-53D698DA44CA}"/>
+                  </a:ext>
+                </a:extLst>
+              </p:cNvPr>
+              <p:cNvSpPr txBox="1">
+                <a:spLocks noRot="1" noChangeAspect="1" noMove="1" noResize="1" noEditPoints="1" noAdjustHandles="1" noChangeArrowheads="1" noChangeShapeType="1" noTextEdit="1"/>
+              </p:cNvSpPr>
+              <p:nvPr/>
+            </p:nvSpPr>
+            <p:spPr>
+              <a:xfrm>
+                <a:off x="5943601" y="2286000"/>
+                <a:ext cx="2608728" cy="923326"/>
+              </a:xfrm>
+              <a:prstGeom prst="rect">
+                <a:avLst/>
+              </a:prstGeom>
+              <a:blipFill>
+                <a:blip r:embed="rId3"/>
+                <a:stretch>
+                  <a:fillRect l="-3738" t="-3311" b="-9934"/>
+                </a:stretch>
+              </a:blipFill>
+              <a:ln w="12700" cap="flat">
+                <a:noFill/>
+                <a:miter lim="400000"/>
+              </a:ln>
+            </p:spPr>
+            <p:txBody>
+              <a:bodyPr/>
+              <a:lstStyle/>
+              <a:p>
+                <a:r>
+                  <a:rPr lang="pt-BR">
+                    <a:noFill/>
+                  </a:rPr>
+                  <a:t> </a:t>
+                </a:r>
+              </a:p>
+            </p:txBody>
+          </p:sp>
+        </mc:Fallback>
+      </mc:AlternateContent>
+    </p:spTree>
+    <p:extLst>
+      <p:ext uri="{BB962C8B-B14F-4D97-AF65-F5344CB8AC3E}">
+        <p14:creationId xmlns:p14="http://schemas.microsoft.com/office/powerpoint/2010/main" val="1094869403"/>
+      </p:ext>
+    </p:extLst>
+  </p:cSld>
+  <p:clrMapOvr>
+    <a:masterClrMapping/>
+  </p:clrMapOvr>
+  <p:transition spd="med"/>
+</p:sld>
+</file>
+
+<file path=ppt/slides/slide12.xml><?xml version="1.0" encoding="utf-8"?>
+<p:sld xmlns:a="http://schemas.openxmlformats.org/drawingml/2006/main" xmlns:r="http://schemas.openxmlformats.org/officeDocument/2006/relationships" xmlns:p="http://schemas.openxmlformats.org/presentationml/2006/main">
+  <p:cSld>
+    <p:spTree>
+      <p:nvGrpSpPr>
+        <p:cNvPr id="1" name="">
+          <a:extLst>
+            <a:ext uri="{FF2B5EF4-FFF2-40B4-BE49-F238E27FC236}">
+              <a16:creationId xmlns:a16="http://schemas.microsoft.com/office/drawing/2014/main" id="{7A991EE5-113D-4C9E-CE3C-F2BE713F42C2}"/>
+            </a:ext>
+          </a:extLst>
+        </p:cNvPr>
+        <p:cNvGrpSpPr/>
+        <p:nvPr/>
+      </p:nvGrpSpPr>
+      <p:grpSpPr>
+        <a:xfrm>
+          <a:off x="0" y="0"/>
+          <a:ext cx="0" cy="0"/>
+          <a:chOff x="0" y="0"/>
+          <a:chExt cx="0" cy="0"/>
+        </a:xfrm>
+      </p:grpSpPr>
+      <p:sp>
+        <p:nvSpPr>
+          <p:cNvPr id="6" name="Title 1">
+            <a:extLst>
+              <a:ext uri="{FF2B5EF4-FFF2-40B4-BE49-F238E27FC236}">
+                <a16:creationId xmlns:a16="http://schemas.microsoft.com/office/drawing/2014/main" id="{1351D8BE-F6B9-8DAE-4531-7DA82BE3AAD6}"/>
+              </a:ext>
+            </a:extLst>
+          </p:cNvPr>
+          <p:cNvSpPr>
+            <a:spLocks noGrp="1"/>
+          </p:cNvSpPr>
+          <p:nvPr>
+            <p:ph type="title"/>
+          </p:nvPr>
+        </p:nvSpPr>
+        <p:spPr>
+          <a:xfrm>
+            <a:off x="457200" y="205980"/>
+            <a:ext cx="8229600" cy="857251"/>
+          </a:xfrm>
+        </p:spPr>
+        <p:txBody>
+          <a:bodyPr>
+            <a:normAutofit/>
+          </a:bodyPr>
+          <a:lstStyle/>
+          <a:p>
+            <a:r>
+              <a:rPr lang="en-US" b="1" dirty="0" err="1">
+                <a:solidFill>
+                  <a:srgbClr val="0070C0"/>
+                </a:solidFill>
+              </a:rPr>
+              <a:t>Programação</a:t>
+            </a:r>
+            <a:r>
+              <a:rPr lang="en-US" b="1" dirty="0">
+                <a:solidFill>
+                  <a:srgbClr val="0070C0"/>
+                </a:solidFill>
+              </a:rPr>
+              <a:t> </a:t>
+            </a:r>
+            <a:r>
+              <a:rPr lang="en-US" b="1" dirty="0" err="1">
+                <a:solidFill>
+                  <a:srgbClr val="0070C0"/>
+                </a:solidFill>
+              </a:rPr>
+              <a:t>Dinâmica</a:t>
+            </a:r>
+            <a:r>
+              <a:rPr lang="en-US" b="1" dirty="0">
+                <a:solidFill>
+                  <a:srgbClr val="0070C0"/>
+                </a:solidFill>
+              </a:rPr>
+              <a:t> - </a:t>
+            </a:r>
+            <a:r>
+              <a:rPr lang="en-US" b="1" dirty="0" err="1">
+                <a:solidFill>
+                  <a:srgbClr val="0070C0"/>
+                </a:solidFill>
+              </a:rPr>
+              <a:t>Exemplo</a:t>
+            </a:r>
+            <a:endParaRPr lang="en-US" b="1" dirty="0">
+              <a:solidFill>
+                <a:srgbClr val="0070C0"/>
+              </a:solidFill>
+            </a:endParaRPr>
+          </a:p>
+        </p:txBody>
+      </p:sp>
+      <p:sp>
+        <p:nvSpPr>
+          <p:cNvPr id="8" name="Text Placeholder 2">
+            <a:extLst>
+              <a:ext uri="{FF2B5EF4-FFF2-40B4-BE49-F238E27FC236}">
+                <a16:creationId xmlns:a16="http://schemas.microsoft.com/office/drawing/2014/main" id="{DD33BE26-BA91-8C75-FDC0-3DCE8C42CB68}"/>
+              </a:ext>
+            </a:extLst>
+          </p:cNvPr>
+          <p:cNvSpPr>
+            <a:spLocks noGrp="1"/>
+          </p:cNvSpPr>
+          <p:nvPr>
+            <p:ph type="body" sz="half" idx="1"/>
+          </p:nvPr>
+        </p:nvSpPr>
+        <p:spPr>
+          <a:xfrm>
+            <a:off x="142865" y="1011891"/>
+            <a:ext cx="8865056" cy="4057649"/>
+          </a:xfrm>
+        </p:spPr>
+        <p:txBody>
+          <a:bodyPr>
+            <a:noAutofit/>
+          </a:bodyPr>
+          <a:lstStyle/>
+          <a:p>
+            <a:pPr marL="0" indent="0" algn="just">
+              <a:buNone/>
+            </a:pPr>
+            <a:r>
+              <a:rPr lang="pt-BR" sz="2000" b="1" dirty="0">
+                <a:solidFill>
+                  <a:schemeClr val="tx1"/>
+                </a:solidFill>
+                <a:latin typeface="Times New Roman" panose="02020603050405020304" pitchFamily="18" charset="0"/>
+                <a:cs typeface="Times New Roman" panose="02020603050405020304" pitchFamily="18" charset="0"/>
+              </a:rPr>
+              <a:t>Problema da Mochila </a:t>
+            </a:r>
+            <a:r>
+              <a:rPr lang="pt-BR" sz="2000" b="1" dirty="0">
+                <a:solidFill>
+                  <a:srgbClr val="FF0000"/>
+                </a:solidFill>
+                <a:latin typeface="Times New Roman" panose="02020603050405020304" pitchFamily="18" charset="0"/>
+                <a:cs typeface="Times New Roman" panose="02020603050405020304" pitchFamily="18" charset="0"/>
+              </a:rPr>
+              <a:t>(</a:t>
+            </a:r>
+            <a:r>
+              <a:rPr lang="pt-BR" sz="2000" b="1" dirty="0" err="1">
+                <a:solidFill>
+                  <a:srgbClr val="FF0000"/>
+                </a:solidFill>
+                <a:latin typeface="Times New Roman" panose="02020603050405020304" pitchFamily="18" charset="0"/>
+                <a:cs typeface="Times New Roman" panose="02020603050405020304" pitchFamily="18" charset="0"/>
+              </a:rPr>
+              <a:t>Knapsack</a:t>
+            </a:r>
+            <a:r>
+              <a:rPr lang="pt-BR" sz="2000" b="1" dirty="0">
+                <a:solidFill>
+                  <a:srgbClr val="FF0000"/>
+                </a:solidFill>
+                <a:latin typeface="Times New Roman" panose="02020603050405020304" pitchFamily="18" charset="0"/>
+                <a:cs typeface="Times New Roman" panose="02020603050405020304" pitchFamily="18" charset="0"/>
+              </a:rPr>
+              <a:t>)</a:t>
+            </a:r>
+          </a:p>
+          <a:p>
+            <a:pPr marL="0" indent="0" algn="just">
+              <a:buNone/>
+            </a:pPr>
+            <a:endParaRPr lang="pt-BR" sz="2000" dirty="0">
+              <a:latin typeface="Times New Roman" panose="02020603050405020304" pitchFamily="18" charset="0"/>
+              <a:cs typeface="Times New Roman" panose="02020603050405020304" pitchFamily="18" charset="0"/>
+            </a:endParaRPr>
+          </a:p>
+          <a:p>
+            <a:pPr marL="0" indent="0" algn="just">
+              <a:buNone/>
+            </a:pPr>
+            <a:r>
+              <a:rPr lang="pt-BR" sz="2000" dirty="0">
+                <a:latin typeface="Times New Roman" panose="02020603050405020304" pitchFamily="18" charset="0"/>
+                <a:cs typeface="Times New Roman" panose="02020603050405020304" pitchFamily="18" charset="0"/>
+              </a:rPr>
+              <a:t>Dado um conjunto de itens com peso e valor, determine o valor máximo que pode ser levado em uma mochila com capacidade limitada.</a:t>
+            </a:r>
+          </a:p>
+          <a:p>
+            <a:pPr marL="0" indent="0" algn="just">
+              <a:buNone/>
+            </a:pPr>
+            <a:endParaRPr lang="pt-BR" sz="2000" dirty="0">
+              <a:latin typeface="Times New Roman" panose="02020603050405020304" pitchFamily="18" charset="0"/>
+              <a:cs typeface="Times New Roman" panose="02020603050405020304" pitchFamily="18" charset="0"/>
+            </a:endParaRPr>
+          </a:p>
+          <a:p>
+            <a:pPr marL="0" indent="0" algn="just">
+              <a:buNone/>
+            </a:pPr>
+            <a:r>
+              <a:rPr lang="pt-BR" sz="2000" b="1" dirty="0">
+                <a:solidFill>
+                  <a:schemeClr val="tx1"/>
+                </a:solidFill>
+                <a:latin typeface="Times New Roman" panose="02020603050405020304" pitchFamily="18" charset="0"/>
+                <a:cs typeface="Times New Roman" panose="02020603050405020304" pitchFamily="18" charset="0"/>
+              </a:rPr>
+              <a:t>Recorrência</a:t>
+            </a:r>
+            <a:endParaRPr lang="pt-BR" sz="2000" dirty="0">
+              <a:latin typeface="Times New Roman" panose="02020603050405020304" pitchFamily="18" charset="0"/>
+              <a:cs typeface="Times New Roman" panose="02020603050405020304" pitchFamily="18" charset="0"/>
+            </a:endParaRPr>
+          </a:p>
+        </p:txBody>
+      </p:sp>
+      <p:pic>
+        <p:nvPicPr>
+          <p:cNvPr id="4" name="Imagem 3">
+            <a:extLst>
+              <a:ext uri="{FF2B5EF4-FFF2-40B4-BE49-F238E27FC236}">
+                <a16:creationId xmlns:a16="http://schemas.microsoft.com/office/drawing/2014/main" id="{86D52123-DE47-2188-3F29-27F659BCC851}"/>
+              </a:ext>
+            </a:extLst>
+          </p:cNvPr>
+          <p:cNvPicPr>
+            <a:picLocks noChangeAspect="1"/>
+          </p:cNvPicPr>
+          <p:nvPr/>
+        </p:nvPicPr>
+        <p:blipFill>
+          <a:blip r:embed="rId3"/>
+          <a:stretch>
+            <a:fillRect/>
+          </a:stretch>
+        </p:blipFill>
+        <p:spPr>
+          <a:xfrm>
+            <a:off x="253946" y="3184582"/>
+            <a:ext cx="7463706" cy="1135781"/>
+          </a:xfrm>
+          <a:prstGeom prst="rect">
+            <a:avLst/>
+          </a:prstGeom>
+        </p:spPr>
+      </p:pic>
+    </p:spTree>
+    <p:extLst>
+      <p:ext uri="{BB962C8B-B14F-4D97-AF65-F5344CB8AC3E}">
+        <p14:creationId xmlns:p14="http://schemas.microsoft.com/office/powerpoint/2010/main" val="3236175948"/>
+      </p:ext>
+    </p:extLst>
+  </p:cSld>
+  <p:clrMapOvr>
+    <a:masterClrMapping/>
+  </p:clrMapOvr>
+  <p:transition spd="med"/>
+</p:sld>
+</file>
+
+<file path=ppt/slides/slide13.xml><?xml version="1.0" encoding="utf-8"?>
+<p:sld xmlns:a="http://schemas.openxmlformats.org/drawingml/2006/main" xmlns:r="http://schemas.openxmlformats.org/officeDocument/2006/relationships" xmlns:p="http://schemas.openxmlformats.org/presentationml/2006/main">
+  <p:cSld>
+    <p:spTree>
+      <p:nvGrpSpPr>
+        <p:cNvPr id="1" name=""/>
+        <p:cNvGrpSpPr/>
+        <p:nvPr/>
+      </p:nvGrpSpPr>
+      <p:grpSpPr>
+        <a:xfrm>
+          <a:off x="0" y="0"/>
+          <a:ext cx="0" cy="0"/>
+          <a:chOff x="0" y="0"/>
+          <a:chExt cx="0" cy="0"/>
+        </a:xfrm>
+      </p:grpSpPr>
+      <p:sp>
+        <p:nvSpPr>
+          <p:cNvPr id="6" name="Title 1"/>
+          <p:cNvSpPr>
+            <a:spLocks noGrp="1"/>
+          </p:cNvSpPr>
+          <p:nvPr>
+            <p:ph type="title"/>
+          </p:nvPr>
+        </p:nvSpPr>
+        <p:spPr>
+          <a:xfrm>
+            <a:off x="457200" y="205980"/>
+            <a:ext cx="8229600" cy="857251"/>
+          </a:xfrm>
+        </p:spPr>
+        <p:txBody>
+          <a:bodyPr>
+            <a:normAutofit/>
+          </a:bodyPr>
+          <a:lstStyle/>
+          <a:p>
+            <a:r>
+              <a:rPr lang="en-US" b="1" dirty="0" err="1">
+                <a:solidFill>
+                  <a:srgbClr val="0070C0"/>
+                </a:solidFill>
+              </a:rPr>
+              <a:t>Leitura</a:t>
+            </a:r>
+            <a:r>
+              <a:rPr lang="en-US" b="1" dirty="0">
+                <a:solidFill>
+                  <a:srgbClr val="0070C0"/>
+                </a:solidFill>
+              </a:rPr>
+              <a:t> </a:t>
+            </a:r>
+            <a:r>
+              <a:rPr lang="en-US" b="1" dirty="0" err="1">
+                <a:solidFill>
+                  <a:srgbClr val="0070C0"/>
+                </a:solidFill>
+              </a:rPr>
+              <a:t>Específica</a:t>
+            </a:r>
+            <a:endParaRPr lang="en-US" b="1" dirty="0">
+              <a:solidFill>
+                <a:srgbClr val="0070C0"/>
+              </a:solidFill>
+            </a:endParaRPr>
+          </a:p>
+        </p:txBody>
+      </p:sp>
+      <p:sp>
+        <p:nvSpPr>
+          <p:cNvPr id="8" name="Text Placeholder 2"/>
+          <p:cNvSpPr>
+            <a:spLocks noGrp="1"/>
+          </p:cNvSpPr>
+          <p:nvPr>
+            <p:ph type="body" sz="half" idx="1"/>
+          </p:nvPr>
+        </p:nvSpPr>
+        <p:spPr>
+          <a:xfrm>
+            <a:off x="142865" y="1200150"/>
+            <a:ext cx="8865056" cy="3737369"/>
+          </a:xfrm>
+        </p:spPr>
+        <p:txBody>
+          <a:bodyPr>
+            <a:noAutofit/>
+          </a:bodyPr>
+          <a:lstStyle/>
+          <a:p>
+            <a:pPr marL="0" indent="0" algn="just">
+              <a:buNone/>
+            </a:pPr>
+            <a:r>
+              <a:rPr lang="pt-BR" sz="2200" dirty="0">
+                <a:latin typeface="Times New Roman" panose="02020603050405020304" pitchFamily="18" charset="0"/>
+                <a:cs typeface="Times New Roman" panose="02020603050405020304" pitchFamily="18" charset="0"/>
+              </a:rPr>
+              <a:t>[1] </a:t>
+            </a:r>
+            <a:r>
+              <a:rPr lang="pt-BR" sz="2200" b="1" dirty="0">
+                <a:latin typeface="Times New Roman" panose="02020603050405020304" pitchFamily="18" charset="0"/>
+                <a:cs typeface="Times New Roman" panose="02020603050405020304" pitchFamily="18" charset="0"/>
+              </a:rPr>
+              <a:t>Programação Dinâmica – Parte 1</a:t>
+            </a:r>
+            <a:r>
+              <a:rPr lang="pt-BR" sz="2200" dirty="0">
+                <a:latin typeface="Times New Roman" panose="02020603050405020304" pitchFamily="18" charset="0"/>
+                <a:cs typeface="Times New Roman" panose="02020603050405020304" pitchFamily="18" charset="0"/>
+              </a:rPr>
+              <a:t>.</a:t>
+            </a:r>
+          </a:p>
+          <a:p>
+            <a:pPr marL="0" indent="0" algn="just">
+              <a:buNone/>
+            </a:pPr>
+            <a:r>
+              <a:rPr lang="pt-BR" sz="2200" b="1" dirty="0">
+                <a:solidFill>
+                  <a:srgbClr val="FF0000"/>
+                </a:solidFill>
+                <a:latin typeface="Times New Roman" panose="02020603050405020304" pitchFamily="18" charset="0"/>
+                <a:cs typeface="Times New Roman" panose="02020603050405020304" pitchFamily="18" charset="0"/>
+              </a:rPr>
+              <a:t>Disponível em:</a:t>
+            </a:r>
+          </a:p>
+          <a:p>
+            <a:pPr marL="0" indent="0" algn="just">
+              <a:buNone/>
+            </a:pPr>
+            <a:r>
+              <a:rPr lang="pt-BR" sz="2200" dirty="0">
+                <a:solidFill>
+                  <a:srgbClr val="FF0000"/>
+                </a:solidFill>
+                <a:latin typeface="Times New Roman" panose="02020603050405020304" pitchFamily="18" charset="0"/>
+                <a:cs typeface="Times New Roman" panose="02020603050405020304" pitchFamily="18" charset="0"/>
+              </a:rPr>
+              <a:t> </a:t>
+            </a:r>
+            <a:r>
+              <a:rPr lang="pt-BR" sz="2200" dirty="0">
+                <a:solidFill>
+                  <a:srgbClr val="FF0000"/>
+                </a:solidFill>
+                <a:latin typeface="Times New Roman" panose="02020603050405020304" pitchFamily="18" charset="0"/>
+                <a:cs typeface="Times New Roman" panose="02020603050405020304" pitchFamily="18" charset="0"/>
+                <a:hlinkClick r:id="rId3"/>
+              </a:rPr>
+              <a:t>https://www.geeksforgeeks.org/competitive-programming/dynamic-programming/</a:t>
+            </a:r>
+            <a:r>
+              <a:rPr lang="pt-BR" sz="2200" dirty="0">
+                <a:solidFill>
+                  <a:srgbClr val="FF0000"/>
+                </a:solidFill>
+                <a:latin typeface="Times New Roman" panose="02020603050405020304" pitchFamily="18" charset="0"/>
+                <a:cs typeface="Times New Roman" panose="02020603050405020304" pitchFamily="18" charset="0"/>
+              </a:rPr>
+              <a:t> </a:t>
+            </a:r>
+          </a:p>
+          <a:p>
+            <a:pPr marL="0" indent="0" algn="just">
+              <a:buNone/>
+            </a:pPr>
+            <a:endParaRPr lang="pt-BR" sz="2200" dirty="0">
+              <a:latin typeface="Times New Roman" panose="02020603050405020304" pitchFamily="18" charset="0"/>
+              <a:cs typeface="Times New Roman" panose="02020603050405020304" pitchFamily="18" charset="0"/>
+            </a:endParaRPr>
+          </a:p>
+          <a:p>
+            <a:pPr marL="0" indent="0" algn="just">
+              <a:buNone/>
+            </a:pPr>
+            <a:r>
+              <a:rPr lang="pt-BR" sz="2200" dirty="0">
+                <a:latin typeface="Times New Roman" panose="02020603050405020304" pitchFamily="18" charset="0"/>
+                <a:cs typeface="Times New Roman" panose="02020603050405020304" pitchFamily="18" charset="0"/>
+              </a:rPr>
+              <a:t>[2] </a:t>
+            </a:r>
+            <a:r>
+              <a:rPr lang="pt-BR" sz="2200" b="1" dirty="0">
+                <a:latin typeface="Times New Roman" panose="02020603050405020304" pitchFamily="18" charset="0"/>
+                <a:cs typeface="Times New Roman" panose="02020603050405020304" pitchFamily="18" charset="0"/>
+              </a:rPr>
+              <a:t>Programação Dinâmica – Parte 2</a:t>
+            </a:r>
+            <a:r>
+              <a:rPr lang="pt-BR" sz="2200" dirty="0">
+                <a:latin typeface="Times New Roman" panose="02020603050405020304" pitchFamily="18" charset="0"/>
+                <a:cs typeface="Times New Roman" panose="02020603050405020304" pitchFamily="18" charset="0"/>
+              </a:rPr>
+              <a:t>.</a:t>
+            </a:r>
+          </a:p>
+          <a:p>
+            <a:pPr marL="0" indent="0" algn="just">
+              <a:buNone/>
+            </a:pPr>
+            <a:r>
+              <a:rPr lang="pt-BR" sz="2200" b="1" dirty="0">
+                <a:solidFill>
+                  <a:srgbClr val="FF0000"/>
+                </a:solidFill>
+                <a:latin typeface="Times New Roman" panose="02020603050405020304" pitchFamily="18" charset="0"/>
+                <a:cs typeface="Times New Roman" panose="02020603050405020304" pitchFamily="18" charset="0"/>
+              </a:rPr>
+              <a:t>Disponível em: </a:t>
+            </a:r>
+          </a:p>
+          <a:p>
+            <a:pPr marL="0" indent="0" algn="just">
+              <a:buNone/>
+            </a:pPr>
+            <a:r>
+              <a:rPr lang="pt-BR" sz="2200" b="1" dirty="0">
+                <a:solidFill>
+                  <a:srgbClr val="FF0000"/>
+                </a:solidFill>
+                <a:latin typeface="Times New Roman" panose="02020603050405020304" pitchFamily="18" charset="0"/>
+                <a:cs typeface="Times New Roman" panose="02020603050405020304" pitchFamily="18" charset="0"/>
+              </a:rPr>
+              <a:t> </a:t>
+            </a:r>
+            <a:r>
+              <a:rPr lang="pt-BR" sz="2200" dirty="0">
+                <a:solidFill>
+                  <a:srgbClr val="FF0000"/>
+                </a:solidFill>
+                <a:latin typeface="Times New Roman" panose="02020603050405020304" pitchFamily="18" charset="0"/>
+                <a:cs typeface="Times New Roman" panose="02020603050405020304" pitchFamily="18" charset="0"/>
+                <a:hlinkClick r:id="rId4"/>
+              </a:rPr>
+              <a:t>https://pt.khanacademy.org/computing/computer-science/algorithms#dynamic-programming</a:t>
+            </a:r>
+            <a:r>
+              <a:rPr lang="pt-BR" sz="2200" dirty="0">
+                <a:solidFill>
+                  <a:srgbClr val="FF0000"/>
+                </a:solidFill>
+                <a:latin typeface="Times New Roman" panose="02020603050405020304" pitchFamily="18" charset="0"/>
+                <a:cs typeface="Times New Roman" panose="02020603050405020304" pitchFamily="18" charset="0"/>
+              </a:rPr>
+              <a:t> </a:t>
+            </a:r>
+            <a:endParaRPr lang="pt-BR" sz="2200" dirty="0">
+              <a:latin typeface="Calibri" panose="020F0502020204030204" pitchFamily="34" charset="0"/>
+            </a:endParaRPr>
+          </a:p>
+        </p:txBody>
+      </p:sp>
+    </p:spTree>
+    <p:extLst>
+      <p:ext uri="{BB962C8B-B14F-4D97-AF65-F5344CB8AC3E}">
+        <p14:creationId xmlns:p14="http://schemas.microsoft.com/office/powerpoint/2010/main" val="3680270425"/>
+      </p:ext>
+    </p:extLst>
+  </p:cSld>
+  <p:clrMapOvr>
+    <a:masterClrMapping/>
+  </p:clrMapOvr>
+  <p:transition spd="med"/>
+</p:sld>
+</file>
+
+<file path=ppt/slides/slide14.xml><?xml version="1.0" encoding="utf-8"?>
+<p:sld xmlns:a="http://schemas.openxmlformats.org/drawingml/2006/main" xmlns:r="http://schemas.openxmlformats.org/officeDocument/2006/relationships" xmlns:p="http://schemas.openxmlformats.org/presentationml/2006/main">
+  <p:cSld>
+    <p:spTree>
+      <p:nvGrpSpPr>
+        <p:cNvPr id="1" name=""/>
+        <p:cNvGrpSpPr/>
+        <p:nvPr/>
+      </p:nvGrpSpPr>
+      <p:grpSpPr>
+        <a:xfrm>
+          <a:off x="0" y="0"/>
+          <a:ext cx="0" cy="0"/>
+          <a:chOff x="0" y="0"/>
+          <a:chExt cx="0" cy="0"/>
+        </a:xfrm>
+      </p:grpSpPr>
+      <p:sp>
+        <p:nvSpPr>
+          <p:cNvPr id="6" name="Title 1"/>
+          <p:cNvSpPr>
+            <a:spLocks noGrp="1"/>
+          </p:cNvSpPr>
+          <p:nvPr>
+            <p:ph type="title"/>
+          </p:nvPr>
+        </p:nvSpPr>
+        <p:spPr>
+          <a:xfrm>
+            <a:off x="457200" y="205980"/>
+            <a:ext cx="8229600" cy="857251"/>
+          </a:xfrm>
+        </p:spPr>
+        <p:txBody>
+          <a:bodyPr>
+            <a:normAutofit/>
+          </a:bodyPr>
+          <a:lstStyle/>
+          <a:p>
+            <a:r>
+              <a:rPr lang="en-US" b="1" dirty="0" err="1">
+                <a:solidFill>
+                  <a:srgbClr val="0070C0"/>
+                </a:solidFill>
+              </a:rPr>
+              <a:t>Aprenda</a:t>
+            </a:r>
+            <a:r>
+              <a:rPr lang="en-US" b="1" dirty="0">
+                <a:solidFill>
+                  <a:srgbClr val="0070C0"/>
+                </a:solidFill>
+              </a:rPr>
+              <a:t>+</a:t>
+            </a:r>
+          </a:p>
+        </p:txBody>
+      </p:sp>
+      <p:sp>
+        <p:nvSpPr>
+          <p:cNvPr id="8" name="Text Placeholder 2"/>
+          <p:cNvSpPr>
+            <a:spLocks noGrp="1"/>
+          </p:cNvSpPr>
+          <p:nvPr>
+            <p:ph type="body" sz="half" idx="1"/>
+          </p:nvPr>
+        </p:nvSpPr>
+        <p:spPr>
+          <a:xfrm>
+            <a:off x="142865" y="998444"/>
+            <a:ext cx="8865056" cy="3939075"/>
+          </a:xfrm>
+        </p:spPr>
+        <p:txBody>
+          <a:bodyPr>
+            <a:noAutofit/>
+          </a:bodyPr>
+          <a:lstStyle/>
+          <a:p>
+            <a:pPr marL="0" indent="0" algn="just">
+              <a:buNone/>
+            </a:pPr>
+            <a:r>
+              <a:rPr lang="pt-BR" sz="1800" dirty="0">
+                <a:latin typeface="Times New Roman" panose="02020603050405020304" pitchFamily="18" charset="0"/>
+                <a:cs typeface="Times New Roman" panose="02020603050405020304" pitchFamily="18" charset="0"/>
+              </a:rPr>
+              <a:t>[1] </a:t>
+            </a:r>
+            <a:r>
+              <a:rPr lang="pt-BR" sz="1800" b="1" dirty="0">
+                <a:latin typeface="Times New Roman" panose="02020603050405020304" pitchFamily="18" charset="0"/>
+                <a:cs typeface="Times New Roman" panose="02020603050405020304" pitchFamily="18" charset="0"/>
+              </a:rPr>
+              <a:t>Programação Dinâmica – Parte 1.</a:t>
+            </a:r>
+          </a:p>
+          <a:p>
+            <a:pPr marL="0" indent="0" algn="just">
+              <a:buNone/>
+            </a:pPr>
+            <a:r>
+              <a:rPr lang="pt-BR" sz="1800" b="1" dirty="0">
+                <a:solidFill>
+                  <a:srgbClr val="FF0000"/>
+                </a:solidFill>
+                <a:latin typeface="Times New Roman" panose="02020603050405020304" pitchFamily="18" charset="0"/>
+                <a:cs typeface="Times New Roman" panose="02020603050405020304" pitchFamily="18" charset="0"/>
+              </a:rPr>
+              <a:t>Disponível em: </a:t>
+            </a:r>
+            <a:r>
+              <a:rPr lang="pt-BR" sz="1800" dirty="0">
+                <a:latin typeface="Times New Roman" panose="02020603050405020304" pitchFamily="18" charset="0"/>
+                <a:cs typeface="Times New Roman" panose="02020603050405020304" pitchFamily="18" charset="0"/>
+                <a:hlinkClick r:id="rId3"/>
+              </a:rPr>
+              <a:t>https://youtu.be/69QcXSuM-aI</a:t>
+            </a:r>
+            <a:r>
+              <a:rPr lang="pt-BR" sz="1800" dirty="0">
+                <a:latin typeface="Times New Roman" panose="02020603050405020304" pitchFamily="18" charset="0"/>
+                <a:cs typeface="Times New Roman" panose="02020603050405020304" pitchFamily="18" charset="0"/>
+              </a:rPr>
+              <a:t> </a:t>
+            </a:r>
+          </a:p>
+          <a:p>
+            <a:pPr marL="0" indent="0" algn="just">
+              <a:buNone/>
+            </a:pPr>
+            <a:endParaRPr lang="pt-BR" sz="1800" dirty="0">
+              <a:latin typeface="Times New Roman" panose="02020603050405020304" pitchFamily="18" charset="0"/>
+              <a:cs typeface="Times New Roman" panose="02020603050405020304" pitchFamily="18" charset="0"/>
+            </a:endParaRPr>
+          </a:p>
+          <a:p>
+            <a:pPr marL="0" indent="0" algn="just">
+              <a:buNone/>
+            </a:pPr>
+            <a:r>
+              <a:rPr lang="pt-BR" sz="1800" dirty="0">
+                <a:latin typeface="Times New Roman" panose="02020603050405020304" pitchFamily="18" charset="0"/>
+                <a:cs typeface="Times New Roman" panose="02020603050405020304" pitchFamily="18" charset="0"/>
+              </a:rPr>
+              <a:t>[2] </a:t>
+            </a:r>
+            <a:r>
+              <a:rPr lang="pt-BR" sz="1800" b="1" dirty="0">
+                <a:latin typeface="Times New Roman" panose="02020603050405020304" pitchFamily="18" charset="0"/>
+                <a:cs typeface="Times New Roman" panose="02020603050405020304" pitchFamily="18" charset="0"/>
+              </a:rPr>
+              <a:t>Programação Dinâmica – Parte 2.</a:t>
+            </a:r>
+          </a:p>
+          <a:p>
+            <a:pPr marL="0" indent="0" algn="just">
+              <a:buNone/>
+            </a:pPr>
+            <a:r>
+              <a:rPr lang="pt-BR" sz="1800" b="1" dirty="0">
+                <a:solidFill>
+                  <a:srgbClr val="FF0000"/>
+                </a:solidFill>
+                <a:latin typeface="Times New Roman" panose="02020603050405020304" pitchFamily="18" charset="0"/>
+                <a:cs typeface="Times New Roman" panose="02020603050405020304" pitchFamily="18" charset="0"/>
+              </a:rPr>
+              <a:t>Disponível em: </a:t>
+            </a:r>
+            <a:r>
+              <a:rPr lang="pt-BR" sz="1800" dirty="0">
+                <a:solidFill>
+                  <a:srgbClr val="FF0000"/>
+                </a:solidFill>
+                <a:latin typeface="Times New Roman" panose="02020603050405020304" pitchFamily="18" charset="0"/>
+                <a:cs typeface="Times New Roman" panose="02020603050405020304" pitchFamily="18" charset="0"/>
+                <a:hlinkClick r:id="rId4"/>
+              </a:rPr>
+              <a:t>https://youtu.be/7R5S24XCFYM</a:t>
+            </a:r>
+            <a:r>
+              <a:rPr lang="pt-BR" sz="1800" b="1" dirty="0">
+                <a:solidFill>
+                  <a:srgbClr val="FF0000"/>
+                </a:solidFill>
+                <a:latin typeface="Times New Roman" panose="02020603050405020304" pitchFamily="18" charset="0"/>
+                <a:cs typeface="Times New Roman" panose="02020603050405020304" pitchFamily="18" charset="0"/>
+              </a:rPr>
+              <a:t> </a:t>
+            </a:r>
+          </a:p>
+          <a:p>
+            <a:pPr marL="0" indent="0" algn="just">
+              <a:buNone/>
+            </a:pPr>
+            <a:endParaRPr lang="pt-BR" sz="1800" b="1" dirty="0">
+              <a:solidFill>
+                <a:srgbClr val="FF0000"/>
+              </a:solidFill>
+              <a:latin typeface="Times New Roman" panose="02020603050405020304" pitchFamily="18" charset="0"/>
+              <a:cs typeface="Times New Roman" panose="02020603050405020304" pitchFamily="18" charset="0"/>
+            </a:endParaRPr>
+          </a:p>
+          <a:p>
+            <a:pPr marL="0" indent="0" algn="just">
+              <a:buNone/>
+            </a:pPr>
+            <a:r>
+              <a:rPr lang="pt-BR" sz="1800" dirty="0">
+                <a:latin typeface="Times New Roman" panose="02020603050405020304" pitchFamily="18" charset="0"/>
+                <a:cs typeface="Times New Roman" panose="02020603050405020304" pitchFamily="18" charset="0"/>
+              </a:rPr>
+              <a:t>[3] </a:t>
+            </a:r>
+            <a:r>
+              <a:rPr lang="pt-BR" sz="1800" b="1" dirty="0">
+                <a:latin typeface="Times New Roman" panose="02020603050405020304" pitchFamily="18" charset="0"/>
+                <a:cs typeface="Times New Roman" panose="02020603050405020304" pitchFamily="18" charset="0"/>
+              </a:rPr>
+              <a:t>Programação Dinâmica – Parte 3.</a:t>
+            </a:r>
+          </a:p>
+          <a:p>
+            <a:pPr marL="0" indent="0" algn="just">
+              <a:buNone/>
+            </a:pPr>
+            <a:r>
+              <a:rPr lang="pt-BR" sz="1800" b="1" dirty="0">
+                <a:solidFill>
+                  <a:srgbClr val="FF0000"/>
+                </a:solidFill>
+                <a:latin typeface="Times New Roman" panose="02020603050405020304" pitchFamily="18" charset="0"/>
+                <a:cs typeface="Times New Roman" panose="02020603050405020304" pitchFamily="18" charset="0"/>
+              </a:rPr>
+              <a:t>Disponível em: </a:t>
+            </a:r>
+            <a:r>
+              <a:rPr lang="pt-BR" sz="1800" dirty="0">
+                <a:latin typeface="Times New Roman" panose="02020603050405020304" pitchFamily="18" charset="0"/>
+                <a:cs typeface="Times New Roman" panose="02020603050405020304" pitchFamily="18" charset="0"/>
+                <a:hlinkClick r:id="rId5"/>
+              </a:rPr>
+              <a:t>https://youtu.be/OQ5jsbhAv_M</a:t>
+            </a:r>
+            <a:r>
+              <a:rPr lang="pt-BR" sz="1800" dirty="0">
+                <a:latin typeface="Times New Roman" panose="02020603050405020304" pitchFamily="18" charset="0"/>
+                <a:cs typeface="Times New Roman" panose="02020603050405020304" pitchFamily="18" charset="0"/>
+              </a:rPr>
+              <a:t> </a:t>
+            </a:r>
+          </a:p>
+          <a:p>
+            <a:pPr marL="0" indent="0" algn="just">
+              <a:buNone/>
+            </a:pPr>
+            <a:endParaRPr lang="pt-BR" sz="1800" dirty="0">
+              <a:latin typeface="Times New Roman" panose="02020603050405020304" pitchFamily="18" charset="0"/>
+              <a:cs typeface="Times New Roman" panose="02020603050405020304" pitchFamily="18" charset="0"/>
+            </a:endParaRPr>
+          </a:p>
+          <a:p>
+            <a:pPr marL="0" indent="0" algn="just">
+              <a:buNone/>
+            </a:pPr>
+            <a:r>
+              <a:rPr lang="pt-BR" sz="1800" dirty="0">
+                <a:latin typeface="Times New Roman" panose="02020603050405020304" pitchFamily="18" charset="0"/>
+                <a:cs typeface="Times New Roman" panose="02020603050405020304" pitchFamily="18" charset="0"/>
+              </a:rPr>
+              <a:t>[4] </a:t>
+            </a:r>
+            <a:r>
+              <a:rPr lang="pt-BR" sz="1800" b="1" dirty="0">
+                <a:latin typeface="Times New Roman" panose="02020603050405020304" pitchFamily="18" charset="0"/>
+                <a:cs typeface="Times New Roman" panose="02020603050405020304" pitchFamily="18" charset="0"/>
+              </a:rPr>
+              <a:t>Programação Dinâmica – Parte 4.</a:t>
+            </a:r>
+          </a:p>
+          <a:p>
+            <a:pPr marL="0" indent="0" algn="just">
+              <a:buNone/>
+            </a:pPr>
+            <a:r>
+              <a:rPr lang="pt-BR" sz="1800" b="1" dirty="0">
+                <a:solidFill>
+                  <a:srgbClr val="FF0000"/>
+                </a:solidFill>
+                <a:latin typeface="Times New Roman" panose="02020603050405020304" pitchFamily="18" charset="0"/>
+                <a:cs typeface="Times New Roman" panose="02020603050405020304" pitchFamily="18" charset="0"/>
+              </a:rPr>
+              <a:t>Disponível em: </a:t>
+            </a:r>
+            <a:r>
+              <a:rPr lang="pt-BR" sz="1800" dirty="0">
+                <a:latin typeface="Times New Roman" panose="02020603050405020304" pitchFamily="18" charset="0"/>
+                <a:cs typeface="Times New Roman" panose="02020603050405020304" pitchFamily="18" charset="0"/>
+                <a:hlinkClick r:id="rId6"/>
+              </a:rPr>
+              <a:t>https://youtu.be/oBt53YbR9Kk</a:t>
+            </a:r>
+            <a:r>
+              <a:rPr lang="pt-BR" sz="1800" dirty="0">
+                <a:latin typeface="Times New Roman" panose="02020603050405020304" pitchFamily="18" charset="0"/>
+                <a:cs typeface="Times New Roman" panose="02020603050405020304" pitchFamily="18" charset="0"/>
+              </a:rPr>
+              <a:t> </a:t>
+            </a:r>
+          </a:p>
+        </p:txBody>
+      </p:sp>
+    </p:spTree>
+    <p:extLst>
+      <p:ext uri="{BB962C8B-B14F-4D97-AF65-F5344CB8AC3E}">
+        <p14:creationId xmlns:p14="http://schemas.microsoft.com/office/powerpoint/2010/main" val="2747596967"/>
+      </p:ext>
+    </p:extLst>
+  </p:cSld>
+  <p:clrMapOvr>
+    <a:masterClrMapping/>
+  </p:clrMapOvr>
+  <p:transition spd="med"/>
+</p:sld>
+</file>
+
+<file path=ppt/slides/slide15.xml><?xml version="1.0" encoding="utf-8"?>
+<p:sld xmlns:a="http://schemas.openxmlformats.org/drawingml/2006/main" xmlns:r="http://schemas.openxmlformats.org/officeDocument/2006/relationships" xmlns:p="http://schemas.openxmlformats.org/presentationml/2006/main">
+  <p:cSld>
+    <p:spTree>
+      <p:nvGrpSpPr>
+        <p:cNvPr id="1" name=""/>
+        <p:cNvGrpSpPr/>
+        <p:nvPr/>
+      </p:nvGrpSpPr>
+      <p:grpSpPr>
+        <a:xfrm>
+          <a:off x="0" y="0"/>
+          <a:ext cx="0" cy="0"/>
+          <a:chOff x="0" y="0"/>
+          <a:chExt cx="0" cy="0"/>
+        </a:xfrm>
+      </p:grpSpPr>
+      <p:sp>
+        <p:nvSpPr>
+          <p:cNvPr id="6" name="Title 1"/>
+          <p:cNvSpPr>
+            <a:spLocks noGrp="1"/>
+          </p:cNvSpPr>
+          <p:nvPr>
+            <p:ph type="title"/>
+          </p:nvPr>
+        </p:nvSpPr>
+        <p:spPr>
+          <a:xfrm>
+            <a:off x="457200" y="205980"/>
+            <a:ext cx="8229600" cy="857251"/>
+          </a:xfrm>
+        </p:spPr>
+        <p:txBody>
+          <a:bodyPr>
+            <a:normAutofit/>
+          </a:bodyPr>
+          <a:lstStyle/>
+          <a:p>
+            <a:r>
+              <a:rPr lang="en-US" b="1" dirty="0" err="1">
+                <a:solidFill>
+                  <a:srgbClr val="0070C0"/>
+                </a:solidFill>
+              </a:rPr>
+              <a:t>Dinâmica</a:t>
+            </a:r>
+            <a:endParaRPr lang="en-US" b="1" dirty="0">
+              <a:solidFill>
+                <a:srgbClr val="0070C0"/>
+              </a:solidFill>
+            </a:endParaRPr>
+          </a:p>
+        </p:txBody>
+      </p:sp>
+      <p:sp>
+        <p:nvSpPr>
+          <p:cNvPr id="8" name="Text Placeholder 2"/>
+          <p:cNvSpPr>
+            <a:spLocks noGrp="1"/>
+          </p:cNvSpPr>
+          <p:nvPr>
+            <p:ph type="body" sz="half" idx="1"/>
+          </p:nvPr>
+        </p:nvSpPr>
+        <p:spPr>
+          <a:xfrm>
+            <a:off x="139472" y="1063230"/>
+            <a:ext cx="8865056" cy="3606305"/>
+          </a:xfrm>
+        </p:spPr>
+        <p:txBody>
+          <a:bodyPr>
+            <a:noAutofit/>
+          </a:bodyPr>
+          <a:lstStyle/>
+          <a:p>
+            <a:pPr marL="0" lvl="0" indent="0">
+              <a:buNone/>
+            </a:pPr>
+            <a:r>
+              <a:rPr lang="pt-BR" sz="2000" b="1" dirty="0">
+                <a:solidFill>
+                  <a:srgbClr val="FF0000"/>
+                </a:solidFill>
+                <a:latin typeface="Times New Roman" panose="02020603050405020304" pitchFamily="18" charset="0"/>
+                <a:cs typeface="Times New Roman" panose="02020603050405020304" pitchFamily="18" charset="0"/>
+              </a:rPr>
+              <a:t>O que diferencia Programação Dinâmica de </a:t>
+            </a:r>
+            <a:r>
+              <a:rPr lang="pt-BR" sz="2000" b="1" dirty="0">
+                <a:solidFill>
+                  <a:schemeClr val="tx1"/>
+                </a:solidFill>
+                <a:latin typeface="Times New Roman" panose="02020603050405020304" pitchFamily="18" charset="0"/>
+                <a:cs typeface="Times New Roman" panose="02020603050405020304" pitchFamily="18" charset="0"/>
+              </a:rPr>
+              <a:t>Divisão e Conquista</a:t>
+            </a:r>
+            <a:r>
+              <a:rPr lang="pt-BR" sz="2000" b="1" dirty="0">
+                <a:solidFill>
+                  <a:srgbClr val="FF0000"/>
+                </a:solidFill>
+                <a:latin typeface="Times New Roman" panose="02020603050405020304" pitchFamily="18" charset="0"/>
+                <a:cs typeface="Times New Roman" panose="02020603050405020304" pitchFamily="18" charset="0"/>
+              </a:rPr>
+              <a:t>?</a:t>
+            </a:r>
+            <a:br>
+              <a:rPr lang="pt-BR" sz="2000" dirty="0">
+                <a:latin typeface="Times New Roman" panose="02020603050405020304" pitchFamily="18" charset="0"/>
+                <a:cs typeface="Times New Roman" panose="02020603050405020304" pitchFamily="18" charset="0"/>
+              </a:rPr>
+            </a:br>
+            <a:r>
+              <a:rPr lang="pt-BR" sz="2000" dirty="0">
+                <a:latin typeface="Times New Roman" panose="02020603050405020304" pitchFamily="18" charset="0"/>
+                <a:cs typeface="Times New Roman" panose="02020603050405020304" pitchFamily="18" charset="0"/>
+              </a:rPr>
+              <a:t>a) PD não usa recursão</a:t>
+            </a:r>
+            <a:br>
+              <a:rPr lang="pt-BR" sz="2000" dirty="0">
+                <a:latin typeface="Times New Roman" panose="02020603050405020304" pitchFamily="18" charset="0"/>
+                <a:cs typeface="Times New Roman" panose="02020603050405020304" pitchFamily="18" charset="0"/>
+              </a:rPr>
+            </a:br>
+            <a:r>
+              <a:rPr lang="pt-BR" sz="2000" dirty="0">
+                <a:latin typeface="Times New Roman" panose="02020603050405020304" pitchFamily="18" charset="0"/>
+                <a:cs typeface="Times New Roman" panose="02020603050405020304" pitchFamily="18" charset="0"/>
+              </a:rPr>
+              <a:t>b) PD armazena resultados de subproblemas</a:t>
+            </a:r>
+            <a:br>
+              <a:rPr lang="pt-BR" sz="2000" dirty="0">
+                <a:latin typeface="Times New Roman" panose="02020603050405020304" pitchFamily="18" charset="0"/>
+                <a:cs typeface="Times New Roman" panose="02020603050405020304" pitchFamily="18" charset="0"/>
+              </a:rPr>
+            </a:br>
+            <a:r>
+              <a:rPr lang="pt-BR" sz="2000" dirty="0">
+                <a:latin typeface="Times New Roman" panose="02020603050405020304" pitchFamily="18" charset="0"/>
+                <a:cs typeface="Times New Roman" panose="02020603050405020304" pitchFamily="18" charset="0"/>
+              </a:rPr>
+              <a:t>c) PD é mais lenta</a:t>
+            </a:r>
+            <a:br>
+              <a:rPr lang="pt-BR" sz="2000" dirty="0">
+                <a:latin typeface="Times New Roman" panose="02020603050405020304" pitchFamily="18" charset="0"/>
+                <a:cs typeface="Times New Roman" panose="02020603050405020304" pitchFamily="18" charset="0"/>
+              </a:rPr>
+            </a:br>
+            <a:r>
+              <a:rPr lang="pt-BR" sz="2000" dirty="0">
+                <a:latin typeface="Times New Roman" panose="02020603050405020304" pitchFamily="18" charset="0"/>
+                <a:cs typeface="Times New Roman" panose="02020603050405020304" pitchFamily="18" charset="0"/>
+              </a:rPr>
+              <a:t>d) PD não requer estrutura de dados</a:t>
+            </a:r>
+          </a:p>
+          <a:p>
+            <a:pPr marL="0" lvl="0" indent="0">
+              <a:buNone/>
+            </a:pPr>
+            <a:endParaRPr lang="pt-BR" sz="2000" dirty="0">
+              <a:latin typeface="Times New Roman" panose="02020603050405020304" pitchFamily="18" charset="0"/>
+              <a:cs typeface="Times New Roman" panose="02020603050405020304" pitchFamily="18" charset="0"/>
+            </a:endParaRPr>
+          </a:p>
+          <a:p>
+            <a:pPr marL="0" lvl="0" indent="0">
+              <a:buNone/>
+            </a:pPr>
+            <a:r>
+              <a:rPr lang="pt-BR" sz="2000" b="1" dirty="0">
+                <a:solidFill>
+                  <a:srgbClr val="FF0000"/>
+                </a:solidFill>
+                <a:latin typeface="Times New Roman" panose="02020603050405020304" pitchFamily="18" charset="0"/>
+                <a:cs typeface="Times New Roman" panose="02020603050405020304" pitchFamily="18" charset="0"/>
+              </a:rPr>
+              <a:t>A técnica de </a:t>
+            </a:r>
+            <a:r>
+              <a:rPr lang="pt-BR" sz="2000" b="1" i="1" dirty="0" err="1">
+                <a:solidFill>
+                  <a:schemeClr val="tx1"/>
+                </a:solidFill>
+                <a:latin typeface="Times New Roman" panose="02020603050405020304" pitchFamily="18" charset="0"/>
+                <a:cs typeface="Times New Roman" panose="02020603050405020304" pitchFamily="18" charset="0"/>
+              </a:rPr>
+              <a:t>memoização</a:t>
+            </a:r>
+            <a:r>
+              <a:rPr lang="pt-BR" sz="2000" b="1" dirty="0">
+                <a:solidFill>
+                  <a:srgbClr val="FF0000"/>
+                </a:solidFill>
+                <a:latin typeface="Times New Roman" panose="02020603050405020304" pitchFamily="18" charset="0"/>
+                <a:cs typeface="Times New Roman" panose="02020603050405020304" pitchFamily="18" charset="0"/>
+              </a:rPr>
+              <a:t> consiste em:</a:t>
+            </a:r>
+            <a:br>
+              <a:rPr lang="pt-BR" sz="2000" dirty="0">
+                <a:latin typeface="Times New Roman" panose="02020603050405020304" pitchFamily="18" charset="0"/>
+                <a:cs typeface="Times New Roman" panose="02020603050405020304" pitchFamily="18" charset="0"/>
+              </a:rPr>
+            </a:br>
+            <a:r>
+              <a:rPr lang="pt-BR" sz="2000" dirty="0">
+                <a:latin typeface="Times New Roman" panose="02020603050405020304" pitchFamily="18" charset="0"/>
+                <a:cs typeface="Times New Roman" panose="02020603050405020304" pitchFamily="18" charset="0"/>
+              </a:rPr>
+              <a:t>a) Aumentar a memória do computador</a:t>
+            </a:r>
+            <a:br>
+              <a:rPr lang="pt-BR" sz="2000" dirty="0">
+                <a:latin typeface="Times New Roman" panose="02020603050405020304" pitchFamily="18" charset="0"/>
+                <a:cs typeface="Times New Roman" panose="02020603050405020304" pitchFamily="18" charset="0"/>
+              </a:rPr>
+            </a:br>
+            <a:r>
+              <a:rPr lang="pt-BR" sz="2000" dirty="0">
+                <a:latin typeface="Times New Roman" panose="02020603050405020304" pitchFamily="18" charset="0"/>
+                <a:cs typeface="Times New Roman" panose="02020603050405020304" pitchFamily="18" charset="0"/>
+              </a:rPr>
+              <a:t>b) Guardar resultados de chamadas recursivas</a:t>
+            </a:r>
+            <a:br>
+              <a:rPr lang="pt-BR" sz="2000" dirty="0">
+                <a:latin typeface="Times New Roman" panose="02020603050405020304" pitchFamily="18" charset="0"/>
+                <a:cs typeface="Times New Roman" panose="02020603050405020304" pitchFamily="18" charset="0"/>
+              </a:rPr>
+            </a:br>
+            <a:r>
+              <a:rPr lang="pt-BR" sz="2000" dirty="0">
+                <a:latin typeface="Times New Roman" panose="02020603050405020304" pitchFamily="18" charset="0"/>
+                <a:cs typeface="Times New Roman" panose="02020603050405020304" pitchFamily="18" charset="0"/>
+              </a:rPr>
+              <a:t>c) Reescrever o código iterativo</a:t>
+            </a:r>
+            <a:br>
+              <a:rPr lang="pt-BR" sz="2000" dirty="0">
+                <a:latin typeface="Times New Roman" panose="02020603050405020304" pitchFamily="18" charset="0"/>
+                <a:cs typeface="Times New Roman" panose="02020603050405020304" pitchFamily="18" charset="0"/>
+              </a:rPr>
+            </a:br>
+            <a:r>
+              <a:rPr lang="pt-BR" sz="2000" dirty="0">
+                <a:latin typeface="Times New Roman" panose="02020603050405020304" pitchFamily="18" charset="0"/>
+                <a:cs typeface="Times New Roman" panose="02020603050405020304" pitchFamily="18" charset="0"/>
+              </a:rPr>
+              <a:t>d) Usar menos memória</a:t>
+            </a:r>
+          </a:p>
+        </p:txBody>
+      </p:sp>
+    </p:spTree>
+    <p:extLst>
+      <p:ext uri="{BB962C8B-B14F-4D97-AF65-F5344CB8AC3E}">
+        <p14:creationId xmlns:p14="http://schemas.microsoft.com/office/powerpoint/2010/main" val="2470652989"/>
+      </p:ext>
+    </p:extLst>
+  </p:cSld>
+  <p:clrMapOvr>
+    <a:masterClrMapping/>
+  </p:clrMapOvr>
+  <p:transition spd="med"/>
+</p:sld>
+</file>
+
+<file path=ppt/slides/slide16.xml><?xml version="1.0" encoding="utf-8"?>
+<p:sld xmlns:a="http://schemas.openxmlformats.org/drawingml/2006/main" xmlns:r="http://schemas.openxmlformats.org/officeDocument/2006/relationships" xmlns:p="http://schemas.openxmlformats.org/presentationml/2006/main">
+  <p:cSld>
+    <p:spTree>
+      <p:nvGrpSpPr>
+        <p:cNvPr id="1" name="">
+          <a:extLst>
+            <a:ext uri="{FF2B5EF4-FFF2-40B4-BE49-F238E27FC236}">
+              <a16:creationId xmlns:a16="http://schemas.microsoft.com/office/drawing/2014/main" id="{487FDD06-32BC-B2E8-ABB0-D71626596E53}"/>
+            </a:ext>
+          </a:extLst>
+        </p:cNvPr>
+        <p:cNvGrpSpPr/>
+        <p:nvPr/>
+      </p:nvGrpSpPr>
+      <p:grpSpPr>
+        <a:xfrm>
+          <a:off x="0" y="0"/>
+          <a:ext cx="0" cy="0"/>
+          <a:chOff x="0" y="0"/>
+          <a:chExt cx="0" cy="0"/>
+        </a:xfrm>
+      </p:grpSpPr>
+      <p:sp>
+        <p:nvSpPr>
+          <p:cNvPr id="6" name="Title 1">
+            <a:extLst>
+              <a:ext uri="{FF2B5EF4-FFF2-40B4-BE49-F238E27FC236}">
+                <a16:creationId xmlns:a16="http://schemas.microsoft.com/office/drawing/2014/main" id="{3F512426-117F-8F49-42C3-2E7E94D9FB19}"/>
+              </a:ext>
+            </a:extLst>
+          </p:cNvPr>
+          <p:cNvSpPr>
+            <a:spLocks noGrp="1"/>
+          </p:cNvSpPr>
+          <p:nvPr>
+            <p:ph type="title"/>
+          </p:nvPr>
+        </p:nvSpPr>
+        <p:spPr>
+          <a:xfrm>
+            <a:off x="457200" y="205980"/>
+            <a:ext cx="8229600" cy="857251"/>
+          </a:xfrm>
+        </p:spPr>
+        <p:txBody>
+          <a:bodyPr>
+            <a:normAutofit/>
+          </a:bodyPr>
+          <a:lstStyle/>
+          <a:p>
+            <a:r>
+              <a:rPr lang="en-US" b="1" dirty="0" err="1">
+                <a:solidFill>
+                  <a:srgbClr val="0070C0"/>
+                </a:solidFill>
+              </a:rPr>
+              <a:t>Dinâmica</a:t>
+            </a:r>
+            <a:endParaRPr lang="en-US" b="1" dirty="0">
+              <a:solidFill>
+                <a:srgbClr val="0070C0"/>
+              </a:solidFill>
+            </a:endParaRPr>
+          </a:p>
+        </p:txBody>
+      </p:sp>
+      <mc:AlternateContent xmlns:mc="http://schemas.openxmlformats.org/markup-compatibility/2006">
+        <mc:Choice xmlns:a14="http://schemas.microsoft.com/office/drawing/2010/main" Requires="a14">
+          <p:sp>
+            <p:nvSpPr>
+              <p:cNvPr id="8" name="Text Placeholder 2">
+                <a:extLst>
+                  <a:ext uri="{FF2B5EF4-FFF2-40B4-BE49-F238E27FC236}">
+                    <a16:creationId xmlns:a16="http://schemas.microsoft.com/office/drawing/2014/main" id="{94C0DBBB-068B-BFD9-2156-9E173738A43C}"/>
+                  </a:ext>
+                </a:extLst>
+              </p:cNvPr>
+              <p:cNvSpPr>
+                <a:spLocks noGrp="1"/>
+              </p:cNvSpPr>
+              <p:nvPr>
+                <p:ph type="body" sz="half" idx="1"/>
+              </p:nvPr>
+            </p:nvSpPr>
+            <p:spPr>
+              <a:xfrm>
+                <a:off x="139472" y="1063230"/>
+                <a:ext cx="8865056" cy="3606305"/>
+              </a:xfrm>
+            </p:spPr>
+            <p:txBody>
+              <a:bodyPr>
+                <a:noAutofit/>
+              </a:bodyPr>
+              <a:lstStyle/>
+              <a:p>
+                <a:pPr marL="0" lvl="0" indent="0">
+                  <a:buNone/>
+                </a:pPr>
+                <a:r>
+                  <a:rPr lang="pt-BR" sz="2000" b="1" dirty="0">
+                    <a:solidFill>
+                      <a:srgbClr val="FF0000"/>
+                    </a:solidFill>
+                    <a:latin typeface="Times New Roman" panose="02020603050405020304" pitchFamily="18" charset="0"/>
+                    <a:cs typeface="Times New Roman" panose="02020603050405020304" pitchFamily="18" charset="0"/>
+                  </a:rPr>
+                  <a:t>A </a:t>
+                </a:r>
+                <a:r>
+                  <a:rPr lang="pt-BR" sz="2000" b="1" dirty="0">
+                    <a:solidFill>
+                      <a:schemeClr val="tx1"/>
+                    </a:solidFill>
+                    <a:latin typeface="Times New Roman" panose="02020603050405020304" pitchFamily="18" charset="0"/>
+                    <a:cs typeface="Times New Roman" panose="02020603050405020304" pitchFamily="18" charset="0"/>
+                  </a:rPr>
+                  <a:t>complexidade do Fibonacci </a:t>
+                </a:r>
+                <a:r>
+                  <a:rPr lang="pt-BR" sz="2000" b="1" dirty="0">
+                    <a:solidFill>
+                      <a:srgbClr val="FF0000"/>
+                    </a:solidFill>
+                    <a:latin typeface="Times New Roman" panose="02020603050405020304" pitchFamily="18" charset="0"/>
+                    <a:cs typeface="Times New Roman" panose="02020603050405020304" pitchFamily="18" charset="0"/>
+                  </a:rPr>
+                  <a:t>com PD é:</a:t>
+                </a:r>
+                <a:br>
+                  <a:rPr lang="pt-BR" sz="2000" dirty="0">
+                    <a:solidFill>
+                      <a:srgbClr val="FF0000"/>
+                    </a:solidFill>
+                    <a:latin typeface="Times New Roman" panose="02020603050405020304" pitchFamily="18" charset="0"/>
+                    <a:cs typeface="Times New Roman" panose="02020603050405020304" pitchFamily="18" charset="0"/>
+                  </a:rPr>
+                </a:br>
+                <a:r>
+                  <a:rPr lang="pt-BR" sz="2000" dirty="0">
+                    <a:latin typeface="Times New Roman" panose="02020603050405020304" pitchFamily="18" charset="0"/>
+                    <a:cs typeface="Times New Roman" panose="02020603050405020304" pitchFamily="18" charset="0"/>
+                  </a:rPr>
+                  <a:t>a) </a:t>
+                </a:r>
+                <a14:m>
+                  <m:oMath xmlns:m="http://schemas.openxmlformats.org/officeDocument/2006/math">
+                    <m:r>
+                      <a:rPr lang="pt-BR" sz="2000" i="1"/>
+                      <m:t>𝑂</m:t>
+                    </m:r>
+                    <m:r>
+                      <a:rPr lang="pt-BR" sz="2000" i="1"/>
+                      <m:t>(</m:t>
+                    </m:r>
+                    <m:sSup>
+                      <m:sSupPr>
+                        <m:ctrlPr>
+                          <a:rPr lang="pt-BR" sz="2000" i="1"/>
+                        </m:ctrlPr>
+                      </m:sSupPr>
+                      <m:e>
+                        <m:r>
+                          <a:rPr lang="pt-BR" sz="2000" i="1"/>
+                          <m:t>2</m:t>
+                        </m:r>
+                      </m:e>
+                      <m:sup>
+                        <m:r>
+                          <a:rPr lang="pt-BR" sz="2000" i="1"/>
+                          <m:t>𝑛</m:t>
+                        </m:r>
+                      </m:sup>
+                    </m:sSup>
+                    <m:r>
+                      <a:rPr lang="pt-BR" sz="2000" i="1"/>
+                      <m:t>)</m:t>
+                    </m:r>
+                  </m:oMath>
+                </a14:m>
+                <a:br>
+                  <a:rPr lang="pt-BR" sz="2000" dirty="0">
+                    <a:latin typeface="Times New Roman" panose="02020603050405020304" pitchFamily="18" charset="0"/>
+                    <a:cs typeface="Times New Roman" panose="02020603050405020304" pitchFamily="18" charset="0"/>
+                  </a:rPr>
+                </a:br>
+                <a:r>
+                  <a:rPr lang="pt-BR" sz="2000" dirty="0">
+                    <a:latin typeface="Times New Roman" panose="02020603050405020304" pitchFamily="18" charset="0"/>
+                    <a:cs typeface="Times New Roman" panose="02020603050405020304" pitchFamily="18" charset="0"/>
+                  </a:rPr>
+                  <a:t>b) </a:t>
+                </a:r>
+                <a14:m>
+                  <m:oMath xmlns:m="http://schemas.openxmlformats.org/officeDocument/2006/math">
+                    <m:r>
+                      <a:rPr lang="pt-BR" sz="2000" i="1"/>
+                      <m:t>𝑂</m:t>
+                    </m:r>
+                    <m:r>
+                      <a:rPr lang="pt-BR" sz="2000" i="1"/>
+                      <m:t>(</m:t>
+                    </m:r>
+                    <m:sSup>
+                      <m:sSupPr>
+                        <m:ctrlPr>
+                          <a:rPr lang="pt-BR" sz="2000" i="1"/>
+                        </m:ctrlPr>
+                      </m:sSupPr>
+                      <m:e>
+                        <m:r>
+                          <a:rPr lang="pt-BR" sz="2000" i="1"/>
+                          <m:t>𝑛</m:t>
+                        </m:r>
+                      </m:e>
+                      <m:sup>
+                        <m:r>
+                          <a:rPr lang="pt-BR" sz="2000" i="1"/>
+                          <m:t>2</m:t>
+                        </m:r>
+                      </m:sup>
+                    </m:sSup>
+                    <m:r>
+                      <a:rPr lang="pt-BR" sz="2000" i="1"/>
+                      <m:t>)</m:t>
+                    </m:r>
+                  </m:oMath>
+                </a14:m>
+                <a:br>
+                  <a:rPr lang="pt-BR" sz="2000" dirty="0">
+                    <a:latin typeface="Times New Roman" panose="02020603050405020304" pitchFamily="18" charset="0"/>
+                    <a:cs typeface="Times New Roman" panose="02020603050405020304" pitchFamily="18" charset="0"/>
+                  </a:rPr>
+                </a:br>
+                <a:r>
+                  <a:rPr lang="pt-BR" sz="2000" dirty="0">
+                    <a:latin typeface="Times New Roman" panose="02020603050405020304" pitchFamily="18" charset="0"/>
+                    <a:cs typeface="Times New Roman" panose="02020603050405020304" pitchFamily="18" charset="0"/>
+                  </a:rPr>
+                  <a:t>c) </a:t>
+                </a:r>
+                <a14:m>
+                  <m:oMath xmlns:m="http://schemas.openxmlformats.org/officeDocument/2006/math">
+                    <m:r>
+                      <a:rPr lang="pt-BR" sz="2000" i="1"/>
+                      <m:t>𝑂</m:t>
+                    </m:r>
+                    <m:r>
+                      <a:rPr lang="pt-BR" sz="2000" i="1"/>
+                      <m:t>(</m:t>
+                    </m:r>
+                    <m:r>
+                      <a:rPr lang="pt-BR" sz="2000" i="1"/>
+                      <m:t>𝑛</m:t>
+                    </m:r>
+                    <m:r>
+                      <a:rPr lang="pt-BR" sz="2000" i="1"/>
+                      <m:t>)</m:t>
+                    </m:r>
+                  </m:oMath>
+                </a14:m>
+                <a:br>
+                  <a:rPr lang="pt-BR" sz="2000" dirty="0">
+                    <a:latin typeface="Times New Roman" panose="02020603050405020304" pitchFamily="18" charset="0"/>
+                    <a:cs typeface="Times New Roman" panose="02020603050405020304" pitchFamily="18" charset="0"/>
+                  </a:rPr>
+                </a:br>
+                <a:r>
+                  <a:rPr lang="pt-BR" sz="2000" dirty="0">
+                    <a:latin typeface="Times New Roman" panose="02020603050405020304" pitchFamily="18" charset="0"/>
+                    <a:cs typeface="Times New Roman" panose="02020603050405020304" pitchFamily="18" charset="0"/>
+                  </a:rPr>
+                  <a:t>d) </a:t>
+                </a:r>
+                <a14:m>
+                  <m:oMath xmlns:m="http://schemas.openxmlformats.org/officeDocument/2006/math">
+                    <m:r>
+                      <a:rPr lang="pt-BR" sz="2000" i="1"/>
+                      <m:t>𝑂</m:t>
+                    </m:r>
+                    <m:r>
+                      <a:rPr lang="pt-BR" sz="2000" i="1"/>
+                      <m:t>(</m:t>
+                    </m:r>
+                    <m:r>
+                      <m:rPr>
+                        <m:sty m:val="p"/>
+                      </m:rPr>
+                      <a:rPr lang="pt-BR" sz="2000"/>
+                      <m:t>log</m:t>
+                    </m:r>
+                    <m:r>
+                      <a:rPr lang="pt-BR" sz="2000" i="1"/>
+                      <m:t>⁡</m:t>
+                    </m:r>
+                    <m:r>
+                      <a:rPr lang="pt-BR" sz="2000" i="1"/>
+                      <m:t>𝑛</m:t>
+                    </m:r>
+                    <m:r>
+                      <a:rPr lang="pt-BR" sz="2000" i="1"/>
+                      <m:t>)</m:t>
+                    </m:r>
+                  </m:oMath>
+                </a14:m>
+                <a:endParaRPr lang="pt-BR" sz="2000" dirty="0">
+                  <a:latin typeface="Times New Roman" panose="02020603050405020304" pitchFamily="18" charset="0"/>
+                  <a:cs typeface="Times New Roman" panose="02020603050405020304" pitchFamily="18" charset="0"/>
+                </a:endParaRPr>
+              </a:p>
+            </p:txBody>
+          </p:sp>
+        </mc:Choice>
+        <mc:Fallback>
+          <p:sp>
+            <p:nvSpPr>
+              <p:cNvPr id="8" name="Text Placeholder 2">
+                <a:extLst>
+                  <a:ext uri="{FF2B5EF4-FFF2-40B4-BE49-F238E27FC236}">
+                    <a16:creationId xmlns:a16="http://schemas.microsoft.com/office/drawing/2014/main" id="{94C0DBBB-068B-BFD9-2156-9E173738A43C}"/>
+                  </a:ext>
+                </a:extLst>
+              </p:cNvPr>
+              <p:cNvSpPr>
+                <a:spLocks noGrp="1" noRot="1" noChangeAspect="1" noMove="1" noResize="1" noEditPoints="1" noAdjustHandles="1" noChangeArrowheads="1" noChangeShapeType="1" noTextEdit="1"/>
+              </p:cNvSpPr>
+              <p:nvPr>
+                <p:ph type="body" sz="half" idx="1"/>
+              </p:nvPr>
+            </p:nvSpPr>
+            <p:spPr>
+              <a:xfrm>
+                <a:off x="139472" y="1063230"/>
+                <a:ext cx="8865056" cy="3606305"/>
+              </a:xfrm>
+              <a:blipFill>
+                <a:blip r:embed="rId3"/>
+                <a:stretch>
+                  <a:fillRect l="-1238" t="-845"/>
+                </a:stretch>
+              </a:blipFill>
+            </p:spPr>
+            <p:txBody>
+              <a:bodyPr/>
+              <a:lstStyle/>
+              <a:p>
+                <a:r>
+                  <a:rPr lang="pt-BR">
+                    <a:noFill/>
+                  </a:rPr>
+                  <a:t> </a:t>
+                </a:r>
+              </a:p>
+            </p:txBody>
+          </p:sp>
+        </mc:Fallback>
+      </mc:AlternateContent>
+    </p:spTree>
+    <p:extLst>
+      <p:ext uri="{BB962C8B-B14F-4D97-AF65-F5344CB8AC3E}">
+        <p14:creationId xmlns:p14="http://schemas.microsoft.com/office/powerpoint/2010/main" val="2464267410"/>
+      </p:ext>
+    </p:extLst>
+  </p:cSld>
+  <p:clrMapOvr>
+    <a:masterClrMapping/>
+  </p:clrMapOvr>
+  <p:transition spd="med"/>
+</p:sld>
+</file>
+
+<file path=ppt/slides/slide17.xml><?xml version="1.0" encoding="utf-8"?>
+<p:sld xmlns:a="http://schemas.openxmlformats.org/drawingml/2006/main" xmlns:r="http://schemas.openxmlformats.org/officeDocument/2006/relationships" xmlns:p="http://schemas.openxmlformats.org/presentationml/2006/main">
+  <p:cSld>
+    <p:spTree>
+      <p:nvGrpSpPr>
+        <p:cNvPr id="1" name="">
+          <a:extLst>
+            <a:ext uri="{FF2B5EF4-FFF2-40B4-BE49-F238E27FC236}">
+              <a16:creationId xmlns:a16="http://schemas.microsoft.com/office/drawing/2014/main" id="{C29A0C86-8A1E-5B35-C0DD-F3F7F88BDB01}"/>
+            </a:ext>
+          </a:extLst>
+        </p:cNvPr>
+        <p:cNvGrpSpPr/>
+        <p:nvPr/>
+      </p:nvGrpSpPr>
+      <p:grpSpPr>
+        <a:xfrm>
+          <a:off x="0" y="0"/>
+          <a:ext cx="0" cy="0"/>
+          <a:chOff x="0" y="0"/>
+          <a:chExt cx="0" cy="0"/>
+        </a:xfrm>
+      </p:grpSpPr>
+      <p:sp>
+        <p:nvSpPr>
+          <p:cNvPr id="6" name="Title 1">
+            <a:extLst>
+              <a:ext uri="{FF2B5EF4-FFF2-40B4-BE49-F238E27FC236}">
+                <a16:creationId xmlns:a16="http://schemas.microsoft.com/office/drawing/2014/main" id="{81D9B430-AC53-473F-7DED-25CE0DA1CD91}"/>
+              </a:ext>
+            </a:extLst>
+          </p:cNvPr>
+          <p:cNvSpPr>
+            <a:spLocks noGrp="1"/>
+          </p:cNvSpPr>
+          <p:nvPr>
+            <p:ph type="title"/>
+          </p:nvPr>
+        </p:nvSpPr>
+        <p:spPr>
+          <a:xfrm>
+            <a:off x="457200" y="205980"/>
+            <a:ext cx="8229600" cy="857251"/>
+          </a:xfrm>
+        </p:spPr>
+        <p:txBody>
+          <a:bodyPr>
+            <a:normAutofit/>
+          </a:bodyPr>
+          <a:lstStyle/>
+          <a:p>
+            <a:r>
+              <a:rPr lang="en-US" b="1" dirty="0" err="1">
+                <a:solidFill>
+                  <a:srgbClr val="0070C0"/>
+                </a:solidFill>
+              </a:rPr>
+              <a:t>Dinâmica</a:t>
+            </a:r>
+            <a:r>
+              <a:rPr lang="en-US" b="1" dirty="0">
+                <a:solidFill>
+                  <a:srgbClr val="0070C0"/>
+                </a:solidFill>
+              </a:rPr>
+              <a:t> - </a:t>
+            </a:r>
+            <a:r>
+              <a:rPr lang="en-US" b="1" dirty="0" err="1">
+                <a:solidFill>
+                  <a:srgbClr val="0070C0"/>
+                </a:solidFill>
+              </a:rPr>
+              <a:t>Desafio</a:t>
+            </a:r>
+            <a:endParaRPr lang="en-US" b="1" dirty="0">
+              <a:solidFill>
+                <a:srgbClr val="0070C0"/>
+              </a:solidFill>
+            </a:endParaRPr>
+          </a:p>
+        </p:txBody>
+      </p:sp>
+      <p:sp>
+        <p:nvSpPr>
+          <p:cNvPr id="8" name="Text Placeholder 2">
+            <a:extLst>
+              <a:ext uri="{FF2B5EF4-FFF2-40B4-BE49-F238E27FC236}">
+                <a16:creationId xmlns:a16="http://schemas.microsoft.com/office/drawing/2014/main" id="{91426BB9-1983-8DA9-26BB-3974FB709C7A}"/>
+              </a:ext>
+            </a:extLst>
+          </p:cNvPr>
+          <p:cNvSpPr>
+            <a:spLocks noGrp="1"/>
+          </p:cNvSpPr>
+          <p:nvPr>
+            <p:ph type="body" sz="half" idx="1"/>
+          </p:nvPr>
+        </p:nvSpPr>
+        <p:spPr>
+          <a:xfrm>
+            <a:off x="139472" y="1063230"/>
+            <a:ext cx="8865056" cy="3874290"/>
+          </a:xfrm>
+        </p:spPr>
+        <p:txBody>
+          <a:bodyPr>
+            <a:noAutofit/>
+          </a:bodyPr>
+          <a:lstStyle/>
+          <a:p>
+            <a:pPr marL="0" indent="0">
+              <a:buNone/>
+            </a:pPr>
+            <a:r>
+              <a:rPr lang="pt-BR" sz="2000" i="1" dirty="0">
+                <a:latin typeface="Times New Roman" panose="02020603050405020304" pitchFamily="18" charset="0"/>
+                <a:cs typeface="Times New Roman" panose="02020603050405020304" pitchFamily="18" charset="0"/>
+              </a:rPr>
+              <a:t>(</a:t>
+            </a:r>
+            <a:r>
+              <a:rPr lang="pt-BR" sz="2000" b="1" i="1" dirty="0">
+                <a:latin typeface="Times New Roman" panose="02020603050405020304" pitchFamily="18" charset="0"/>
+                <a:cs typeface="Times New Roman" panose="02020603050405020304" pitchFamily="18" charset="0"/>
+              </a:rPr>
+              <a:t>Respostas</a:t>
+            </a:r>
+            <a:r>
+              <a:rPr lang="pt-BR" sz="2000" i="1" dirty="0">
+                <a:latin typeface="Times New Roman" panose="02020603050405020304" pitchFamily="18" charset="0"/>
+                <a:cs typeface="Times New Roman" panose="02020603050405020304" pitchFamily="18" charset="0"/>
+              </a:rPr>
+              <a:t>: </a:t>
+            </a:r>
+            <a:r>
+              <a:rPr lang="pt-BR" sz="2000" b="1" i="1" dirty="0">
+                <a:solidFill>
+                  <a:srgbClr val="FF0000"/>
+                </a:solidFill>
+                <a:latin typeface="Times New Roman" panose="02020603050405020304" pitchFamily="18" charset="0"/>
+                <a:cs typeface="Times New Roman" panose="02020603050405020304" pitchFamily="18" charset="0"/>
+              </a:rPr>
+              <a:t>1-b; 		2-b; 	3-c</a:t>
+            </a:r>
+            <a:r>
+              <a:rPr lang="pt-BR" sz="2000" i="1" dirty="0">
+                <a:latin typeface="Times New Roman" panose="02020603050405020304" pitchFamily="18" charset="0"/>
+                <a:cs typeface="Times New Roman" panose="02020603050405020304" pitchFamily="18" charset="0"/>
+              </a:rPr>
+              <a:t>)</a:t>
+            </a:r>
+            <a:endParaRPr lang="pt-BR" sz="2000" dirty="0">
+              <a:latin typeface="Times New Roman" panose="02020603050405020304" pitchFamily="18" charset="0"/>
+              <a:cs typeface="Times New Roman" panose="02020603050405020304" pitchFamily="18" charset="0"/>
+            </a:endParaRPr>
+          </a:p>
+          <a:p>
+            <a:pPr marL="0" indent="0">
+              <a:buNone/>
+            </a:pPr>
+            <a:r>
+              <a:rPr lang="pt-BR" sz="2000" dirty="0">
+                <a:latin typeface="Times New Roman" panose="02020603050405020304" pitchFamily="18" charset="0"/>
+                <a:cs typeface="Times New Roman" panose="02020603050405020304" pitchFamily="18" charset="0"/>
+              </a:rPr>
+              <a:t>	Implemente um algoritmo em </a:t>
+            </a:r>
+            <a:r>
+              <a:rPr lang="pt-BR" sz="2000" b="1" dirty="0">
+                <a:latin typeface="Times New Roman" panose="02020603050405020304" pitchFamily="18" charset="0"/>
+                <a:cs typeface="Times New Roman" panose="02020603050405020304" pitchFamily="18" charset="0"/>
+              </a:rPr>
+              <a:t>Java</a:t>
+            </a:r>
+            <a:r>
+              <a:rPr lang="pt-BR" sz="2000" dirty="0">
+                <a:latin typeface="Times New Roman" panose="02020603050405020304" pitchFamily="18" charset="0"/>
+                <a:cs typeface="Times New Roman" panose="02020603050405020304" pitchFamily="18" charset="0"/>
+              </a:rPr>
+              <a:t> ou </a:t>
+            </a:r>
+            <a:r>
+              <a:rPr lang="pt-BR" sz="2000" b="1" dirty="0">
+                <a:latin typeface="Times New Roman" panose="02020603050405020304" pitchFamily="18" charset="0"/>
+                <a:cs typeface="Times New Roman" panose="02020603050405020304" pitchFamily="18" charset="0"/>
+              </a:rPr>
+              <a:t>Python</a:t>
+            </a:r>
+            <a:r>
+              <a:rPr lang="pt-BR" sz="2000" dirty="0">
+                <a:latin typeface="Times New Roman" panose="02020603050405020304" pitchFamily="18" charset="0"/>
+                <a:cs typeface="Times New Roman" panose="02020603050405020304" pitchFamily="18" charset="0"/>
+              </a:rPr>
+              <a:t> que resolva o </a:t>
+            </a:r>
+            <a:r>
+              <a:rPr lang="pt-BR" sz="2000" b="1" dirty="0">
+                <a:latin typeface="Times New Roman" panose="02020603050405020304" pitchFamily="18" charset="0"/>
+                <a:cs typeface="Times New Roman" panose="02020603050405020304" pitchFamily="18" charset="0"/>
+              </a:rPr>
+              <a:t>problema do troco mínimo</a:t>
+            </a:r>
+            <a:r>
+              <a:rPr lang="pt-BR" sz="2000" dirty="0">
+                <a:latin typeface="Times New Roman" panose="02020603050405020304" pitchFamily="18" charset="0"/>
+                <a:cs typeface="Times New Roman" panose="02020603050405020304" pitchFamily="18" charset="0"/>
+              </a:rPr>
+              <a:t> utilizando programação dinâmica.</a:t>
+            </a:r>
+          </a:p>
+          <a:p>
+            <a:pPr marL="0" indent="0" algn="just">
+              <a:buNone/>
+            </a:pPr>
+            <a:r>
+              <a:rPr lang="pt-BR" sz="2000" b="1" dirty="0">
+                <a:solidFill>
+                  <a:srgbClr val="FF0000"/>
+                </a:solidFill>
+                <a:latin typeface="Times New Roman" panose="02020603050405020304" pitchFamily="18" charset="0"/>
+                <a:cs typeface="Times New Roman" panose="02020603050405020304" pitchFamily="18" charset="0"/>
+              </a:rPr>
+              <a:t>Descrição</a:t>
+            </a:r>
+            <a:r>
+              <a:rPr lang="pt-BR" sz="2000" b="1" dirty="0">
+                <a:latin typeface="Times New Roman" panose="02020603050405020304" pitchFamily="18" charset="0"/>
+                <a:cs typeface="Times New Roman" panose="02020603050405020304" pitchFamily="18" charset="0"/>
+              </a:rPr>
+              <a:t>:</a:t>
+            </a:r>
+          </a:p>
+          <a:p>
+            <a:pPr marL="0" indent="0">
+              <a:buNone/>
+            </a:pPr>
+            <a:r>
+              <a:rPr lang="pt-BR" sz="2000" dirty="0">
+                <a:latin typeface="Times New Roman" panose="02020603050405020304" pitchFamily="18" charset="0"/>
+                <a:cs typeface="Times New Roman" panose="02020603050405020304" pitchFamily="18" charset="0"/>
+              </a:rPr>
+              <a:t>Dado um </a:t>
+            </a:r>
+            <a:r>
+              <a:rPr lang="pt-BR" sz="2000" b="1" dirty="0" err="1">
+                <a:solidFill>
+                  <a:srgbClr val="FF0000"/>
+                </a:solidFill>
+                <a:latin typeface="Times New Roman" panose="02020603050405020304" pitchFamily="18" charset="0"/>
+                <a:cs typeface="Times New Roman" panose="02020603050405020304" pitchFamily="18" charset="0"/>
+              </a:rPr>
+              <a:t>valor-alvo</a:t>
+            </a:r>
+            <a:r>
+              <a:rPr lang="pt-BR" sz="2000" dirty="0">
+                <a:latin typeface="Times New Roman" panose="02020603050405020304" pitchFamily="18" charset="0"/>
+                <a:cs typeface="Times New Roman" panose="02020603050405020304" pitchFamily="18" charset="0"/>
+              </a:rPr>
+              <a:t> e um conjunto de moedas disponíveis, determine o número mínimo de moedas necessário para formar o valor.</a:t>
+            </a:r>
+          </a:p>
+          <a:p>
+            <a:pPr marL="0" indent="0">
+              <a:buNone/>
+            </a:pPr>
+            <a:r>
+              <a:rPr lang="pt-BR" sz="2000" b="1" dirty="0">
+                <a:latin typeface="Times New Roman" panose="02020603050405020304" pitchFamily="18" charset="0"/>
+                <a:cs typeface="Times New Roman" panose="02020603050405020304" pitchFamily="18" charset="0"/>
+              </a:rPr>
+              <a:t>Exemplo de entrada: </a:t>
+            </a:r>
+            <a:r>
+              <a:rPr lang="pt-BR" sz="2000" b="1" dirty="0">
+                <a:solidFill>
+                  <a:srgbClr val="FF0000"/>
+                </a:solidFill>
+                <a:latin typeface="Times New Roman" panose="02020603050405020304" pitchFamily="18" charset="0"/>
+                <a:cs typeface="Times New Roman" panose="02020603050405020304" pitchFamily="18" charset="0"/>
+              </a:rPr>
+              <a:t>Valor = 11</a:t>
+            </a:r>
+            <a:br>
+              <a:rPr lang="pt-BR" sz="2000" dirty="0">
+                <a:latin typeface="Times New Roman" panose="02020603050405020304" pitchFamily="18" charset="0"/>
+                <a:cs typeface="Times New Roman" panose="02020603050405020304" pitchFamily="18" charset="0"/>
+              </a:rPr>
+            </a:br>
+            <a:r>
+              <a:rPr lang="pt-BR" sz="2000" b="1" dirty="0">
+                <a:solidFill>
+                  <a:srgbClr val="FF0000"/>
+                </a:solidFill>
+                <a:latin typeface="Times New Roman" panose="02020603050405020304" pitchFamily="18" charset="0"/>
+                <a:cs typeface="Times New Roman" panose="02020603050405020304" pitchFamily="18" charset="0"/>
+              </a:rPr>
+              <a:t>Moedas</a:t>
+            </a:r>
+            <a:r>
+              <a:rPr lang="pt-BR" sz="2000" dirty="0">
+                <a:latin typeface="Times New Roman" panose="02020603050405020304" pitchFamily="18" charset="0"/>
+                <a:cs typeface="Times New Roman" panose="02020603050405020304" pitchFamily="18" charset="0"/>
+              </a:rPr>
+              <a:t> = [1, 5, 6, 8]</a:t>
+            </a:r>
+          </a:p>
+          <a:p>
+            <a:pPr marL="0" indent="0">
+              <a:buNone/>
+            </a:pPr>
+            <a:r>
+              <a:rPr lang="pt-BR" sz="2000" b="1" dirty="0">
+                <a:latin typeface="Times New Roman" panose="02020603050405020304" pitchFamily="18" charset="0"/>
+                <a:cs typeface="Times New Roman" panose="02020603050405020304" pitchFamily="18" charset="0"/>
+              </a:rPr>
+              <a:t>Saída esperada:</a:t>
+            </a:r>
+            <a:br>
+              <a:rPr lang="pt-BR" sz="2000" dirty="0">
+                <a:latin typeface="Times New Roman" panose="02020603050405020304" pitchFamily="18" charset="0"/>
+                <a:cs typeface="Times New Roman" panose="02020603050405020304" pitchFamily="18" charset="0"/>
+              </a:rPr>
+            </a:br>
+            <a:r>
+              <a:rPr lang="pt-BR" sz="2000" dirty="0">
+                <a:latin typeface="Times New Roman" panose="02020603050405020304" pitchFamily="18" charset="0"/>
+                <a:cs typeface="Times New Roman" panose="02020603050405020304" pitchFamily="18" charset="0"/>
+              </a:rPr>
+              <a:t>Número mínimo de moedas = 2 (5 + 6)</a:t>
+            </a:r>
+          </a:p>
+        </p:txBody>
+      </p:sp>
+    </p:spTree>
+    <p:extLst>
+      <p:ext uri="{BB962C8B-B14F-4D97-AF65-F5344CB8AC3E}">
+        <p14:creationId xmlns:p14="http://schemas.microsoft.com/office/powerpoint/2010/main" val="921977935"/>
+      </p:ext>
+    </p:extLst>
+  </p:cSld>
+  <p:clrMapOvr>
+    <a:masterClrMapping/>
+  </p:clrMapOvr>
+  <p:transition spd="med"/>
+</p:sld>
+</file>
+
+<file path=ppt/slides/slide18.xml><?xml version="1.0" encoding="utf-8"?>
+<p:sld xmlns:a="http://schemas.openxmlformats.org/drawingml/2006/main" xmlns:r="http://schemas.openxmlformats.org/officeDocument/2006/relationships" xmlns:p="http://schemas.openxmlformats.org/presentationml/2006/main">
+  <p:cSld>
+    <p:spTree>
+      <p:nvGrpSpPr>
+        <p:cNvPr id="1" name=""/>
+        <p:cNvGrpSpPr/>
+        <p:nvPr/>
+      </p:nvGrpSpPr>
+      <p:grpSpPr>
+        <a:xfrm>
+          <a:off x="0" y="0"/>
+          <a:ext cx="0" cy="0"/>
+          <a:chOff x="0" y="0"/>
+          <a:chExt cx="0" cy="0"/>
+        </a:xfrm>
+      </p:grpSpPr>
+      <p:sp>
+        <p:nvSpPr>
+          <p:cNvPr id="6" name="Title 1"/>
+          <p:cNvSpPr>
+            <a:spLocks noGrp="1"/>
+          </p:cNvSpPr>
+          <p:nvPr>
+            <p:ph type="title"/>
+          </p:nvPr>
+        </p:nvSpPr>
+        <p:spPr>
+          <a:xfrm>
+            <a:off x="457200" y="205980"/>
+            <a:ext cx="8229600" cy="857251"/>
+          </a:xfrm>
+        </p:spPr>
+        <p:txBody>
+          <a:bodyPr>
+            <a:normAutofit/>
+          </a:bodyPr>
+          <a:lstStyle/>
+          <a:p>
+            <a:r>
+              <a:rPr lang="en-US" b="1" dirty="0" err="1">
+                <a:solidFill>
+                  <a:srgbClr val="0070C0"/>
+                </a:solidFill>
+              </a:rPr>
+              <a:t>Referências</a:t>
+            </a:r>
+            <a:r>
+              <a:rPr lang="en-US" b="1" dirty="0">
+                <a:solidFill>
+                  <a:srgbClr val="0070C0"/>
+                </a:solidFill>
+              </a:rPr>
+              <a:t> </a:t>
+            </a:r>
+            <a:r>
+              <a:rPr lang="en-US" b="1" dirty="0" err="1">
+                <a:solidFill>
+                  <a:srgbClr val="0070C0"/>
+                </a:solidFill>
+              </a:rPr>
+              <a:t>Bibliográficas</a:t>
+            </a:r>
+            <a:endParaRPr lang="en-US" b="1" dirty="0">
+              <a:solidFill>
+                <a:srgbClr val="0070C0"/>
+              </a:solidFill>
+            </a:endParaRPr>
+          </a:p>
+        </p:txBody>
+      </p:sp>
+      <p:sp>
+        <p:nvSpPr>
+          <p:cNvPr id="8" name="Text Placeholder 2"/>
+          <p:cNvSpPr>
+            <a:spLocks noGrp="1"/>
+          </p:cNvSpPr>
+          <p:nvPr>
+            <p:ph type="body" sz="half" idx="1"/>
+          </p:nvPr>
+        </p:nvSpPr>
+        <p:spPr>
+          <a:xfrm>
+            <a:off x="142865" y="1200150"/>
+            <a:ext cx="8865056" cy="3737369"/>
+          </a:xfrm>
+        </p:spPr>
+        <p:txBody>
+          <a:bodyPr>
+            <a:noAutofit/>
+          </a:bodyPr>
+          <a:lstStyle/>
+          <a:p>
+            <a:pPr marL="0" indent="0" algn="just">
+              <a:buNone/>
+            </a:pPr>
+            <a:r>
+              <a:rPr lang="pt-BR" sz="1800" dirty="0">
+                <a:latin typeface="Times New Roman" panose="02020603050405020304" pitchFamily="18" charset="0"/>
+                <a:cs typeface="Times New Roman" panose="02020603050405020304" pitchFamily="18" charset="0"/>
+              </a:rPr>
+              <a:t>[1] </a:t>
+            </a:r>
+            <a:r>
+              <a:rPr lang="pt-BR" sz="1800" b="1" dirty="0">
+                <a:latin typeface="Times New Roman" panose="02020603050405020304" pitchFamily="18" charset="0"/>
+                <a:cs typeface="Times New Roman" panose="02020603050405020304" pitchFamily="18" charset="0"/>
+              </a:rPr>
+              <a:t>CORMEN, Thomas H</a:t>
+            </a:r>
+            <a:r>
+              <a:rPr lang="pt-BR" sz="1800" dirty="0">
+                <a:latin typeface="Times New Roman" panose="02020603050405020304" pitchFamily="18" charset="0"/>
+                <a:cs typeface="Times New Roman" panose="02020603050405020304" pitchFamily="18" charset="0"/>
+              </a:rPr>
+              <a:t>. </a:t>
+            </a:r>
+            <a:r>
+              <a:rPr lang="pt-BR" sz="1800" i="1" dirty="0">
+                <a:latin typeface="Times New Roman" panose="02020603050405020304" pitchFamily="18" charset="0"/>
+                <a:cs typeface="Times New Roman" panose="02020603050405020304" pitchFamily="18" charset="0"/>
+              </a:rPr>
+              <a:t>Algoritmos: Teoria e Prática.</a:t>
+            </a:r>
+            <a:r>
+              <a:rPr lang="pt-BR" sz="1800" dirty="0">
+                <a:latin typeface="Times New Roman" panose="02020603050405020304" pitchFamily="18" charset="0"/>
+                <a:cs typeface="Times New Roman" panose="02020603050405020304" pitchFamily="18" charset="0"/>
+              </a:rPr>
+              <a:t> 3. ed. Rio de Janeiro: Elsevier, 2012. (Capítulo 15 – Programação Dinâmica)</a:t>
+            </a:r>
+          </a:p>
+          <a:p>
+            <a:pPr marL="0" indent="0" algn="just">
+              <a:buNone/>
+            </a:pPr>
+            <a:endParaRPr lang="pt-BR" sz="1800" dirty="0">
+              <a:latin typeface="Times New Roman" panose="02020603050405020304" pitchFamily="18" charset="0"/>
+              <a:cs typeface="Times New Roman" panose="02020603050405020304" pitchFamily="18" charset="0"/>
+            </a:endParaRPr>
+          </a:p>
+          <a:p>
+            <a:pPr marL="0" indent="0" algn="just">
+              <a:buNone/>
+            </a:pPr>
+            <a:r>
+              <a:rPr lang="pt-BR" sz="1800" dirty="0">
+                <a:latin typeface="Times New Roman" panose="02020603050405020304" pitchFamily="18" charset="0"/>
+                <a:cs typeface="Times New Roman" panose="02020603050405020304" pitchFamily="18" charset="0"/>
+              </a:rPr>
+              <a:t>[2] </a:t>
+            </a:r>
+            <a:r>
+              <a:rPr lang="pt-BR" sz="1800" b="1" dirty="0">
+                <a:latin typeface="Times New Roman" panose="02020603050405020304" pitchFamily="18" charset="0"/>
+                <a:cs typeface="Times New Roman" panose="02020603050405020304" pitchFamily="18" charset="0"/>
+              </a:rPr>
+              <a:t>MANBER, </a:t>
+            </a:r>
+            <a:r>
+              <a:rPr lang="pt-BR" sz="1800" b="1" dirty="0" err="1">
+                <a:latin typeface="Times New Roman" panose="02020603050405020304" pitchFamily="18" charset="0"/>
+                <a:cs typeface="Times New Roman" panose="02020603050405020304" pitchFamily="18" charset="0"/>
+              </a:rPr>
+              <a:t>Udi</a:t>
+            </a:r>
+            <a:r>
+              <a:rPr lang="pt-BR" sz="1800" dirty="0">
+                <a:latin typeface="Times New Roman" panose="02020603050405020304" pitchFamily="18" charset="0"/>
+                <a:cs typeface="Times New Roman" panose="02020603050405020304" pitchFamily="18" charset="0"/>
+              </a:rPr>
+              <a:t>. </a:t>
+            </a:r>
+            <a:r>
+              <a:rPr lang="pt-BR" sz="1800" i="1" dirty="0" err="1">
+                <a:latin typeface="Times New Roman" panose="02020603050405020304" pitchFamily="18" charset="0"/>
+                <a:cs typeface="Times New Roman" panose="02020603050405020304" pitchFamily="18" charset="0"/>
+              </a:rPr>
+              <a:t>Introduction</a:t>
+            </a:r>
+            <a:r>
+              <a:rPr lang="pt-BR" sz="1800" i="1" dirty="0">
+                <a:latin typeface="Times New Roman" panose="02020603050405020304" pitchFamily="18" charset="0"/>
+                <a:cs typeface="Times New Roman" panose="02020603050405020304" pitchFamily="18" charset="0"/>
+              </a:rPr>
+              <a:t> </a:t>
+            </a:r>
+            <a:r>
+              <a:rPr lang="pt-BR" sz="1800" i="1" dirty="0" err="1">
+                <a:latin typeface="Times New Roman" panose="02020603050405020304" pitchFamily="18" charset="0"/>
+                <a:cs typeface="Times New Roman" panose="02020603050405020304" pitchFamily="18" charset="0"/>
+              </a:rPr>
+              <a:t>to</a:t>
+            </a:r>
+            <a:r>
+              <a:rPr lang="pt-BR" sz="1800" i="1" dirty="0">
+                <a:latin typeface="Times New Roman" panose="02020603050405020304" pitchFamily="18" charset="0"/>
+                <a:cs typeface="Times New Roman" panose="02020603050405020304" pitchFamily="18" charset="0"/>
+              </a:rPr>
+              <a:t> </a:t>
+            </a:r>
+            <a:r>
+              <a:rPr lang="pt-BR" sz="1800" i="1" dirty="0" err="1">
+                <a:latin typeface="Times New Roman" panose="02020603050405020304" pitchFamily="18" charset="0"/>
+                <a:cs typeface="Times New Roman" panose="02020603050405020304" pitchFamily="18" charset="0"/>
+              </a:rPr>
+              <a:t>Algorithms</a:t>
+            </a:r>
+            <a:r>
+              <a:rPr lang="pt-BR" sz="1800" i="1" dirty="0">
+                <a:latin typeface="Times New Roman" panose="02020603050405020304" pitchFamily="18" charset="0"/>
+                <a:cs typeface="Times New Roman" panose="02020603050405020304" pitchFamily="18" charset="0"/>
+              </a:rPr>
+              <a:t>: A </a:t>
+            </a:r>
+            <a:r>
+              <a:rPr lang="pt-BR" sz="1800" i="1" dirty="0" err="1">
+                <a:latin typeface="Times New Roman" panose="02020603050405020304" pitchFamily="18" charset="0"/>
+                <a:cs typeface="Times New Roman" panose="02020603050405020304" pitchFamily="18" charset="0"/>
+              </a:rPr>
+              <a:t>Creative</a:t>
+            </a:r>
+            <a:r>
+              <a:rPr lang="pt-BR" sz="1800" i="1" dirty="0">
+                <a:latin typeface="Times New Roman" panose="02020603050405020304" pitchFamily="18" charset="0"/>
+                <a:cs typeface="Times New Roman" panose="02020603050405020304" pitchFamily="18" charset="0"/>
+              </a:rPr>
+              <a:t> Approach.</a:t>
+            </a:r>
+            <a:r>
+              <a:rPr lang="pt-BR" sz="1800" dirty="0">
+                <a:latin typeface="Times New Roman" panose="02020603050405020304" pitchFamily="18" charset="0"/>
+                <a:cs typeface="Times New Roman" panose="02020603050405020304" pitchFamily="18" charset="0"/>
+              </a:rPr>
+              <a:t> Reading: Addison-Wesley, 1989. (Capítulo sobre </a:t>
+            </a:r>
+            <a:r>
+              <a:rPr lang="pt-BR" sz="1800" i="1" dirty="0">
+                <a:latin typeface="Times New Roman" panose="02020603050405020304" pitchFamily="18" charset="0"/>
+                <a:cs typeface="Times New Roman" panose="02020603050405020304" pitchFamily="18" charset="0"/>
+              </a:rPr>
+              <a:t>Dynamic </a:t>
+            </a:r>
+            <a:r>
+              <a:rPr lang="pt-BR" sz="1800" i="1" dirty="0" err="1">
+                <a:latin typeface="Times New Roman" panose="02020603050405020304" pitchFamily="18" charset="0"/>
+                <a:cs typeface="Times New Roman" panose="02020603050405020304" pitchFamily="18" charset="0"/>
+              </a:rPr>
+              <a:t>Programming</a:t>
+            </a:r>
+            <a:r>
+              <a:rPr lang="pt-BR" sz="1800" dirty="0">
+                <a:latin typeface="Times New Roman" panose="02020603050405020304" pitchFamily="18" charset="0"/>
+                <a:cs typeface="Times New Roman" panose="02020603050405020304" pitchFamily="18" charset="0"/>
+              </a:rPr>
+              <a:t>)</a:t>
+            </a:r>
+          </a:p>
+          <a:p>
+            <a:pPr marL="0" indent="0" algn="just">
+              <a:buNone/>
+            </a:pPr>
+            <a:endParaRPr lang="pt-BR" sz="1800" dirty="0">
+              <a:latin typeface="Times New Roman" panose="02020603050405020304" pitchFamily="18" charset="0"/>
+              <a:cs typeface="Times New Roman" panose="02020603050405020304" pitchFamily="18" charset="0"/>
+            </a:endParaRPr>
+          </a:p>
+          <a:p>
+            <a:pPr marL="0" indent="0">
+              <a:buNone/>
+            </a:pPr>
+            <a:r>
+              <a:rPr lang="pt-BR" sz="1800" dirty="0">
+                <a:latin typeface="Times New Roman" panose="02020603050405020304" pitchFamily="18" charset="0"/>
+                <a:cs typeface="Times New Roman" panose="02020603050405020304" pitchFamily="18" charset="0"/>
+              </a:rPr>
+              <a:t>[3] </a:t>
+            </a:r>
+            <a:r>
+              <a:rPr lang="en-US" sz="1800" b="1" dirty="0">
+                <a:latin typeface="Times New Roman" panose="02020603050405020304" pitchFamily="18" charset="0"/>
+                <a:cs typeface="Times New Roman" panose="02020603050405020304" pitchFamily="18" charset="0"/>
+              </a:rPr>
+              <a:t>GEEKSFORGEEKS</a:t>
+            </a:r>
+            <a:r>
+              <a:rPr lang="en-US" sz="1800" dirty="0">
+                <a:latin typeface="Times New Roman" panose="02020603050405020304" pitchFamily="18" charset="0"/>
+                <a:cs typeface="Times New Roman" panose="02020603050405020304" pitchFamily="18" charset="0"/>
+              </a:rPr>
+              <a:t>. Dynamic Programming. </a:t>
+            </a:r>
+            <a:r>
+              <a:rPr lang="en-US" sz="1800" dirty="0" err="1">
+                <a:latin typeface="Times New Roman" panose="02020603050405020304" pitchFamily="18" charset="0"/>
+                <a:cs typeface="Times New Roman" panose="02020603050405020304" pitchFamily="18" charset="0"/>
+              </a:rPr>
+              <a:t>Disponível</a:t>
+            </a:r>
+            <a:r>
+              <a:rPr lang="en-US" sz="1800" dirty="0">
+                <a:latin typeface="Times New Roman" panose="02020603050405020304" pitchFamily="18" charset="0"/>
+                <a:cs typeface="Times New Roman" panose="02020603050405020304" pitchFamily="18" charset="0"/>
+              </a:rPr>
+              <a:t> </a:t>
+            </a:r>
+            <a:r>
+              <a:rPr lang="en-US" sz="1800" dirty="0" err="1">
+                <a:latin typeface="Times New Roman" panose="02020603050405020304" pitchFamily="18" charset="0"/>
+                <a:cs typeface="Times New Roman" panose="02020603050405020304" pitchFamily="18" charset="0"/>
+              </a:rPr>
+              <a:t>em</a:t>
+            </a:r>
+            <a:r>
+              <a:rPr lang="en-US" sz="1800" dirty="0">
+                <a:latin typeface="Times New Roman" panose="02020603050405020304" pitchFamily="18" charset="0"/>
+                <a:cs typeface="Times New Roman" panose="02020603050405020304" pitchFamily="18" charset="0"/>
+              </a:rPr>
+              <a:t>: https://www.geeksforgeeks.org/dynamic-programming/. </a:t>
+            </a:r>
+            <a:r>
+              <a:rPr lang="pt-BR" sz="1800" dirty="0">
+                <a:latin typeface="Times New Roman" panose="02020603050405020304" pitchFamily="18" charset="0"/>
+                <a:cs typeface="Times New Roman" panose="02020603050405020304" pitchFamily="18" charset="0"/>
+              </a:rPr>
+              <a:t>Acesso em: 11 out. 2025.</a:t>
+            </a:r>
+          </a:p>
+          <a:p>
+            <a:pPr marL="0" indent="0">
+              <a:buNone/>
+            </a:pPr>
+            <a:endParaRPr lang="pt-BR" sz="1800" dirty="0">
+              <a:latin typeface="Times New Roman" panose="02020603050405020304" pitchFamily="18" charset="0"/>
+              <a:cs typeface="Times New Roman" panose="02020603050405020304" pitchFamily="18" charset="0"/>
+            </a:endParaRPr>
+          </a:p>
+          <a:p>
+            <a:pPr marL="0" indent="0">
+              <a:buNone/>
+            </a:pPr>
+            <a:r>
+              <a:rPr lang="pt-BR" sz="1800" dirty="0">
+                <a:latin typeface="Times New Roman" panose="02020603050405020304" pitchFamily="18" charset="0"/>
+                <a:cs typeface="Times New Roman" panose="02020603050405020304" pitchFamily="18" charset="0"/>
+              </a:rPr>
+              <a:t>[4] </a:t>
+            </a:r>
+            <a:r>
+              <a:rPr lang="pt-BR" sz="1800" b="1" dirty="0">
+                <a:latin typeface="Times New Roman" panose="02020603050405020304" pitchFamily="18" charset="0"/>
+                <a:cs typeface="Times New Roman" panose="02020603050405020304" pitchFamily="18" charset="0"/>
+              </a:rPr>
+              <a:t>KHAN ACADEMY</a:t>
+            </a:r>
+            <a:r>
+              <a:rPr lang="pt-BR" sz="1800" dirty="0">
+                <a:latin typeface="Times New Roman" panose="02020603050405020304" pitchFamily="18" charset="0"/>
+                <a:cs typeface="Times New Roman" panose="02020603050405020304" pitchFamily="18" charset="0"/>
+              </a:rPr>
+              <a:t>. Programação Dinâmica. Disponível em: https://pt.khanacademy.org/</a:t>
+            </a:r>
+            <a:r>
+              <a:rPr lang="pt-BR" sz="1800" dirty="0" err="1">
+                <a:latin typeface="Times New Roman" panose="02020603050405020304" pitchFamily="18" charset="0"/>
+                <a:cs typeface="Times New Roman" panose="02020603050405020304" pitchFamily="18" charset="0"/>
+              </a:rPr>
+              <a:t>computing</a:t>
+            </a:r>
+            <a:r>
+              <a:rPr lang="pt-BR" sz="1800" dirty="0">
+                <a:latin typeface="Times New Roman" panose="02020603050405020304" pitchFamily="18" charset="0"/>
+                <a:cs typeface="Times New Roman" panose="02020603050405020304" pitchFamily="18" charset="0"/>
+              </a:rPr>
+              <a:t>/</a:t>
+            </a:r>
+            <a:r>
+              <a:rPr lang="pt-BR" sz="1800" dirty="0" err="1">
+                <a:latin typeface="Times New Roman" panose="02020603050405020304" pitchFamily="18" charset="0"/>
+                <a:cs typeface="Times New Roman" panose="02020603050405020304" pitchFamily="18" charset="0"/>
+              </a:rPr>
+              <a:t>computer-science</a:t>
+            </a:r>
+            <a:r>
+              <a:rPr lang="pt-BR" sz="1800" dirty="0">
+                <a:latin typeface="Times New Roman" panose="02020603050405020304" pitchFamily="18" charset="0"/>
+                <a:cs typeface="Times New Roman" panose="02020603050405020304" pitchFamily="18" charset="0"/>
+              </a:rPr>
+              <a:t>/</a:t>
+            </a:r>
+            <a:r>
+              <a:rPr lang="pt-BR" sz="1800" dirty="0" err="1">
+                <a:latin typeface="Times New Roman" panose="02020603050405020304" pitchFamily="18" charset="0"/>
+                <a:cs typeface="Times New Roman" panose="02020603050405020304" pitchFamily="18" charset="0"/>
+              </a:rPr>
+              <a:t>algorithms</a:t>
+            </a:r>
+            <a:r>
+              <a:rPr lang="pt-BR" sz="1800" dirty="0">
+                <a:latin typeface="Times New Roman" panose="02020603050405020304" pitchFamily="18" charset="0"/>
+                <a:cs typeface="Times New Roman" panose="02020603050405020304" pitchFamily="18" charset="0"/>
+              </a:rPr>
+              <a:t>. Acesso em: 11 out. 2025.</a:t>
+            </a:r>
+          </a:p>
+        </p:txBody>
+      </p:sp>
+    </p:spTree>
+    <p:extLst>
+      <p:ext uri="{BB962C8B-B14F-4D97-AF65-F5344CB8AC3E}">
+        <p14:creationId xmlns:p14="http://schemas.microsoft.com/office/powerpoint/2010/main" val="1115311843"/>
+      </p:ext>
+    </p:extLst>
+  </p:cSld>
+  <p:clrMapOvr>
+    <a:masterClrMapping/>
+  </p:clrMapOvr>
+  <p:transition spd="med"/>
+</p:sld>
+</file>
+
+<file path=ppt/slides/slide19.xml><?xml version="1.0" encoding="utf-8"?>
+<p:sld xmlns:a="http://schemas.openxmlformats.org/drawingml/2006/main" xmlns:r="http://schemas.openxmlformats.org/officeDocument/2006/relationships" xmlns:p="http://schemas.openxmlformats.org/presentationml/2006/main">
+  <p:cSld>
+    <p:spTree>
+      <p:nvGrpSpPr>
+        <p:cNvPr id="1" name=""/>
+        <p:cNvGrpSpPr/>
+        <p:nvPr/>
+      </p:nvGrpSpPr>
+      <p:grpSpPr>
+        <a:xfrm>
+          <a:off x="0" y="0"/>
+          <a:ext cx="0" cy="0"/>
+          <a:chOff x="0" y="0"/>
+          <a:chExt cx="0" cy="0"/>
+        </a:xfrm>
+      </p:grpSpPr>
+      <p:pic>
+        <p:nvPicPr>
+          <p:cNvPr id="112" name="Picture 6" descr="Picture 6"/>
+          <p:cNvPicPr>
+            <a:picLocks noChangeAspect="1"/>
+          </p:cNvPicPr>
+          <p:nvPr/>
+        </p:nvPicPr>
+        <p:blipFill>
+          <a:blip r:embed="rId2"/>
+          <a:stretch>
+            <a:fillRect/>
+          </a:stretch>
+        </p:blipFill>
+        <p:spPr>
+          <a:xfrm>
+            <a:off x="0" y="0"/>
+            <a:ext cx="9144000" cy="5143500"/>
+          </a:xfrm>
+          <a:prstGeom prst="rect">
+            <a:avLst/>
+          </a:prstGeom>
+          <a:ln w="12700">
+            <a:miter lim="400000"/>
+            <a:headEnd/>
+            <a:tailEnd/>
+          </a:ln>
+        </p:spPr>
+      </p:pic>
+      <p:pic>
+        <p:nvPicPr>
+          <p:cNvPr id="114" name="Picture 5" descr="Picture 5"/>
+          <p:cNvPicPr>
+            <a:picLocks noChangeAspect="1"/>
+          </p:cNvPicPr>
+          <p:nvPr/>
+        </p:nvPicPr>
+        <p:blipFill>
+          <a:blip r:embed="rId3"/>
+          <a:stretch>
+            <a:fillRect/>
+          </a:stretch>
+        </p:blipFill>
+        <p:spPr>
+          <a:xfrm>
+            <a:off x="469900" y="0"/>
+            <a:ext cx="4391984" cy="171450"/>
+          </a:xfrm>
+          <a:prstGeom prst="rect">
+            <a:avLst/>
+          </a:prstGeom>
+          <a:ln w="12700">
+            <a:miter lim="400000"/>
+            <a:headEnd/>
+            <a:tailEnd/>
+          </a:ln>
+        </p:spPr>
+      </p:pic>
+      <p:sp>
+        <p:nvSpPr>
+          <p:cNvPr id="3" name="Título 2"/>
+          <p:cNvSpPr>
+            <a:spLocks noGrp="1"/>
+          </p:cNvSpPr>
+          <p:nvPr>
+            <p:ph type="title"/>
+          </p:nvPr>
+        </p:nvSpPr>
+        <p:spPr>
+          <a:xfrm>
+            <a:off x="285751" y="2386770"/>
+            <a:ext cx="8615364" cy="1102519"/>
+          </a:xfrm>
+        </p:spPr>
+        <p:txBody>
+          <a:bodyPr>
+            <a:noAutofit/>
+          </a:bodyPr>
+          <a:lstStyle/>
+          <a:p>
+            <a:r>
+              <a:rPr lang="pt-BR" sz="4800" b="1" dirty="0">
+                <a:solidFill>
+                  <a:schemeClr val="bg1"/>
+                </a:solidFill>
+              </a:rPr>
+              <a:t>Algoritmos e Complexidade</a:t>
+            </a:r>
+          </a:p>
+        </p:txBody>
+      </p:sp>
+      <p:sp>
+        <p:nvSpPr>
+          <p:cNvPr id="6" name="Título 2"/>
+          <p:cNvSpPr txBox="1"/>
+          <p:nvPr/>
+        </p:nvSpPr>
+        <p:spPr>
+          <a:xfrm>
+            <a:off x="975683" y="3866663"/>
+            <a:ext cx="7772400" cy="1102519"/>
+          </a:xfrm>
+          <a:prstGeom prst="rect">
+            <a:avLst/>
+          </a:prstGeom>
+          <a:ln w="12700">
+            <a:miter lim="400000"/>
+          </a:ln>
+        </p:spPr>
+        <p:txBody>
+          <a:bodyPr lIns="45718" tIns="45718" rIns="45718" bIns="45718" anchor="ctr">
+            <a:noAutofit/>
+          </a:bodyPr>
+          <a:lstStyle>
+            <a:lvl1pPr marL="0" marR="0" indent="0" algn="ctr" defTabSz="457200" rtl="0" latinLnBrk="0">
+              <a:lnSpc>
+                <a:spcPct val="100000"/>
+              </a:lnSpc>
+              <a:spcBef>
+                <a:spcPts val="0"/>
+              </a:spcBef>
+              <a:spcAft>
+                <a:spcPts val="0"/>
+              </a:spcAft>
+              <a:buClrTx/>
+              <a:buSzTx/>
+              <a:buFontTx/>
+              <a:buNone/>
+              <a:defRPr sz="4400" b="0" i="0" u="none" strike="noStrike" cap="none" spc="0" baseline="0">
+                <a:ln>
+                  <a:noFill/>
+                </a:ln>
+                <a:solidFill>
+                  <a:srgbClr val="000000"/>
+                </a:solidFill>
+                <a:uFillTx/>
+                <a:latin typeface="+mj-lt"/>
+                <a:ea typeface="+mj-ea"/>
+                <a:cs typeface="+mj-cs"/>
+                <a:sym typeface="Calibri"/>
+              </a:defRPr>
+            </a:lvl1pPr>
+            <a:lvl2pPr marL="0" marR="0" indent="0" algn="ctr" defTabSz="457200" rtl="0" latinLnBrk="0">
+              <a:lnSpc>
+                <a:spcPct val="100000"/>
+              </a:lnSpc>
+              <a:spcBef>
+                <a:spcPts val="0"/>
+              </a:spcBef>
+              <a:spcAft>
+                <a:spcPts val="0"/>
+              </a:spcAft>
+              <a:buClrTx/>
+              <a:buSzTx/>
+              <a:buFontTx/>
+              <a:buNone/>
+              <a:defRPr sz="4400" b="0" i="0" u="none" strike="noStrike" cap="none" spc="0" baseline="0">
+                <a:ln>
+                  <a:noFill/>
+                </a:ln>
+                <a:solidFill>
+                  <a:srgbClr val="000000"/>
+                </a:solidFill>
+                <a:uFillTx/>
+                <a:latin typeface="+mj-lt"/>
+                <a:ea typeface="+mj-ea"/>
+                <a:cs typeface="+mj-cs"/>
+                <a:sym typeface="Calibri"/>
+              </a:defRPr>
+            </a:lvl2pPr>
+            <a:lvl3pPr marL="0" marR="0" indent="0" algn="ctr" defTabSz="457200" rtl="0" latinLnBrk="0">
+              <a:lnSpc>
+                <a:spcPct val="100000"/>
+              </a:lnSpc>
+              <a:spcBef>
+                <a:spcPts val="0"/>
+              </a:spcBef>
+              <a:spcAft>
+                <a:spcPts val="0"/>
+              </a:spcAft>
+              <a:buClrTx/>
+              <a:buSzTx/>
+              <a:buFontTx/>
+              <a:buNone/>
+              <a:defRPr sz="4400" b="0" i="0" u="none" strike="noStrike" cap="none" spc="0" baseline="0">
+                <a:ln>
+                  <a:noFill/>
+                </a:ln>
+                <a:solidFill>
+                  <a:srgbClr val="000000"/>
+                </a:solidFill>
+                <a:uFillTx/>
+                <a:latin typeface="+mj-lt"/>
+                <a:ea typeface="+mj-ea"/>
+                <a:cs typeface="+mj-cs"/>
+                <a:sym typeface="Calibri"/>
+              </a:defRPr>
+            </a:lvl3pPr>
+            <a:lvl4pPr marL="0" marR="0" indent="0" algn="ctr" defTabSz="457200" rtl="0" latinLnBrk="0">
+              <a:lnSpc>
+                <a:spcPct val="100000"/>
+              </a:lnSpc>
+              <a:spcBef>
+                <a:spcPts val="0"/>
+              </a:spcBef>
+              <a:spcAft>
+                <a:spcPts val="0"/>
+              </a:spcAft>
+              <a:buClrTx/>
+              <a:buSzTx/>
+              <a:buFontTx/>
+              <a:buNone/>
+              <a:defRPr sz="4400" b="0" i="0" u="none" strike="noStrike" cap="none" spc="0" baseline="0">
+                <a:ln>
+                  <a:noFill/>
+                </a:ln>
+                <a:solidFill>
+                  <a:srgbClr val="000000"/>
+                </a:solidFill>
+                <a:uFillTx/>
+                <a:latin typeface="+mj-lt"/>
+                <a:ea typeface="+mj-ea"/>
+                <a:cs typeface="+mj-cs"/>
+                <a:sym typeface="Calibri"/>
+              </a:defRPr>
+            </a:lvl4pPr>
+            <a:lvl5pPr marL="0" marR="0" indent="0" algn="ctr" defTabSz="457200" rtl="0" latinLnBrk="0">
+              <a:lnSpc>
+                <a:spcPct val="100000"/>
+              </a:lnSpc>
+              <a:spcBef>
+                <a:spcPts val="0"/>
+              </a:spcBef>
+              <a:spcAft>
+                <a:spcPts val="0"/>
+              </a:spcAft>
+              <a:buClrTx/>
+              <a:buSzTx/>
+              <a:buFontTx/>
+              <a:buNone/>
+              <a:defRPr sz="4400" b="0" i="0" u="none" strike="noStrike" cap="none" spc="0" baseline="0">
+                <a:ln>
+                  <a:noFill/>
+                </a:ln>
+                <a:solidFill>
+                  <a:srgbClr val="000000"/>
+                </a:solidFill>
+                <a:uFillTx/>
+                <a:latin typeface="+mj-lt"/>
+                <a:ea typeface="+mj-ea"/>
+                <a:cs typeface="+mj-cs"/>
+                <a:sym typeface="Calibri"/>
+              </a:defRPr>
+            </a:lvl5pPr>
+            <a:lvl6pPr marL="0" marR="0" indent="0" algn="ctr" defTabSz="457200" rtl="0" latinLnBrk="0">
+              <a:lnSpc>
+                <a:spcPct val="100000"/>
+              </a:lnSpc>
+              <a:spcBef>
+                <a:spcPts val="0"/>
+              </a:spcBef>
+              <a:spcAft>
+                <a:spcPts val="0"/>
+              </a:spcAft>
+              <a:buClrTx/>
+              <a:buSzTx/>
+              <a:buFontTx/>
+              <a:buNone/>
+              <a:defRPr sz="4400" b="0" i="0" u="none" strike="noStrike" cap="none" spc="0" baseline="0">
+                <a:ln>
+                  <a:noFill/>
+                </a:ln>
+                <a:solidFill>
+                  <a:srgbClr val="000000"/>
+                </a:solidFill>
+                <a:uFillTx/>
+                <a:latin typeface="+mj-lt"/>
+                <a:ea typeface="+mj-ea"/>
+                <a:cs typeface="+mj-cs"/>
+                <a:sym typeface="Calibri"/>
+              </a:defRPr>
+            </a:lvl6pPr>
+            <a:lvl7pPr marL="0" marR="0" indent="0" algn="ctr" defTabSz="457200" rtl="0" latinLnBrk="0">
+              <a:lnSpc>
+                <a:spcPct val="100000"/>
+              </a:lnSpc>
+              <a:spcBef>
+                <a:spcPts val="0"/>
+              </a:spcBef>
+              <a:spcAft>
+                <a:spcPts val="0"/>
+              </a:spcAft>
+              <a:buClrTx/>
+              <a:buSzTx/>
+              <a:buFontTx/>
+              <a:buNone/>
+              <a:defRPr sz="4400" b="0" i="0" u="none" strike="noStrike" cap="none" spc="0" baseline="0">
+                <a:ln>
+                  <a:noFill/>
+                </a:ln>
+                <a:solidFill>
+                  <a:srgbClr val="000000"/>
+                </a:solidFill>
+                <a:uFillTx/>
+                <a:latin typeface="+mj-lt"/>
+                <a:ea typeface="+mj-ea"/>
+                <a:cs typeface="+mj-cs"/>
+                <a:sym typeface="Calibri"/>
+              </a:defRPr>
+            </a:lvl7pPr>
+            <a:lvl8pPr marL="0" marR="0" indent="0" algn="ctr" defTabSz="457200" rtl="0" latinLnBrk="0">
+              <a:lnSpc>
+                <a:spcPct val="100000"/>
+              </a:lnSpc>
+              <a:spcBef>
+                <a:spcPts val="0"/>
+              </a:spcBef>
+              <a:spcAft>
+                <a:spcPts val="0"/>
+              </a:spcAft>
+              <a:buClrTx/>
+              <a:buSzTx/>
+              <a:buFontTx/>
+              <a:buNone/>
+              <a:defRPr sz="4400" b="0" i="0" u="none" strike="noStrike" cap="none" spc="0" baseline="0">
+                <a:ln>
+                  <a:noFill/>
+                </a:ln>
+                <a:solidFill>
+                  <a:srgbClr val="000000"/>
+                </a:solidFill>
+                <a:uFillTx/>
+                <a:latin typeface="+mj-lt"/>
+                <a:ea typeface="+mj-ea"/>
+                <a:cs typeface="+mj-cs"/>
+                <a:sym typeface="Calibri"/>
+              </a:defRPr>
+            </a:lvl8pPr>
+            <a:lvl9pPr marL="0" marR="0" indent="0" algn="ctr" defTabSz="457200" rtl="0" latinLnBrk="0">
+              <a:lnSpc>
+                <a:spcPct val="100000"/>
+              </a:lnSpc>
+              <a:spcBef>
+                <a:spcPts val="0"/>
+              </a:spcBef>
+              <a:spcAft>
+                <a:spcPts val="0"/>
+              </a:spcAft>
+              <a:buClrTx/>
+              <a:buSzTx/>
+              <a:buFontTx/>
+              <a:buNone/>
+              <a:defRPr sz="4400" b="0" i="0" u="none" strike="noStrike" cap="none" spc="0" baseline="0">
+                <a:ln>
+                  <a:noFill/>
+                </a:ln>
+                <a:solidFill>
+                  <a:srgbClr val="000000"/>
+                </a:solidFill>
+                <a:uFillTx/>
+                <a:latin typeface="+mj-lt"/>
+                <a:ea typeface="+mj-ea"/>
+                <a:cs typeface="+mj-cs"/>
+                <a:sym typeface="Calibri"/>
+              </a:defRPr>
+            </a:lvl9pPr>
+          </a:lstStyle>
+          <a:p>
+            <a:pPr algn="r" hangingPunct="1"/>
+            <a:r>
+              <a:rPr lang="pt-BR" sz="2000" b="1" dirty="0">
+                <a:solidFill>
+                  <a:schemeClr val="bg1"/>
+                </a:solidFill>
+              </a:rPr>
+              <a:t>Professor </a:t>
+            </a:r>
+            <a:r>
+              <a:rPr lang="pt-BR" sz="2000" b="1">
+                <a:solidFill>
+                  <a:schemeClr val="bg1"/>
+                </a:solidFill>
+              </a:rPr>
+              <a:t>M.Sc</a:t>
+            </a:r>
+            <a:r>
+              <a:rPr lang="pt-BR" sz="2000" b="1" dirty="0">
+                <a:solidFill>
+                  <a:schemeClr val="bg1"/>
+                </a:solidFill>
+              </a:rPr>
+              <a:t>. Heleno Cardoso</a:t>
+            </a:r>
+          </a:p>
+        </p:txBody>
+      </p:sp>
+      <p:pic>
+        <p:nvPicPr>
+          <p:cNvPr id="2" name="Google Shape;62;p1" descr="Imagem">
+            <a:extLst>
+              <a:ext uri="{FF2B5EF4-FFF2-40B4-BE49-F238E27FC236}">
+                <a16:creationId xmlns:a16="http://schemas.microsoft.com/office/drawing/2014/main" id="{9C895622-2963-024D-634E-EA58F5381D06}"/>
+              </a:ext>
+            </a:extLst>
+          </p:cNvPr>
+          <p:cNvPicPr preferRelativeResize="0"/>
+          <p:nvPr/>
+        </p:nvPicPr>
+        <p:blipFill rotWithShape="1">
+          <a:blip r:embed="rId4">
+            <a:alphaModFix/>
+          </a:blip>
+          <a:srcRect/>
+          <a:stretch/>
+        </p:blipFill>
+        <p:spPr>
+          <a:xfrm>
+            <a:off x="469898" y="343798"/>
+            <a:ext cx="2858518" cy="1338697"/>
+          </a:xfrm>
+          <a:prstGeom prst="rect">
+            <a:avLst/>
+          </a:prstGeom>
+          <a:noFill/>
+          <a:ln>
+            <a:noFill/>
+          </a:ln>
+        </p:spPr>
+      </p:pic>
+    </p:spTree>
+  </p:cSld>
+  <p:clrMapOvr>
+    <a:masterClrMapping/>
+  </p:clrMapOvr>
+  <p:transition spd="med"/>
+</p:sld>
+</file>
+
 <file path=ppt/slides/slide2.xml><?xml version="1.0" encoding="utf-8"?>
 <p:sld xmlns:a="http://schemas.openxmlformats.org/drawingml/2006/main" xmlns:r="http://schemas.openxmlformats.org/officeDocument/2006/relationships" xmlns:p="http://schemas.openxmlformats.org/presentationml/2006/main">
   <p:cSld>
@@ -4320,7 +9268,13 @@
   <p:cSld>
     <p:spTree>
       <p:nvGrpSpPr>
-        <p:cNvPr id="1" name=""/>
+        <p:cNvPr id="1" name="">
+          <a:extLst>
+            <a:ext uri="{FF2B5EF4-FFF2-40B4-BE49-F238E27FC236}">
+              <a16:creationId xmlns:a16="http://schemas.microsoft.com/office/drawing/2014/main" id="{143D1FDB-8D5F-2769-1AD4-1AA4ACF547A6}"/>
+            </a:ext>
+          </a:extLst>
+        </p:cNvPr>
         <p:cNvGrpSpPr/>
         <p:nvPr/>
       </p:nvGrpSpPr>
@@ -4334,7 +9288,13 @@
       </p:grpSpPr>
       <p:sp>
         <p:nvSpPr>
-          <p:cNvPr id="6" name="Title 1"/>
+          <p:cNvPr id="6" name="Title 1">
+            <a:extLst>
+              <a:ext uri="{FF2B5EF4-FFF2-40B4-BE49-F238E27FC236}">
+                <a16:creationId xmlns:a16="http://schemas.microsoft.com/office/drawing/2014/main" id="{6B521924-E978-354D-DE57-20A3CD868FF4}"/>
+              </a:ext>
+            </a:extLst>
+          </p:cNvPr>
           <p:cNvSpPr>
             <a:spLocks noGrp="1"/>
           </p:cNvSpPr>
@@ -4371,12 +9331,28 @@
               <a:t> </a:t>
             </a:r>
             <a:r>
-              <a:rPr lang="en-US" b="1">
+              <a:rPr lang="en-US" b="1" dirty="0" err="1">
                 <a:solidFill>
                   <a:srgbClr val="0070C0"/>
                 </a:solidFill>
               </a:rPr>
               <a:t>Dinâmica</a:t>
+            </a:r>
+            <a:r>
+              <a:rPr lang="en-US" b="1" dirty="0">
+                <a:solidFill>
+                  <a:srgbClr val="0070C0"/>
+                </a:solidFill>
+              </a:rPr>
+              <a:t> - </a:t>
+            </a:r>
+            <a:r>
+              <a:rPr lang="en-US" b="1" dirty="0" err="1">
+                <a:solidFill>
+                  <a:srgbClr val="0070C0"/>
+                </a:solidFill>
+              </a:rPr>
+              <a:t>Definição</a:t>
             </a:r>
             <a:endParaRPr lang="en-US" b="1" dirty="0">
               <a:solidFill>
@@ -4388,7 +9364,13 @@
       </p:sp>
       <p:sp>
         <p:nvSpPr>
-          <p:cNvPr id="8" name="Text Placeholder 2"/>
+          <p:cNvPr id="8" name="Text Placeholder 2">
+            <a:extLst>
+              <a:ext uri="{FF2B5EF4-FFF2-40B4-BE49-F238E27FC236}">
+                <a16:creationId xmlns:a16="http://schemas.microsoft.com/office/drawing/2014/main" id="{466F775D-3295-73A8-4B75-73498822F825}"/>
+              </a:ext>
+            </a:extLst>
+          </p:cNvPr>
           <p:cNvSpPr>
             <a:spLocks noGrp="1"/>
           </p:cNvSpPr>
@@ -4412,21 +9394,134 @@
               <a:buNone/>
             </a:pPr>
             <a:r>
-              <a:rPr lang="pt-BR" sz="2000" dirty="0">
-                <a:latin typeface="Times New Roman" panose="02020603050405020304" pitchFamily="18" charset="0"/>
-                <a:cs typeface="Times New Roman" panose="02020603050405020304" pitchFamily="18" charset="0"/>
-              </a:rPr>
-              <a:t>Algoritmos e Complexidade</a:t>
-            </a:r>
-            <a:r>
-              <a:rPr lang="pt-BR" sz="2000" dirty="0">
-                <a:solidFill>
-                  <a:schemeClr val="tx1"/>
-                </a:solidFill>
-                <a:latin typeface="Times New Roman" panose="02020603050405020304" pitchFamily="18" charset="0"/>
-                <a:cs typeface="Times New Roman" panose="02020603050405020304" pitchFamily="18" charset="0"/>
-              </a:rPr>
-              <a:t> ...</a:t>
+              <a:rPr lang="pt-BR" sz="2400" dirty="0">
+                <a:latin typeface="Times New Roman" panose="02020603050405020304" pitchFamily="18" charset="0"/>
+                <a:cs typeface="Times New Roman" panose="02020603050405020304" pitchFamily="18" charset="0"/>
+              </a:rPr>
+              <a:t>A </a:t>
+            </a:r>
+            <a:r>
+              <a:rPr lang="pt-BR" sz="2400" b="1" dirty="0">
+                <a:solidFill>
+                  <a:srgbClr val="FF0000"/>
+                </a:solidFill>
+                <a:latin typeface="Times New Roman" panose="02020603050405020304" pitchFamily="18" charset="0"/>
+                <a:cs typeface="Times New Roman" panose="02020603050405020304" pitchFamily="18" charset="0"/>
+              </a:rPr>
+              <a:t>Programação Dinâmica (PD) </a:t>
+            </a:r>
+            <a:r>
+              <a:rPr lang="pt-BR" sz="2400" dirty="0">
+                <a:latin typeface="Times New Roman" panose="02020603050405020304" pitchFamily="18" charset="0"/>
+                <a:cs typeface="Times New Roman" panose="02020603050405020304" pitchFamily="18" charset="0"/>
+              </a:rPr>
+              <a:t>é uma </a:t>
+            </a:r>
+            <a:r>
+              <a:rPr lang="pt-BR" sz="2400" b="1" dirty="0">
+                <a:latin typeface="Times New Roman" panose="02020603050405020304" pitchFamily="18" charset="0"/>
+                <a:cs typeface="Times New Roman" panose="02020603050405020304" pitchFamily="18" charset="0"/>
+              </a:rPr>
+              <a:t>técnica de projeto de algoritmos</a:t>
+            </a:r>
+            <a:r>
+              <a:rPr lang="pt-BR" sz="2400" dirty="0">
+                <a:latin typeface="Times New Roman" panose="02020603050405020304" pitchFamily="18" charset="0"/>
+                <a:cs typeface="Times New Roman" panose="02020603050405020304" pitchFamily="18" charset="0"/>
+              </a:rPr>
+              <a:t> que resolve </a:t>
+            </a:r>
+            <a:r>
+              <a:rPr lang="pt-BR" sz="2400" b="1" dirty="0">
+                <a:solidFill>
+                  <a:srgbClr val="FF0000"/>
+                </a:solidFill>
+                <a:latin typeface="Times New Roman" panose="02020603050405020304" pitchFamily="18" charset="0"/>
+                <a:cs typeface="Times New Roman" panose="02020603050405020304" pitchFamily="18" charset="0"/>
+              </a:rPr>
+              <a:t>problemas complexos </a:t>
+            </a:r>
+            <a:r>
+              <a:rPr lang="pt-BR" sz="2400" dirty="0">
+                <a:latin typeface="Times New Roman" panose="02020603050405020304" pitchFamily="18" charset="0"/>
+                <a:cs typeface="Times New Roman" panose="02020603050405020304" pitchFamily="18" charset="0"/>
+              </a:rPr>
+              <a:t>dividindo-os em </a:t>
+            </a:r>
+            <a:r>
+              <a:rPr lang="pt-BR" sz="2400" b="1" dirty="0">
+                <a:latin typeface="Times New Roman" panose="02020603050405020304" pitchFamily="18" charset="0"/>
+                <a:cs typeface="Times New Roman" panose="02020603050405020304" pitchFamily="18" charset="0"/>
+              </a:rPr>
+              <a:t>subproblemas sobrepostos</a:t>
+            </a:r>
+            <a:r>
+              <a:rPr lang="pt-BR" sz="2400" dirty="0">
+                <a:latin typeface="Times New Roman" panose="02020603050405020304" pitchFamily="18" charset="0"/>
+                <a:cs typeface="Times New Roman" panose="02020603050405020304" pitchFamily="18" charset="0"/>
+              </a:rPr>
+              <a:t>, armazenando seus resultados para evitar </a:t>
+            </a:r>
+            <a:r>
+              <a:rPr lang="pt-BR" sz="2400" b="1" dirty="0" err="1">
+                <a:solidFill>
+                  <a:srgbClr val="FF0000"/>
+                </a:solidFill>
+                <a:latin typeface="Times New Roman" panose="02020603050405020304" pitchFamily="18" charset="0"/>
+                <a:cs typeface="Times New Roman" panose="02020603050405020304" pitchFamily="18" charset="0"/>
+              </a:rPr>
+              <a:t>recomputações</a:t>
+            </a:r>
+            <a:r>
+              <a:rPr lang="pt-BR" sz="2400" dirty="0">
+                <a:latin typeface="Times New Roman" panose="02020603050405020304" pitchFamily="18" charset="0"/>
+                <a:cs typeface="Times New Roman" panose="02020603050405020304" pitchFamily="18" charset="0"/>
+              </a:rPr>
+              <a:t>.</a:t>
+            </a:r>
+          </a:p>
+          <a:p>
+            <a:pPr marL="0" indent="0" algn="just">
+              <a:buNone/>
+            </a:pPr>
+            <a:endParaRPr lang="pt-BR" sz="2400" dirty="0">
+              <a:latin typeface="Times New Roman" panose="02020603050405020304" pitchFamily="18" charset="0"/>
+              <a:cs typeface="Times New Roman" panose="02020603050405020304" pitchFamily="18" charset="0"/>
+            </a:endParaRPr>
+          </a:p>
+          <a:p>
+            <a:pPr marL="0" indent="0" algn="just">
+              <a:buNone/>
+            </a:pPr>
+            <a:endParaRPr lang="pt-BR" sz="2400" dirty="0">
+              <a:latin typeface="Times New Roman" panose="02020603050405020304" pitchFamily="18" charset="0"/>
+              <a:cs typeface="Times New Roman" panose="02020603050405020304" pitchFamily="18" charset="0"/>
+            </a:endParaRPr>
+          </a:p>
+          <a:p>
+            <a:pPr marL="0" indent="0" algn="just">
+              <a:buNone/>
+            </a:pPr>
+            <a:r>
+              <a:rPr lang="pt-BR" sz="2400" dirty="0">
+                <a:latin typeface="Times New Roman" panose="02020603050405020304" pitchFamily="18" charset="0"/>
+                <a:cs typeface="Times New Roman" panose="02020603050405020304" pitchFamily="18" charset="0"/>
+              </a:rPr>
+              <a:t>Difere de Divisão e Conquista, pois reutiliza resultados intermediários já calculados (</a:t>
+            </a:r>
+            <a:r>
+              <a:rPr lang="pt-BR" sz="2400" b="1" dirty="0">
+                <a:latin typeface="Times New Roman" panose="02020603050405020304" pitchFamily="18" charset="0"/>
+                <a:cs typeface="Times New Roman" panose="02020603050405020304" pitchFamily="18" charset="0"/>
+              </a:rPr>
+              <a:t>memorização</a:t>
+            </a:r>
+            <a:r>
+              <a:rPr lang="pt-BR" sz="2400" dirty="0">
+                <a:latin typeface="Times New Roman" panose="02020603050405020304" pitchFamily="18" charset="0"/>
+                <a:cs typeface="Times New Roman" panose="02020603050405020304" pitchFamily="18" charset="0"/>
+              </a:rPr>
+              <a:t>).</a:t>
             </a:r>
           </a:p>
         </p:txBody>
@@ -4434,7 +9529,7 @@
     </p:spTree>
     <p:extLst>
       <p:ext uri="{BB962C8B-B14F-4D97-AF65-F5344CB8AC3E}">
-        <p14:creationId xmlns:p14="http://schemas.microsoft.com/office/powerpoint/2010/main" val="1362980025"/>
+        <p14:creationId xmlns:p14="http://schemas.microsoft.com/office/powerpoint/2010/main" val="3166060817"/>
       </p:ext>
     </p:extLst>
   </p:cSld>
@@ -4474,13 +9569,13 @@
         </p:nvSpPr>
         <p:spPr>
           <a:xfrm>
-            <a:off x="457200" y="205980"/>
-            <a:ext cx="8229600" cy="857251"/>
+            <a:off x="403412" y="205980"/>
+            <a:ext cx="8471647" cy="857251"/>
           </a:xfrm>
         </p:spPr>
         <p:txBody>
           <a:bodyPr>
-            <a:normAutofit/>
+            <a:normAutofit fontScale="90000"/>
           </a:bodyPr>
           <a:lstStyle/>
           <a:p>
@@ -4490,7 +9585,7 @@
                   <a:srgbClr val="0070C0"/>
                 </a:solidFill>
               </a:rPr>
-              <a:t>Leitura</a:t>
+              <a:t>Programação</a:t>
             </a:r>
             <a:r>
               <a:rPr lang="en-US" b="1" dirty="0">
@@ -4506,174 +9601,29 @@
                   <a:srgbClr val="0070C0"/>
                 </a:solidFill>
               </a:rPr>
-              <a:t>Específica</a:t>
+              <a:t>Dinâmica</a:t>
+            </a:r>
+            <a:r>
+              <a:rPr lang="en-US" b="1" dirty="0">
+                <a:solidFill>
+                  <a:srgbClr val="0070C0"/>
+                </a:solidFill>
+              </a:rPr>
+              <a:t> - </a:t>
+            </a:r>
+            <a:r>
+              <a:rPr lang="en-US" b="1" dirty="0" err="1">
+                <a:solidFill>
+                  <a:srgbClr val="0070C0"/>
+                </a:solidFill>
+              </a:rPr>
+              <a:t>Características</a:t>
             </a:r>
             <a:endParaRPr lang="en-US" b="1" dirty="0">
               <a:solidFill>
                 <a:srgbClr val="0070C0"/>
               </a:solidFill>
             </a:endParaRPr>
-          </a:p>
-        </p:txBody>
-      </p:sp>
-      <p:sp>
-        <p:nvSpPr>
-          <p:cNvPr id="8" name="Text Placeholder 2"/>
-          <p:cNvSpPr>
-            <a:spLocks noGrp="1"/>
-          </p:cNvSpPr>
-          <p:nvPr>
-            <p:ph type="body" sz="half" idx="1"/>
-          </p:nvPr>
-        </p:nvSpPr>
-        <p:spPr>
-          <a:xfrm>
-            <a:off x="142865" y="1200150"/>
-            <a:ext cx="8865056" cy="3737369"/>
-          </a:xfrm>
-        </p:spPr>
-        <p:txBody>
-          <a:bodyPr>
-            <a:noAutofit/>
-          </a:bodyPr>
-          <a:lstStyle/>
-          <a:p>
-            <a:pPr marL="0" indent="0" algn="just">
-              <a:buNone/>
-            </a:pPr>
-            <a:r>
-              <a:rPr lang="pt-BR" sz="2000" dirty="0">
-                <a:latin typeface="Times New Roman" panose="02020603050405020304" pitchFamily="18" charset="0"/>
-                <a:cs typeface="Times New Roman" panose="02020603050405020304" pitchFamily="18" charset="0"/>
-              </a:rPr>
-              <a:t>[1] Algoritmos e Complexidade – Parte 1.</a:t>
-            </a:r>
-          </a:p>
-          <a:p>
-            <a:pPr marL="0" indent="0" algn="just">
-              <a:buNone/>
-            </a:pPr>
-            <a:r>
-              <a:rPr lang="pt-BR" sz="2000" b="1" dirty="0">
-                <a:solidFill>
-                  <a:srgbClr val="FF0000"/>
-                </a:solidFill>
-                <a:latin typeface="Times New Roman" panose="02020603050405020304" pitchFamily="18" charset="0"/>
-                <a:cs typeface="Times New Roman" panose="02020603050405020304" pitchFamily="18" charset="0"/>
-              </a:rPr>
-              <a:t>Disponível em:</a:t>
-            </a:r>
-          </a:p>
-          <a:p>
-            <a:pPr marL="0" indent="0" algn="just">
-              <a:buNone/>
-            </a:pPr>
-            <a:endParaRPr lang="pt-BR" sz="2000" dirty="0">
-              <a:latin typeface="Times New Roman" panose="02020603050405020304" pitchFamily="18" charset="0"/>
-              <a:cs typeface="Times New Roman" panose="02020603050405020304" pitchFamily="18" charset="0"/>
-            </a:endParaRPr>
-          </a:p>
-          <a:p>
-            <a:pPr marL="0" indent="0" algn="just">
-              <a:buNone/>
-            </a:pPr>
-            <a:r>
-              <a:rPr lang="pt-BR" sz="2000" dirty="0">
-                <a:latin typeface="Times New Roman" panose="02020603050405020304" pitchFamily="18" charset="0"/>
-                <a:cs typeface="Times New Roman" panose="02020603050405020304" pitchFamily="18" charset="0"/>
-              </a:rPr>
-              <a:t>[2] Algoritmos e Complexidade – Parte 2. </a:t>
-            </a:r>
-          </a:p>
-          <a:p>
-            <a:pPr marL="0" indent="0" algn="just">
-              <a:buNone/>
-            </a:pPr>
-            <a:r>
-              <a:rPr lang="pt-BR" sz="2000" b="1" dirty="0">
-                <a:solidFill>
-                  <a:srgbClr val="FF0000"/>
-                </a:solidFill>
-                <a:latin typeface="Times New Roman" panose="02020603050405020304" pitchFamily="18" charset="0"/>
-                <a:cs typeface="Times New Roman" panose="02020603050405020304" pitchFamily="18" charset="0"/>
-              </a:rPr>
-              <a:t>Disponível em:</a:t>
-            </a:r>
-            <a:endParaRPr lang="pt-BR" sz="2000" dirty="0">
-              <a:latin typeface="Calibri" panose="020F0502020204030204" pitchFamily="34" charset="0"/>
-            </a:endParaRPr>
-          </a:p>
-        </p:txBody>
-      </p:sp>
-    </p:spTree>
-    <p:extLst>
-      <p:ext uri="{BB962C8B-B14F-4D97-AF65-F5344CB8AC3E}">
-        <p14:creationId xmlns:p14="http://schemas.microsoft.com/office/powerpoint/2010/main" val="3680270425"/>
-      </p:ext>
-    </p:extLst>
-  </p:cSld>
-  <p:clrMapOvr>
-    <a:masterClrMapping/>
-  </p:clrMapOvr>
-  <p:transition spd="med"/>
-</p:sld>
-</file>
-
-<file path=ppt/slides/slide5.xml><?xml version="1.0" encoding="utf-8"?>
-<p:sld xmlns:a="http://schemas.openxmlformats.org/drawingml/2006/main" xmlns:r="http://schemas.openxmlformats.org/officeDocument/2006/relationships" xmlns:p="http://schemas.openxmlformats.org/presentationml/2006/main">
-  <p:cSld>
-    <p:spTree>
-      <p:nvGrpSpPr>
-        <p:cNvPr id="1" name=""/>
-        <p:cNvGrpSpPr/>
-        <p:nvPr/>
-      </p:nvGrpSpPr>
-      <p:grpSpPr>
-        <a:xfrm>
-          <a:off x="0" y="0"/>
-          <a:ext cx="0" cy="0"/>
-          <a:chOff x="0" y="0"/>
-          <a:chExt cx="0" cy="0"/>
-        </a:xfrm>
-      </p:grpSpPr>
-      <p:sp>
-        <p:nvSpPr>
-          <p:cNvPr id="6" name="Title 1"/>
-          <p:cNvSpPr>
-            <a:spLocks noGrp="1"/>
-          </p:cNvSpPr>
-          <p:nvPr>
-            <p:ph type="title"/>
-          </p:nvPr>
-        </p:nvSpPr>
-        <p:spPr>
-          <a:xfrm>
-            <a:off x="457200" y="205980"/>
-            <a:ext cx="8229600" cy="857251"/>
-          </a:xfrm>
-        </p:spPr>
-        <p:txBody>
-          <a:bodyPr>
-            <a:normAutofit/>
-          </a:bodyPr>
-          <a:lstStyle/>
-          <a:p>
-            <a:r>
-              <a:rPr lang="en-US" b="1" dirty="0" err="1">
-                <a:solidFill>
-                  <a:srgbClr val="0070C0"/>
-                </a:solidFill>
-              </a:rPr>
-              <a:t>Aprenda</a:t>
-            </a:r>
-            <a:r>
-              <a:rPr lang="en-US" b="1" dirty="0">
-                <a:solidFill>
-                  <a:srgbClr val="0070C0"/>
-                </a:solidFill>
-              </a:rPr>
-              <a:t>+</a:t>
-            </a:r>
           </a:p>
         </p:txBody>
       </p:sp>
@@ -4699,47 +9649,29 @@
           </a:bodyPr>
           <a:lstStyle/>
           <a:p>
-            <a:pPr marL="0" indent="0" algn="just">
-              <a:buNone/>
+            <a:pPr algn="just">
+              <a:buFont typeface="Wingdings" panose="05000000000000000000" pitchFamily="2" charset="2"/>
+              <a:buChar char="§"/>
             </a:pPr>
             <a:r>
+              <a:rPr lang="pt-BR" sz="2400" b="1" dirty="0">
+                <a:latin typeface="Times New Roman" panose="02020603050405020304" pitchFamily="18" charset="0"/>
+                <a:cs typeface="Times New Roman" panose="02020603050405020304" pitchFamily="18" charset="0"/>
+              </a:rPr>
+              <a:t>Subproblemas sobrepostos </a:t>
+            </a:r>
+            <a:r>
               <a:rPr lang="pt-BR" sz="2400" dirty="0">
                 <a:latin typeface="Times New Roman" panose="02020603050405020304" pitchFamily="18" charset="0"/>
                 <a:cs typeface="Times New Roman" panose="02020603050405020304" pitchFamily="18" charset="0"/>
               </a:rPr>
-              <a:t>[1] Algoritmos e Complexidade – Parte 1</a:t>
-            </a:r>
-          </a:p>
-          <a:p>
-            <a:pPr marL="0" indent="0" algn="just">
-              <a:buNone/>
-            </a:pPr>
-            <a:r>
-              <a:rPr lang="pt-BR" sz="2400" b="1" dirty="0">
-                <a:solidFill>
-                  <a:srgbClr val="FF0000"/>
-                </a:solidFill>
-                <a:latin typeface="Times New Roman" panose="02020603050405020304" pitchFamily="18" charset="0"/>
-                <a:cs typeface="Times New Roman" panose="02020603050405020304" pitchFamily="18" charset="0"/>
-              </a:rPr>
-              <a:t>Disponível em: </a:t>
-            </a:r>
-            <a:r>
-              <a:rPr lang="pt-BR" sz="2400" dirty="0">
-                <a:latin typeface="Times New Roman" panose="02020603050405020304" pitchFamily="18" charset="0"/>
-                <a:cs typeface="Times New Roman" panose="02020603050405020304" pitchFamily="18" charset="0"/>
-                <a:hlinkClick r:id="rId3"/>
-              </a:rPr>
-              <a:t>https://</a:t>
-            </a:r>
-            <a:endParaRPr lang="pt-BR" sz="2400" dirty="0">
-              <a:latin typeface="Times New Roman" panose="02020603050405020304" pitchFamily="18" charset="0"/>
-              <a:cs typeface="Times New Roman" panose="02020603050405020304" pitchFamily="18" charset="0"/>
-            </a:endParaRPr>
-          </a:p>
-          <a:p>
-            <a:pPr marL="0" indent="0" algn="just">
-              <a:buNone/>
+              <a:t>– o problema pode ser decomposto em partes menores que se repetem.</a:t>
+            </a:r>
+          </a:p>
+          <a:p>
+            <a:pPr algn="just">
+              <a:buFont typeface="Wingdings" panose="05000000000000000000" pitchFamily="2" charset="2"/>
+              <a:buChar char="§"/>
             </a:pPr>
             <a:endParaRPr lang="pt-BR" sz="2400" dirty="0">
               <a:latin typeface="Times New Roman" panose="02020603050405020304" pitchFamily="18" charset="0"/>
@@ -4747,59 +9679,85 @@
             </a:endParaRPr>
           </a:p>
           <a:p>
-            <a:pPr marL="0" indent="0" algn="just">
-              <a:buNone/>
+            <a:pPr algn="just">
+              <a:buFont typeface="Wingdings" panose="05000000000000000000" pitchFamily="2" charset="2"/>
+              <a:buChar char="§"/>
             </a:pPr>
             <a:r>
+              <a:rPr lang="pt-BR" sz="2400" b="1" dirty="0">
+                <a:latin typeface="Times New Roman" panose="02020603050405020304" pitchFamily="18" charset="0"/>
+                <a:cs typeface="Times New Roman" panose="02020603050405020304" pitchFamily="18" charset="0"/>
+              </a:rPr>
+              <a:t>Propriedade da solução ótima </a:t>
+            </a:r>
+            <a:r>
               <a:rPr lang="pt-BR" sz="2400" dirty="0">
                 <a:latin typeface="Times New Roman" panose="02020603050405020304" pitchFamily="18" charset="0"/>
                 <a:cs typeface="Times New Roman" panose="02020603050405020304" pitchFamily="18" charset="0"/>
               </a:rPr>
-              <a:t>[2] Algoritmos e Complexidade – Parte 2</a:t>
-            </a:r>
-          </a:p>
-          <a:p>
-            <a:pPr marL="0" indent="0" algn="just">
-              <a:buNone/>
-            </a:pPr>
-            <a:r>
-              <a:rPr lang="pt-BR" sz="2400" b="1" dirty="0">
-                <a:solidFill>
-                  <a:srgbClr val="FF0000"/>
-                </a:solidFill>
-                <a:latin typeface="Times New Roman" panose="02020603050405020304" pitchFamily="18" charset="0"/>
-                <a:cs typeface="Times New Roman" panose="02020603050405020304" pitchFamily="18" charset="0"/>
-              </a:rPr>
-              <a:t>Disponível em: </a:t>
-            </a:r>
-            <a:r>
-              <a:rPr lang="pt-BR" sz="2400" dirty="0">
-                <a:latin typeface="Times New Roman" panose="02020603050405020304" pitchFamily="18" charset="0"/>
-                <a:cs typeface="Times New Roman" panose="02020603050405020304" pitchFamily="18" charset="0"/>
-                <a:hlinkClick r:id="rId4"/>
-              </a:rPr>
-              <a:t>https://</a:t>
-            </a:r>
-            <a:endParaRPr lang="pt-BR" sz="2400" dirty="0">
-              <a:latin typeface="Times New Roman" panose="02020603050405020304" pitchFamily="18" charset="0"/>
-              <a:cs typeface="Times New Roman" panose="02020603050405020304" pitchFamily="18" charset="0"/>
-            </a:endParaRPr>
-          </a:p>
-          <a:p>
-            <a:pPr marL="0" indent="0" algn="just">
-              <a:buNone/>
+              <a:t>– a solução ótima do problema depende das soluções ótimas dos subproblemas.</a:t>
+            </a:r>
+          </a:p>
+          <a:p>
+            <a:pPr algn="just">
+              <a:buFont typeface="Wingdings" panose="05000000000000000000" pitchFamily="2" charset="2"/>
+              <a:buChar char="§"/>
             </a:pPr>
             <a:endParaRPr lang="pt-BR" sz="2400" dirty="0">
               <a:latin typeface="Times New Roman" panose="02020603050405020304" pitchFamily="18" charset="0"/>
               <a:cs typeface="Times New Roman" panose="02020603050405020304" pitchFamily="18" charset="0"/>
             </a:endParaRPr>
           </a:p>
+          <a:p>
+            <a:pPr algn="just">
+              <a:buFont typeface="Wingdings" panose="05000000000000000000" pitchFamily="2" charset="2"/>
+              <a:buChar char="§"/>
+            </a:pPr>
+            <a:r>
+              <a:rPr lang="pt-BR" sz="2400" b="1" dirty="0">
+                <a:latin typeface="Times New Roman" panose="02020603050405020304" pitchFamily="18" charset="0"/>
+                <a:cs typeface="Times New Roman" panose="02020603050405020304" pitchFamily="18" charset="0"/>
+              </a:rPr>
+              <a:t>Armazenamento (</a:t>
+            </a:r>
+            <a:r>
+              <a:rPr lang="pt-BR" sz="2400" b="1" dirty="0">
+                <a:solidFill>
+                  <a:srgbClr val="FF0000"/>
+                </a:solidFill>
+                <a:latin typeface="Times New Roman" panose="02020603050405020304" pitchFamily="18" charset="0"/>
+                <a:cs typeface="Times New Roman" panose="02020603050405020304" pitchFamily="18" charset="0"/>
+              </a:rPr>
+              <a:t>cache ou tabela</a:t>
+            </a:r>
+            <a:r>
+              <a:rPr lang="pt-BR" sz="2400" b="1" dirty="0">
+                <a:latin typeface="Times New Roman" panose="02020603050405020304" pitchFamily="18" charset="0"/>
+                <a:cs typeface="Times New Roman" panose="02020603050405020304" pitchFamily="18" charset="0"/>
+              </a:rPr>
+              <a:t>) </a:t>
+            </a:r>
+            <a:r>
+              <a:rPr lang="pt-BR" sz="2400" dirty="0">
+                <a:latin typeface="Times New Roman" panose="02020603050405020304" pitchFamily="18" charset="0"/>
+                <a:cs typeface="Times New Roman" panose="02020603050405020304" pitchFamily="18" charset="0"/>
+              </a:rPr>
+              <a:t>– resultados parciais são guardados para uso posterior.</a:t>
+            </a:r>
+            <a:endParaRPr lang="pt-BR" sz="2400" dirty="0">
+              <a:solidFill>
+                <a:schemeClr val="tx1"/>
+              </a:solidFill>
+              <a:latin typeface="Times New Roman" panose="02020603050405020304" pitchFamily="18" charset="0"/>
+              <a:cs typeface="Times New Roman" panose="02020603050405020304" pitchFamily="18" charset="0"/>
+            </a:endParaRPr>
+          </a:p>
         </p:txBody>
       </p:sp>
     </p:spTree>
     <p:extLst>
       <p:ext uri="{BB962C8B-B14F-4D97-AF65-F5344CB8AC3E}">
-        <p14:creationId xmlns:p14="http://schemas.microsoft.com/office/powerpoint/2010/main" val="2747596967"/>
+        <p14:creationId xmlns:p14="http://schemas.microsoft.com/office/powerpoint/2010/main" val="1362980025"/>
       </p:ext>
     </p:extLst>
   </p:cSld>
@@ -4810,12 +9768,18 @@
 </p:sld>
 </file>
 
-<file path=ppt/slides/slide6.xml><?xml version="1.0" encoding="utf-8"?>
+<file path=ppt/slides/slide5.xml><?xml version="1.0" encoding="utf-8"?>
 <p:sld xmlns:a="http://schemas.openxmlformats.org/drawingml/2006/main" xmlns:r="http://schemas.openxmlformats.org/officeDocument/2006/relationships" xmlns:p="http://schemas.openxmlformats.org/presentationml/2006/main">
   <p:cSld>
     <p:spTree>
       <p:nvGrpSpPr>
-        <p:cNvPr id="1" name=""/>
+        <p:cNvPr id="1" name="">
+          <a:extLst>
+            <a:ext uri="{FF2B5EF4-FFF2-40B4-BE49-F238E27FC236}">
+              <a16:creationId xmlns:a16="http://schemas.microsoft.com/office/drawing/2014/main" id="{799EBDD7-DAE2-EDFA-623B-559A52196782}"/>
+            </a:ext>
+          </a:extLst>
+        </p:cNvPr>
         <p:cNvGrpSpPr/>
         <p:nvPr/>
       </p:nvGrpSpPr>
@@ -4829,7 +9793,13 @@
       </p:grpSpPr>
       <p:sp>
         <p:nvSpPr>
-          <p:cNvPr id="6" name="Title 1"/>
+          <p:cNvPr id="6" name="Title 1">
+            <a:extLst>
+              <a:ext uri="{FF2B5EF4-FFF2-40B4-BE49-F238E27FC236}">
+                <a16:creationId xmlns:a16="http://schemas.microsoft.com/office/drawing/2014/main" id="{1130676C-9189-66C0-5938-5C8C7983BDBA}"/>
+              </a:ext>
+            </a:extLst>
+          </p:cNvPr>
           <p:cNvSpPr>
             <a:spLocks noGrp="1"/>
           </p:cNvSpPr>
@@ -4855,23 +9825,23 @@
                   <a:srgbClr val="0070C0"/>
                 </a:solidFill>
               </a:rPr>
+              <a:t>Programação</a:t>
+            </a:r>
+            <a:r>
+              <a:rPr lang="en-US" b="1" dirty="0">
+                <a:solidFill>
+                  <a:srgbClr val="0070C0"/>
+                </a:solidFill>
+              </a:rPr>
+              <a:t> </a:t>
+            </a:r>
+            <a:r>
+              <a:rPr lang="en-US" b="1">
+                <a:solidFill>
+                  <a:srgbClr val="0070C0"/>
+                </a:solidFill>
+              </a:rPr>
               <a:t>Dinâmica</a:t>
-            </a:r>
-            <a:r>
-              <a:rPr lang="en-US" b="1" dirty="0">
-                <a:solidFill>
-                  <a:srgbClr val="0070C0"/>
-                </a:solidFill>
-              </a:rPr>
-              <a:t>/</a:t>
-            </a:r>
-            <a:r>
-              <a:rPr lang="en-US" b="1" dirty="0" err="1">
-                <a:solidFill>
-                  <a:srgbClr val="0070C0"/>
-                </a:solidFill>
-              </a:rPr>
-              <a:t>Atividades</a:t>
             </a:r>
             <a:endParaRPr lang="en-US" b="1" dirty="0">
               <a:solidFill>
@@ -4883,7 +9853,13 @@
       </p:sp>
       <p:sp>
         <p:nvSpPr>
-          <p:cNvPr id="8" name="Text Placeholder 2"/>
+          <p:cNvPr id="8" name="Text Placeholder 2">
+            <a:extLst>
+              <a:ext uri="{FF2B5EF4-FFF2-40B4-BE49-F238E27FC236}">
+                <a16:creationId xmlns:a16="http://schemas.microsoft.com/office/drawing/2014/main" id="{27C532B7-474D-2D94-42EF-015723370D83}"/>
+              </a:ext>
+            </a:extLst>
+          </p:cNvPr>
           <p:cNvSpPr>
             <a:spLocks noGrp="1"/>
           </p:cNvSpPr>
@@ -4893,8 +9869,8 @@
         </p:nvSpPr>
         <p:spPr>
           <a:xfrm>
-            <a:off x="139472" y="1063230"/>
-            <a:ext cx="8865056" cy="3606305"/>
+            <a:off x="142865" y="1200150"/>
+            <a:ext cx="8865056" cy="3737370"/>
           </a:xfrm>
         </p:spPr>
         <p:txBody>
@@ -4903,35 +9879,15 @@
           </a:bodyPr>
           <a:lstStyle/>
           <a:p>
-            <a:pPr algn="just">
-              <a:buFont typeface="Wingdings" panose="05000000000000000000" pitchFamily="2" charset="2"/>
-              <a:buChar char="§"/>
-            </a:pPr>
-            <a:r>
-              <a:rPr lang="pt-BR" dirty="0">
-                <a:latin typeface="Times New Roman" panose="02020603050405020304" pitchFamily="18" charset="0"/>
-                <a:cs typeface="Times New Roman" panose="02020603050405020304" pitchFamily="18" charset="0"/>
-              </a:rPr>
-              <a:t>	Exercícios (Atividade Verificadora de Aprendizagem)</a:t>
-            </a:r>
-          </a:p>
-          <a:p>
             <a:pPr marL="0" indent="0" algn="just">
               <a:buNone/>
             </a:pPr>
             <a:r>
-              <a:rPr lang="pt-BR" dirty="0">
-                <a:latin typeface="Times New Roman" panose="02020603050405020304" pitchFamily="18" charset="0"/>
-                <a:cs typeface="Times New Roman" panose="02020603050405020304" pitchFamily="18" charset="0"/>
-              </a:rPr>
-              <a:t> </a:t>
-            </a:r>
-            <a:r>
-              <a:rPr lang="pt-BR" sz="2400" dirty="0">
-                <a:latin typeface="Times New Roman" panose="02020603050405020304" pitchFamily="18" charset="0"/>
-                <a:cs typeface="Times New Roman" panose="02020603050405020304" pitchFamily="18" charset="0"/>
-              </a:rPr>
-              <a:t>	</a:t>
+              <a:rPr lang="pt-BR" sz="2000" dirty="0">
+                <a:latin typeface="Times New Roman" panose="02020603050405020304" pitchFamily="18" charset="0"/>
+                <a:cs typeface="Times New Roman" panose="02020603050405020304" pitchFamily="18" charset="0"/>
+              </a:rPr>
+              <a:t>Técnica para otimizar performance de problemas complexos. </a:t>
             </a:r>
           </a:p>
           <a:p>
@@ -4939,15 +9895,102 @@
               <a:buNone/>
             </a:pPr>
             <a:endParaRPr lang="pt-BR" sz="2000" dirty="0">
-              <a:latin typeface="Calibri" panose="020F0502020204030204" pitchFamily="34" charset="0"/>
+              <a:latin typeface="Times New Roman" panose="02020603050405020304" pitchFamily="18" charset="0"/>
+              <a:cs typeface="Times New Roman" panose="02020603050405020304" pitchFamily="18" charset="0"/>
             </a:endParaRPr>
+          </a:p>
+          <a:p>
+            <a:pPr marL="0" indent="0" algn="just">
+              <a:buNone/>
+            </a:pPr>
+            <a:r>
+              <a:rPr lang="pt-BR" sz="2000" dirty="0">
+                <a:latin typeface="Times New Roman" panose="02020603050405020304" pitchFamily="18" charset="0"/>
+                <a:cs typeface="Times New Roman" panose="02020603050405020304" pitchFamily="18" charset="0"/>
+              </a:rPr>
+              <a:t>Desafio do tempo: O código é uma foto. O código em execução é um filme.</a:t>
+            </a:r>
+          </a:p>
+          <a:p>
+            <a:pPr marL="0" indent="0" algn="just">
+              <a:buNone/>
+            </a:pPr>
+            <a:r>
+              <a:rPr lang="pt-BR" sz="2000" dirty="0">
+                <a:latin typeface="Times New Roman" panose="02020603050405020304" pitchFamily="18" charset="0"/>
+                <a:cs typeface="Times New Roman" panose="02020603050405020304" pitchFamily="18" charset="0"/>
+              </a:rPr>
+              <a:t> </a:t>
+            </a:r>
+          </a:p>
+          <a:p>
+            <a:pPr marL="0" indent="0" algn="just">
+              <a:buNone/>
+            </a:pPr>
+            <a:r>
+              <a:rPr lang="pt-BR" sz="2000" dirty="0">
+                <a:solidFill>
+                  <a:schemeClr val="tx1"/>
+                </a:solidFill>
+                <a:latin typeface="Times New Roman" panose="02020603050405020304" pitchFamily="18" charset="0"/>
+                <a:cs typeface="Times New Roman" panose="02020603050405020304" pitchFamily="18" charset="0"/>
+              </a:rPr>
+              <a:t>Construção incremental: Resolvemos o problema para um subconjunto dos elementos da entrada, um passo de cada vez: iterativa ou recursiva. Em alguns casos, se o </a:t>
+            </a:r>
+            <a:r>
+              <a:rPr lang="pt-BR" sz="2000" dirty="0" err="1">
+                <a:solidFill>
+                  <a:schemeClr val="tx1"/>
+                </a:solidFill>
+                <a:latin typeface="Times New Roman" panose="02020603050405020304" pitchFamily="18" charset="0"/>
+                <a:cs typeface="Times New Roman" panose="02020603050405020304" pitchFamily="18" charset="0"/>
+              </a:rPr>
+              <a:t>array</a:t>
+            </a:r>
+            <a:r>
+              <a:rPr lang="pt-BR" sz="2000" dirty="0">
+                <a:solidFill>
+                  <a:schemeClr val="tx1"/>
+                </a:solidFill>
+                <a:latin typeface="Times New Roman" panose="02020603050405020304" pitchFamily="18" charset="0"/>
+                <a:cs typeface="Times New Roman" panose="02020603050405020304" pitchFamily="18" charset="0"/>
+              </a:rPr>
+              <a:t> estiverem numa orem ruim, o algoritmo perde a eficiência.</a:t>
+            </a:r>
+          </a:p>
+          <a:p>
+            <a:pPr marL="0" indent="0" algn="just">
+              <a:buNone/>
+            </a:pPr>
+            <a:endParaRPr lang="pt-BR" sz="2000" dirty="0">
+              <a:solidFill>
+                <a:schemeClr val="tx1"/>
+              </a:solidFill>
+              <a:latin typeface="Times New Roman" panose="02020603050405020304" pitchFamily="18" charset="0"/>
+              <a:cs typeface="Times New Roman" panose="02020603050405020304" pitchFamily="18" charset="0"/>
+            </a:endParaRPr>
+          </a:p>
+          <a:p>
+            <a:pPr marL="0" indent="0" algn="just">
+              <a:buNone/>
+            </a:pPr>
+            <a:r>
+              <a:rPr lang="pt-BR" sz="2000" dirty="0">
+                <a:solidFill>
+                  <a:schemeClr val="tx1"/>
+                </a:solidFill>
+                <a:latin typeface="Times New Roman" panose="02020603050405020304" pitchFamily="18" charset="0"/>
+                <a:cs typeface="Times New Roman" panose="02020603050405020304" pitchFamily="18" charset="0"/>
+              </a:rPr>
+              <a:t>Ex. Cálculo Fatorial de n, solução iterativa ou recursiva.</a:t>
+            </a:r>
           </a:p>
         </p:txBody>
       </p:sp>
     </p:spTree>
     <p:extLst>
       <p:ext uri="{BB962C8B-B14F-4D97-AF65-F5344CB8AC3E}">
-        <p14:creationId xmlns:p14="http://schemas.microsoft.com/office/powerpoint/2010/main" val="2470652989"/>
+        <p14:creationId xmlns:p14="http://schemas.microsoft.com/office/powerpoint/2010/main" val="812391653"/>
       </p:ext>
     </p:extLst>
   </p:cSld>
@@ -4958,12 +10001,18 @@
 </p:sld>
 </file>
 
-<file path=ppt/slides/slide7.xml><?xml version="1.0" encoding="utf-8"?>
+<file path=ppt/slides/slide6.xml><?xml version="1.0" encoding="utf-8"?>
 <p:sld xmlns:a="http://schemas.openxmlformats.org/drawingml/2006/main" xmlns:r="http://schemas.openxmlformats.org/officeDocument/2006/relationships" xmlns:p="http://schemas.openxmlformats.org/presentationml/2006/main">
   <p:cSld>
     <p:spTree>
       <p:nvGrpSpPr>
-        <p:cNvPr id="1" name=""/>
+        <p:cNvPr id="1" name="">
+          <a:extLst>
+            <a:ext uri="{FF2B5EF4-FFF2-40B4-BE49-F238E27FC236}">
+              <a16:creationId xmlns:a16="http://schemas.microsoft.com/office/drawing/2014/main" id="{03D460BF-C099-8DBB-EC03-62E5A766822E}"/>
+            </a:ext>
+          </a:extLst>
+        </p:cNvPr>
         <p:cNvGrpSpPr/>
         <p:nvPr/>
       </p:nvGrpSpPr>
@@ -4977,7 +10026,13 @@
       </p:grpSpPr>
       <p:sp>
         <p:nvSpPr>
-          <p:cNvPr id="6" name="Title 1"/>
+          <p:cNvPr id="6" name="Title 1">
+            <a:extLst>
+              <a:ext uri="{FF2B5EF4-FFF2-40B4-BE49-F238E27FC236}">
+                <a16:creationId xmlns:a16="http://schemas.microsoft.com/office/drawing/2014/main" id="{E0E0D37E-37F5-E902-5162-80E94EFDB6DC}"/>
+              </a:ext>
+            </a:extLst>
+          </p:cNvPr>
           <p:cNvSpPr>
             <a:spLocks noGrp="1"/>
           </p:cNvSpPr>
@@ -5003,7 +10058,7 @@
                   <a:srgbClr val="0070C0"/>
                 </a:solidFill>
               </a:rPr>
-              <a:t>Referências</a:t>
+              <a:t>Programação</a:t>
             </a:r>
             <a:r>
               <a:rPr lang="en-US" b="1" dirty="0">
@@ -5014,12 +10069,12 @@
               <a:t> </a:t>
             </a:r>
             <a:r>
-              <a:rPr lang="en-US" b="1" dirty="0" err="1">
+              <a:rPr lang="en-US" b="1">
                 <a:solidFill>
                   <a:srgbClr val="0070C0"/>
                 </a:solidFill>
               </a:rPr>
-              <a:t>Bibliográficas</a:t>
+              <a:t>Dinâmica</a:t>
             </a:r>
             <a:endParaRPr lang="en-US" b="1" dirty="0">
               <a:solidFill>
@@ -5031,7 +10086,13 @@
       </p:sp>
       <p:sp>
         <p:nvSpPr>
-          <p:cNvPr id="8" name="Text Placeholder 2"/>
+          <p:cNvPr id="8" name="Text Placeholder 2">
+            <a:extLst>
+              <a:ext uri="{FF2B5EF4-FFF2-40B4-BE49-F238E27FC236}">
+                <a16:creationId xmlns:a16="http://schemas.microsoft.com/office/drawing/2014/main" id="{7B0C8D55-DA89-F8F6-3FD0-E3F9DDE2B464}"/>
+              </a:ext>
+            </a:extLst>
+          </p:cNvPr>
           <p:cNvSpPr>
             <a:spLocks noGrp="1"/>
           </p:cNvSpPr>
@@ -5041,8 +10102,8 @@
         </p:nvSpPr>
         <p:spPr>
           <a:xfrm>
-            <a:off x="142865" y="1200151"/>
-            <a:ext cx="8865056" cy="3394472"/>
+            <a:off x="142865" y="1200150"/>
+            <a:ext cx="8865056" cy="3737370"/>
           </a:xfrm>
         </p:spPr>
         <p:txBody>
@@ -5055,18 +10116,26 @@
               <a:buNone/>
             </a:pPr>
             <a:r>
-              <a:rPr lang="pt-BR" sz="1800" dirty="0">
-                <a:latin typeface="Calibri" panose="020F0502020204030204" pitchFamily="34" charset="0"/>
-              </a:rPr>
-              <a:t>[1] ...</a:t>
+              <a:rPr lang="pt-BR" sz="2000" dirty="0">
+                <a:solidFill>
+                  <a:schemeClr val="tx1"/>
+                </a:solidFill>
+                <a:latin typeface="Times New Roman" panose="02020603050405020304" pitchFamily="18" charset="0"/>
+                <a:cs typeface="Times New Roman" panose="02020603050405020304" pitchFamily="18" charset="0"/>
+              </a:rPr>
+              <a:t>Construção Divisão e Conquista: o problema principal é decomposto em subproblemas menores, combinando as respostas e cada subproblemas, a conquista é a solução.</a:t>
             </a:r>
           </a:p>
           <a:p>
             <a:pPr marL="0" indent="0" algn="just">
               <a:buNone/>
             </a:pPr>
-            <a:endParaRPr lang="pt-BR" sz="1800" dirty="0">
-              <a:latin typeface="Calibri" panose="020F0502020204030204" pitchFamily="34" charset="0"/>
+            <a:endParaRPr lang="pt-BR" sz="2000" dirty="0">
+              <a:solidFill>
+                <a:schemeClr val="tx1"/>
+              </a:solidFill>
+              <a:latin typeface="Times New Roman" panose="02020603050405020304" pitchFamily="18" charset="0"/>
+              <a:cs typeface="Times New Roman" panose="02020603050405020304" pitchFamily="18" charset="0"/>
             </a:endParaRPr>
           </a:p>
           <a:p>
@@ -5074,26 +10143,309 @@
               <a:buNone/>
             </a:pPr>
             <a:r>
-              <a:rPr lang="pt-BR" sz="1800" dirty="0">
-                <a:latin typeface="Calibri" panose="020F0502020204030204" pitchFamily="34" charset="0"/>
-              </a:rPr>
-              <a:t>[2] ...</a:t>
+              <a:rPr lang="pt-BR" sz="2000" dirty="0">
+                <a:solidFill>
+                  <a:schemeClr val="tx1"/>
+                </a:solidFill>
+                <a:latin typeface="Times New Roman" panose="02020603050405020304" pitchFamily="18" charset="0"/>
+                <a:cs typeface="Times New Roman" panose="02020603050405020304" pitchFamily="18" charset="0"/>
+              </a:rPr>
+              <a:t>Construção Tentativa e Erro: Testa a solução, se der falhar, volta um passo para trás, usando recursão, </a:t>
+            </a:r>
+            <a:r>
+              <a:rPr lang="pt-BR" sz="2000" b="1" dirty="0" err="1">
+                <a:solidFill>
+                  <a:schemeClr val="tx1"/>
+                </a:solidFill>
+                <a:latin typeface="Times New Roman" panose="02020603050405020304" pitchFamily="18" charset="0"/>
+                <a:cs typeface="Times New Roman" panose="02020603050405020304" pitchFamily="18" charset="0"/>
+              </a:rPr>
+              <a:t>backtracking</a:t>
+            </a:r>
+            <a:r>
+              <a:rPr lang="pt-BR" sz="2000" dirty="0">
+                <a:solidFill>
+                  <a:schemeClr val="tx1"/>
+                </a:solidFill>
+                <a:latin typeface="Times New Roman" panose="02020603050405020304" pitchFamily="18" charset="0"/>
+                <a:cs typeface="Times New Roman" panose="02020603050405020304" pitchFamily="18" charset="0"/>
+              </a:rPr>
+              <a:t>, refinamento do algoritmo de busca por força bruta. Busca todas as soluções possíveis e seleciona a melhor. </a:t>
+            </a:r>
+            <a:r>
+              <a:rPr lang="pt-BR" sz="2000" b="1" dirty="0">
+                <a:solidFill>
+                  <a:srgbClr val="FF0000"/>
+                </a:solidFill>
+                <a:latin typeface="Times New Roman" panose="02020603050405020304" pitchFamily="18" charset="0"/>
+                <a:cs typeface="Times New Roman" panose="02020603050405020304" pitchFamily="18" charset="0"/>
+              </a:rPr>
+              <a:t>Inviável para n grandes</a:t>
+            </a:r>
+            <a:r>
+              <a:rPr lang="pt-BR" sz="2000" dirty="0">
+                <a:solidFill>
+                  <a:schemeClr val="tx1"/>
+                </a:solidFill>
+                <a:latin typeface="Times New Roman" panose="02020603050405020304" pitchFamily="18" charset="0"/>
+                <a:cs typeface="Times New Roman" panose="02020603050405020304" pitchFamily="18" charset="0"/>
+              </a:rPr>
+              <a:t>.</a:t>
             </a:r>
           </a:p>
           <a:p>
             <a:pPr marL="0" indent="0" algn="just">
               <a:buNone/>
             </a:pPr>
-            <a:endParaRPr lang="pt-BR" sz="1800" dirty="0">
-              <a:latin typeface="Calibri" panose="020F0502020204030204" pitchFamily="34" charset="0"/>
+            <a:endParaRPr lang="pt-BR" sz="2000" dirty="0">
+              <a:solidFill>
+                <a:schemeClr val="tx1"/>
+              </a:solidFill>
+              <a:latin typeface="Times New Roman" panose="02020603050405020304" pitchFamily="18" charset="0"/>
+              <a:cs typeface="Times New Roman" panose="02020603050405020304" pitchFamily="18" charset="0"/>
             </a:endParaRPr>
+          </a:p>
+          <a:p>
+            <a:pPr marL="0" indent="0" algn="just">
+              <a:buNone/>
+            </a:pPr>
+            <a:r>
+              <a:rPr lang="pt-BR" sz="2000" dirty="0">
+                <a:solidFill>
+                  <a:schemeClr val="tx1"/>
+                </a:solidFill>
+                <a:latin typeface="Times New Roman" panose="02020603050405020304" pitchFamily="18" charset="0"/>
+                <a:cs typeface="Times New Roman" panose="02020603050405020304" pitchFamily="18" charset="0"/>
+              </a:rPr>
+              <a:t>Construção Algoritmos Gulosos: estratégias de projeto de algoritmos que, a cada passo, escolhem a alternativa que parece ser a melhor naquele momento, na esperança de que essas escolhas locais levem a uma solução ótima global, mas sem garantir o resultado , sem revisitar as escolhas.</a:t>
+            </a:r>
           </a:p>
         </p:txBody>
       </p:sp>
     </p:spTree>
     <p:extLst>
       <p:ext uri="{BB962C8B-B14F-4D97-AF65-F5344CB8AC3E}">
-        <p14:creationId xmlns:p14="http://schemas.microsoft.com/office/powerpoint/2010/main" val="1115311843"/>
+        <p14:creationId xmlns:p14="http://schemas.microsoft.com/office/powerpoint/2010/main" val="719088463"/>
+      </p:ext>
+    </p:extLst>
+  </p:cSld>
+  <p:clrMapOvr>
+    <a:masterClrMapping/>
+  </p:clrMapOvr>
+  <p:transition spd="med"/>
+</p:sld>
+</file>
+
+<file path=ppt/slides/slide7.xml><?xml version="1.0" encoding="utf-8"?>
+<p:sld xmlns:a="http://schemas.openxmlformats.org/drawingml/2006/main" xmlns:r="http://schemas.openxmlformats.org/officeDocument/2006/relationships" xmlns:p="http://schemas.openxmlformats.org/presentationml/2006/main">
+  <p:cSld>
+    <p:spTree>
+      <p:nvGrpSpPr>
+        <p:cNvPr id="1" name="">
+          <a:extLst>
+            <a:ext uri="{FF2B5EF4-FFF2-40B4-BE49-F238E27FC236}">
+              <a16:creationId xmlns:a16="http://schemas.microsoft.com/office/drawing/2014/main" id="{6E4707D2-C235-EE88-5690-9AFC05DA7A0B}"/>
+            </a:ext>
+          </a:extLst>
+        </p:cNvPr>
+        <p:cNvGrpSpPr/>
+        <p:nvPr/>
+      </p:nvGrpSpPr>
+      <p:grpSpPr>
+        <a:xfrm>
+          <a:off x="0" y="0"/>
+          <a:ext cx="0" cy="0"/>
+          <a:chOff x="0" y="0"/>
+          <a:chExt cx="0" cy="0"/>
+        </a:xfrm>
+      </p:grpSpPr>
+      <p:sp>
+        <p:nvSpPr>
+          <p:cNvPr id="6" name="Title 1">
+            <a:extLst>
+              <a:ext uri="{FF2B5EF4-FFF2-40B4-BE49-F238E27FC236}">
+                <a16:creationId xmlns:a16="http://schemas.microsoft.com/office/drawing/2014/main" id="{010C7F11-50B6-60D2-5B6B-AA5C0C71CF38}"/>
+              </a:ext>
+            </a:extLst>
+          </p:cNvPr>
+          <p:cNvSpPr>
+            <a:spLocks noGrp="1"/>
+          </p:cNvSpPr>
+          <p:nvPr>
+            <p:ph type="title"/>
+          </p:nvPr>
+        </p:nvSpPr>
+        <p:spPr>
+          <a:xfrm>
+            <a:off x="457200" y="205980"/>
+            <a:ext cx="8229600" cy="857251"/>
+          </a:xfrm>
+        </p:spPr>
+        <p:txBody>
+          <a:bodyPr>
+            <a:normAutofit/>
+          </a:bodyPr>
+          <a:lstStyle/>
+          <a:p>
+            <a:r>
+              <a:rPr lang="en-US" b="1" dirty="0" err="1">
+                <a:solidFill>
+                  <a:srgbClr val="0070C0"/>
+                </a:solidFill>
+              </a:rPr>
+              <a:t>Programação</a:t>
+            </a:r>
+            <a:r>
+              <a:rPr lang="en-US" b="1" dirty="0">
+                <a:solidFill>
+                  <a:srgbClr val="0070C0"/>
+                </a:solidFill>
+              </a:rPr>
+              <a:t> </a:t>
+            </a:r>
+            <a:r>
+              <a:rPr lang="en-US" b="1">
+                <a:solidFill>
+                  <a:srgbClr val="0070C0"/>
+                </a:solidFill>
+              </a:rPr>
+              <a:t>Dinâmica</a:t>
+            </a:r>
+            <a:endParaRPr lang="en-US" b="1" dirty="0">
+              <a:solidFill>
+                <a:srgbClr val="0070C0"/>
+              </a:solidFill>
+            </a:endParaRPr>
+          </a:p>
+        </p:txBody>
+      </p:sp>
+      <p:sp>
+        <p:nvSpPr>
+          <p:cNvPr id="8" name="Text Placeholder 2">
+            <a:extLst>
+              <a:ext uri="{FF2B5EF4-FFF2-40B4-BE49-F238E27FC236}">
+                <a16:creationId xmlns:a16="http://schemas.microsoft.com/office/drawing/2014/main" id="{CDC3A018-826C-BDB2-8D36-35E3C759A5AD}"/>
+              </a:ext>
+            </a:extLst>
+          </p:cNvPr>
+          <p:cNvSpPr>
+            <a:spLocks noGrp="1"/>
+          </p:cNvSpPr>
+          <p:nvPr>
+            <p:ph type="body" sz="half" idx="1"/>
+          </p:nvPr>
+        </p:nvSpPr>
+        <p:spPr>
+          <a:xfrm>
+            <a:off x="142865" y="1200150"/>
+            <a:ext cx="8865056" cy="3737370"/>
+          </a:xfrm>
+        </p:spPr>
+        <p:txBody>
+          <a:bodyPr>
+            <a:noAutofit/>
+          </a:bodyPr>
+          <a:lstStyle/>
+          <a:p>
+            <a:pPr marL="0" indent="0" algn="just">
+              <a:buNone/>
+            </a:pPr>
+            <a:r>
+              <a:rPr lang="pt-BR" sz="2000" dirty="0">
+                <a:solidFill>
+                  <a:schemeClr val="tx1"/>
+                </a:solidFill>
+                <a:latin typeface="Times New Roman" panose="02020603050405020304" pitchFamily="18" charset="0"/>
+                <a:cs typeface="Times New Roman" panose="02020603050405020304" pitchFamily="18" charset="0"/>
+              </a:rPr>
+              <a:t>Construção Programação Dinâmica: A solução ótima pode ser obtida a partir da solução ótima obtida previamente de outros subproblemas que, </a:t>
+            </a:r>
+            <a:r>
+              <a:rPr lang="pt-BR" sz="2000" b="1" dirty="0">
+                <a:solidFill>
+                  <a:schemeClr val="tx1"/>
+                </a:solidFill>
+                <a:latin typeface="Times New Roman" panose="02020603050405020304" pitchFamily="18" charset="0"/>
+                <a:cs typeface="Times New Roman" panose="02020603050405020304" pitchFamily="18" charset="0"/>
+              </a:rPr>
+              <a:t>sobrepostos</a:t>
+            </a:r>
+            <a:r>
+              <a:rPr lang="pt-BR" sz="2000" dirty="0">
+                <a:solidFill>
+                  <a:schemeClr val="tx1"/>
+                </a:solidFill>
+                <a:latin typeface="Times New Roman" panose="02020603050405020304" pitchFamily="18" charset="0"/>
+                <a:cs typeface="Times New Roman" panose="02020603050405020304" pitchFamily="18" charset="0"/>
+              </a:rPr>
+              <a:t>, compõe o problema original, memorização, a resolução dos subproblemas é calculada e armazenada para ser reutilizada.</a:t>
+            </a:r>
+          </a:p>
+          <a:p>
+            <a:pPr marL="0" indent="0" algn="just">
+              <a:buNone/>
+            </a:pPr>
+            <a:endParaRPr lang="pt-BR" sz="2000" dirty="0">
+              <a:solidFill>
+                <a:schemeClr val="tx1"/>
+              </a:solidFill>
+              <a:latin typeface="Times New Roman" panose="02020603050405020304" pitchFamily="18" charset="0"/>
+              <a:cs typeface="Times New Roman" panose="02020603050405020304" pitchFamily="18" charset="0"/>
+            </a:endParaRPr>
+          </a:p>
+          <a:p>
+            <a:pPr marL="0" indent="0" algn="just">
+              <a:buNone/>
+            </a:pPr>
+            <a:r>
+              <a:rPr lang="pt-BR" sz="2000" dirty="0">
+                <a:solidFill>
+                  <a:schemeClr val="tx1"/>
+                </a:solidFill>
+                <a:latin typeface="Times New Roman" panose="02020603050405020304" pitchFamily="18" charset="0"/>
+                <a:cs typeface="Times New Roman" panose="02020603050405020304" pitchFamily="18" charset="0"/>
+              </a:rPr>
+              <a:t>Duas características: Pode ser implementada de forma iterativa ou recursiva</a:t>
+            </a:r>
+          </a:p>
+          <a:p>
+            <a:pPr algn="just">
+              <a:buFont typeface="Wingdings" panose="05000000000000000000" pitchFamily="2" charset="2"/>
+              <a:buChar char="§"/>
+            </a:pPr>
+            <a:r>
+              <a:rPr lang="pt-BR" sz="2000" dirty="0">
+                <a:solidFill>
+                  <a:schemeClr val="tx1"/>
+                </a:solidFill>
+                <a:latin typeface="Times New Roman" panose="02020603050405020304" pitchFamily="18" charset="0"/>
+                <a:cs typeface="Times New Roman" panose="02020603050405020304" pitchFamily="18" charset="0"/>
+              </a:rPr>
+              <a:t>Subestrutura ótima: ocorre quando uma solução ótima pode ser calculada a partir de soluções ótimas de subproblemas.</a:t>
+            </a:r>
+          </a:p>
+          <a:p>
+            <a:pPr algn="just">
+              <a:buFont typeface="Wingdings" panose="05000000000000000000" pitchFamily="2" charset="2"/>
+              <a:buChar char="§"/>
+            </a:pPr>
+            <a:r>
+              <a:rPr lang="pt-BR" sz="2000" dirty="0">
+                <a:solidFill>
+                  <a:schemeClr val="tx1"/>
+                </a:solidFill>
+                <a:latin typeface="Times New Roman" panose="02020603050405020304" pitchFamily="18" charset="0"/>
+                <a:cs typeface="Times New Roman" panose="02020603050405020304" pitchFamily="18" charset="0"/>
+              </a:rPr>
+              <a:t>Superposição de subproblemas: ocorre quando o algoritmo reexamina o mesmo subproblema diversas vezes. </a:t>
+            </a:r>
+          </a:p>
+        </p:txBody>
+      </p:sp>
+    </p:spTree>
+    <p:extLst>
+      <p:ext uri="{BB962C8B-B14F-4D97-AF65-F5344CB8AC3E}">
+        <p14:creationId xmlns:p14="http://schemas.microsoft.com/office/powerpoint/2010/main" val="2911592984"/>
       </p:ext>
     </p:extLst>
   </p:cSld>
@@ -5109,7 +10461,13 @@
   <p:cSld>
     <p:spTree>
       <p:nvGrpSpPr>
-        <p:cNvPr id="1" name=""/>
+        <p:cNvPr id="1" name="">
+          <a:extLst>
+            <a:ext uri="{FF2B5EF4-FFF2-40B4-BE49-F238E27FC236}">
+              <a16:creationId xmlns:a16="http://schemas.microsoft.com/office/drawing/2014/main" id="{DCFF1B90-A7D9-60B5-8452-7A2D3C86A841}"/>
+            </a:ext>
+          </a:extLst>
+        </p:cNvPr>
         <p:cNvGrpSpPr/>
         <p:nvPr/>
       </p:nvGrpSpPr>
@@ -5121,38 +10479,421 @@
           <a:chExt cx="0" cy="0"/>
         </a:xfrm>
       </p:grpSpPr>
+      <p:sp>
+        <p:nvSpPr>
+          <p:cNvPr id="6" name="Title 1">
+            <a:extLst>
+              <a:ext uri="{FF2B5EF4-FFF2-40B4-BE49-F238E27FC236}">
+                <a16:creationId xmlns:a16="http://schemas.microsoft.com/office/drawing/2014/main" id="{E818A74A-0F5E-AA56-765E-BDEFC2939ED3}"/>
+              </a:ext>
+            </a:extLst>
+          </p:cNvPr>
+          <p:cNvSpPr>
+            <a:spLocks noGrp="1"/>
+          </p:cNvSpPr>
+          <p:nvPr>
+            <p:ph type="title"/>
+          </p:nvPr>
+        </p:nvSpPr>
+        <p:spPr>
+          <a:xfrm>
+            <a:off x="457200" y="205980"/>
+            <a:ext cx="8229600" cy="857251"/>
+          </a:xfrm>
+        </p:spPr>
+        <p:txBody>
+          <a:bodyPr>
+            <a:normAutofit/>
+          </a:bodyPr>
+          <a:lstStyle/>
+          <a:p>
+            <a:r>
+              <a:rPr lang="en-US" b="1" dirty="0" err="1">
+                <a:solidFill>
+                  <a:srgbClr val="0070C0"/>
+                </a:solidFill>
+              </a:rPr>
+              <a:t>Programação</a:t>
+            </a:r>
+            <a:r>
+              <a:rPr lang="en-US" b="1" dirty="0">
+                <a:solidFill>
+                  <a:srgbClr val="0070C0"/>
+                </a:solidFill>
+              </a:rPr>
+              <a:t> </a:t>
+            </a:r>
+            <a:r>
+              <a:rPr lang="en-US" b="1" dirty="0" err="1">
+                <a:solidFill>
+                  <a:srgbClr val="0070C0"/>
+                </a:solidFill>
+              </a:rPr>
+              <a:t>Dinâmica</a:t>
+            </a:r>
+            <a:r>
+              <a:rPr lang="en-US" b="1" dirty="0">
+                <a:solidFill>
+                  <a:srgbClr val="0070C0"/>
+                </a:solidFill>
+              </a:rPr>
+              <a:t> - </a:t>
+            </a:r>
+            <a:r>
+              <a:rPr lang="en-US" b="1" dirty="0" err="1">
+                <a:solidFill>
+                  <a:srgbClr val="0070C0"/>
+                </a:solidFill>
+              </a:rPr>
+              <a:t>Exemplo</a:t>
+            </a:r>
+            <a:endParaRPr lang="en-US" b="1" dirty="0">
+              <a:solidFill>
+                <a:srgbClr val="0070C0"/>
+              </a:solidFill>
+            </a:endParaRPr>
+          </a:p>
+        </p:txBody>
+      </p:sp>
+      <p:sp>
+        <p:nvSpPr>
+          <p:cNvPr id="8" name="Text Placeholder 2">
+            <a:extLst>
+              <a:ext uri="{FF2B5EF4-FFF2-40B4-BE49-F238E27FC236}">
+                <a16:creationId xmlns:a16="http://schemas.microsoft.com/office/drawing/2014/main" id="{38235D44-7FAB-58D5-C8CB-6E1C8F210F3B}"/>
+              </a:ext>
+            </a:extLst>
+          </p:cNvPr>
+          <p:cNvSpPr>
+            <a:spLocks noGrp="1"/>
+          </p:cNvSpPr>
+          <p:nvPr>
+            <p:ph type="body" sz="half" idx="1"/>
+          </p:nvPr>
+        </p:nvSpPr>
+        <p:spPr>
+          <a:xfrm>
+            <a:off x="142865" y="1200150"/>
+            <a:ext cx="8865056" cy="3737370"/>
+          </a:xfrm>
+        </p:spPr>
+        <p:txBody>
+          <a:bodyPr>
+            <a:noAutofit/>
+          </a:bodyPr>
+          <a:lstStyle/>
+          <a:p>
+            <a:pPr marL="0" indent="0" algn="just">
+              <a:buNone/>
+            </a:pPr>
+            <a:r>
+              <a:rPr lang="pt-BR" sz="2000" dirty="0">
+                <a:solidFill>
+                  <a:schemeClr val="tx1"/>
+                </a:solidFill>
+                <a:latin typeface="Times New Roman" panose="02020603050405020304" pitchFamily="18" charset="0"/>
+                <a:cs typeface="Times New Roman" panose="02020603050405020304" pitchFamily="18" charset="0"/>
+              </a:rPr>
+              <a:t>Sequência de </a:t>
+            </a:r>
+            <a:r>
+              <a:rPr lang="pt-BR" sz="2000" b="1" dirty="0">
+                <a:solidFill>
+                  <a:schemeClr val="tx1"/>
+                </a:solidFill>
+                <a:latin typeface="Times New Roman" panose="02020603050405020304" pitchFamily="18" charset="0"/>
+                <a:cs typeface="Times New Roman" panose="02020603050405020304" pitchFamily="18" charset="0"/>
+              </a:rPr>
+              <a:t>Fibonacci</a:t>
+            </a:r>
+            <a:r>
+              <a:rPr lang="pt-BR" sz="2000" dirty="0">
+                <a:solidFill>
+                  <a:schemeClr val="tx1"/>
+                </a:solidFill>
+                <a:latin typeface="Times New Roman" panose="02020603050405020304" pitchFamily="18" charset="0"/>
+                <a:cs typeface="Times New Roman" panose="02020603050405020304" pitchFamily="18" charset="0"/>
+              </a:rPr>
+              <a:t>: </a:t>
+            </a:r>
+            <a:r>
+              <a:rPr lang="pt-BR" sz="2000" b="1" dirty="0">
+                <a:solidFill>
+                  <a:srgbClr val="FF0000"/>
+                </a:solidFill>
+                <a:latin typeface="Times New Roman" panose="02020603050405020304" pitchFamily="18" charset="0"/>
+                <a:cs typeface="Times New Roman" panose="02020603050405020304" pitchFamily="18" charset="0"/>
+              </a:rPr>
+              <a:t>Versão Recursiva Simples</a:t>
+            </a:r>
+          </a:p>
+          <a:p>
+            <a:pPr marL="0" indent="0" algn="just">
+              <a:buNone/>
+            </a:pPr>
+            <a:endParaRPr lang="pt-BR" sz="2000" dirty="0">
+              <a:solidFill>
+                <a:schemeClr val="tx1"/>
+              </a:solidFill>
+              <a:latin typeface="Times New Roman" panose="02020603050405020304" pitchFamily="18" charset="0"/>
+              <a:cs typeface="Times New Roman" panose="02020603050405020304" pitchFamily="18" charset="0"/>
+            </a:endParaRPr>
+          </a:p>
+          <a:p>
+            <a:pPr marL="0" indent="0" algn="just">
+              <a:buNone/>
+            </a:pPr>
+            <a:r>
+              <a:rPr lang="pt-BR" sz="2000" dirty="0">
+                <a:solidFill>
+                  <a:schemeClr val="tx1"/>
+                </a:solidFill>
+                <a:latin typeface="Times New Roman" panose="02020603050405020304" pitchFamily="18" charset="0"/>
+                <a:cs typeface="Times New Roman" panose="02020603050405020304" pitchFamily="18" charset="0"/>
+              </a:rPr>
+              <a:t>Fibonacci(n) = n, para n&lt;= 1; Fibonacci(n-1) + Fibonacci(n-2), caso contrário.</a:t>
+            </a:r>
+          </a:p>
+          <a:p>
+            <a:pPr marL="0" indent="0" algn="just">
+              <a:buNone/>
+            </a:pPr>
+            <a:endParaRPr lang="pt-BR" sz="2000" dirty="0">
+              <a:solidFill>
+                <a:schemeClr val="tx1"/>
+              </a:solidFill>
+              <a:latin typeface="Times New Roman" panose="02020603050405020304" pitchFamily="18" charset="0"/>
+              <a:cs typeface="Times New Roman" panose="02020603050405020304" pitchFamily="18" charset="0"/>
+            </a:endParaRPr>
+          </a:p>
+          <a:p>
+            <a:pPr marL="0" indent="0" algn="just">
+              <a:buNone/>
+            </a:pPr>
+            <a:r>
+              <a:rPr lang="pt-BR" sz="2000" dirty="0">
+                <a:solidFill>
+                  <a:schemeClr val="tx1"/>
+                </a:solidFill>
+                <a:latin typeface="Times New Roman" panose="02020603050405020304" pitchFamily="18" charset="0"/>
+                <a:cs typeface="Times New Roman" panose="02020603050405020304" pitchFamily="18" charset="0"/>
+              </a:rPr>
+              <a:t>Código Recursivo: baseado em indução</a:t>
+            </a:r>
+          </a:p>
+          <a:p>
+            <a:pPr marL="0" indent="0" algn="just">
+              <a:buNone/>
+            </a:pPr>
+            <a:r>
+              <a:rPr lang="pt-BR" sz="2000" dirty="0" err="1">
+                <a:solidFill>
+                  <a:schemeClr val="tx1"/>
+                </a:solidFill>
+                <a:latin typeface="Times New Roman" panose="02020603050405020304" pitchFamily="18" charset="0"/>
+                <a:cs typeface="Times New Roman" panose="02020603050405020304" pitchFamily="18" charset="0"/>
+              </a:rPr>
+              <a:t>long</a:t>
+            </a:r>
+            <a:r>
+              <a:rPr lang="pt-BR" sz="2000" dirty="0">
+                <a:solidFill>
+                  <a:schemeClr val="tx1"/>
+                </a:solidFill>
+                <a:latin typeface="Times New Roman" panose="02020603050405020304" pitchFamily="18" charset="0"/>
+                <a:cs typeface="Times New Roman" panose="02020603050405020304" pitchFamily="18" charset="0"/>
+              </a:rPr>
+              <a:t> </a:t>
+            </a:r>
+            <a:r>
+              <a:rPr lang="pt-BR" sz="2000" dirty="0" err="1">
+                <a:solidFill>
+                  <a:schemeClr val="tx1"/>
+                </a:solidFill>
+                <a:latin typeface="Times New Roman" panose="02020603050405020304" pitchFamily="18" charset="0"/>
+                <a:cs typeface="Times New Roman" panose="02020603050405020304" pitchFamily="18" charset="0"/>
+              </a:rPr>
+              <a:t>fib</a:t>
+            </a:r>
+            <a:r>
+              <a:rPr lang="pt-BR" sz="2000" dirty="0">
+                <a:solidFill>
+                  <a:schemeClr val="tx1"/>
+                </a:solidFill>
+                <a:latin typeface="Times New Roman" panose="02020603050405020304" pitchFamily="18" charset="0"/>
+                <a:cs typeface="Times New Roman" panose="02020603050405020304" pitchFamily="18" charset="0"/>
+              </a:rPr>
+              <a:t>(n) {</a:t>
+            </a:r>
+          </a:p>
+          <a:p>
+            <a:pPr marL="0" indent="0" algn="just">
+              <a:buNone/>
+            </a:pPr>
+            <a:r>
+              <a:rPr lang="pt-BR" sz="2000" dirty="0">
+                <a:solidFill>
+                  <a:schemeClr val="tx1"/>
+                </a:solidFill>
+                <a:latin typeface="Times New Roman" panose="02020603050405020304" pitchFamily="18" charset="0"/>
+                <a:cs typeface="Times New Roman" panose="02020603050405020304" pitchFamily="18" charset="0"/>
+              </a:rPr>
+              <a:t>   </a:t>
+            </a:r>
+            <a:r>
+              <a:rPr lang="pt-BR" sz="2000" dirty="0" err="1">
+                <a:solidFill>
+                  <a:schemeClr val="tx1"/>
+                </a:solidFill>
+                <a:latin typeface="Times New Roman" panose="02020603050405020304" pitchFamily="18" charset="0"/>
+                <a:cs typeface="Times New Roman" panose="02020603050405020304" pitchFamily="18" charset="0"/>
+              </a:rPr>
+              <a:t>if</a:t>
+            </a:r>
+            <a:r>
+              <a:rPr lang="pt-BR" sz="2000" dirty="0">
+                <a:solidFill>
+                  <a:schemeClr val="tx1"/>
+                </a:solidFill>
+                <a:latin typeface="Times New Roman" panose="02020603050405020304" pitchFamily="18" charset="0"/>
+                <a:cs typeface="Times New Roman" panose="02020603050405020304" pitchFamily="18" charset="0"/>
+              </a:rPr>
+              <a:t> (n &lt;= 1) </a:t>
+            </a:r>
+            <a:r>
+              <a:rPr lang="pt-BR" sz="2000" dirty="0" err="1">
+                <a:solidFill>
+                  <a:schemeClr val="tx1"/>
+                </a:solidFill>
+                <a:latin typeface="Times New Roman" panose="02020603050405020304" pitchFamily="18" charset="0"/>
+                <a:cs typeface="Times New Roman" panose="02020603050405020304" pitchFamily="18" charset="0"/>
+              </a:rPr>
+              <a:t>return</a:t>
+            </a:r>
+            <a:r>
+              <a:rPr lang="pt-BR" sz="2000" dirty="0">
+                <a:solidFill>
+                  <a:schemeClr val="tx1"/>
+                </a:solidFill>
+                <a:latin typeface="Times New Roman" panose="02020603050405020304" pitchFamily="18" charset="0"/>
+                <a:cs typeface="Times New Roman" panose="02020603050405020304" pitchFamily="18" charset="0"/>
+              </a:rPr>
+              <a:t> n;</a:t>
+            </a:r>
+          </a:p>
+          <a:p>
+            <a:pPr marL="0" indent="0" algn="just">
+              <a:buNone/>
+            </a:pPr>
+            <a:r>
+              <a:rPr lang="pt-BR" sz="2000" dirty="0">
+                <a:solidFill>
+                  <a:schemeClr val="tx1"/>
+                </a:solidFill>
+                <a:latin typeface="Times New Roman" panose="02020603050405020304" pitchFamily="18" charset="0"/>
+                <a:cs typeface="Times New Roman" panose="02020603050405020304" pitchFamily="18" charset="0"/>
+              </a:rPr>
+              <a:t>   </a:t>
+            </a:r>
+            <a:r>
+              <a:rPr lang="pt-BR" sz="2000" dirty="0" err="1">
+                <a:solidFill>
+                  <a:schemeClr val="tx1"/>
+                </a:solidFill>
+                <a:latin typeface="Times New Roman" panose="02020603050405020304" pitchFamily="18" charset="0"/>
+                <a:cs typeface="Times New Roman" panose="02020603050405020304" pitchFamily="18" charset="0"/>
+              </a:rPr>
+              <a:t>return</a:t>
+            </a:r>
+            <a:r>
+              <a:rPr lang="pt-BR" sz="2000" dirty="0">
+                <a:solidFill>
+                  <a:schemeClr val="tx1"/>
+                </a:solidFill>
+                <a:latin typeface="Times New Roman" panose="02020603050405020304" pitchFamily="18" charset="0"/>
+                <a:cs typeface="Times New Roman" panose="02020603050405020304" pitchFamily="18" charset="0"/>
+              </a:rPr>
+              <a:t> </a:t>
+            </a:r>
+            <a:r>
+              <a:rPr lang="pt-BR" sz="2000" dirty="0" err="1">
+                <a:solidFill>
+                  <a:schemeClr val="tx1"/>
+                </a:solidFill>
+                <a:latin typeface="Times New Roman" panose="02020603050405020304" pitchFamily="18" charset="0"/>
+                <a:cs typeface="Times New Roman" panose="02020603050405020304" pitchFamily="18" charset="0"/>
+              </a:rPr>
+              <a:t>fib</a:t>
+            </a:r>
+            <a:r>
+              <a:rPr lang="pt-BR" sz="2000" dirty="0">
+                <a:solidFill>
+                  <a:schemeClr val="tx1"/>
+                </a:solidFill>
+                <a:latin typeface="Times New Roman" panose="02020603050405020304" pitchFamily="18" charset="0"/>
+                <a:cs typeface="Times New Roman" panose="02020603050405020304" pitchFamily="18" charset="0"/>
+              </a:rPr>
+              <a:t>(n-1) + </a:t>
+            </a:r>
+            <a:r>
+              <a:rPr lang="pt-BR" sz="2000" dirty="0" err="1">
+                <a:solidFill>
+                  <a:schemeClr val="tx1"/>
+                </a:solidFill>
+                <a:latin typeface="Times New Roman" panose="02020603050405020304" pitchFamily="18" charset="0"/>
+                <a:cs typeface="Times New Roman" panose="02020603050405020304" pitchFamily="18" charset="0"/>
+              </a:rPr>
+              <a:t>fib</a:t>
+            </a:r>
+            <a:r>
+              <a:rPr lang="pt-BR" sz="2000" dirty="0">
+                <a:solidFill>
+                  <a:schemeClr val="tx1"/>
+                </a:solidFill>
+                <a:latin typeface="Times New Roman" panose="02020603050405020304" pitchFamily="18" charset="0"/>
+                <a:cs typeface="Times New Roman" panose="02020603050405020304" pitchFamily="18" charset="0"/>
+              </a:rPr>
+              <a:t>(n-2);</a:t>
+            </a:r>
+          </a:p>
+          <a:p>
+            <a:pPr marL="0" indent="0" algn="just">
+              <a:buNone/>
+            </a:pPr>
+            <a:r>
+              <a:rPr lang="pt-BR" sz="2000" dirty="0">
+                <a:solidFill>
+                  <a:schemeClr val="tx1"/>
+                </a:solidFill>
+                <a:latin typeface="Times New Roman" panose="02020603050405020304" pitchFamily="18" charset="0"/>
+                <a:cs typeface="Times New Roman" panose="02020603050405020304" pitchFamily="18" charset="0"/>
+              </a:rPr>
+              <a:t>}</a:t>
+            </a:r>
+          </a:p>
+          <a:p>
+            <a:pPr marL="0" indent="0" algn="just">
+              <a:buNone/>
+            </a:pPr>
+            <a:endParaRPr lang="pt-BR" sz="2000" dirty="0">
+              <a:solidFill>
+                <a:schemeClr val="tx1"/>
+              </a:solidFill>
+              <a:latin typeface="Times New Roman" panose="02020603050405020304" pitchFamily="18" charset="0"/>
+              <a:cs typeface="Times New Roman" panose="02020603050405020304" pitchFamily="18" charset="0"/>
+            </a:endParaRPr>
+          </a:p>
+        </p:txBody>
+      </p:sp>
       <p:pic>
         <p:nvPicPr>
-          <p:cNvPr id="112" name="Picture 6" descr="Picture 6"/>
-          <p:cNvPicPr>
-            <a:picLocks noChangeAspect="1"/>
-          </p:cNvPicPr>
-          <p:nvPr/>
-        </p:nvPicPr>
-        <p:blipFill>
-          <a:blip r:embed="rId2"/>
-          <a:stretch>
-            <a:fillRect/>
-          </a:stretch>
-        </p:blipFill>
-        <p:spPr>
-          <a:xfrm>
-            <a:off x="0" y="0"/>
-            <a:ext cx="9144000" cy="5143500"/>
-          </a:xfrm>
-          <a:prstGeom prst="rect">
-            <a:avLst/>
-          </a:prstGeom>
-          <a:ln w="12700">
-            <a:miter lim="400000"/>
-            <a:headEnd/>
-            <a:tailEnd/>
-          </a:ln>
-        </p:spPr>
-      </p:pic>
-      <p:pic>
-        <p:nvPicPr>
-          <p:cNvPr id="114" name="Picture 5" descr="Picture 5"/>
+          <p:cNvPr id="5" name="Imagem 4">
+            <a:extLst>
+              <a:ext uri="{FF2B5EF4-FFF2-40B4-BE49-F238E27FC236}">
+                <a16:creationId xmlns:a16="http://schemas.microsoft.com/office/drawing/2014/main" id="{E79F1C69-3ACD-2EAE-B0E8-E33DEF715BC8}"/>
+              </a:ext>
+            </a:extLst>
+          </p:cNvPr>
           <p:cNvPicPr>
             <a:picLocks noChangeAspect="1"/>
           </p:cNvPicPr>
@@ -5166,22 +10907,60 @@
         </p:blipFill>
         <p:spPr>
           <a:xfrm>
-            <a:off x="469900" y="0"/>
-            <a:ext cx="4391984" cy="171450"/>
+            <a:off x="4260681" y="2746560"/>
+            <a:ext cx="4663225" cy="1475815"/>
           </a:xfrm>
           <a:prstGeom prst="rect">
             <a:avLst/>
           </a:prstGeom>
-          <a:ln w="12700">
-            <a:miter lim="400000"/>
-            <a:headEnd/>
-            <a:tailEnd/>
-          </a:ln>
         </p:spPr>
       </p:pic>
+    </p:spTree>
+    <p:extLst>
+      <p:ext uri="{BB962C8B-B14F-4D97-AF65-F5344CB8AC3E}">
+        <p14:creationId xmlns:p14="http://schemas.microsoft.com/office/powerpoint/2010/main" val="2691499859"/>
+      </p:ext>
+    </p:extLst>
+  </p:cSld>
+  <p:clrMapOvr>
+    <a:masterClrMapping/>
+  </p:clrMapOvr>
+  <p:transition spd="med"/>
+</p:sld>
+</file>
+
+<file path=ppt/slides/slide9.xml><?xml version="1.0" encoding="utf-8"?>
+<p:sld xmlns:a="http://schemas.openxmlformats.org/drawingml/2006/main" xmlns:r="http://schemas.openxmlformats.org/officeDocument/2006/relationships" xmlns:p="http://schemas.openxmlformats.org/presentationml/2006/main">
+  <p:cSld>
+    <p:spTree>
+      <p:nvGrpSpPr>
+        <p:cNvPr id="1" name="">
+          <a:extLst>
+            <a:ext uri="{FF2B5EF4-FFF2-40B4-BE49-F238E27FC236}">
+              <a16:creationId xmlns:a16="http://schemas.microsoft.com/office/drawing/2014/main" id="{701E03E2-02A4-006E-A15E-DF747EACEDED}"/>
+            </a:ext>
+          </a:extLst>
+        </p:cNvPr>
+        <p:cNvGrpSpPr/>
+        <p:nvPr/>
+      </p:nvGrpSpPr>
+      <p:grpSpPr>
+        <a:xfrm>
+          <a:off x="0" y="0"/>
+          <a:ext cx="0" cy="0"/>
+          <a:chOff x="0" y="0"/>
+          <a:chExt cx="0" cy="0"/>
+        </a:xfrm>
+      </p:grpSpPr>
       <p:sp>
         <p:nvSpPr>
-          <p:cNvPr id="3" name="Título 2"/>
+          <p:cNvPr id="6" name="Title 1">
+            <a:extLst>
+              <a:ext uri="{FF2B5EF4-FFF2-40B4-BE49-F238E27FC236}">
+                <a16:creationId xmlns:a16="http://schemas.microsoft.com/office/drawing/2014/main" id="{35CCFB5A-F9B7-DB2D-A345-1E4D23BCC1E0}"/>
+              </a:ext>
+            </a:extLst>
+          </p:cNvPr>
           <p:cNvSpPr>
             <a:spLocks noGrp="1"/>
           </p:cNvSpPr>
@@ -5191,8 +10970,84 @@
         </p:nvSpPr>
         <p:spPr>
           <a:xfrm>
-            <a:off x="285751" y="2386770"/>
-            <a:ext cx="8615364" cy="1102519"/>
+            <a:off x="457200" y="205980"/>
+            <a:ext cx="8229600" cy="857251"/>
+          </a:xfrm>
+        </p:spPr>
+        <p:txBody>
+          <a:bodyPr>
+            <a:normAutofit/>
+          </a:bodyPr>
+          <a:lstStyle/>
+          <a:p>
+            <a:r>
+              <a:rPr lang="en-US" b="1" dirty="0" err="1">
+                <a:solidFill>
+                  <a:srgbClr val="0070C0"/>
+                </a:solidFill>
+              </a:rPr>
+              <a:t>Programação</a:t>
+            </a:r>
+            <a:r>
+              <a:rPr lang="en-US" b="1" dirty="0">
+                <a:solidFill>
+                  <a:srgbClr val="0070C0"/>
+                </a:solidFill>
+              </a:rPr>
+              <a:t> </a:t>
+            </a:r>
+            <a:r>
+              <a:rPr lang="en-US" b="1" dirty="0" err="1">
+                <a:solidFill>
+                  <a:srgbClr val="0070C0"/>
+                </a:solidFill>
+              </a:rPr>
+              <a:t>Dinâmica</a:t>
+            </a:r>
+            <a:r>
+              <a:rPr lang="en-US" b="1" dirty="0">
+                <a:solidFill>
+                  <a:srgbClr val="0070C0"/>
+                </a:solidFill>
+              </a:rPr>
+              <a:t> - </a:t>
+            </a:r>
+            <a:r>
+              <a:rPr lang="en-US" b="1" dirty="0" err="1">
+                <a:solidFill>
+                  <a:srgbClr val="0070C0"/>
+                </a:solidFill>
+              </a:rPr>
+              <a:t>Exemplo</a:t>
+            </a:r>
+            <a:endParaRPr lang="en-US" b="1" dirty="0">
+              <a:solidFill>
+                <a:srgbClr val="0070C0"/>
+              </a:solidFill>
+            </a:endParaRPr>
+          </a:p>
+        </p:txBody>
+      </p:sp>
+      <p:sp>
+        <p:nvSpPr>
+          <p:cNvPr id="8" name="Text Placeholder 2">
+            <a:extLst>
+              <a:ext uri="{FF2B5EF4-FFF2-40B4-BE49-F238E27FC236}">
+                <a16:creationId xmlns:a16="http://schemas.microsoft.com/office/drawing/2014/main" id="{1F6D7254-FD82-4ED9-0D48-B04160A59CC6}"/>
+              </a:ext>
+            </a:extLst>
+          </p:cNvPr>
+          <p:cNvSpPr>
+            <a:spLocks noGrp="1"/>
+          </p:cNvSpPr>
+          <p:nvPr>
+            <p:ph type="body" sz="half" idx="1"/>
+          </p:nvPr>
+        </p:nvSpPr>
+        <p:spPr>
+          <a:xfrm>
+            <a:off x="142865" y="1200150"/>
+            <a:ext cx="8865056" cy="3737370"/>
           </a:xfrm>
         </p:spPr>
         <p:txBody>
@@ -5201,356 +11056,55 @@
           </a:bodyPr>
           <a:lstStyle/>
           <a:p>
-            <a:r>
-              <a:rPr lang="pt-BR" sz="4800" b="1" dirty="0">
-                <a:solidFill>
-                  <a:schemeClr val="bg1"/>
-                </a:solidFill>
-              </a:rPr>
-              <a:t>Algoritmos e Complexidade</a:t>
-            </a:r>
+            <a:pPr marL="0" indent="0" algn="just">
+              <a:buNone/>
+            </a:pPr>
+            <a:endParaRPr lang="pt-BR" sz="2000" dirty="0">
+              <a:solidFill>
+                <a:schemeClr val="tx1"/>
+              </a:solidFill>
+              <a:latin typeface="Times New Roman" panose="02020603050405020304" pitchFamily="18" charset="0"/>
+              <a:cs typeface="Times New Roman" panose="02020603050405020304" pitchFamily="18" charset="0"/>
+            </a:endParaRPr>
           </a:p>
         </p:txBody>
       </p:sp>
-      <p:sp>
-        <p:nvSpPr>
-          <p:cNvPr id="6" name="Título 2"/>
-          <p:cNvSpPr txBox="1"/>
+      <p:pic>
+        <p:nvPicPr>
+          <p:cNvPr id="3" name="Imagem 2">
+            <a:extLst>
+              <a:ext uri="{FF2B5EF4-FFF2-40B4-BE49-F238E27FC236}">
+                <a16:creationId xmlns:a16="http://schemas.microsoft.com/office/drawing/2014/main" id="{3EE78C3E-416B-C2E7-852E-5602A295032A}"/>
+              </a:ext>
+            </a:extLst>
+          </p:cNvPr>
+          <p:cNvPicPr>
+            <a:picLocks noChangeAspect="1"/>
+          </p:cNvPicPr>
           <p:nvPr/>
-        </p:nvSpPr>
+        </p:nvPicPr>
+        <p:blipFill>
+          <a:blip r:embed="rId3"/>
+          <a:stretch>
+            <a:fillRect/>
+          </a:stretch>
+        </p:blipFill>
         <p:spPr>
           <a:xfrm>
-            <a:off x="975683" y="3866663"/>
-            <a:ext cx="7772400" cy="1102519"/>
+            <a:off x="994607" y="1251482"/>
+            <a:ext cx="6441620" cy="3686038"/>
           </a:xfrm>
           <a:prstGeom prst="rect">
             <a:avLst/>
           </a:prstGeom>
-          <a:ln w="12700">
-            <a:miter lim="400000"/>
-          </a:ln>
-        </p:spPr>
-        <p:txBody>
-          <a:bodyPr lIns="45718" tIns="45718" rIns="45718" bIns="45718" anchor="ctr">
-            <a:noAutofit/>
-          </a:bodyPr>
-          <a:lstStyle>
-            <a:lvl1pPr marL="0" marR="0" indent="0" algn="ctr" defTabSz="457200" rtl="0" latinLnBrk="0">
-              <a:lnSpc>
-                <a:spcPct val="100000"/>
-              </a:lnSpc>
-              <a:spcBef>
-                <a:spcPts val="0"/>
-              </a:spcBef>
-              <a:spcAft>
-                <a:spcPts val="0"/>
-              </a:spcAft>
-              <a:buClrTx/>
-              <a:buSzTx/>
-              <a:buFontTx/>
-              <a:buNone/>
-              <a:defRPr sz="4400" b="0" i="0" u="none" strike="noStrike" cap="none" spc="0" baseline="0">
-                <a:ln>
-                  <a:noFill/>
-                </a:ln>
-                <a:solidFill>
-                  <a:srgbClr val="000000"/>
-                </a:solidFill>
-                <a:uFillTx/>
-                <a:latin typeface="+mj-lt"/>
-                <a:ea typeface="+mj-ea"/>
-                <a:cs typeface="+mj-cs"/>
-                <a:sym typeface="Calibri"/>
-              </a:defRPr>
-            </a:lvl1pPr>
-            <a:lvl2pPr marL="0" marR="0" indent="0" algn="ctr" defTabSz="457200" rtl="0" latinLnBrk="0">
-              <a:lnSpc>
-                <a:spcPct val="100000"/>
-              </a:lnSpc>
-              <a:spcBef>
-                <a:spcPts val="0"/>
-              </a:spcBef>
-              <a:spcAft>
-                <a:spcPts val="0"/>
-              </a:spcAft>
-              <a:buClrTx/>
-              <a:buSzTx/>
-              <a:buFontTx/>
-              <a:buNone/>
-              <a:defRPr sz="4400" b="0" i="0" u="none" strike="noStrike" cap="none" spc="0" baseline="0">
-                <a:ln>
-                  <a:noFill/>
-                </a:ln>
-                <a:solidFill>
-                  <a:srgbClr val="000000"/>
-                </a:solidFill>
-                <a:uFillTx/>
-                <a:latin typeface="+mj-lt"/>
-                <a:ea typeface="+mj-ea"/>
-                <a:cs typeface="+mj-cs"/>
-                <a:sym typeface="Calibri"/>
-              </a:defRPr>
-            </a:lvl2pPr>
-            <a:lvl3pPr marL="0" marR="0" indent="0" algn="ctr" defTabSz="457200" rtl="0" latinLnBrk="0">
-              <a:lnSpc>
-                <a:spcPct val="100000"/>
-              </a:lnSpc>
-              <a:spcBef>
-                <a:spcPts val="0"/>
-              </a:spcBef>
-              <a:spcAft>
-                <a:spcPts val="0"/>
-              </a:spcAft>
-              <a:buClrTx/>
-              <a:buSzTx/>
-              <a:buFontTx/>
-              <a:buNone/>
-              <a:defRPr sz="4400" b="0" i="0" u="none" strike="noStrike" cap="none" spc="0" baseline="0">
-                <a:ln>
-                  <a:noFill/>
-                </a:ln>
-                <a:solidFill>
-                  <a:srgbClr val="000000"/>
-                </a:solidFill>
-                <a:uFillTx/>
-                <a:latin typeface="+mj-lt"/>
-                <a:ea typeface="+mj-ea"/>
-                <a:cs typeface="+mj-cs"/>
-                <a:sym typeface="Calibri"/>
-              </a:defRPr>
-            </a:lvl3pPr>
-            <a:lvl4pPr marL="0" marR="0" indent="0" algn="ctr" defTabSz="457200" rtl="0" latinLnBrk="0">
-              <a:lnSpc>
-                <a:spcPct val="100000"/>
-              </a:lnSpc>
-              <a:spcBef>
-                <a:spcPts val="0"/>
-              </a:spcBef>
-              <a:spcAft>
-                <a:spcPts val="0"/>
-              </a:spcAft>
-              <a:buClrTx/>
-              <a:buSzTx/>
-              <a:buFontTx/>
-              <a:buNone/>
-              <a:defRPr sz="4400" b="0" i="0" u="none" strike="noStrike" cap="none" spc="0" baseline="0">
-                <a:ln>
-                  <a:noFill/>
-                </a:ln>
-                <a:solidFill>
-                  <a:srgbClr val="000000"/>
-                </a:solidFill>
-                <a:uFillTx/>
-                <a:latin typeface="+mj-lt"/>
-                <a:ea typeface="+mj-ea"/>
-                <a:cs typeface="+mj-cs"/>
-                <a:sym typeface="Calibri"/>
-              </a:defRPr>
-            </a:lvl4pPr>
-            <a:lvl5pPr marL="0" marR="0" indent="0" algn="ctr" defTabSz="457200" rtl="0" latinLnBrk="0">
-              <a:lnSpc>
-                <a:spcPct val="100000"/>
-              </a:lnSpc>
-              <a:spcBef>
-                <a:spcPts val="0"/>
-              </a:spcBef>
-              <a:spcAft>
-                <a:spcPts val="0"/>
-              </a:spcAft>
-              <a:buClrTx/>
-              <a:buSzTx/>
-              <a:buFontTx/>
-              <a:buNone/>
-              <a:defRPr sz="4400" b="0" i="0" u="none" strike="noStrike" cap="none" spc="0" baseline="0">
-                <a:ln>
-                  <a:noFill/>
-                </a:ln>
-                <a:solidFill>
-                  <a:srgbClr val="000000"/>
-                </a:solidFill>
-                <a:uFillTx/>
-                <a:latin typeface="+mj-lt"/>
-                <a:ea typeface="+mj-ea"/>
-                <a:cs typeface="+mj-cs"/>
-                <a:sym typeface="Calibri"/>
-              </a:defRPr>
-            </a:lvl5pPr>
-            <a:lvl6pPr marL="0" marR="0" indent="0" algn="ctr" defTabSz="457200" rtl="0" latinLnBrk="0">
-              <a:lnSpc>
-                <a:spcPct val="100000"/>
-              </a:lnSpc>
-              <a:spcBef>
-                <a:spcPts val="0"/>
-              </a:spcBef>
-              <a:spcAft>
-                <a:spcPts val="0"/>
-              </a:spcAft>
-              <a:buClrTx/>
-              <a:buSzTx/>
-              <a:buFontTx/>
-              <a:buNone/>
-              <a:defRPr sz="4400" b="0" i="0" u="none" strike="noStrike" cap="none" spc="0" baseline="0">
-                <a:ln>
-                  <a:noFill/>
-                </a:ln>
-                <a:solidFill>
-                  <a:srgbClr val="000000"/>
-                </a:solidFill>
-                <a:uFillTx/>
-                <a:latin typeface="+mj-lt"/>
-                <a:ea typeface="+mj-ea"/>
-                <a:cs typeface="+mj-cs"/>
-                <a:sym typeface="Calibri"/>
-              </a:defRPr>
-            </a:lvl6pPr>
-            <a:lvl7pPr marL="0" marR="0" indent="0" algn="ctr" defTabSz="457200" rtl="0" latinLnBrk="0">
-              <a:lnSpc>
-                <a:spcPct val="100000"/>
-              </a:lnSpc>
-              <a:spcBef>
-                <a:spcPts val="0"/>
-              </a:spcBef>
-              <a:spcAft>
-                <a:spcPts val="0"/>
-              </a:spcAft>
-              <a:buClrTx/>
-              <a:buSzTx/>
-              <a:buFontTx/>
-              <a:buNone/>
-              <a:defRPr sz="4400" b="0" i="0" u="none" strike="noStrike" cap="none" spc="0" baseline="0">
-                <a:ln>
-                  <a:noFill/>
-                </a:ln>
-                <a:solidFill>
-                  <a:srgbClr val="000000"/>
-                </a:solidFill>
-                <a:uFillTx/>
-                <a:latin typeface="+mj-lt"/>
-                <a:ea typeface="+mj-ea"/>
-                <a:cs typeface="+mj-cs"/>
-                <a:sym typeface="Calibri"/>
-              </a:defRPr>
-            </a:lvl7pPr>
-            <a:lvl8pPr marL="0" marR="0" indent="0" algn="ctr" defTabSz="457200" rtl="0" latinLnBrk="0">
-              <a:lnSpc>
-                <a:spcPct val="100000"/>
-              </a:lnSpc>
-              <a:spcBef>
-                <a:spcPts val="0"/>
-              </a:spcBef>
-              <a:spcAft>
-                <a:spcPts val="0"/>
-              </a:spcAft>
-              <a:buClrTx/>
-              <a:buSzTx/>
-              <a:buFontTx/>
-              <a:buNone/>
-              <a:defRPr sz="4400" b="0" i="0" u="none" strike="noStrike" cap="none" spc="0" baseline="0">
-                <a:ln>
-                  <a:noFill/>
-                </a:ln>
-                <a:solidFill>
-                  <a:srgbClr val="000000"/>
-                </a:solidFill>
-                <a:uFillTx/>
-                <a:latin typeface="+mj-lt"/>
-                <a:ea typeface="+mj-ea"/>
-                <a:cs typeface="+mj-cs"/>
-                <a:sym typeface="Calibri"/>
-              </a:defRPr>
-            </a:lvl8pPr>
-            <a:lvl9pPr marL="0" marR="0" indent="0" algn="ctr" defTabSz="457200" rtl="0" latinLnBrk="0">
-              <a:lnSpc>
-                <a:spcPct val="100000"/>
-              </a:lnSpc>
-              <a:spcBef>
-                <a:spcPts val="0"/>
-              </a:spcBef>
-              <a:spcAft>
-                <a:spcPts val="0"/>
-              </a:spcAft>
-              <a:buClrTx/>
-              <a:buSzTx/>
-              <a:buFontTx/>
-              <a:buNone/>
-              <a:defRPr sz="4400" b="0" i="0" u="none" strike="noStrike" cap="none" spc="0" baseline="0">
-                <a:ln>
-                  <a:noFill/>
-                </a:ln>
-                <a:solidFill>
-                  <a:srgbClr val="000000"/>
-                </a:solidFill>
-                <a:uFillTx/>
-                <a:latin typeface="+mj-lt"/>
-                <a:ea typeface="+mj-ea"/>
-                <a:cs typeface="+mj-cs"/>
-                <a:sym typeface="Calibri"/>
-              </a:defRPr>
-            </a:lvl9pPr>
-          </a:lstStyle>
-          <a:p>
-            <a:pPr algn="r" hangingPunct="1"/>
-            <a:r>
-              <a:rPr lang="pt-BR" sz="2000" b="1" dirty="0">
-                <a:solidFill>
-                  <a:schemeClr val="bg1"/>
-                </a:solidFill>
-              </a:rPr>
-              <a:t>Professor </a:t>
-            </a:r>
-            <a:r>
-              <a:rPr lang="pt-BR" sz="2000" b="1">
-                <a:solidFill>
-                  <a:schemeClr val="bg1"/>
-                </a:solidFill>
-              </a:rPr>
-              <a:t>M.Sc</a:t>
-            </a:r>
-            <a:r>
-              <a:rPr lang="pt-BR" sz="2000" b="1" dirty="0">
-                <a:solidFill>
-                  <a:schemeClr val="bg1"/>
-                </a:solidFill>
-              </a:rPr>
-              <a:t>. Heleno Cardoso</a:t>
-            </a:r>
-          </a:p>
-        </p:txBody>
-      </p:sp>
-      <p:pic>
-        <p:nvPicPr>
-          <p:cNvPr id="2" name="Google Shape;62;p1" descr="Imagem">
-            <a:extLst>
-              <a:ext uri="{FF2B5EF4-FFF2-40B4-BE49-F238E27FC236}">
-                <a16:creationId xmlns:a16="http://schemas.microsoft.com/office/drawing/2014/main" id="{9C895622-2963-024D-634E-EA58F5381D06}"/>
-              </a:ext>
-            </a:extLst>
-          </p:cNvPr>
-          <p:cNvPicPr preferRelativeResize="0"/>
-          <p:nvPr/>
-        </p:nvPicPr>
-        <p:blipFill rotWithShape="1">
-          <a:blip r:embed="rId4">
-            <a:alphaModFix/>
-          </a:blip>
-          <a:srcRect/>
-          <a:stretch/>
-        </p:blipFill>
-        <p:spPr>
-          <a:xfrm>
-            <a:off x="469898" y="343798"/>
-            <a:ext cx="2858518" cy="1338697"/>
-          </a:xfrm>
-          <a:prstGeom prst="rect">
-            <a:avLst/>
-          </a:prstGeom>
-          <a:noFill/>
-          <a:ln>
-            <a:noFill/>
-          </a:ln>
         </p:spPr>
       </p:pic>
     </p:spTree>
+    <p:extLst>
+      <p:ext uri="{BB962C8B-B14F-4D97-AF65-F5344CB8AC3E}">
+        <p14:creationId xmlns:p14="http://schemas.microsoft.com/office/powerpoint/2010/main" val="335087373"/>
+      </p:ext>
+    </p:extLst>
   </p:cSld>
   <p:clrMapOvr>
     <a:masterClrMapping/>

--- a/01 Classes/Aula 09 - Algoritmos e Complexidade - Programação Dinâmica.pptx
+++ b/01 Classes/Aula 09 - Algoritmos e Complexidade - Programação Dinâmica.pptx
@@ -4881,8 +4881,8 @@
         </p:nvSpPr>
         <p:spPr>
           <a:xfrm>
-            <a:off x="142865" y="1200150"/>
-            <a:ext cx="8865056" cy="3737370"/>
+            <a:off x="142865" y="1081576"/>
+            <a:ext cx="8865056" cy="3974518"/>
           </a:xfrm>
         </p:spPr>
         <p:txBody>
@@ -4926,8 +4926,8 @@
         </p:blipFill>
         <p:spPr>
           <a:xfrm>
-            <a:off x="1126675" y="1227044"/>
-            <a:ext cx="5005184" cy="3690973"/>
+            <a:off x="201705" y="1111832"/>
+            <a:ext cx="5298141" cy="3907008"/>
           </a:xfrm>
           <a:prstGeom prst="rect">
             <a:avLst/>
@@ -4948,8 +4948,8 @@
         </p:nvSpPr>
         <p:spPr>
           <a:xfrm>
-            <a:off x="6239435" y="2003612"/>
-            <a:ext cx="2622177" cy="1200325"/>
+            <a:off x="5701553" y="2213634"/>
+            <a:ext cx="2447366" cy="1200325"/>
           </a:xfrm>
           <a:prstGeom prst="rect">
             <a:avLst/>
@@ -5310,9 +5310,9 @@
               <a:t> </a:t>
             </a:r>
             <a:r>
-              <a:rPr lang="pt-BR" sz="2000" dirty="0" err="1">
-                <a:solidFill>
-                  <a:schemeClr val="tx1"/>
+              <a:rPr lang="pt-BR" sz="2000" b="1" dirty="0" err="1">
+                <a:solidFill>
+                  <a:srgbClr val="FF0000"/>
                 </a:solidFill>
                 <a:latin typeface="Times New Roman" panose="02020603050405020304" pitchFamily="18" charset="0"/>
                 <a:cs typeface="Times New Roman" panose="02020603050405020304" pitchFamily="18" charset="0"/>
@@ -5405,7 +5405,7 @@
               <a:t> </a:t>
             </a:r>
             <a:r>
-              <a:rPr lang="pt-BR" sz="2000" dirty="0" err="1">
+              <a:rPr lang="pt-BR" sz="2000" b="1" dirty="0" err="1">
                 <a:solidFill>
                   <a:schemeClr val="tx1"/>
                 </a:solidFill>
@@ -5477,7 +5477,27 @@
                 <a:latin typeface="Times New Roman" panose="02020603050405020304" pitchFamily="18" charset="0"/>
                 <a:cs typeface="Times New Roman" panose="02020603050405020304" pitchFamily="18" charset="0"/>
               </a:rPr>
-              <a:t>[] f = new </a:t>
+              <a:t>[] f = </a:t>
+            </a:r>
+            <a:r>
+              <a:rPr lang="pt-BR" sz="2000" dirty="0">
+                <a:solidFill>
+                  <a:srgbClr val="FF0000"/>
+                </a:solidFill>
+                <a:latin typeface="Times New Roman" panose="02020603050405020304" pitchFamily="18" charset="0"/>
+                <a:cs typeface="Times New Roman" panose="02020603050405020304" pitchFamily="18" charset="0"/>
+              </a:rPr>
+              <a:t>new</a:t>
+            </a:r>
+            <a:r>
+              <a:rPr lang="pt-BR" sz="2000" dirty="0">
+                <a:solidFill>
+                  <a:schemeClr val="tx1"/>
+                </a:solidFill>
+                <a:latin typeface="Times New Roman" panose="02020603050405020304" pitchFamily="18" charset="0"/>
+                <a:cs typeface="Times New Roman" panose="02020603050405020304" pitchFamily="18" charset="0"/>
+              </a:rPr>
+              <a:t> </a:t>
             </a:r>
             <a:r>
               <a:rPr lang="pt-BR" sz="2000" dirty="0" err="1">
@@ -5497,7 +5517,107 @@
                 <a:latin typeface="Times New Roman" panose="02020603050405020304" pitchFamily="18" charset="0"/>
                 <a:cs typeface="Times New Roman" panose="02020603050405020304" pitchFamily="18" charset="0"/>
               </a:rPr>
-              <a:t>[n + 1]; f[0] = 0;    f[1] = 1;</a:t>
+              <a:t>[</a:t>
+            </a:r>
+            <a:r>
+              <a:rPr lang="pt-BR" sz="2000" b="1" dirty="0">
+                <a:solidFill>
+                  <a:schemeClr val="tx1"/>
+                </a:solidFill>
+                <a:latin typeface="Times New Roman" panose="02020603050405020304" pitchFamily="18" charset="0"/>
+                <a:cs typeface="Times New Roman" panose="02020603050405020304" pitchFamily="18" charset="0"/>
+              </a:rPr>
+              <a:t>n + 1</a:t>
+            </a:r>
+            <a:r>
+              <a:rPr lang="pt-BR" sz="2000" dirty="0">
+                <a:solidFill>
+                  <a:schemeClr val="tx1"/>
+                </a:solidFill>
+                <a:latin typeface="Times New Roman" panose="02020603050405020304" pitchFamily="18" charset="0"/>
+                <a:cs typeface="Times New Roman" panose="02020603050405020304" pitchFamily="18" charset="0"/>
+              </a:rPr>
+              <a:t>]; </a:t>
+            </a:r>
+            <a:r>
+              <a:rPr lang="pt-BR" sz="2000" b="1" dirty="0">
+                <a:solidFill>
+                  <a:schemeClr val="tx1"/>
+                </a:solidFill>
+                <a:latin typeface="Times New Roman" panose="02020603050405020304" pitchFamily="18" charset="0"/>
+                <a:cs typeface="Times New Roman" panose="02020603050405020304" pitchFamily="18" charset="0"/>
+              </a:rPr>
+              <a:t>f[0] </a:t>
+            </a:r>
+            <a:r>
+              <a:rPr lang="pt-BR" sz="2000" dirty="0">
+                <a:solidFill>
+                  <a:schemeClr val="tx1"/>
+                </a:solidFill>
+                <a:latin typeface="Times New Roman" panose="02020603050405020304" pitchFamily="18" charset="0"/>
+                <a:cs typeface="Times New Roman" panose="02020603050405020304" pitchFamily="18" charset="0"/>
+              </a:rPr>
+              <a:t>= </a:t>
+            </a:r>
+            <a:r>
+              <a:rPr lang="pt-BR" sz="2000" b="1" dirty="0">
+                <a:solidFill>
+                  <a:srgbClr val="FF0000"/>
+                </a:solidFill>
+                <a:latin typeface="Times New Roman" panose="02020603050405020304" pitchFamily="18" charset="0"/>
+                <a:cs typeface="Times New Roman" panose="02020603050405020304" pitchFamily="18" charset="0"/>
+              </a:rPr>
+              <a:t>0</a:t>
+            </a:r>
+            <a:r>
+              <a:rPr lang="pt-BR" sz="2000" dirty="0">
+                <a:solidFill>
+                  <a:schemeClr val="tx1"/>
+                </a:solidFill>
+                <a:latin typeface="Times New Roman" panose="02020603050405020304" pitchFamily="18" charset="0"/>
+                <a:cs typeface="Times New Roman" panose="02020603050405020304" pitchFamily="18" charset="0"/>
+              </a:rPr>
+              <a:t>;    </a:t>
+            </a:r>
+            <a:r>
+              <a:rPr lang="pt-BR" sz="2000" b="1" dirty="0">
+                <a:solidFill>
+                  <a:schemeClr val="tx1"/>
+                </a:solidFill>
+                <a:latin typeface="Times New Roman" panose="02020603050405020304" pitchFamily="18" charset="0"/>
+                <a:cs typeface="Times New Roman" panose="02020603050405020304" pitchFamily="18" charset="0"/>
+              </a:rPr>
+              <a:t>f[1] </a:t>
+            </a:r>
+            <a:r>
+              <a:rPr lang="pt-BR" sz="2000" dirty="0">
+                <a:solidFill>
+                  <a:schemeClr val="tx1"/>
+                </a:solidFill>
+                <a:latin typeface="Times New Roman" panose="02020603050405020304" pitchFamily="18" charset="0"/>
+                <a:cs typeface="Times New Roman" panose="02020603050405020304" pitchFamily="18" charset="0"/>
+              </a:rPr>
+              <a:t>= </a:t>
+            </a:r>
+            <a:r>
+              <a:rPr lang="pt-BR" sz="2000" b="1" dirty="0">
+                <a:solidFill>
+                  <a:srgbClr val="FF0000"/>
+                </a:solidFill>
+                <a:latin typeface="Times New Roman" panose="02020603050405020304" pitchFamily="18" charset="0"/>
+                <a:cs typeface="Times New Roman" panose="02020603050405020304" pitchFamily="18" charset="0"/>
+              </a:rPr>
+              <a:t>1</a:t>
+            </a:r>
+            <a:r>
+              <a:rPr lang="pt-BR" sz="2000" dirty="0">
+                <a:solidFill>
+                  <a:schemeClr val="tx1"/>
+                </a:solidFill>
+                <a:latin typeface="Times New Roman" panose="02020603050405020304" pitchFamily="18" charset="0"/>
+                <a:cs typeface="Times New Roman" panose="02020603050405020304" pitchFamily="18" charset="0"/>
+              </a:rPr>
+              <a:t>;</a:t>
             </a:r>
           </a:p>
           <a:p>
@@ -5512,7 +5632,27 @@
                 <a:latin typeface="Times New Roman" panose="02020603050405020304" pitchFamily="18" charset="0"/>
                 <a:cs typeface="Times New Roman" panose="02020603050405020304" pitchFamily="18" charset="0"/>
               </a:rPr>
-              <a:t>        for (</a:t>
+              <a:t>        </a:t>
+            </a:r>
+            <a:r>
+              <a:rPr lang="pt-BR" sz="2000" b="1" dirty="0">
+                <a:solidFill>
+                  <a:schemeClr val="tx1"/>
+                </a:solidFill>
+                <a:latin typeface="Times New Roman" panose="02020603050405020304" pitchFamily="18" charset="0"/>
+                <a:cs typeface="Times New Roman" panose="02020603050405020304" pitchFamily="18" charset="0"/>
+              </a:rPr>
+              <a:t>for</a:t>
+            </a:r>
+            <a:r>
+              <a:rPr lang="pt-BR" sz="2000" dirty="0">
+                <a:solidFill>
+                  <a:schemeClr val="tx1"/>
+                </a:solidFill>
+                <a:latin typeface="Times New Roman" panose="02020603050405020304" pitchFamily="18" charset="0"/>
+                <a:cs typeface="Times New Roman" panose="02020603050405020304" pitchFamily="18" charset="0"/>
+              </a:rPr>
+              <a:t> (</a:t>
             </a:r>
             <a:r>
               <a:rPr lang="pt-BR" sz="2000" dirty="0" err="1">
@@ -5532,7 +5672,27 @@
                 <a:latin typeface="Times New Roman" panose="02020603050405020304" pitchFamily="18" charset="0"/>
                 <a:cs typeface="Times New Roman" panose="02020603050405020304" pitchFamily="18" charset="0"/>
               </a:rPr>
-              <a:t> i = 2; i &lt;= n; i++) {</a:t>
+              <a:t> i = </a:t>
+            </a:r>
+            <a:r>
+              <a:rPr lang="pt-BR" sz="2000" b="1" dirty="0">
+                <a:solidFill>
+                  <a:srgbClr val="FF0000"/>
+                </a:solidFill>
+                <a:latin typeface="Times New Roman" panose="02020603050405020304" pitchFamily="18" charset="0"/>
+                <a:cs typeface="Times New Roman" panose="02020603050405020304" pitchFamily="18" charset="0"/>
+              </a:rPr>
+              <a:t>2</a:t>
+            </a:r>
+            <a:r>
+              <a:rPr lang="pt-BR" sz="2000" dirty="0">
+                <a:solidFill>
+                  <a:schemeClr val="tx1"/>
+                </a:solidFill>
+                <a:latin typeface="Times New Roman" panose="02020603050405020304" pitchFamily="18" charset="0"/>
+                <a:cs typeface="Times New Roman" panose="02020603050405020304" pitchFamily="18" charset="0"/>
+              </a:rPr>
+              <a:t>; i &lt;= n; i++) {</a:t>
             </a:r>
           </a:p>
           <a:p>
@@ -5547,7 +5707,27 @@
                 <a:latin typeface="Times New Roman" panose="02020603050405020304" pitchFamily="18" charset="0"/>
                 <a:cs typeface="Times New Roman" panose="02020603050405020304" pitchFamily="18" charset="0"/>
               </a:rPr>
-              <a:t>            f[i] = f[i - 1] + f[i - 2];</a:t>
+              <a:t>            f[i] = </a:t>
+            </a:r>
+            <a:r>
+              <a:rPr lang="pt-BR" sz="2000" b="1" dirty="0">
+                <a:solidFill>
+                  <a:schemeClr val="tx1"/>
+                </a:solidFill>
+                <a:latin typeface="Times New Roman" panose="02020603050405020304" pitchFamily="18" charset="0"/>
+                <a:cs typeface="Times New Roman" panose="02020603050405020304" pitchFamily="18" charset="0"/>
+              </a:rPr>
+              <a:t>f[i - 1] + f[i - 2]</a:t>
+            </a:r>
+            <a:r>
+              <a:rPr lang="pt-BR" sz="2000" dirty="0">
+                <a:solidFill>
+                  <a:schemeClr val="tx1"/>
+                </a:solidFill>
+                <a:latin typeface="Times New Roman" panose="02020603050405020304" pitchFamily="18" charset="0"/>
+                <a:cs typeface="Times New Roman" panose="02020603050405020304" pitchFamily="18" charset="0"/>
+              </a:rPr>
+              <a:t>;</a:t>
             </a:r>
           </a:p>
           <a:p>
@@ -5580,7 +5760,7 @@
               <a:t>        </a:t>
             </a:r>
             <a:r>
-              <a:rPr lang="pt-BR" sz="2000" dirty="0" err="1">
+              <a:rPr lang="pt-BR" sz="2000" b="1" dirty="0" err="1">
                 <a:solidFill>
                   <a:schemeClr val="tx1"/>
                 </a:solidFill>
@@ -5620,7 +5800,7 @@
               <a:buNone/>
             </a:pPr>
             <a:r>
-              <a:rPr lang="pt-BR" sz="2000" dirty="0">
+              <a:rPr lang="pt-BR" sz="2000" b="1" dirty="0">
                 <a:solidFill>
                   <a:schemeClr val="tx1"/>
                 </a:solidFill>
@@ -5630,7 +5810,7 @@
               <a:t>    </a:t>
             </a:r>
             <a:r>
-              <a:rPr lang="pt-BR" sz="2000" dirty="0" err="1">
+              <a:rPr lang="pt-BR" sz="2000" b="1" dirty="0" err="1">
                 <a:solidFill>
                   <a:schemeClr val="tx1"/>
                 </a:solidFill>
@@ -5640,7 +5820,7 @@
               <a:t>public</a:t>
             </a:r>
             <a:r>
-              <a:rPr lang="pt-BR" sz="2000" dirty="0">
+              <a:rPr lang="pt-BR" sz="2000" b="1" dirty="0">
                 <a:solidFill>
                   <a:schemeClr val="tx1"/>
                 </a:solidFill>
@@ -5650,7 +5830,7 @@
               <a:t> </a:t>
             </a:r>
             <a:r>
-              <a:rPr lang="pt-BR" sz="2000" dirty="0" err="1">
+              <a:rPr lang="pt-BR" sz="2000" b="1" dirty="0" err="1">
                 <a:solidFill>
                   <a:schemeClr val="tx1"/>
                 </a:solidFill>
@@ -5660,7 +5840,7 @@
               <a:t>static</a:t>
             </a:r>
             <a:r>
-              <a:rPr lang="pt-BR" sz="2000" dirty="0">
+              <a:rPr lang="pt-BR" sz="2000" b="1" dirty="0">
                 <a:solidFill>
                   <a:schemeClr val="tx1"/>
                 </a:solidFill>
@@ -5670,7 +5850,7 @@
               <a:t> </a:t>
             </a:r>
             <a:r>
-              <a:rPr lang="pt-BR" sz="2000" dirty="0" err="1">
+              <a:rPr lang="pt-BR" sz="2000" b="1" dirty="0" err="1">
                 <a:solidFill>
                   <a:schemeClr val="tx1"/>
                 </a:solidFill>
@@ -5680,7 +5860,7 @@
               <a:t>void</a:t>
             </a:r>
             <a:r>
-              <a:rPr lang="pt-BR" sz="2000" dirty="0">
+              <a:rPr lang="pt-BR" sz="2000" b="1" dirty="0">
                 <a:solidFill>
                   <a:schemeClr val="tx1"/>
                 </a:solidFill>
@@ -5690,7 +5870,7 @@
               <a:t> </a:t>
             </a:r>
             <a:r>
-              <a:rPr lang="pt-BR" sz="2000" dirty="0" err="1">
+              <a:rPr lang="pt-BR" sz="2000" b="1" dirty="0" err="1">
                 <a:solidFill>
                   <a:schemeClr val="tx1"/>
                 </a:solidFill>
@@ -5785,7 +5965,7 @@
               <a:t>(</a:t>
             </a:r>
             <a:r>
-              <a:rPr lang="pt-BR" sz="2000" dirty="0" err="1">
+              <a:rPr lang="pt-BR" sz="2000" b="1" dirty="0" err="1">
                 <a:solidFill>
                   <a:schemeClr val="tx1"/>
                 </a:solidFill>
@@ -5802,7 +5982,27 @@
                 <a:latin typeface="Times New Roman" panose="02020603050405020304" pitchFamily="18" charset="0"/>
                 <a:cs typeface="Times New Roman" panose="02020603050405020304" pitchFamily="18" charset="0"/>
               </a:rPr>
-              <a:t>(40));</a:t>
+              <a:t>(</a:t>
+            </a:r>
+            <a:r>
+              <a:rPr lang="pt-BR" sz="2000" b="1" dirty="0">
+                <a:solidFill>
+                  <a:srgbClr val="FF0000"/>
+                </a:solidFill>
+                <a:latin typeface="Times New Roman" panose="02020603050405020304" pitchFamily="18" charset="0"/>
+                <a:cs typeface="Times New Roman" panose="02020603050405020304" pitchFamily="18" charset="0"/>
+              </a:rPr>
+              <a:t>40</a:t>
+            </a:r>
+            <a:r>
+              <a:rPr lang="pt-BR" sz="2000" dirty="0">
+                <a:solidFill>
+                  <a:schemeClr val="tx1"/>
+                </a:solidFill>
+                <a:latin typeface="Times New Roman" panose="02020603050405020304" pitchFamily="18" charset="0"/>
+                <a:cs typeface="Times New Roman" panose="02020603050405020304" pitchFamily="18" charset="0"/>
+              </a:rPr>
+              <a:t>));</a:t>
             </a:r>
           </a:p>
           <a:p>
@@ -5892,41 +6092,81 @@
               </a:p>
               <a:p>
                 <a:r>
+                  <a:rPr lang="pt-BR" b="1" dirty="0">
+                    <a:latin typeface="Times New Roman" panose="02020603050405020304" pitchFamily="18" charset="0"/>
+                    <a:cs typeface="Times New Roman" panose="02020603050405020304" pitchFamily="18" charset="0"/>
+                  </a:rPr>
+                  <a:t>Recursivo</a:t>
+                </a:r>
+                <a:r>
                   <a:rPr lang="pt-BR" dirty="0">
                     <a:latin typeface="Times New Roman" panose="02020603050405020304" pitchFamily="18" charset="0"/>
                     <a:cs typeface="Times New Roman" panose="02020603050405020304" pitchFamily="18" charset="0"/>
                   </a:rPr>
-                  <a:t>Recursivo simples: </a:t>
+                  <a:t> </a:t>
+                </a:r>
+                <a:r>
+                  <a:rPr lang="pt-BR" b="1" dirty="0">
+                    <a:latin typeface="Times New Roman" panose="02020603050405020304" pitchFamily="18" charset="0"/>
+                    <a:cs typeface="Times New Roman" panose="02020603050405020304" pitchFamily="18" charset="0"/>
+                  </a:rPr>
+                  <a:t>simples</a:t>
+                </a:r>
+                <a:r>
+                  <a:rPr lang="pt-BR" dirty="0">
+                    <a:latin typeface="Times New Roman" panose="02020603050405020304" pitchFamily="18" charset="0"/>
+                    <a:cs typeface="Times New Roman" panose="02020603050405020304" pitchFamily="18" charset="0"/>
+                  </a:rPr>
+                  <a:t>: </a:t>
                 </a:r>
                 <a14:m>
                   <m:oMath xmlns:m="http://schemas.openxmlformats.org/officeDocument/2006/math">
                     <m:r>
-                      <a:rPr lang="pt-BR" i="1"/>
+                      <a:rPr lang="pt-BR" i="1">
+                        <a:latin typeface="Cambria Math" panose="02040503050406030204" pitchFamily="18" charset="0"/>
+                      </a:rPr>
                       <m:t>𝑂</m:t>
                     </m:r>
                     <m:d>
                       <m:dPr>
                         <m:ctrlPr>
-                          <a:rPr lang="ar-AE" i="1"/>
+                          <a:rPr lang="ar-AE" i="1">
+                            <a:latin typeface="Cambria Math" panose="02040503050406030204" pitchFamily="18" charset="0"/>
+                          </a:rPr>
                         </m:ctrlPr>
                       </m:dPr>
                       <m:e>
                         <m:sSup>
                           <m:sSupPr>
                             <m:ctrlPr>
-                              <a:rPr lang="ar-AE" i="1"/>
+                              <a:rPr lang="ar-AE" b="1" i="1" smtClean="0">
+                                <a:solidFill>
+                                  <a:srgbClr val="FF0000"/>
+                                </a:solidFill>
+                                <a:latin typeface="Cambria Math" panose="02040503050406030204" pitchFamily="18" charset="0"/>
+                              </a:rPr>
                             </m:ctrlPr>
                           </m:sSupPr>
                           <m:e>
                             <m:r>
-                              <a:rPr lang="ar-AE"/>
-                              <m:t>2</m:t>
+                              <a:rPr lang="ar-AE" b="1" i="1">
+                                <a:solidFill>
+                                  <a:srgbClr val="FF0000"/>
+                                </a:solidFill>
+                                <a:latin typeface="Cambria Math" panose="02040503050406030204" pitchFamily="18" charset="0"/>
+                              </a:rPr>
+                              <m:t>𝟐</m:t>
                             </m:r>
                           </m:e>
                           <m:sup>
                             <m:r>
-                              <a:rPr lang="ar-AE" i="1"/>
-                              <m:t>𝑛</m:t>
+                              <a:rPr lang="ar-AE" b="1" i="1">
+                                <a:solidFill>
+                                  <a:srgbClr val="FF0000"/>
+                                </a:solidFill>
+                                <a:latin typeface="Cambria Math" panose="02040503050406030204" pitchFamily="18" charset="0"/>
+                              </a:rPr>
+                              <m:t>𝒏</m:t>
                             </m:r>
                           </m:sup>
                         </m:sSup>
@@ -5941,28 +6181,44 @@
               </a:p>
               <a:p>
                 <a:r>
+                  <a:rPr lang="pt-BR" b="1" dirty="0">
+                    <a:latin typeface="Times New Roman" panose="02020603050405020304" pitchFamily="18" charset="0"/>
+                    <a:cs typeface="Times New Roman" panose="02020603050405020304" pitchFamily="18" charset="0"/>
+                  </a:rPr>
+                  <a:t>PD</a:t>
+                </a:r>
+                <a:r>
                   <a:rPr lang="pt-BR" dirty="0">
                     <a:latin typeface="Times New Roman" panose="02020603050405020304" pitchFamily="18" charset="0"/>
                     <a:cs typeface="Times New Roman" panose="02020603050405020304" pitchFamily="18" charset="0"/>
                   </a:rPr>
-                  <a:t>PD: </a:t>
+                  <a:t>: </a:t>
                 </a:r>
                 <a14:m>
                   <m:oMath xmlns:m="http://schemas.openxmlformats.org/officeDocument/2006/math">
                     <m:r>
-                      <a:rPr lang="pt-BR" i="1"/>
+                      <a:rPr lang="pt-BR" i="1">
+                        <a:latin typeface="Cambria Math" panose="02040503050406030204" pitchFamily="18" charset="0"/>
+                      </a:rPr>
                       <m:t>𝑂</m:t>
                     </m:r>
                     <m:d>
                       <m:dPr>
                         <m:ctrlPr>
-                          <a:rPr lang="ar-AE" i="1"/>
+                          <a:rPr lang="ar-AE" i="1">
+                            <a:latin typeface="Cambria Math" panose="02040503050406030204" pitchFamily="18" charset="0"/>
+                          </a:rPr>
                         </m:ctrlPr>
                       </m:dPr>
                       <m:e>
                         <m:r>
-                          <a:rPr lang="ar-AE" i="1"/>
-                          <m:t>𝑛</m:t>
+                          <a:rPr lang="ar-AE" b="1" i="1" smtClean="0">
+                            <a:solidFill>
+                              <a:srgbClr val="FF0000"/>
+                            </a:solidFill>
+                            <a:latin typeface="Cambria Math" panose="02040503050406030204" pitchFamily="18" charset="0"/>
+                          </a:rPr>
+                          <m:t>𝒏</m:t>
                         </m:r>
                       </m:e>
                     </m:d>
@@ -6228,7 +6484,52 @@
                 <a:latin typeface="Times New Roman" panose="02020603050405020304" pitchFamily="18" charset="0"/>
                 <a:cs typeface="Times New Roman" panose="02020603050405020304" pitchFamily="18" charset="0"/>
               </a:rPr>
-              <a:t>Dado um conjunto de itens com peso e valor, determine o valor máximo que pode ser levado em uma mochila com capacidade limitada.</a:t>
+              <a:t>	Dado um </a:t>
+            </a:r>
+            <a:r>
+              <a:rPr lang="pt-BR" sz="2000" b="1" dirty="0">
+                <a:latin typeface="Times New Roman" panose="02020603050405020304" pitchFamily="18" charset="0"/>
+                <a:cs typeface="Times New Roman" panose="02020603050405020304" pitchFamily="18" charset="0"/>
+              </a:rPr>
+              <a:t>conjunto de itens com peso e valor</a:t>
+            </a:r>
+            <a:r>
+              <a:rPr lang="pt-BR" sz="2000" dirty="0">
+                <a:latin typeface="Times New Roman" panose="02020603050405020304" pitchFamily="18" charset="0"/>
+                <a:cs typeface="Times New Roman" panose="02020603050405020304" pitchFamily="18" charset="0"/>
+              </a:rPr>
+              <a:t>, </a:t>
+            </a:r>
+            <a:r>
+              <a:rPr lang="pt-BR" sz="2000" b="1" dirty="0">
+                <a:solidFill>
+                  <a:srgbClr val="FF0000"/>
+                </a:solidFill>
+                <a:latin typeface="Times New Roman" panose="02020603050405020304" pitchFamily="18" charset="0"/>
+                <a:cs typeface="Times New Roman" panose="02020603050405020304" pitchFamily="18" charset="0"/>
+              </a:rPr>
+              <a:t>determine o valor máximo </a:t>
+            </a:r>
+            <a:r>
+              <a:rPr lang="pt-BR" sz="2000" dirty="0">
+                <a:latin typeface="Times New Roman" panose="02020603050405020304" pitchFamily="18" charset="0"/>
+                <a:cs typeface="Times New Roman" panose="02020603050405020304" pitchFamily="18" charset="0"/>
+              </a:rPr>
+              <a:t>que pode ser levado em uma </a:t>
+            </a:r>
+            <a:r>
+              <a:rPr lang="pt-BR" sz="2000" b="1" dirty="0">
+                <a:latin typeface="Times New Roman" panose="02020603050405020304" pitchFamily="18" charset="0"/>
+                <a:cs typeface="Times New Roman" panose="02020603050405020304" pitchFamily="18" charset="0"/>
+              </a:rPr>
+              <a:t>mochila com capacidade limitada</a:t>
+            </a:r>
+            <a:r>
+              <a:rPr lang="pt-BR" sz="2000" dirty="0">
+                <a:latin typeface="Times New Roman" panose="02020603050405020304" pitchFamily="18" charset="0"/>
+                <a:cs typeface="Times New Roman" panose="02020603050405020304" pitchFamily="18" charset="0"/>
+              </a:rPr>
+              <a:t>.</a:t>
             </a:r>
           </a:p>
           <a:p>
@@ -6283,7 +6584,7 @@
         </p:blipFill>
         <p:spPr>
           <a:xfrm>
-            <a:off x="253946" y="3184582"/>
+            <a:off x="253946" y="3278711"/>
             <a:ext cx="7463706" cy="1135781"/>
           </a:xfrm>
           <a:prstGeom prst="rect">
@@ -7248,8 +7549,8 @@
           </a:p>
         </p:txBody>
       </p:sp>
-      <mc:AlternateContent xmlns:mc="http://schemas.openxmlformats.org/markup-compatibility/2006">
-        <mc:Choice xmlns:a14="http://schemas.microsoft.com/office/drawing/2010/main" Requires="a14">
+      <mc:AlternateContent xmlns:mc="http://schemas.openxmlformats.org/markup-compatibility/2006" xmlns:a14="http://schemas.microsoft.com/office/drawing/2010/main">
+        <mc:Choice Requires="a14">
           <p:sp>
             <p:nvSpPr>
               <p:cNvPr id="8" name="Text Placeholder 2">
@@ -7330,34 +7631,46 @@
                 <a14:m>
                   <m:oMath xmlns:m="http://schemas.openxmlformats.org/officeDocument/2006/math">
                     <m:r>
-                      <a:rPr lang="pt-BR" sz="2000" i="1"/>
+                      <a:rPr lang="pt-BR" sz="2000" i="1">
+                        <a:latin typeface="Cambria Math" panose="02040503050406030204" pitchFamily="18" charset="0"/>
+                      </a:rPr>
                       <m:t>𝑂</m:t>
                     </m:r>
                     <m:r>
-                      <a:rPr lang="pt-BR" sz="2000" i="1"/>
+                      <a:rPr lang="pt-BR" sz="2000" i="1">
+                        <a:latin typeface="Cambria Math" panose="02040503050406030204" pitchFamily="18" charset="0"/>
+                      </a:rPr>
                       <m:t>(</m:t>
                     </m:r>
                     <m:sSup>
                       <m:sSupPr>
                         <m:ctrlPr>
-                          <a:rPr lang="pt-BR" sz="2000" i="1"/>
+                          <a:rPr lang="pt-BR" sz="2000" i="1">
+                            <a:latin typeface="Cambria Math" panose="02040503050406030204" pitchFamily="18" charset="0"/>
+                          </a:rPr>
                         </m:ctrlPr>
                       </m:sSupPr>
                       <m:e>
                         <m:r>
-                          <a:rPr lang="pt-BR" sz="2000" i="1"/>
+                          <a:rPr lang="pt-BR" sz="2000" i="1">
+                            <a:latin typeface="Cambria Math" panose="02040503050406030204" pitchFamily="18" charset="0"/>
+                          </a:rPr>
                           <m:t>2</m:t>
                         </m:r>
                       </m:e>
                       <m:sup>
                         <m:r>
-                          <a:rPr lang="pt-BR" sz="2000" i="1"/>
+                          <a:rPr lang="pt-BR" sz="2000" i="1">
+                            <a:latin typeface="Cambria Math" panose="02040503050406030204" pitchFamily="18" charset="0"/>
+                          </a:rPr>
                           <m:t>𝑛</m:t>
                         </m:r>
                       </m:sup>
                     </m:sSup>
                     <m:r>
-                      <a:rPr lang="pt-BR" sz="2000" i="1"/>
+                      <a:rPr lang="pt-BR" sz="2000" i="1">
+                        <a:latin typeface="Cambria Math" panose="02040503050406030204" pitchFamily="18" charset="0"/>
+                      </a:rPr>
                       <m:t>)</m:t>
                     </m:r>
                   </m:oMath>
@@ -7378,34 +7691,46 @@
                 <a14:m>
                   <m:oMath xmlns:m="http://schemas.openxmlformats.org/officeDocument/2006/math">
                     <m:r>
-                      <a:rPr lang="pt-BR" sz="2000" i="1"/>
+                      <a:rPr lang="pt-BR" sz="2000" i="1">
+                        <a:latin typeface="Cambria Math" panose="02040503050406030204" pitchFamily="18" charset="0"/>
+                      </a:rPr>
                       <m:t>𝑂</m:t>
                     </m:r>
                     <m:r>
-                      <a:rPr lang="pt-BR" sz="2000" i="1"/>
+                      <a:rPr lang="pt-BR" sz="2000" i="1">
+                        <a:latin typeface="Cambria Math" panose="02040503050406030204" pitchFamily="18" charset="0"/>
+                      </a:rPr>
                       <m:t>(</m:t>
                     </m:r>
                     <m:sSup>
                       <m:sSupPr>
                         <m:ctrlPr>
-                          <a:rPr lang="pt-BR" sz="2000" i="1"/>
+                          <a:rPr lang="pt-BR" sz="2000" i="1">
+                            <a:latin typeface="Cambria Math" panose="02040503050406030204" pitchFamily="18" charset="0"/>
+                          </a:rPr>
                         </m:ctrlPr>
                       </m:sSupPr>
                       <m:e>
                         <m:r>
-                          <a:rPr lang="pt-BR" sz="2000" i="1"/>
+                          <a:rPr lang="pt-BR" sz="2000" i="1">
+                            <a:latin typeface="Cambria Math" panose="02040503050406030204" pitchFamily="18" charset="0"/>
+                          </a:rPr>
                           <m:t>𝑛</m:t>
                         </m:r>
                       </m:e>
                       <m:sup>
                         <m:r>
-                          <a:rPr lang="pt-BR" sz="2000" i="1"/>
+                          <a:rPr lang="pt-BR" sz="2000" i="1">
+                            <a:latin typeface="Cambria Math" panose="02040503050406030204" pitchFamily="18" charset="0"/>
+                          </a:rPr>
                           <m:t>2</m:t>
                         </m:r>
                       </m:sup>
                     </m:sSup>
                     <m:r>
-                      <a:rPr lang="pt-BR" sz="2000" i="1"/>
+                      <a:rPr lang="pt-BR" sz="2000" i="1">
+                        <a:latin typeface="Cambria Math" panose="02040503050406030204" pitchFamily="18" charset="0"/>
+                      </a:rPr>
                       <m:t>)</m:t>
                     </m:r>
                   </m:oMath>
@@ -7426,19 +7751,27 @@
                 <a14:m>
                   <m:oMath xmlns:m="http://schemas.openxmlformats.org/officeDocument/2006/math">
                     <m:r>
-                      <a:rPr lang="pt-BR" sz="2000" i="1"/>
+                      <a:rPr lang="pt-BR" sz="2000" i="1">
+                        <a:latin typeface="Cambria Math" panose="02040503050406030204" pitchFamily="18" charset="0"/>
+                      </a:rPr>
                       <m:t>𝑂</m:t>
                     </m:r>
                     <m:r>
-                      <a:rPr lang="pt-BR" sz="2000" i="1"/>
+                      <a:rPr lang="pt-BR" sz="2000" i="1">
+                        <a:latin typeface="Cambria Math" panose="02040503050406030204" pitchFamily="18" charset="0"/>
+                      </a:rPr>
                       <m:t>(</m:t>
                     </m:r>
                     <m:r>
-                      <a:rPr lang="pt-BR" sz="2000" i="1"/>
+                      <a:rPr lang="pt-BR" sz="2000" i="1">
+                        <a:latin typeface="Cambria Math" panose="02040503050406030204" pitchFamily="18" charset="0"/>
+                      </a:rPr>
                       <m:t>𝑛</m:t>
                     </m:r>
                     <m:r>
-                      <a:rPr lang="pt-BR" sz="2000" i="1"/>
+                      <a:rPr lang="pt-BR" sz="2000" i="1">
+                        <a:latin typeface="Cambria Math" panose="02040503050406030204" pitchFamily="18" charset="0"/>
+                      </a:rPr>
                       <m:t>)</m:t>
                     </m:r>
                   </m:oMath>
@@ -7459,30 +7792,42 @@
                 <a14:m>
                   <m:oMath xmlns:m="http://schemas.openxmlformats.org/officeDocument/2006/math">
                     <m:r>
-                      <a:rPr lang="pt-BR" sz="2000" i="1"/>
+                      <a:rPr lang="pt-BR" sz="2000" i="1">
+                        <a:latin typeface="Cambria Math" panose="02040503050406030204" pitchFamily="18" charset="0"/>
+                      </a:rPr>
                       <m:t>𝑂</m:t>
                     </m:r>
                     <m:r>
-                      <a:rPr lang="pt-BR" sz="2000" i="1"/>
+                      <a:rPr lang="pt-BR" sz="2000" i="1">
+                        <a:latin typeface="Cambria Math" panose="02040503050406030204" pitchFamily="18" charset="0"/>
+                      </a:rPr>
                       <m:t>(</m:t>
                     </m:r>
                     <m:r>
                       <m:rPr>
                         <m:sty m:val="p"/>
                       </m:rPr>
-                      <a:rPr lang="pt-BR" sz="2000"/>
+                      <a:rPr lang="pt-BR" sz="2000">
+                        <a:latin typeface="Cambria Math" panose="02040503050406030204" pitchFamily="18" charset="0"/>
+                      </a:rPr>
                       <m:t>log</m:t>
                     </m:r>
                     <m:r>
-                      <a:rPr lang="pt-BR" sz="2000" i="1"/>
+                      <a:rPr lang="pt-BR" sz="2000" i="1">
+                        <a:latin typeface="Cambria Math" panose="02040503050406030204" pitchFamily="18" charset="0"/>
+                      </a:rPr>
                       <m:t>⁡</m:t>
                     </m:r>
                     <m:r>
-                      <a:rPr lang="pt-BR" sz="2000" i="1"/>
+                      <a:rPr lang="pt-BR" sz="2000" i="1">
+                        <a:latin typeface="Cambria Math" panose="02040503050406030204" pitchFamily="18" charset="0"/>
+                      </a:rPr>
                       <m:t>𝑛</m:t>
                     </m:r>
                     <m:r>
-                      <a:rPr lang="pt-BR" sz="2000" i="1"/>
+                      <a:rPr lang="pt-BR" sz="2000" i="1">
+                        <a:latin typeface="Cambria Math" panose="02040503050406030204" pitchFamily="18" charset="0"/>
+                      </a:rPr>
                       <m:t>)</m:t>
                     </m:r>
                   </m:oMath>
@@ -7495,7 +7840,7 @@
             </p:txBody>
           </p:sp>
         </mc:Choice>
-        <mc:Fallback>
+        <mc:Fallback xmlns="">
           <p:sp>
             <p:nvSpPr>
               <p:cNvPr id="8" name="Text Placeholder 2">
@@ -7668,43 +8013,41 @@
               <a:buNone/>
             </a:pPr>
             <a:r>
+              <a:rPr lang="pt-BR" sz="2000" b="1" i="1" dirty="0">
+                <a:latin typeface="Times New Roman" panose="02020603050405020304" pitchFamily="18" charset="0"/>
+                <a:cs typeface="Times New Roman" panose="02020603050405020304" pitchFamily="18" charset="0"/>
+              </a:rPr>
+              <a:t>Respostas</a:t>
+            </a:r>
+            <a:r>
               <a:rPr lang="pt-BR" sz="2000" i="1" dirty="0">
                 <a:latin typeface="Times New Roman" panose="02020603050405020304" pitchFamily="18" charset="0"/>
                 <a:cs typeface="Times New Roman" panose="02020603050405020304" pitchFamily="18" charset="0"/>
               </a:rPr>
-              <a:t>(</a:t>
+              <a:t>: ( </a:t>
             </a:r>
             <a:r>
               <a:rPr lang="pt-BR" sz="2000" b="1" i="1" dirty="0">
-                <a:latin typeface="Times New Roman" panose="02020603050405020304" pitchFamily="18" charset="0"/>
-                <a:cs typeface="Times New Roman" panose="02020603050405020304" pitchFamily="18" charset="0"/>
-              </a:rPr>
-              <a:t>Respostas</a:t>
+                <a:solidFill>
+                  <a:srgbClr val="FF0000"/>
+                </a:solidFill>
+                <a:latin typeface="Times New Roman" panose="02020603050405020304" pitchFamily="18" charset="0"/>
+                <a:cs typeface="Times New Roman" panose="02020603050405020304" pitchFamily="18" charset="0"/>
+              </a:rPr>
+              <a:t>1-b; 		2-b; 	3-c </a:t>
             </a:r>
             <a:r>
               <a:rPr lang="pt-BR" sz="2000" i="1" dirty="0">
                 <a:latin typeface="Times New Roman" panose="02020603050405020304" pitchFamily="18" charset="0"/>
                 <a:cs typeface="Times New Roman" panose="02020603050405020304" pitchFamily="18" charset="0"/>
               </a:rPr>
-              <a:t>: </a:t>
-            </a:r>
-            <a:r>
-              <a:rPr lang="pt-BR" sz="2000" b="1" i="1" dirty="0">
-                <a:solidFill>
-                  <a:srgbClr val="FF0000"/>
-                </a:solidFill>
-                <a:latin typeface="Times New Roman" panose="02020603050405020304" pitchFamily="18" charset="0"/>
-                <a:cs typeface="Times New Roman" panose="02020603050405020304" pitchFamily="18" charset="0"/>
-              </a:rPr>
-              <a:t>1-b; 		2-b; 	3-c</a:t>
-            </a:r>
-            <a:r>
-              <a:rPr lang="pt-BR" sz="2000" i="1" dirty="0">
-                <a:latin typeface="Times New Roman" panose="02020603050405020304" pitchFamily="18" charset="0"/>
-                <a:cs typeface="Times New Roman" panose="02020603050405020304" pitchFamily="18" charset="0"/>
-              </a:rPr>
               <a:t>)</a:t>
             </a:r>
+          </a:p>
+          <a:p>
+            <a:pPr marL="0" indent="0">
+              <a:buNone/>
+            </a:pPr>
             <a:endParaRPr lang="pt-BR" sz="2000" dirty="0">
               <a:latin typeface="Times New Roman" panose="02020603050405020304" pitchFamily="18" charset="0"/>
               <a:cs typeface="Times New Roman" panose="02020603050405020304" pitchFamily="18" charset="0"/>
@@ -9883,11 +10226,49 @@
               <a:buNone/>
             </a:pPr>
             <a:r>
+              <a:rPr lang="pt-BR" sz="2000" b="1" dirty="0">
+                <a:latin typeface="Times New Roman" panose="02020603050405020304" pitchFamily="18" charset="0"/>
+                <a:cs typeface="Times New Roman" panose="02020603050405020304" pitchFamily="18" charset="0"/>
+              </a:rPr>
+              <a:t>Técnica</a:t>
+            </a:r>
+            <a:r>
               <a:rPr lang="pt-BR" sz="2000" dirty="0">
                 <a:latin typeface="Times New Roman" panose="02020603050405020304" pitchFamily="18" charset="0"/>
                 <a:cs typeface="Times New Roman" panose="02020603050405020304" pitchFamily="18" charset="0"/>
               </a:rPr>
-              <a:t>Técnica para otimizar performance de problemas complexos. </a:t>
+              <a:t> para </a:t>
+            </a:r>
+            <a:r>
+              <a:rPr lang="pt-BR" sz="2000" b="1" dirty="0">
+                <a:solidFill>
+                  <a:srgbClr val="FF0000"/>
+                </a:solidFill>
+                <a:latin typeface="Times New Roman" panose="02020603050405020304" pitchFamily="18" charset="0"/>
+                <a:cs typeface="Times New Roman" panose="02020603050405020304" pitchFamily="18" charset="0"/>
+              </a:rPr>
+              <a:t>otimizar performance </a:t>
+            </a:r>
+            <a:r>
+              <a:rPr lang="pt-BR" sz="2000" dirty="0">
+                <a:latin typeface="Times New Roman" panose="02020603050405020304" pitchFamily="18" charset="0"/>
+                <a:cs typeface="Times New Roman" panose="02020603050405020304" pitchFamily="18" charset="0"/>
+              </a:rPr>
+              <a:t>de </a:t>
+            </a:r>
+            <a:r>
+              <a:rPr lang="pt-BR" sz="2000" b="1" dirty="0">
+                <a:latin typeface="Times New Roman" panose="02020603050405020304" pitchFamily="18" charset="0"/>
+                <a:cs typeface="Times New Roman" panose="02020603050405020304" pitchFamily="18" charset="0"/>
+              </a:rPr>
+              <a:t>problemas complexos</a:t>
+            </a:r>
+            <a:r>
+              <a:rPr lang="pt-BR" sz="2000" dirty="0">
+                <a:latin typeface="Times New Roman" panose="02020603050405020304" pitchFamily="18" charset="0"/>
+                <a:cs typeface="Times New Roman" panose="02020603050405020304" pitchFamily="18" charset="0"/>
+              </a:rPr>
+              <a:t>. </a:t>
             </a:r>
           </a:p>
           <a:p>
@@ -9904,11 +10285,18 @@
               <a:buNone/>
             </a:pPr>
             <a:r>
+              <a:rPr lang="pt-BR" sz="2000" b="1" dirty="0">
+                <a:latin typeface="Times New Roman" panose="02020603050405020304" pitchFamily="18" charset="0"/>
+                <a:cs typeface="Times New Roman" panose="02020603050405020304" pitchFamily="18" charset="0"/>
+              </a:rPr>
+              <a:t>Desafio do tempo</a:t>
+            </a:r>
+            <a:r>
               <a:rPr lang="pt-BR" sz="2000" dirty="0">
                 <a:latin typeface="Times New Roman" panose="02020603050405020304" pitchFamily="18" charset="0"/>
                 <a:cs typeface="Times New Roman" panose="02020603050405020304" pitchFamily="18" charset="0"/>
               </a:rPr>
-              <a:t>Desafio do tempo: O código é uma foto. O código em execução é um filme.</a:t>
+              <a:t>: O código é uma foto. O código em execução é um filme.</a:t>
             </a:r>
           </a:p>
           <a:p>
@@ -9928,6 +10316,16 @@
               <a:buNone/>
             </a:pPr>
             <a:r>
+              <a:rPr lang="pt-BR" sz="2000" b="1" dirty="0">
+                <a:solidFill>
+                  <a:schemeClr val="tx1"/>
+                </a:solidFill>
+                <a:latin typeface="Times New Roman" panose="02020603050405020304" pitchFamily="18" charset="0"/>
+                <a:cs typeface="Times New Roman" panose="02020603050405020304" pitchFamily="18" charset="0"/>
+              </a:rPr>
+              <a:t>Construção incremental</a:t>
+            </a:r>
+            <a:r>
               <a:rPr lang="pt-BR" sz="2000" dirty="0">
                 <a:solidFill>
                   <a:schemeClr val="tx1"/>
@@ -9935,16 +10333,56 @@
                 <a:latin typeface="Times New Roman" panose="02020603050405020304" pitchFamily="18" charset="0"/>
                 <a:cs typeface="Times New Roman" panose="02020603050405020304" pitchFamily="18" charset="0"/>
               </a:rPr>
-              <a:t>Construção incremental: Resolvemos o problema para um subconjunto dos elementos da entrada, um passo de cada vez: iterativa ou recursiva. Em alguns casos, se o </a:t>
-            </a:r>
-            <a:r>
-              <a:rPr lang="pt-BR" sz="2000" dirty="0" err="1">
+              <a:t>: Resolvemos o problema para um </a:t>
+            </a:r>
+            <a:r>
+              <a:rPr lang="pt-BR" sz="2000" b="1" dirty="0">
+                <a:solidFill>
+                  <a:srgbClr val="FF0000"/>
+                </a:solidFill>
+                <a:latin typeface="Times New Roman" panose="02020603050405020304" pitchFamily="18" charset="0"/>
+                <a:cs typeface="Times New Roman" panose="02020603050405020304" pitchFamily="18" charset="0"/>
+              </a:rPr>
+              <a:t>subconjunto dos elementos da entrada</a:t>
+            </a:r>
+            <a:r>
+              <a:rPr lang="pt-BR" sz="2000" dirty="0">
                 <a:solidFill>
                   <a:schemeClr val="tx1"/>
                 </a:solidFill>
                 <a:latin typeface="Times New Roman" panose="02020603050405020304" pitchFamily="18" charset="0"/>
                 <a:cs typeface="Times New Roman" panose="02020603050405020304" pitchFamily="18" charset="0"/>
               </a:rPr>
+              <a:t>, um passo de cada vez: </a:t>
+            </a:r>
+            <a:r>
+              <a:rPr lang="pt-BR" sz="2000" b="1" dirty="0">
+                <a:solidFill>
+                  <a:schemeClr val="tx1"/>
+                </a:solidFill>
+                <a:latin typeface="Times New Roman" panose="02020603050405020304" pitchFamily="18" charset="0"/>
+                <a:cs typeface="Times New Roman" panose="02020603050405020304" pitchFamily="18" charset="0"/>
+              </a:rPr>
+              <a:t>iterativa ou recursiva</a:t>
+            </a:r>
+            <a:r>
+              <a:rPr lang="pt-BR" sz="2000" dirty="0">
+                <a:solidFill>
+                  <a:schemeClr val="tx1"/>
+                </a:solidFill>
+                <a:latin typeface="Times New Roman" panose="02020603050405020304" pitchFamily="18" charset="0"/>
+                <a:cs typeface="Times New Roman" panose="02020603050405020304" pitchFamily="18" charset="0"/>
+              </a:rPr>
+              <a:t>. Em alguns casos, se o </a:t>
+            </a:r>
+            <a:r>
+              <a:rPr lang="pt-BR" sz="2000" b="1" dirty="0" err="1">
+                <a:solidFill>
+                  <a:schemeClr val="tx1"/>
+                </a:solidFill>
+                <a:latin typeface="Times New Roman" panose="02020603050405020304" pitchFamily="18" charset="0"/>
+                <a:cs typeface="Times New Roman" panose="02020603050405020304" pitchFamily="18" charset="0"/>
+              </a:rPr>
               <a:t>array</a:t>
             </a:r>
             <a:r>
@@ -9955,7 +10393,47 @@
                 <a:latin typeface="Times New Roman" panose="02020603050405020304" pitchFamily="18" charset="0"/>
                 <a:cs typeface="Times New Roman" panose="02020603050405020304" pitchFamily="18" charset="0"/>
               </a:rPr>
-              <a:t> estiverem numa orem ruim, o algoritmo perde a eficiência.</a:t>
+              <a:t> estiverem numa </a:t>
+            </a:r>
+            <a:r>
+              <a:rPr lang="pt-BR" sz="2000" b="1" dirty="0">
+                <a:solidFill>
+                  <a:srgbClr val="FF0000"/>
+                </a:solidFill>
+                <a:latin typeface="Times New Roman" panose="02020603050405020304" pitchFamily="18" charset="0"/>
+                <a:cs typeface="Times New Roman" panose="02020603050405020304" pitchFamily="18" charset="0"/>
+              </a:rPr>
+              <a:t>ordem ruim</a:t>
+            </a:r>
+            <a:r>
+              <a:rPr lang="pt-BR" sz="2000" dirty="0">
+                <a:solidFill>
+                  <a:schemeClr val="tx1"/>
+                </a:solidFill>
+                <a:latin typeface="Times New Roman" panose="02020603050405020304" pitchFamily="18" charset="0"/>
+                <a:cs typeface="Times New Roman" panose="02020603050405020304" pitchFamily="18" charset="0"/>
+              </a:rPr>
+              <a:t>, o </a:t>
+            </a:r>
+            <a:r>
+              <a:rPr lang="pt-BR" sz="2000" b="1" dirty="0">
+                <a:solidFill>
+                  <a:schemeClr val="tx1"/>
+                </a:solidFill>
+                <a:latin typeface="Times New Roman" panose="02020603050405020304" pitchFamily="18" charset="0"/>
+                <a:cs typeface="Times New Roman" panose="02020603050405020304" pitchFamily="18" charset="0"/>
+              </a:rPr>
+              <a:t>algoritmo perde a eficiência</a:t>
+            </a:r>
+            <a:r>
+              <a:rPr lang="pt-BR" sz="2000" dirty="0">
+                <a:solidFill>
+                  <a:schemeClr val="tx1"/>
+                </a:solidFill>
+                <a:latin typeface="Times New Roman" panose="02020603050405020304" pitchFamily="18" charset="0"/>
+                <a:cs typeface="Times New Roman" panose="02020603050405020304" pitchFamily="18" charset="0"/>
+              </a:rPr>
+              <a:t>.</a:t>
             </a:r>
           </a:p>
           <a:p>
@@ -9975,6 +10453,16 @@
               <a:buNone/>
             </a:pPr>
             <a:r>
+              <a:rPr lang="pt-BR" sz="2000" b="1" dirty="0">
+                <a:solidFill>
+                  <a:schemeClr val="tx1"/>
+                </a:solidFill>
+                <a:latin typeface="Times New Roman" panose="02020603050405020304" pitchFamily="18" charset="0"/>
+                <a:cs typeface="Times New Roman" panose="02020603050405020304" pitchFamily="18" charset="0"/>
+              </a:rPr>
+              <a:t>Ex</a:t>
+            </a:r>
+            <a:r>
               <a:rPr lang="pt-BR" sz="2000" dirty="0">
                 <a:solidFill>
                   <a:schemeClr val="tx1"/>
@@ -9982,7 +10470,67 @@
                 <a:latin typeface="Times New Roman" panose="02020603050405020304" pitchFamily="18" charset="0"/>
                 <a:cs typeface="Times New Roman" panose="02020603050405020304" pitchFamily="18" charset="0"/>
               </a:rPr>
-              <a:t>Ex. Cálculo Fatorial de n, solução iterativa ou recursiva.</a:t>
+              <a:t>. </a:t>
+            </a:r>
+            <a:r>
+              <a:rPr lang="pt-BR" sz="2000" b="1" dirty="0">
+                <a:solidFill>
+                  <a:srgbClr val="FF0000"/>
+                </a:solidFill>
+                <a:latin typeface="Times New Roman" panose="02020603050405020304" pitchFamily="18" charset="0"/>
+                <a:cs typeface="Times New Roman" panose="02020603050405020304" pitchFamily="18" charset="0"/>
+              </a:rPr>
+              <a:t>Cálculo Fatorial de n</a:t>
+            </a:r>
+            <a:r>
+              <a:rPr lang="pt-BR" sz="2000" dirty="0">
+                <a:solidFill>
+                  <a:schemeClr val="tx1"/>
+                </a:solidFill>
+                <a:latin typeface="Times New Roman" panose="02020603050405020304" pitchFamily="18" charset="0"/>
+                <a:cs typeface="Times New Roman" panose="02020603050405020304" pitchFamily="18" charset="0"/>
+              </a:rPr>
+              <a:t>, solução </a:t>
+            </a:r>
+            <a:r>
+              <a:rPr lang="pt-BR" sz="2000" b="1" dirty="0">
+                <a:solidFill>
+                  <a:schemeClr val="tx1"/>
+                </a:solidFill>
+                <a:latin typeface="Times New Roman" panose="02020603050405020304" pitchFamily="18" charset="0"/>
+                <a:cs typeface="Times New Roman" panose="02020603050405020304" pitchFamily="18" charset="0"/>
+              </a:rPr>
+              <a:t>iterativa</a:t>
+            </a:r>
+            <a:r>
+              <a:rPr lang="pt-BR" sz="2000" dirty="0">
+                <a:solidFill>
+                  <a:schemeClr val="tx1"/>
+                </a:solidFill>
+                <a:latin typeface="Times New Roman" panose="02020603050405020304" pitchFamily="18" charset="0"/>
+                <a:cs typeface="Times New Roman" panose="02020603050405020304" pitchFamily="18" charset="0"/>
+              </a:rPr>
+              <a:t> ou </a:t>
+            </a:r>
+            <a:r>
+              <a:rPr lang="pt-BR" sz="2000" b="1" dirty="0">
+                <a:solidFill>
+                  <a:srgbClr val="FF0000"/>
+                </a:solidFill>
+                <a:latin typeface="Times New Roman" panose="02020603050405020304" pitchFamily="18" charset="0"/>
+                <a:cs typeface="Times New Roman" panose="02020603050405020304" pitchFamily="18" charset="0"/>
+              </a:rPr>
+              <a:t>recursiva</a:t>
+            </a:r>
+            <a:r>
+              <a:rPr lang="pt-BR" sz="2000" dirty="0">
+                <a:solidFill>
+                  <a:schemeClr val="tx1"/>
+                </a:solidFill>
+                <a:latin typeface="Times New Roman" panose="02020603050405020304" pitchFamily="18" charset="0"/>
+                <a:cs typeface="Times New Roman" panose="02020603050405020304" pitchFamily="18" charset="0"/>
+              </a:rPr>
+              <a:t>.</a:t>
             </a:r>
           </a:p>
         </p:txBody>
@@ -10116,21 +10664,131 @@
               <a:buNone/>
             </a:pPr>
             <a:r>
-              <a:rPr lang="pt-BR" sz="2000" dirty="0">
+              <a:rPr lang="pt-BR" sz="1800" b="1" dirty="0">
                 <a:solidFill>
                   <a:schemeClr val="tx1"/>
                 </a:solidFill>
                 <a:latin typeface="Times New Roman" panose="02020603050405020304" pitchFamily="18" charset="0"/>
                 <a:cs typeface="Times New Roman" panose="02020603050405020304" pitchFamily="18" charset="0"/>
               </a:rPr>
-              <a:t>Construção Divisão e Conquista: o problema principal é decomposto em subproblemas menores, combinando as respostas e cada subproblemas, a conquista é a solução.</a:t>
+              <a:t>Construção Divisão e Conquista</a:t>
+            </a:r>
+            <a:r>
+              <a:rPr lang="pt-BR" sz="1800" dirty="0">
+                <a:solidFill>
+                  <a:schemeClr val="tx1"/>
+                </a:solidFill>
+                <a:latin typeface="Times New Roman" panose="02020603050405020304" pitchFamily="18" charset="0"/>
+                <a:cs typeface="Times New Roman" panose="02020603050405020304" pitchFamily="18" charset="0"/>
+              </a:rPr>
+              <a:t>: o </a:t>
+            </a:r>
+            <a:r>
+              <a:rPr lang="pt-BR" sz="1800" b="1" dirty="0">
+                <a:solidFill>
+                  <a:srgbClr val="FF0000"/>
+                </a:solidFill>
+                <a:latin typeface="Times New Roman" panose="02020603050405020304" pitchFamily="18" charset="0"/>
+                <a:cs typeface="Times New Roman" panose="02020603050405020304" pitchFamily="18" charset="0"/>
+              </a:rPr>
+              <a:t>problema</a:t>
+            </a:r>
+            <a:r>
+              <a:rPr lang="pt-BR" sz="1800" dirty="0">
+                <a:solidFill>
+                  <a:schemeClr val="tx1"/>
+                </a:solidFill>
+                <a:latin typeface="Times New Roman" panose="02020603050405020304" pitchFamily="18" charset="0"/>
+                <a:cs typeface="Times New Roman" panose="02020603050405020304" pitchFamily="18" charset="0"/>
+              </a:rPr>
+              <a:t> </a:t>
+            </a:r>
+            <a:r>
+              <a:rPr lang="pt-BR" sz="1800" b="1" dirty="0">
+                <a:solidFill>
+                  <a:srgbClr val="FF0000"/>
+                </a:solidFill>
+                <a:latin typeface="Times New Roman" panose="02020603050405020304" pitchFamily="18" charset="0"/>
+                <a:cs typeface="Times New Roman" panose="02020603050405020304" pitchFamily="18" charset="0"/>
+              </a:rPr>
+              <a:t>principal</a:t>
+            </a:r>
+            <a:r>
+              <a:rPr lang="pt-BR" sz="1800" dirty="0">
+                <a:solidFill>
+                  <a:schemeClr val="tx1"/>
+                </a:solidFill>
+                <a:latin typeface="Times New Roman" panose="02020603050405020304" pitchFamily="18" charset="0"/>
+                <a:cs typeface="Times New Roman" panose="02020603050405020304" pitchFamily="18" charset="0"/>
+              </a:rPr>
+              <a:t> é decomposto em </a:t>
+            </a:r>
+            <a:r>
+              <a:rPr lang="pt-BR" sz="1800" b="1" dirty="0">
+                <a:solidFill>
+                  <a:srgbClr val="FF0000"/>
+                </a:solidFill>
+                <a:latin typeface="Times New Roman" panose="02020603050405020304" pitchFamily="18" charset="0"/>
+                <a:cs typeface="Times New Roman" panose="02020603050405020304" pitchFamily="18" charset="0"/>
+              </a:rPr>
+              <a:t>subproblemas menores</a:t>
+            </a:r>
+            <a:r>
+              <a:rPr lang="pt-BR" sz="1800" dirty="0">
+                <a:solidFill>
+                  <a:schemeClr val="tx1"/>
+                </a:solidFill>
+                <a:latin typeface="Times New Roman" panose="02020603050405020304" pitchFamily="18" charset="0"/>
+                <a:cs typeface="Times New Roman" panose="02020603050405020304" pitchFamily="18" charset="0"/>
+              </a:rPr>
+              <a:t>, combinando as respostas e cada subproblemas, a </a:t>
+            </a:r>
+            <a:r>
+              <a:rPr lang="pt-BR" sz="1800" b="1" dirty="0">
+                <a:solidFill>
+                  <a:srgbClr val="FF0000"/>
+                </a:solidFill>
+                <a:latin typeface="Times New Roman" panose="02020603050405020304" pitchFamily="18" charset="0"/>
+                <a:cs typeface="Times New Roman" panose="02020603050405020304" pitchFamily="18" charset="0"/>
+              </a:rPr>
+              <a:t>conquista</a:t>
+            </a:r>
+            <a:r>
+              <a:rPr lang="pt-BR" sz="1800" dirty="0">
+                <a:solidFill>
+                  <a:schemeClr val="tx1"/>
+                </a:solidFill>
+                <a:latin typeface="Times New Roman" panose="02020603050405020304" pitchFamily="18" charset="0"/>
+                <a:cs typeface="Times New Roman" panose="02020603050405020304" pitchFamily="18" charset="0"/>
+              </a:rPr>
+              <a:t> é a </a:t>
+            </a:r>
+            <a:r>
+              <a:rPr lang="pt-BR" sz="1800" b="1" dirty="0">
+                <a:solidFill>
+                  <a:schemeClr val="tx1"/>
+                </a:solidFill>
+                <a:latin typeface="Times New Roman" panose="02020603050405020304" pitchFamily="18" charset="0"/>
+                <a:cs typeface="Times New Roman" panose="02020603050405020304" pitchFamily="18" charset="0"/>
+              </a:rPr>
+              <a:t>solução</a:t>
+            </a:r>
+            <a:r>
+              <a:rPr lang="pt-BR" sz="1800" dirty="0">
+                <a:solidFill>
+                  <a:schemeClr val="tx1"/>
+                </a:solidFill>
+                <a:latin typeface="Times New Roman" panose="02020603050405020304" pitchFamily="18" charset="0"/>
+                <a:cs typeface="Times New Roman" panose="02020603050405020304" pitchFamily="18" charset="0"/>
+              </a:rPr>
+              <a:t>.</a:t>
             </a:r>
           </a:p>
           <a:p>
             <a:pPr marL="0" indent="0" algn="just">
               <a:buNone/>
             </a:pPr>
-            <a:endParaRPr lang="pt-BR" sz="2000" dirty="0">
+            <a:endParaRPr lang="pt-BR" sz="1800" dirty="0">
               <a:solidFill>
                 <a:schemeClr val="tx1"/>
               </a:solidFill>
@@ -10143,27 +10801,37 @@
               <a:buNone/>
             </a:pPr>
             <a:r>
-              <a:rPr lang="pt-BR" sz="2000" dirty="0">
+              <a:rPr lang="pt-BR" sz="1800" b="1" dirty="0">
                 <a:solidFill>
                   <a:schemeClr val="tx1"/>
                 </a:solidFill>
                 <a:latin typeface="Times New Roman" panose="02020603050405020304" pitchFamily="18" charset="0"/>
                 <a:cs typeface="Times New Roman" panose="02020603050405020304" pitchFamily="18" charset="0"/>
               </a:rPr>
-              <a:t>Construção Tentativa e Erro: Testa a solução, se der falhar, volta um passo para trás, usando recursão, </a:t>
-            </a:r>
-            <a:r>
-              <a:rPr lang="pt-BR" sz="2000" b="1" dirty="0" err="1">
+              <a:t>Construção Tentativa e Erro</a:t>
+            </a:r>
+            <a:r>
+              <a:rPr lang="pt-BR" sz="1800" dirty="0">
                 <a:solidFill>
                   <a:schemeClr val="tx1"/>
                 </a:solidFill>
                 <a:latin typeface="Times New Roman" panose="02020603050405020304" pitchFamily="18" charset="0"/>
                 <a:cs typeface="Times New Roman" panose="02020603050405020304" pitchFamily="18" charset="0"/>
               </a:rPr>
+              <a:t>: Testa a solução, se der falhar, volta um passo para trás, usando recursão, </a:t>
+            </a:r>
+            <a:r>
+              <a:rPr lang="pt-BR" sz="1800" b="1" dirty="0" err="1">
+                <a:solidFill>
+                  <a:schemeClr val="tx1"/>
+                </a:solidFill>
+                <a:latin typeface="Times New Roman" panose="02020603050405020304" pitchFamily="18" charset="0"/>
+                <a:cs typeface="Times New Roman" panose="02020603050405020304" pitchFamily="18" charset="0"/>
+              </a:rPr>
               <a:t>backtracking</a:t>
             </a:r>
             <a:r>
-              <a:rPr lang="pt-BR" sz="2000" dirty="0">
+              <a:rPr lang="pt-BR" sz="1800" dirty="0">
                 <a:solidFill>
                   <a:schemeClr val="tx1"/>
                 </a:solidFill>
@@ -10173,7 +10841,7 @@
               <a:t>, refinamento do algoritmo de busca por força bruta. Busca todas as soluções possíveis e seleciona a melhor. </a:t>
             </a:r>
             <a:r>
-              <a:rPr lang="pt-BR" sz="2000" b="1" dirty="0">
+              <a:rPr lang="pt-BR" sz="1800" b="1" dirty="0">
                 <a:solidFill>
                   <a:srgbClr val="FF0000"/>
                 </a:solidFill>
@@ -10183,7 +10851,7 @@
               <a:t>Inviável para n grandes</a:t>
             </a:r>
             <a:r>
-              <a:rPr lang="pt-BR" sz="2000" dirty="0">
+              <a:rPr lang="pt-BR" sz="1800" dirty="0">
                 <a:solidFill>
                   <a:schemeClr val="tx1"/>
                 </a:solidFill>
@@ -10197,7 +10865,7 @@
             <a:pPr marL="0" indent="0" algn="just">
               <a:buNone/>
             </a:pPr>
-            <a:endParaRPr lang="pt-BR" sz="2000" dirty="0">
+            <a:endParaRPr lang="pt-BR" sz="1800" dirty="0">
               <a:solidFill>
                 <a:schemeClr val="tx1"/>
               </a:solidFill>
@@ -10210,14 +10878,24 @@
               <a:buNone/>
             </a:pPr>
             <a:r>
-              <a:rPr lang="pt-BR" sz="2000" dirty="0">
+              <a:rPr lang="pt-BR" sz="1800" b="1" dirty="0">
                 <a:solidFill>
                   <a:schemeClr val="tx1"/>
                 </a:solidFill>
                 <a:latin typeface="Times New Roman" panose="02020603050405020304" pitchFamily="18" charset="0"/>
                 <a:cs typeface="Times New Roman" panose="02020603050405020304" pitchFamily="18" charset="0"/>
               </a:rPr>
-              <a:t>Construção Algoritmos Gulosos: estratégias de projeto de algoritmos que, a cada passo, escolhem a alternativa que parece ser a melhor naquele momento, na esperança de que essas escolhas locais levem a uma solução ótima global, mas sem garantir o resultado , sem revisitar as escolhas.</a:t>
+              <a:t>Construção Algoritmos Gulosos</a:t>
+            </a:r>
+            <a:r>
+              <a:rPr lang="pt-BR" sz="1800" dirty="0">
+                <a:solidFill>
+                  <a:schemeClr val="tx1"/>
+                </a:solidFill>
+                <a:latin typeface="Times New Roman" panose="02020603050405020304" pitchFamily="18" charset="0"/>
+                <a:cs typeface="Times New Roman" panose="02020603050405020304" pitchFamily="18" charset="0"/>
+              </a:rPr>
+              <a:t>: estratégias de projeto de algoritmos que, a cada passo, escolhem a alternativa que parece ser a melhor naquele momento, na esperança de que essas escolhas locais levem a uma solução ótima global, mas sem garantir o resultado , sem revisitar as escolhas.</a:t>
             </a:r>
           </a:p>
         </p:txBody>
@@ -10351,6 +11029,16 @@
               <a:buNone/>
             </a:pPr>
             <a:r>
+              <a:rPr lang="pt-BR" sz="2000" b="1" dirty="0">
+                <a:solidFill>
+                  <a:schemeClr val="tx1"/>
+                </a:solidFill>
+                <a:latin typeface="Times New Roman" panose="02020603050405020304" pitchFamily="18" charset="0"/>
+                <a:cs typeface="Times New Roman" panose="02020603050405020304" pitchFamily="18" charset="0"/>
+              </a:rPr>
+              <a:t>Construção Programação Dinâmica</a:t>
+            </a:r>
+            <a:r>
               <a:rPr lang="pt-BR" sz="2000" dirty="0">
                 <a:solidFill>
                   <a:schemeClr val="tx1"/>
@@ -10358,7 +11046,7 @@
                 <a:latin typeface="Times New Roman" panose="02020603050405020304" pitchFamily="18" charset="0"/>
                 <a:cs typeface="Times New Roman" panose="02020603050405020304" pitchFamily="18" charset="0"/>
               </a:rPr>
-              <a:t>Construção Programação Dinâmica: A solução ótima pode ser obtida a partir da solução ótima obtida previamente de outros subproblemas que, </a:t>
+              <a:t>: A solução ótima pode ser obtida a partir da solução ótima obtida previamente de outros subproblemas que, </a:t>
             </a:r>
             <a:r>
               <a:rPr lang="pt-BR" sz="2000" b="1" dirty="0">
@@ -10398,6 +11086,16 @@
               <a:buNone/>
             </a:pPr>
             <a:r>
+              <a:rPr lang="pt-BR" sz="2000" b="1" dirty="0">
+                <a:solidFill>
+                  <a:srgbClr val="FF0000"/>
+                </a:solidFill>
+                <a:latin typeface="Times New Roman" panose="02020603050405020304" pitchFamily="18" charset="0"/>
+                <a:cs typeface="Times New Roman" panose="02020603050405020304" pitchFamily="18" charset="0"/>
+              </a:rPr>
+              <a:t>Duas características</a:t>
+            </a:r>
+            <a:r>
               <a:rPr lang="pt-BR" sz="2000" dirty="0">
                 <a:solidFill>
                   <a:schemeClr val="tx1"/>
@@ -10405,7 +11103,17 @@
                 <a:latin typeface="Times New Roman" panose="02020603050405020304" pitchFamily="18" charset="0"/>
                 <a:cs typeface="Times New Roman" panose="02020603050405020304" pitchFamily="18" charset="0"/>
               </a:rPr>
-              <a:t>Duas características: Pode ser implementada de forma iterativa ou recursiva</a:t>
+              <a:t>: Pode ser implementada de forma </a:t>
+            </a:r>
+            <a:r>
+              <a:rPr lang="pt-BR" sz="2000" b="1" dirty="0">
+                <a:solidFill>
+                  <a:srgbClr val="FF0000"/>
+                </a:solidFill>
+                <a:latin typeface="Times New Roman" panose="02020603050405020304" pitchFamily="18" charset="0"/>
+                <a:cs typeface="Times New Roman" panose="02020603050405020304" pitchFamily="18" charset="0"/>
+              </a:rPr>
+              <a:t>iterativa ou recursiva.</a:t>
             </a:r>
           </a:p>
           <a:p>
@@ -10414,6 +11122,16 @@
               <a:buChar char="§"/>
             </a:pPr>
             <a:r>
+              <a:rPr lang="pt-BR" sz="2000" b="1" dirty="0">
+                <a:solidFill>
+                  <a:schemeClr val="tx1"/>
+                </a:solidFill>
+                <a:latin typeface="Times New Roman" panose="02020603050405020304" pitchFamily="18" charset="0"/>
+                <a:cs typeface="Times New Roman" panose="02020603050405020304" pitchFamily="18" charset="0"/>
+              </a:rPr>
+              <a:t>Subestrutura ótima</a:t>
+            </a:r>
+            <a:r>
               <a:rPr lang="pt-BR" sz="2000" dirty="0">
                 <a:solidFill>
                   <a:schemeClr val="tx1"/>
@@ -10421,7 +11139,7 @@
                 <a:latin typeface="Times New Roman" panose="02020603050405020304" pitchFamily="18" charset="0"/>
                 <a:cs typeface="Times New Roman" panose="02020603050405020304" pitchFamily="18" charset="0"/>
               </a:rPr>
-              <a:t>Subestrutura ótima: ocorre quando uma solução ótima pode ser calculada a partir de soluções ótimas de subproblemas.</a:t>
+              <a:t>: ocorre quando uma solução ótima pode ser calculada a partir de soluções ótimas de subproblemas.</a:t>
             </a:r>
           </a:p>
           <a:p>
@@ -10430,6 +11148,16 @@
               <a:buChar char="§"/>
             </a:pPr>
             <a:r>
+              <a:rPr lang="pt-BR" sz="2000" b="1" dirty="0">
+                <a:solidFill>
+                  <a:schemeClr val="tx1"/>
+                </a:solidFill>
+                <a:latin typeface="Times New Roman" panose="02020603050405020304" pitchFamily="18" charset="0"/>
+                <a:cs typeface="Times New Roman" panose="02020603050405020304" pitchFamily="18" charset="0"/>
+              </a:rPr>
+              <a:t>Superposição de subproblemas</a:t>
+            </a:r>
+            <a:r>
               <a:rPr lang="pt-BR" sz="2000" dirty="0">
                 <a:solidFill>
                   <a:schemeClr val="tx1"/>
@@ -10437,7 +11165,47 @@
                 <a:latin typeface="Times New Roman" panose="02020603050405020304" pitchFamily="18" charset="0"/>
                 <a:cs typeface="Times New Roman" panose="02020603050405020304" pitchFamily="18" charset="0"/>
               </a:rPr>
-              <a:t>Superposição de subproblemas: ocorre quando o algoritmo reexamina o mesmo subproblema diversas vezes. </a:t>
+              <a:t>: ocorre quando o algoritmo </a:t>
+            </a:r>
+            <a:r>
+              <a:rPr lang="pt-BR" sz="2000" b="1" dirty="0">
+                <a:solidFill>
+                  <a:srgbClr val="FF0000"/>
+                </a:solidFill>
+                <a:latin typeface="Times New Roman" panose="02020603050405020304" pitchFamily="18" charset="0"/>
+                <a:cs typeface="Times New Roman" panose="02020603050405020304" pitchFamily="18" charset="0"/>
+              </a:rPr>
+              <a:t>reexamina</a:t>
+            </a:r>
+            <a:r>
+              <a:rPr lang="pt-BR" sz="2000" dirty="0">
+                <a:solidFill>
+                  <a:schemeClr val="tx1"/>
+                </a:solidFill>
+                <a:latin typeface="Times New Roman" panose="02020603050405020304" pitchFamily="18" charset="0"/>
+                <a:cs typeface="Times New Roman" panose="02020603050405020304" pitchFamily="18" charset="0"/>
+              </a:rPr>
+              <a:t> o mesmo </a:t>
+            </a:r>
+            <a:r>
+              <a:rPr lang="pt-BR" sz="2000" b="1" dirty="0">
+                <a:solidFill>
+                  <a:srgbClr val="FF0000"/>
+                </a:solidFill>
+                <a:latin typeface="Times New Roman" panose="02020603050405020304" pitchFamily="18" charset="0"/>
+                <a:cs typeface="Times New Roman" panose="02020603050405020304" pitchFamily="18" charset="0"/>
+              </a:rPr>
+              <a:t>subproblema diversas vezes</a:t>
+            </a:r>
+            <a:r>
+              <a:rPr lang="pt-BR" sz="2000" dirty="0">
+                <a:solidFill>
+                  <a:schemeClr val="tx1"/>
+                </a:solidFill>
+                <a:latin typeface="Times New Roman" panose="02020603050405020304" pitchFamily="18" charset="0"/>
+                <a:cs typeface="Times New Roman" panose="02020603050405020304" pitchFamily="18" charset="0"/>
+              </a:rPr>
+              <a:t>. </a:t>
             </a:r>
           </a:p>
         </p:txBody>
@@ -10644,6 +11412,16 @@
               <a:buNone/>
             </a:pPr>
             <a:r>
+              <a:rPr lang="pt-BR" sz="2000" b="1" dirty="0">
+                <a:solidFill>
+                  <a:schemeClr val="tx1"/>
+                </a:solidFill>
+                <a:latin typeface="Times New Roman" panose="02020603050405020304" pitchFamily="18" charset="0"/>
+                <a:cs typeface="Times New Roman" panose="02020603050405020304" pitchFamily="18" charset="0"/>
+              </a:rPr>
+              <a:t>Fibonacci</a:t>
+            </a:r>
+            <a:r>
               <a:rPr lang="pt-BR" sz="2000" dirty="0">
                 <a:solidFill>
                   <a:schemeClr val="tx1"/>
@@ -10651,7 +11429,102 @@
                 <a:latin typeface="Times New Roman" panose="02020603050405020304" pitchFamily="18" charset="0"/>
                 <a:cs typeface="Times New Roman" panose="02020603050405020304" pitchFamily="18" charset="0"/>
               </a:rPr>
-              <a:t>Fibonacci(n) = n, para n&lt;= 1; Fibonacci(n-1) + Fibonacci(n-2), caso contrário.</a:t>
+              <a:t>(n) = 	</a:t>
+            </a:r>
+            <a:r>
+              <a:rPr lang="pt-BR" sz="2000" b="1" dirty="0">
+                <a:solidFill>
+                  <a:srgbClr val="FF0000"/>
+                </a:solidFill>
+                <a:latin typeface="Times New Roman" panose="02020603050405020304" pitchFamily="18" charset="0"/>
+                <a:cs typeface="Times New Roman" panose="02020603050405020304" pitchFamily="18" charset="0"/>
+              </a:rPr>
+              <a:t>n</a:t>
+            </a:r>
+            <a:r>
+              <a:rPr lang="pt-BR" sz="2000" dirty="0">
+                <a:solidFill>
+                  <a:schemeClr val="tx1"/>
+                </a:solidFill>
+                <a:latin typeface="Times New Roman" panose="02020603050405020304" pitchFamily="18" charset="0"/>
+                <a:cs typeface="Times New Roman" panose="02020603050405020304" pitchFamily="18" charset="0"/>
+              </a:rPr>
+              <a:t>, 								para </a:t>
+            </a:r>
+            <a:r>
+              <a:rPr lang="pt-BR" sz="2000" b="1" dirty="0">
+                <a:solidFill>
+                  <a:schemeClr val="tx1"/>
+                </a:solidFill>
+                <a:latin typeface="Times New Roman" panose="02020603050405020304" pitchFamily="18" charset="0"/>
+                <a:cs typeface="Times New Roman" panose="02020603050405020304" pitchFamily="18" charset="0"/>
+              </a:rPr>
+              <a:t>n &lt;= 1</a:t>
+            </a:r>
+            <a:r>
+              <a:rPr lang="pt-BR" sz="2000" dirty="0">
+                <a:solidFill>
+                  <a:schemeClr val="tx1"/>
+                </a:solidFill>
+                <a:latin typeface="Times New Roman" panose="02020603050405020304" pitchFamily="18" charset="0"/>
+                <a:cs typeface="Times New Roman" panose="02020603050405020304" pitchFamily="18" charset="0"/>
+              </a:rPr>
+              <a:t>; </a:t>
+            </a:r>
+          </a:p>
+          <a:p>
+            <a:pPr marL="0" indent="0" algn="just">
+              <a:buNone/>
+            </a:pPr>
+            <a:r>
+              <a:rPr lang="pt-BR" sz="2000" dirty="0">
+                <a:solidFill>
+                  <a:schemeClr val="tx1"/>
+                </a:solidFill>
+                <a:latin typeface="Times New Roman" panose="02020603050405020304" pitchFamily="18" charset="0"/>
+                <a:cs typeface="Times New Roman" panose="02020603050405020304" pitchFamily="18" charset="0"/>
+              </a:rPr>
+              <a:t>				</a:t>
+            </a:r>
+            <a:r>
+              <a:rPr lang="pt-BR" sz="2000" b="1" dirty="0">
+                <a:solidFill>
+                  <a:srgbClr val="FF0000"/>
+                </a:solidFill>
+                <a:latin typeface="Times New Roman" panose="02020603050405020304" pitchFamily="18" charset="0"/>
+                <a:cs typeface="Times New Roman" panose="02020603050405020304" pitchFamily="18" charset="0"/>
+              </a:rPr>
+              <a:t>Fibonacci(n-1) + Fibonacci(n-2)</a:t>
+            </a:r>
+            <a:r>
+              <a:rPr lang="pt-BR" sz="2000" dirty="0">
+                <a:solidFill>
+                  <a:schemeClr val="tx1"/>
+                </a:solidFill>
+                <a:latin typeface="Times New Roman" panose="02020603050405020304" pitchFamily="18" charset="0"/>
+                <a:cs typeface="Times New Roman" panose="02020603050405020304" pitchFamily="18" charset="0"/>
+              </a:rPr>
+              <a:t>, 	</a:t>
+            </a:r>
+            <a:r>
+              <a:rPr lang="pt-BR" sz="2000" b="1" dirty="0">
+                <a:solidFill>
+                  <a:schemeClr val="tx1"/>
+                </a:solidFill>
+                <a:latin typeface="Times New Roman" panose="02020603050405020304" pitchFamily="18" charset="0"/>
+                <a:cs typeface="Times New Roman" panose="02020603050405020304" pitchFamily="18" charset="0"/>
+              </a:rPr>
+              <a:t>caso contrário</a:t>
+            </a:r>
+            <a:r>
+              <a:rPr lang="pt-BR" sz="2000" dirty="0">
+                <a:solidFill>
+                  <a:schemeClr val="tx1"/>
+                </a:solidFill>
+                <a:latin typeface="Times New Roman" panose="02020603050405020304" pitchFamily="18" charset="0"/>
+                <a:cs typeface="Times New Roman" panose="02020603050405020304" pitchFamily="18" charset="0"/>
+              </a:rPr>
+              <a:t>.</a:t>
             </a:r>
           </a:p>
           <a:p>
@@ -10706,7 +11579,7 @@
               <a:t> </a:t>
             </a:r>
             <a:r>
-              <a:rPr lang="pt-BR" sz="2000" dirty="0" err="1">
+              <a:rPr lang="pt-BR" sz="2000" b="1" dirty="0" err="1">
                 <a:solidFill>
                   <a:schemeClr val="tx1"/>
                 </a:solidFill>
@@ -10741,7 +11614,7 @@
               <a:t>   </a:t>
             </a:r>
             <a:r>
-              <a:rPr lang="pt-BR" sz="2000" dirty="0" err="1">
+              <a:rPr lang="pt-BR" sz="2000" b="1" dirty="0" err="1">
                 <a:solidFill>
                   <a:schemeClr val="tx1"/>
                 </a:solidFill>
@@ -10761,7 +11634,7 @@
               <a:t> (n &lt;= 1) </a:t>
             </a:r>
             <a:r>
-              <a:rPr lang="pt-BR" sz="2000" dirty="0" err="1">
+              <a:rPr lang="pt-BR" sz="2000" b="1" dirty="0" err="1">
                 <a:solidFill>
                   <a:schemeClr val="tx1"/>
                 </a:solidFill>
@@ -10796,7 +11669,7 @@
               <a:t>   </a:t>
             </a:r>
             <a:r>
-              <a:rPr lang="pt-BR" sz="2000" dirty="0" err="1">
+              <a:rPr lang="pt-BR" sz="2000" b="1" dirty="0" err="1">
                 <a:solidFill>
                   <a:schemeClr val="tx1"/>
                 </a:solidFill>
@@ -10816,44 +11689,54 @@
               <a:t> </a:t>
             </a:r>
             <a:r>
-              <a:rPr lang="pt-BR" sz="2000" dirty="0" err="1">
+              <a:rPr lang="pt-BR" sz="2000" b="1" dirty="0" err="1">
+                <a:solidFill>
+                  <a:srgbClr val="FF0000"/>
+                </a:solidFill>
+                <a:latin typeface="Times New Roman" panose="02020603050405020304" pitchFamily="18" charset="0"/>
+                <a:cs typeface="Times New Roman" panose="02020603050405020304" pitchFamily="18" charset="0"/>
+              </a:rPr>
+              <a:t>fib</a:t>
+            </a:r>
+            <a:r>
+              <a:rPr lang="pt-BR" sz="2000" b="1" dirty="0">
+                <a:solidFill>
+                  <a:srgbClr val="FF0000"/>
+                </a:solidFill>
+                <a:latin typeface="Times New Roman" panose="02020603050405020304" pitchFamily="18" charset="0"/>
+                <a:cs typeface="Times New Roman" panose="02020603050405020304" pitchFamily="18" charset="0"/>
+              </a:rPr>
+              <a:t>(n-1) + </a:t>
+            </a:r>
+            <a:r>
+              <a:rPr lang="pt-BR" sz="2000" b="1" dirty="0" err="1">
+                <a:solidFill>
+                  <a:srgbClr val="FF0000"/>
+                </a:solidFill>
+                <a:latin typeface="Times New Roman" panose="02020603050405020304" pitchFamily="18" charset="0"/>
+                <a:cs typeface="Times New Roman" panose="02020603050405020304" pitchFamily="18" charset="0"/>
+              </a:rPr>
+              <a:t>fib</a:t>
+            </a:r>
+            <a:r>
+              <a:rPr lang="pt-BR" sz="2000" b="1" dirty="0">
+                <a:solidFill>
+                  <a:srgbClr val="FF0000"/>
+                </a:solidFill>
+                <a:latin typeface="Times New Roman" panose="02020603050405020304" pitchFamily="18" charset="0"/>
+                <a:cs typeface="Times New Roman" panose="02020603050405020304" pitchFamily="18" charset="0"/>
+              </a:rPr>
+              <a:t>(n-2)</a:t>
+            </a:r>
+            <a:r>
+              <a:rPr lang="pt-BR" sz="2000" dirty="0">
                 <a:solidFill>
                   <a:schemeClr val="tx1"/>
                 </a:solidFill>
                 <a:latin typeface="Times New Roman" panose="02020603050405020304" pitchFamily="18" charset="0"/>
                 <a:cs typeface="Times New Roman" panose="02020603050405020304" pitchFamily="18" charset="0"/>
               </a:rPr>
-              <a:t>fib</a:t>
-            </a:r>
-            <a:r>
-              <a:rPr lang="pt-BR" sz="2000" dirty="0">
-                <a:solidFill>
-                  <a:schemeClr val="tx1"/>
-                </a:solidFill>
-                <a:latin typeface="Times New Roman" panose="02020603050405020304" pitchFamily="18" charset="0"/>
-                <a:cs typeface="Times New Roman" panose="02020603050405020304" pitchFamily="18" charset="0"/>
-              </a:rPr>
-              <a:t>(n-1) + </a:t>
-            </a:r>
-            <a:r>
-              <a:rPr lang="pt-BR" sz="2000" dirty="0" err="1">
-                <a:solidFill>
-                  <a:schemeClr val="tx1"/>
-                </a:solidFill>
-                <a:latin typeface="Times New Roman" panose="02020603050405020304" pitchFamily="18" charset="0"/>
-                <a:cs typeface="Times New Roman" panose="02020603050405020304" pitchFamily="18" charset="0"/>
-              </a:rPr>
-              <a:t>fib</a:t>
-            </a:r>
-            <a:r>
-              <a:rPr lang="pt-BR" sz="2000" dirty="0">
-                <a:solidFill>
-                  <a:schemeClr val="tx1"/>
-                </a:solidFill>
-                <a:latin typeface="Times New Roman" panose="02020603050405020304" pitchFamily="18" charset="0"/>
-                <a:cs typeface="Times New Roman" panose="02020603050405020304" pitchFamily="18" charset="0"/>
-              </a:rPr>
-              <a:t>(n-2);</a:t>
+              <a:t>;</a:t>
             </a:r>
           </a:p>
           <a:p>
